--- a/bi4i4.pptx
+++ b/bi4i4.pptx
@@ -5,17 +5,20 @@
     <p:sldMasterId id="2147483660" r:id="rId1"/>
   </p:sldMasterIdLst>
   <p:notesMasterIdLst>
-    <p:notesMasterId r:id="rId5"/>
+    <p:notesMasterId r:id="rId8"/>
   </p:notesMasterIdLst>
   <p:sldIdLst>
     <p:sldId id="401" r:id="rId2"/>
-    <p:sldId id="400" r:id="rId3"/>
-    <p:sldId id="402" r:id="rId4"/>
+    <p:sldId id="403" r:id="rId3"/>
+    <p:sldId id="404" r:id="rId4"/>
+    <p:sldId id="405" r:id="rId5"/>
+    <p:sldId id="400" r:id="rId6"/>
+    <p:sldId id="402" r:id="rId7"/>
   </p:sldIdLst>
   <p:sldSz cx="9144000" cy="6858000" type="screen4x3"/>
   <p:notesSz cx="6858000" cy="9144000"/>
   <p:custDataLst>
-    <p:tags r:id="rId6"/>
+    <p:tags r:id="rId9"/>
   </p:custDataLst>
   <p:defaultTextStyle>
     <a:defPPr>
@@ -4306,14 +4309,7 @@
                 <a:latin typeface="微软雅黑" panose="020B0503020204020204" pitchFamily="34" charset="-122"/>
                 <a:ea typeface="微软雅黑" panose="020B0503020204020204" pitchFamily="34" charset="-122"/>
               </a:rPr>
-              <a:t> </a:t>
-            </a:r>
-            <a:r>
-              <a:rPr lang="en-US" altLang="zh-CN" sz="2000" dirty="0" smtClean="0">
-                <a:latin typeface="微软雅黑" panose="020B0503020204020204" pitchFamily="34" charset="-122"/>
-                <a:ea typeface="微软雅黑" panose="020B0503020204020204" pitchFamily="34" charset="-122"/>
-              </a:rPr>
-              <a:t>University</a:t>
+              <a:t> University</a:t>
             </a:r>
             <a:endParaRPr lang="zh-CN" altLang="en-US" sz="2000" dirty="0">
               <a:latin typeface="微软雅黑" panose="020B0503020204020204" pitchFamily="34" charset="-122"/>
@@ -4382,8 +4378,8 @@
           </a:prstGeom>
         </p:spPr>
       </p:pic>
-      <mc:AlternateContent xmlns:mc="http://schemas.openxmlformats.org/markup-compatibility/2006">
-        <mc:Choice xmlns:a14="http://schemas.microsoft.com/office/drawing/2010/main" Requires="a14">
+      <mc:AlternateContent xmlns:mc="http://schemas.openxmlformats.org/markup-compatibility/2006" xmlns:a14="http://schemas.microsoft.com/office/drawing/2010/main">
+        <mc:Choice Requires="a14">
           <p:sp>
             <p:nvSpPr>
               <p:cNvPr id="10" name="矩形 9"/>
@@ -4521,7 +4517,7 @@
             </p:txBody>
           </p:sp>
         </mc:Choice>
-        <mc:Fallback>
+        <mc:Fallback xmlns="">
           <p:sp>
             <p:nvSpPr>
               <p:cNvPr id="10" name="矩形 9"/>
@@ -4738,7 +4734,7 @@
         <p:spPr>
           <a:xfrm>
             <a:off x="142844" y="116632"/>
-            <a:ext cx="2027606" cy="523220"/>
+            <a:ext cx="2938625" cy="523220"/>
           </a:xfrm>
           <a:prstGeom prst="rect">
             <a:avLst/>
@@ -4756,7 +4752,7 @@
                 <a:ea typeface="微软雅黑" pitchFamily="34" charset="-122"/>
                 <a:cs typeface="Times New Roman" pitchFamily="18" charset="0"/>
               </a:rPr>
-              <a:t>SUMMARY</a:t>
+              <a:t>INTRODUCTION</a:t>
             </a:r>
             <a:endParaRPr lang="en-US" altLang="zh-CN" sz="2800" b="1" dirty="0">
               <a:ea typeface="微软雅黑" pitchFamily="34" charset="-122"/>
@@ -4773,7 +4769,7 @@
         </p:nvSpPr>
         <p:spPr>
           <a:xfrm>
-            <a:off x="899592" y="1191270"/>
+            <a:off x="467544" y="1271861"/>
             <a:ext cx="7416824" cy="461665"/>
           </a:xfrm>
           <a:prstGeom prst="rect">
@@ -4795,24 +4791,7 @@
                 <a:latin typeface="+mn-lt"/>
                 <a:cs typeface="Times New Roman" panose="02020603050405020304" pitchFamily="18" charset="0"/>
               </a:rPr>
-              <a:t>dopant distribution affects thermal conductivity very</a:t>
-            </a:r>
-            <a:r>
-              <a:rPr lang="en-US" altLang="zh-CN" sz="2000" dirty="0" smtClean="0">
-                <a:latin typeface="Batang" panose="02030600000101010101" pitchFamily="18" charset="-127"/>
-                <a:ea typeface="Batang" panose="02030600000101010101" pitchFamily="18" charset="-127"/>
-              </a:rPr>
-              <a:t> </a:t>
-            </a:r>
-            <a:r>
-              <a:rPr lang="en-US" altLang="zh-CN" sz="2400" kern="100" dirty="0">
-                <a:solidFill>
-                  <a:srgbClr val="000000"/>
-                </a:solidFill>
-                <a:latin typeface="+mn-lt"/>
-                <a:cs typeface="Times New Roman" panose="02020603050405020304" pitchFamily="18" charset="0"/>
-              </a:rPr>
-              <a:t>well</a:t>
+              <a:t>1. Thermoelectricity</a:t>
             </a:r>
             <a:endParaRPr lang="zh-CN" altLang="en-US" sz="2400" kern="100" dirty="0">
               <a:solidFill>
@@ -4824,18 +4803,60 @@
           </a:p>
         </p:txBody>
       </p:sp>
-      <mc:AlternateContent xmlns:mc="http://schemas.openxmlformats.org/markup-compatibility/2006" xmlns:a14="http://schemas.microsoft.com/office/drawing/2010/main">
-        <mc:Choice Requires="a14">
+      <p:sp>
+        <p:nvSpPr>
+          <p:cNvPr id="10" name="文本框 9"/>
+          <p:cNvSpPr txBox="1"/>
+          <p:nvPr/>
+        </p:nvSpPr>
+        <p:spPr>
+          <a:xfrm>
+            <a:off x="467544" y="1835143"/>
+            <a:ext cx="7416824" cy="830997"/>
+          </a:xfrm>
+          <a:prstGeom prst="rect">
+            <a:avLst/>
+          </a:prstGeom>
+          <a:noFill/>
+        </p:spPr>
+        <p:txBody>
+          <a:bodyPr wrap="square" rtlCol="0">
+            <a:spAutoFit/>
+          </a:bodyPr>
+          <a:lstStyle/>
+          <a:p>
+            <a:r>
+              <a:rPr lang="en-US" altLang="zh-CN" sz="2400" kern="100" dirty="0" smtClean="0">
+                <a:solidFill>
+                  <a:srgbClr val="000000"/>
+                </a:solidFill>
+                <a:latin typeface="+mn-lt"/>
+                <a:cs typeface="Times New Roman" panose="02020603050405020304" pitchFamily="18" charset="0"/>
+              </a:rPr>
+              <a:t>2. The potential of topological insulator and nanowire in the field of thermos electricity</a:t>
+            </a:r>
+            <a:endParaRPr lang="zh-CN" altLang="en-US" sz="2400" kern="100" dirty="0">
+              <a:solidFill>
+                <a:srgbClr val="000000"/>
+              </a:solidFill>
+              <a:latin typeface="+mn-lt"/>
+              <a:cs typeface="Times New Roman" panose="02020603050405020304" pitchFamily="18" charset="0"/>
+            </a:endParaRPr>
+          </a:p>
+        </p:txBody>
+      </p:sp>
+      <mc:AlternateContent xmlns:mc="http://schemas.openxmlformats.org/markup-compatibility/2006">
+        <mc:Choice xmlns:a14="http://schemas.microsoft.com/office/drawing/2010/main" Requires="a14">
           <p:sp>
             <p:nvSpPr>
-              <p:cNvPr id="8" name="文本框 7"/>
+              <p:cNvPr id="11" name="文本框 10"/>
               <p:cNvSpPr txBox="1"/>
               <p:nvPr/>
             </p:nvSpPr>
             <p:spPr>
               <a:xfrm>
-                <a:off x="899998" y="1922587"/>
-                <a:ext cx="7488832" cy="1569660"/>
+                <a:off x="467544" y="2780928"/>
+                <a:ext cx="8352928" cy="461665"/>
               </a:xfrm>
               <a:prstGeom prst="rect">
                 <a:avLst/>
@@ -4856,7 +4877,7 @@
                     <a:latin typeface="+mn-lt"/>
                     <a:cs typeface="Times New Roman" panose="02020603050405020304" pitchFamily="18" charset="0"/>
                   </a:rPr>
-                  <a:t>      dopant </a:t>
+                  <a:t>3. A </a:t>
                 </a:r>
                 <a:r>
                   <a:rPr lang="en-US" altLang="zh-CN" sz="2400" kern="100" dirty="0">
@@ -4866,51 +4887,7 @@
                     <a:latin typeface="+mn-lt"/>
                     <a:cs typeface="Times New Roman" panose="02020603050405020304" pitchFamily="18" charset="0"/>
                   </a:rPr>
-                  <a:t>distribution &amp; ratio </a:t>
-                </a:r>
-                <a:endParaRPr lang="en-US" altLang="zh-CN" sz="2400" kern="100" dirty="0" smtClean="0">
-                  <a:solidFill>
-                    <a:srgbClr val="000000"/>
-                  </a:solidFill>
-                  <a:latin typeface="+mn-lt"/>
-                  <a:cs typeface="Times New Roman" panose="02020603050405020304" pitchFamily="18" charset="0"/>
-                </a:endParaRPr>
-              </a:p>
-              <a:p>
-                <a:r>
-                  <a:rPr lang="en-US" altLang="zh-CN" sz="2400" kern="100" dirty="0" smtClean="0">
-                    <a:solidFill>
-                      <a:srgbClr val="000000"/>
-                    </a:solidFill>
-                    <a:ea typeface="Cambria Math" panose="02040503050406030204" pitchFamily="18" charset="0"/>
-                    <a:cs typeface="Times New Roman" panose="02020603050405020304" pitchFamily="18" charset="0"/>
-                  </a:rPr>
-                  <a:t> </a:t>
-                </a:r>
-                <a14:m>
-                  <m:oMath xmlns:m="http://schemas.openxmlformats.org/officeDocument/2006/math">
-                    <m:r>
-                      <a:rPr lang="en-US" altLang="zh-CN" sz="2400" i="1" kern="100" dirty="0" smtClean="0">
-                        <a:solidFill>
-                          <a:srgbClr val="000000"/>
-                        </a:solidFill>
-                        <a:latin typeface="Cambria Math" panose="02040503050406030204" pitchFamily="18" charset="0"/>
-                        <a:ea typeface="Cambria Math" panose="02040503050406030204" pitchFamily="18" charset="0"/>
-                        <a:cs typeface="Times New Roman" panose="02020603050405020304" pitchFamily="18" charset="0"/>
-                      </a:rPr>
-                      <m:t>→</m:t>
-                    </m:r>
-                  </m:oMath>
-                </a14:m>
-                <a:r>
-                  <a:rPr lang="en-US" altLang="zh-CN" sz="2400" kern="100" dirty="0">
-                    <a:solidFill>
-                      <a:srgbClr val="000000"/>
-                    </a:solidFill>
-                    <a:latin typeface="+mn-lt"/>
-                    <a:cs typeface="Times New Roman" panose="02020603050405020304" pitchFamily="18" charset="0"/>
-                  </a:rPr>
-                  <a:t> the equality of the </a:t>
+                  <a:t>recently </a:t>
                 </a:r>
                 <a:r>
                   <a:rPr lang="en-US" altLang="zh-CN" sz="2400" kern="100" dirty="0" smtClean="0">
@@ -4920,104 +4897,16 @@
                     <a:latin typeface="+mn-lt"/>
                     <a:cs typeface="Times New Roman" panose="02020603050405020304" pitchFamily="18" charset="0"/>
                   </a:rPr>
-                  <a:t>atoms</a:t>
-                </a:r>
-                <a14:m>
-                  <m:oMath xmlns:m="http://schemas.openxmlformats.org/officeDocument/2006/math">
-                    <m:r>
-                      <a:rPr lang="en-US" altLang="zh-CN" sz="2400" i="1" kern="100" smtClean="0">
-                        <a:solidFill>
-                          <a:srgbClr val="000000"/>
-                        </a:solidFill>
-                        <a:latin typeface="Cambria Math" panose="02040503050406030204" pitchFamily="18" charset="0"/>
-                        <a:ea typeface="Cambria Math" panose="02040503050406030204" pitchFamily="18" charset="0"/>
-                        <a:cs typeface="Times New Roman" panose="02020603050405020304" pitchFamily="18" charset="0"/>
-                      </a:rPr>
-                      <m:t>↓</m:t>
-                    </m:r>
-                  </m:oMath>
-                </a14:m>
-                <a:r>
-                  <a:rPr lang="en-US" altLang="zh-CN" sz="2400" kern="100" dirty="0" smtClean="0">
-                    <a:solidFill>
-                      <a:srgbClr val="000000"/>
-                    </a:solidFill>
-                    <a:latin typeface="+mn-lt"/>
-                    <a:cs typeface="Times New Roman" panose="02020603050405020304" pitchFamily="18" charset="0"/>
-                  </a:rPr>
-                  <a:t> </a:t>
+                  <a:t>synthetized </a:t>
                 </a:r>
                 <a:r>
                   <a:rPr lang="en-US" altLang="zh-CN" sz="2400" kern="100" dirty="0">
                     <a:solidFill>
                       <a:srgbClr val="000000"/>
                     </a:solidFill>
-                    <a:latin typeface="+mn-lt"/>
                     <a:cs typeface="Times New Roman" panose="02020603050405020304" pitchFamily="18" charset="0"/>
                   </a:rPr>
-                  <a:t>(disorder degree</a:t>
-                </a:r>
-                <a14:m>
-                  <m:oMath xmlns:m="http://schemas.openxmlformats.org/officeDocument/2006/math">
-                    <m:r>
-                      <a:rPr lang="en-US" altLang="zh-CN" sz="2400" i="1" kern="100" dirty="0" smtClean="0">
-                        <a:solidFill>
-                          <a:srgbClr val="000000"/>
-                        </a:solidFill>
-                        <a:latin typeface="Cambria Math" panose="02040503050406030204" pitchFamily="18" charset="0"/>
-                        <a:ea typeface="Cambria Math" panose="02040503050406030204" pitchFamily="18" charset="0"/>
-                        <a:cs typeface="Times New Roman" panose="02020603050405020304" pitchFamily="18" charset="0"/>
-                      </a:rPr>
-                      <m:t>↑</m:t>
-                    </m:r>
-                  </m:oMath>
-                </a14:m>
-                <a:r>
-                  <a:rPr lang="en-US" altLang="zh-CN" sz="2400" kern="100" dirty="0" smtClean="0">
-                    <a:solidFill>
-                      <a:srgbClr val="000000"/>
-                    </a:solidFill>
-                    <a:latin typeface="+mn-lt"/>
-                    <a:cs typeface="Times New Roman" panose="02020603050405020304" pitchFamily="18" charset="0"/>
-                  </a:rPr>
-                  <a:t>)</a:t>
-                </a:r>
-              </a:p>
-              <a:p>
-                <a:r>
-                  <a:rPr lang="en-US" altLang="zh-CN" sz="2400" kern="100" dirty="0" smtClean="0">
-                    <a:solidFill>
-                      <a:srgbClr val="000000"/>
-                    </a:solidFill>
-                    <a:ea typeface="Cambria Math" panose="02040503050406030204" pitchFamily="18" charset="0"/>
-                    <a:cs typeface="Times New Roman" panose="02020603050405020304" pitchFamily="18" charset="0"/>
-                  </a:rPr>
-                  <a:t> </a:t>
-                </a:r>
-                <a14:m>
-                  <m:oMath xmlns:m="http://schemas.openxmlformats.org/officeDocument/2006/math">
-                    <m:r>
-                      <a:rPr lang="en-US" altLang="zh-CN" sz="2400" i="1" kern="100" dirty="0">
-                        <a:solidFill>
-                          <a:srgbClr val="000000"/>
-                        </a:solidFill>
-                        <a:latin typeface="Cambria Math" panose="02040503050406030204" pitchFamily="18" charset="0"/>
-                        <a:ea typeface="Cambria Math" panose="02040503050406030204" pitchFamily="18" charset="0"/>
-                        <a:cs typeface="Times New Roman" panose="02020603050405020304" pitchFamily="18" charset="0"/>
-                      </a:rPr>
-                      <m:t>→</m:t>
-                    </m:r>
-                  </m:oMath>
-                </a14:m>
-                <a:r>
-                  <a:rPr lang="en-US" altLang="zh-CN" sz="2400" kern="100" dirty="0">
-                    <a:solidFill>
-                      <a:srgbClr val="000000"/>
-                    </a:solidFill>
-                    <a:latin typeface="+mn-lt"/>
-                    <a:cs typeface="Times New Roman" panose="02020603050405020304" pitchFamily="18" charset="0"/>
-                  </a:rPr>
-                  <a:t> </a:t>
+                  <a:t>quasi </a:t>
                 </a:r>
                 <a:r>
                   <a:rPr lang="en-US" altLang="zh-CN" sz="2400" kern="100" dirty="0" smtClean="0">
@@ -5027,100 +4916,90 @@
                     <a:latin typeface="+mn-lt"/>
                     <a:cs typeface="Times New Roman" panose="02020603050405020304" pitchFamily="18" charset="0"/>
                   </a:rPr>
-                  <a:t>the </a:t>
-                </a:r>
-                <a:r>
-                  <a:rPr lang="en-US" altLang="zh-CN" sz="2400" kern="100" dirty="0">
-                    <a:solidFill>
-                      <a:srgbClr val="000000"/>
-                    </a:solidFill>
-                    <a:latin typeface="+mn-lt"/>
-                    <a:cs typeface="Times New Roman" panose="02020603050405020304" pitchFamily="18" charset="0"/>
-                  </a:rPr>
-                  <a:t>participation ratio</a:t>
-                </a:r>
-                <a:r>
-                  <a:rPr lang="en-US" altLang="zh-CN" sz="2400" kern="100" dirty="0">
-                    <a:solidFill>
-                      <a:srgbClr val="000000"/>
-                    </a:solidFill>
-                    <a:ea typeface="Cambria Math" panose="02040503050406030204" pitchFamily="18" charset="0"/>
-                    <a:cs typeface="Times New Roman" panose="02020603050405020304" pitchFamily="18" charset="0"/>
-                  </a:rPr>
-                  <a:t> </a:t>
+                  <a:t>1D topological insulator </a:t>
                 </a:r>
                 <a14:m>
                   <m:oMath xmlns:m="http://schemas.openxmlformats.org/officeDocument/2006/math">
                     <m:r>
-                      <a:rPr lang="en-US" altLang="zh-CN" sz="2400" i="1" kern="100">
-                        <a:solidFill>
-                          <a:srgbClr val="000000"/>
-                        </a:solidFill>
+                      <m:rPr>
+                        <m:sty m:val="p"/>
+                      </m:rPr>
+                      <a:rPr lang="zh-CN" altLang="en-US" sz="2400" b="0" i="0">
                         <a:latin typeface="Cambria Math" panose="02040503050406030204" pitchFamily="18" charset="0"/>
-                        <a:ea typeface="Cambria Math" panose="02040503050406030204" pitchFamily="18" charset="0"/>
-                        <a:cs typeface="Times New Roman" panose="02020603050405020304" pitchFamily="18" charset="0"/>
                       </a:rPr>
-                      <m:t>↓</m:t>
+                      <m:t>β</m:t>
                     </m:r>
-                  </m:oMath>
-                </a14:m>
-                <a:endParaRPr lang="en-US" altLang="zh-CN" sz="2400" kern="100" dirty="0" smtClean="0">
-                  <a:solidFill>
-                    <a:srgbClr val="000000"/>
-                  </a:solidFill>
-                  <a:latin typeface="+mn-lt"/>
-                  <a:cs typeface="Times New Roman" panose="02020603050405020304" pitchFamily="18" charset="0"/>
-                </a:endParaRPr>
-              </a:p>
-              <a:p>
-                <a:r>
-                  <a:rPr lang="en-US" altLang="zh-CN" sz="2400" kern="100" dirty="0" smtClean="0">
-                    <a:solidFill>
-                      <a:srgbClr val="000000"/>
-                    </a:solidFill>
-                    <a:ea typeface="Cambria Math" panose="02040503050406030204" pitchFamily="18" charset="0"/>
-                    <a:cs typeface="Times New Roman" panose="02020603050405020304" pitchFamily="18" charset="0"/>
-                  </a:rPr>
-                  <a:t> </a:t>
-                </a:r>
-                <a14:m>
-                  <m:oMath xmlns:m="http://schemas.openxmlformats.org/officeDocument/2006/math">
                     <m:r>
-                      <a:rPr lang="en-US" altLang="zh-CN" sz="2400" i="1" kern="100" dirty="0">
-                        <a:solidFill>
-                          <a:srgbClr val="000000"/>
-                        </a:solidFill>
+                      <a:rPr lang="en-US" altLang="zh-CN" sz="2400" b="0" i="0" smtClean="0">
                         <a:latin typeface="Cambria Math" panose="02040503050406030204" pitchFamily="18" charset="0"/>
-                        <a:ea typeface="Cambria Math" panose="02040503050406030204" pitchFamily="18" charset="0"/>
-                        <a:cs typeface="Times New Roman" panose="02020603050405020304" pitchFamily="18" charset="0"/>
                       </a:rPr>
-                      <m:t>→</m:t>
+                      <m:t>−</m:t>
                     </m:r>
-                  </m:oMath>
-                </a14:m>
-                <a:r>
-                  <a:rPr lang="en-US" altLang="zh-CN" sz="2400" kern="100" dirty="0">
-                    <a:solidFill>
-                      <a:srgbClr val="000000"/>
-                    </a:solidFill>
-                    <a:latin typeface="+mn-lt"/>
-                    <a:cs typeface="Times New Roman" panose="02020603050405020304" pitchFamily="18" charset="0"/>
-                  </a:rPr>
-                  <a:t> thermal conductivity </a:t>
-                </a:r>
-                <a14:m>
-                  <m:oMath xmlns:m="http://schemas.openxmlformats.org/officeDocument/2006/math">
                     <m:r>
-                      <a:rPr lang="en-US" altLang="zh-CN" sz="2400" i="1" kern="100">
-                        <a:solidFill>
-                          <a:srgbClr val="000000"/>
-                        </a:solidFill>
+                      <m:rPr>
+                        <m:sty m:val="p"/>
+                      </m:rPr>
+                      <a:rPr lang="en-US" altLang="zh-CN" sz="2400" b="0" i="0">
                         <a:latin typeface="Cambria Math" panose="02040503050406030204" pitchFamily="18" charset="0"/>
-                        <a:ea typeface="Cambria Math" panose="02040503050406030204" pitchFamily="18" charset="0"/>
-                        <a:cs typeface="Times New Roman" panose="02020603050405020304" pitchFamily="18" charset="0"/>
                       </a:rPr>
-                      <m:t>↓</m:t>
+                      <m:t>B</m:t>
                     </m:r>
+                    <m:sSub>
+                      <m:sSubPr>
+                        <m:ctrlPr>
+                          <a:rPr lang="en-US" altLang="zh-CN" sz="2400">
+                            <a:latin typeface="Cambria Math" panose="02040503050406030204" pitchFamily="18" charset="0"/>
+                          </a:rPr>
+                        </m:ctrlPr>
+                      </m:sSubPr>
+                      <m:e>
+                        <m:r>
+                          <m:rPr>
+                            <m:sty m:val="p"/>
+                          </m:rPr>
+                          <a:rPr lang="en-US" altLang="zh-CN" sz="2400" b="0" i="0">
+                            <a:latin typeface="Cambria Math" panose="02040503050406030204" pitchFamily="18" charset="0"/>
+                          </a:rPr>
+                          <m:t>i</m:t>
+                        </m:r>
+                      </m:e>
+                      <m:sub>
+                        <m:r>
+                          <a:rPr lang="en-US" altLang="zh-CN" sz="2400" b="0" i="0">
+                            <a:latin typeface="Cambria Math" panose="02040503050406030204" pitchFamily="18" charset="0"/>
+                          </a:rPr>
+                          <m:t>4</m:t>
+                        </m:r>
+                      </m:sub>
+                    </m:sSub>
+                    <m:sSub>
+                      <m:sSubPr>
+                        <m:ctrlPr>
+                          <a:rPr lang="en-US" altLang="zh-CN" sz="2400">
+                            <a:latin typeface="Cambria Math" panose="02040503050406030204" pitchFamily="18" charset="0"/>
+                          </a:rPr>
+                        </m:ctrlPr>
+                      </m:sSubPr>
+                      <m:e>
+                        <m:r>
+                          <m:rPr>
+                            <m:sty m:val="p"/>
+                          </m:rPr>
+                          <a:rPr lang="en-US" altLang="zh-CN" sz="2400" b="0" i="0">
+                            <a:latin typeface="Cambria Math" panose="02040503050406030204" pitchFamily="18" charset="0"/>
+                          </a:rPr>
+                          <m:t>I</m:t>
+                        </m:r>
+                      </m:e>
+                      <m:sub>
+                        <m:r>
+                          <a:rPr lang="en-US" altLang="zh-CN" sz="2400" b="0" i="0">
+                            <a:latin typeface="Cambria Math" panose="02040503050406030204" pitchFamily="18" charset="0"/>
+                          </a:rPr>
+                          <m:t>4</m:t>
+                        </m:r>
+                      </m:sub>
+                    </m:sSub>
                   </m:oMath>
                 </a14:m>
                 <a:endParaRPr lang="zh-CN" altLang="en-US" sz="2400" kern="100" dirty="0">
@@ -5134,10 +5013,10 @@
             </p:txBody>
           </p:sp>
         </mc:Choice>
-        <mc:Fallback xmlns="">
+        <mc:Fallback>
           <p:sp>
             <p:nvSpPr>
-              <p:cNvPr id="8" name="文本框 7"/>
+              <p:cNvPr id="11" name="文本框 10"/>
               <p:cNvSpPr txBox="1">
                 <a:spLocks noRot="1" noChangeAspect="1" noMove="1" noResize="1" noEditPoints="1" noAdjustHandles="1" noChangeArrowheads="1" noChangeShapeType="1" noTextEdit="1"/>
               </p:cNvSpPr>
@@ -5145,16 +5024,16 @@
             </p:nvSpPr>
             <p:spPr>
               <a:xfrm>
-                <a:off x="899998" y="1922587"/>
-                <a:ext cx="7488832" cy="1569660"/>
+                <a:off x="467544" y="2780928"/>
+                <a:ext cx="8352928" cy="461665"/>
               </a:xfrm>
               <a:prstGeom prst="rect">
                 <a:avLst/>
               </a:prstGeom>
-              <a:blipFill rotWithShape="0">
+              <a:blipFill>
                 <a:blip r:embed="rId2"/>
                 <a:stretch>
-                  <a:fillRect t="-3101" b="-7752"/>
+                  <a:fillRect l="-1168" t="-11842" b="-28947"/>
                 </a:stretch>
               </a:blipFill>
             </p:spPr>
@@ -5175,55 +5054,26 @@
       </mc:AlternateContent>
       <p:sp>
         <p:nvSpPr>
-          <p:cNvPr id="9" name="矩形 8"/>
-          <p:cNvSpPr/>
+          <p:cNvPr id="12" name="文本框 11"/>
+          <p:cNvSpPr txBox="1"/>
           <p:nvPr/>
         </p:nvSpPr>
         <p:spPr>
           <a:xfrm>
-            <a:off x="971600" y="3933056"/>
-            <a:ext cx="5485669" cy="830997"/>
+            <a:off x="467544" y="3376651"/>
+            <a:ext cx="8352928" cy="1200329"/>
           </a:xfrm>
           <a:prstGeom prst="rect">
             <a:avLst/>
           </a:prstGeom>
-        </p:spPr>
-        <p:txBody>
-          <a:bodyPr wrap="none">
+          <a:noFill/>
+        </p:spPr>
+        <p:txBody>
+          <a:bodyPr wrap="square" rtlCol="0">
             <a:spAutoFit/>
           </a:bodyPr>
           <a:lstStyle/>
           <a:p>
-            <a:r>
-              <a:rPr lang="en-US" altLang="zh-CN" sz="2400" kern="100" dirty="0">
-                <a:solidFill>
-                  <a:srgbClr val="000000"/>
-                </a:solidFill>
-                <a:latin typeface="+mn-lt"/>
-                <a:cs typeface="Times New Roman" panose="02020603050405020304" pitchFamily="18" charset="0"/>
-              </a:rPr>
-              <a:t>and a </a:t>
-            </a:r>
-            <a:r>
-              <a:rPr lang="en-US" altLang="zh-CN" sz="2400" kern="100" dirty="0">
-                <a:solidFill>
-                  <a:srgbClr val="4E0DA5"/>
-                </a:solidFill>
-                <a:latin typeface="+mn-lt"/>
-                <a:cs typeface="Times New Roman" panose="02020603050405020304" pitchFamily="18" charset="0"/>
-              </a:rPr>
-              <a:t>linear relationship</a:t>
-            </a:r>
-            <a:r>
-              <a:rPr lang="en-US" altLang="zh-CN" sz="2400" kern="100" dirty="0">
-                <a:solidFill>
-                  <a:srgbClr val="000000"/>
-                </a:solidFill>
-                <a:latin typeface="+mn-lt"/>
-                <a:cs typeface="Times New Roman" panose="02020603050405020304" pitchFamily="18" charset="0"/>
-              </a:rPr>
-              <a:t> </a:t>
-            </a:r>
             <a:r>
               <a:rPr lang="en-US" altLang="zh-CN" sz="2400" kern="100" dirty="0" smtClean="0">
                 <a:solidFill>
@@ -5232,53 +5082,11 @@
                 <a:latin typeface="+mn-lt"/>
                 <a:cs typeface="Times New Roman" panose="02020603050405020304" pitchFamily="18" charset="0"/>
               </a:rPr>
-              <a:t>is </a:t>
-            </a:r>
-            <a:r>
-              <a:rPr lang="en-US" altLang="zh-CN" sz="2400" kern="100" dirty="0">
-                <a:solidFill>
-                  <a:srgbClr val="000000"/>
-                </a:solidFill>
-                <a:latin typeface="+mn-lt"/>
-                <a:cs typeface="Times New Roman" panose="02020603050405020304" pitchFamily="18" charset="0"/>
-              </a:rPr>
-              <a:t>found between </a:t>
-            </a:r>
-          </a:p>
-          <a:p>
-            <a:r>
-              <a:rPr lang="en-US" altLang="zh-CN" sz="2400" kern="100" dirty="0">
-                <a:solidFill>
-                  <a:srgbClr val="4E0DA5"/>
-                </a:solidFill>
-                <a:latin typeface="+mn-lt"/>
-                <a:cs typeface="Times New Roman" panose="02020603050405020304" pitchFamily="18" charset="0"/>
-              </a:rPr>
-              <a:t>thermal conductivity</a:t>
-            </a:r>
-            <a:r>
-              <a:rPr lang="en-US" altLang="zh-CN" sz="2400" kern="100" dirty="0">
-                <a:solidFill>
-                  <a:srgbClr val="000000"/>
-                </a:solidFill>
-                <a:latin typeface="+mn-lt"/>
-                <a:cs typeface="Times New Roman" panose="02020603050405020304" pitchFamily="18" charset="0"/>
-              </a:rPr>
-              <a:t> and </a:t>
-            </a:r>
-            <a:r>
-              <a:rPr lang="en-US" altLang="zh-CN" sz="2400" kern="100" dirty="0">
-                <a:solidFill>
-                  <a:srgbClr val="4E0DA5"/>
-                </a:solidFill>
-                <a:latin typeface="+mn-lt"/>
-                <a:cs typeface="Times New Roman" panose="02020603050405020304" pitchFamily="18" charset="0"/>
-              </a:rPr>
-              <a:t>disorder degree</a:t>
+              <a:t>4. From first principle we systematically investigate the phonon anharmonic thermal conductivity , Seebeck coefficient and electric conductivity with phonon-electron coupling considered</a:t>
             </a:r>
             <a:endParaRPr lang="zh-CN" altLang="en-US" sz="2400" kern="100" dirty="0">
               <a:solidFill>
-                <a:srgbClr val="4E0DA5"/>
+                <a:srgbClr val="000000"/>
               </a:solidFill>
               <a:latin typeface="+mn-lt"/>
               <a:cs typeface="Times New Roman" panose="02020603050405020304" pitchFamily="18" charset="0"/>
@@ -5289,7 +5097,7 @@
     </p:spTree>
     <p:extLst>
       <p:ext uri="{BB962C8B-B14F-4D97-AF65-F5344CB8AC3E}">
-        <p14:creationId xmlns:p14="http://schemas.microsoft.com/office/powerpoint/2010/main" val="1454801111"/>
+        <p14:creationId xmlns:p14="http://schemas.microsoft.com/office/powerpoint/2010/main" val="665881340"/>
       </p:ext>
     </p:extLst>
   </p:cSld>
@@ -5335,6 +5143,1262 @@
           <a:chExt cx="0" cy="0"/>
         </a:xfrm>
       </p:grpSpPr>
+      <p:grpSp>
+        <p:nvGrpSpPr>
+          <p:cNvPr id="4" name="组合 3"/>
+          <p:cNvGrpSpPr/>
+          <p:nvPr/>
+        </p:nvGrpSpPr>
+        <p:grpSpPr>
+          <a:xfrm>
+            <a:off x="0" y="785794"/>
+            <a:ext cx="4143372" cy="142876"/>
+            <a:chOff x="0" y="785794"/>
+            <a:chExt cx="4143372" cy="142876"/>
+          </a:xfrm>
+        </p:grpSpPr>
+        <p:cxnSp>
+          <p:nvCxnSpPr>
+            <p:cNvPr id="5" name="直接连接符 4"/>
+            <p:cNvCxnSpPr>
+              <a:endCxn id="6" idx="3"/>
+            </p:cNvCxnSpPr>
+            <p:nvPr/>
+          </p:nvCxnSpPr>
+          <p:spPr>
+            <a:xfrm rot="10800000">
+              <a:off x="642910" y="857232"/>
+              <a:ext cx="3500462" cy="1588"/>
+            </a:xfrm>
+            <a:prstGeom prst="line">
+              <a:avLst/>
+            </a:prstGeom>
+            <a:ln w="19050">
+              <a:solidFill>
+                <a:srgbClr val="7030A0"/>
+              </a:solidFill>
+            </a:ln>
+          </p:spPr>
+          <p:style>
+            <a:lnRef idx="1">
+              <a:schemeClr val="accent1"/>
+            </a:lnRef>
+            <a:fillRef idx="0">
+              <a:schemeClr val="accent1"/>
+            </a:fillRef>
+            <a:effectRef idx="0">
+              <a:schemeClr val="accent1"/>
+            </a:effectRef>
+            <a:fontRef idx="minor">
+              <a:schemeClr val="tx1"/>
+            </a:fontRef>
+          </p:style>
+        </p:cxnSp>
+        <p:sp>
+          <p:nvSpPr>
+            <p:cNvPr id="6" name="Rectangle 7"/>
+            <p:cNvSpPr>
+              <a:spLocks noChangeArrowheads="1"/>
+            </p:cNvSpPr>
+            <p:nvPr/>
+          </p:nvSpPr>
+          <p:spPr bwMode="auto">
+            <a:xfrm>
+              <a:off x="0" y="785794"/>
+              <a:ext cx="642910" cy="142876"/>
+            </a:xfrm>
+            <a:prstGeom prst="rect">
+              <a:avLst/>
+            </a:prstGeom>
+            <a:solidFill>
+              <a:srgbClr val="7030A0"/>
+            </a:solidFill>
+            <a:ln w="9525">
+              <a:solidFill>
+                <a:srgbClr val="7030A0"/>
+              </a:solidFill>
+              <a:miter lim="800000"/>
+              <a:headEnd/>
+              <a:tailEnd/>
+            </a:ln>
+          </p:spPr>
+          <p:txBody>
+            <a:bodyPr wrap="none" anchor="ctr"/>
+            <a:lstStyle/>
+            <a:p>
+              <a:endParaRPr lang="zh-CN" altLang="en-US"/>
+            </a:p>
+          </p:txBody>
+        </p:sp>
+      </p:grpSp>
+      <p:sp>
+        <p:nvSpPr>
+          <p:cNvPr id="7" name="TextBox 3"/>
+          <p:cNvSpPr txBox="1"/>
+          <p:nvPr/>
+        </p:nvSpPr>
+        <p:spPr>
+          <a:xfrm>
+            <a:off x="142844" y="116632"/>
+            <a:ext cx="4886338" cy="523220"/>
+          </a:xfrm>
+          <a:prstGeom prst="rect">
+            <a:avLst/>
+          </a:prstGeom>
+          <a:noFill/>
+        </p:spPr>
+        <p:txBody>
+          <a:bodyPr wrap="none" rtlCol="0">
+            <a:spAutoFit/>
+          </a:bodyPr>
+          <a:lstStyle/>
+          <a:p>
+            <a:r>
+              <a:rPr lang="en-US" altLang="zh-CN" sz="2800" b="1" dirty="0" smtClean="0">
+                <a:ea typeface="微软雅黑" pitchFamily="34" charset="-122"/>
+                <a:cs typeface="Times New Roman" pitchFamily="18" charset="0"/>
+              </a:rPr>
+              <a:t>COMPUTATIONAL DETAILS</a:t>
+            </a:r>
+            <a:endParaRPr lang="en-US" altLang="zh-CN" sz="2800" b="1" dirty="0">
+              <a:ea typeface="微软雅黑" pitchFamily="34" charset="-122"/>
+              <a:cs typeface="Times New Roman" pitchFamily="18" charset="0"/>
+            </a:endParaRPr>
+          </a:p>
+        </p:txBody>
+      </p:sp>
+      <p:sp>
+        <p:nvSpPr>
+          <p:cNvPr id="12" name="文本框 11"/>
+          <p:cNvSpPr txBox="1"/>
+          <p:nvPr/>
+        </p:nvSpPr>
+        <p:spPr>
+          <a:xfrm>
+            <a:off x="512964" y="1734624"/>
+            <a:ext cx="7416824" cy="461665"/>
+          </a:xfrm>
+          <a:prstGeom prst="rect">
+            <a:avLst/>
+          </a:prstGeom>
+          <a:noFill/>
+        </p:spPr>
+        <p:txBody>
+          <a:bodyPr wrap="square" rtlCol="0">
+            <a:spAutoFit/>
+          </a:bodyPr>
+          <a:lstStyle/>
+          <a:p>
+            <a:r>
+              <a:rPr lang="en-US" altLang="zh-CN" sz="2400" kern="100" dirty="0" smtClean="0">
+                <a:solidFill>
+                  <a:srgbClr val="000000"/>
+                </a:solidFill>
+                <a:latin typeface="+mn-lt"/>
+                <a:cs typeface="Times New Roman" panose="02020603050405020304" pitchFamily="18" charset="0"/>
+              </a:rPr>
+              <a:t>2. TC: </a:t>
+            </a:r>
+            <a:r>
+              <a:rPr lang="en-US" altLang="zh-CN" sz="2400" kern="100" dirty="0" err="1" smtClean="0">
+                <a:solidFill>
+                  <a:srgbClr val="000000"/>
+                </a:solidFill>
+                <a:latin typeface="+mn-lt"/>
+                <a:cs typeface="Times New Roman" panose="02020603050405020304" pitchFamily="18" charset="0"/>
+              </a:rPr>
+              <a:t>ShengBTE</a:t>
+            </a:r>
+            <a:r>
+              <a:rPr lang="en-US" altLang="zh-CN" sz="2400" kern="100" dirty="0" smtClean="0">
+                <a:solidFill>
+                  <a:srgbClr val="000000"/>
+                </a:solidFill>
+                <a:latin typeface="+mn-lt"/>
+                <a:cs typeface="Times New Roman" panose="02020603050405020304" pitchFamily="18" charset="0"/>
+              </a:rPr>
+              <a:t> + </a:t>
+            </a:r>
+            <a:r>
+              <a:rPr lang="en-US" altLang="zh-CN" sz="2400" kern="100" dirty="0">
+                <a:solidFill>
+                  <a:srgbClr val="000000"/>
+                </a:solidFill>
+                <a:cs typeface="Times New Roman" panose="02020603050405020304" pitchFamily="18" charset="0"/>
+              </a:rPr>
+              <a:t>VASP</a:t>
+            </a:r>
+            <a:r>
+              <a:rPr lang="en-US" altLang="zh-CN" sz="2400" kern="100" dirty="0" smtClean="0">
+                <a:solidFill>
+                  <a:srgbClr val="000000"/>
+                </a:solidFill>
+                <a:latin typeface="+mn-lt"/>
+                <a:cs typeface="Times New Roman" panose="02020603050405020304" pitchFamily="18" charset="0"/>
+              </a:rPr>
+              <a:t> 5x5x5 supercell  2x2x2 </a:t>
+            </a:r>
+            <a:r>
+              <a:rPr lang="en-US" altLang="zh-CN" sz="2400" kern="100" dirty="0" err="1" smtClean="0">
+                <a:solidFill>
+                  <a:srgbClr val="000000"/>
+                </a:solidFill>
+                <a:latin typeface="+mn-lt"/>
+                <a:cs typeface="Times New Roman" panose="02020603050405020304" pitchFamily="18" charset="0"/>
+              </a:rPr>
+              <a:t>kpoints</a:t>
+            </a:r>
+            <a:r>
+              <a:rPr lang="en-US" altLang="zh-CN" sz="2400" kern="100" dirty="0" smtClean="0">
+                <a:solidFill>
+                  <a:srgbClr val="000000"/>
+                </a:solidFill>
+                <a:latin typeface="+mn-lt"/>
+                <a:cs typeface="Times New Roman" panose="02020603050405020304" pitchFamily="18" charset="0"/>
+              </a:rPr>
+              <a:t>  </a:t>
+            </a:r>
+            <a:endParaRPr lang="zh-CN" altLang="en-US" sz="2400" kern="100" dirty="0">
+              <a:solidFill>
+                <a:srgbClr val="000000"/>
+              </a:solidFill>
+              <a:latin typeface="+mn-lt"/>
+              <a:cs typeface="Times New Roman" panose="02020603050405020304" pitchFamily="18" charset="0"/>
+            </a:endParaRPr>
+          </a:p>
+        </p:txBody>
+      </p:sp>
+      <p:sp>
+        <p:nvSpPr>
+          <p:cNvPr id="13" name="文本框 12"/>
+          <p:cNvSpPr txBox="1"/>
+          <p:nvPr/>
+        </p:nvSpPr>
+        <p:spPr>
+          <a:xfrm>
+            <a:off x="512964" y="1070390"/>
+            <a:ext cx="8091484" cy="461665"/>
+          </a:xfrm>
+          <a:prstGeom prst="rect">
+            <a:avLst/>
+          </a:prstGeom>
+          <a:noFill/>
+        </p:spPr>
+        <p:txBody>
+          <a:bodyPr wrap="square" rtlCol="0">
+            <a:spAutoFit/>
+          </a:bodyPr>
+          <a:lstStyle/>
+          <a:p>
+            <a:r>
+              <a:rPr lang="en-US" altLang="zh-CN" sz="2400" kern="100" dirty="0" smtClean="0">
+                <a:solidFill>
+                  <a:srgbClr val="000000"/>
+                </a:solidFill>
+                <a:latin typeface="+mn-lt"/>
+                <a:cs typeface="Times New Roman" panose="02020603050405020304" pitchFamily="18" charset="0"/>
+              </a:rPr>
+              <a:t>1. Phonon dos : </a:t>
+            </a:r>
+            <a:r>
+              <a:rPr lang="en-US" altLang="zh-CN" sz="2400" kern="100" dirty="0" err="1" smtClean="0">
+                <a:solidFill>
+                  <a:srgbClr val="000000"/>
+                </a:solidFill>
+                <a:latin typeface="+mn-lt"/>
+                <a:cs typeface="Times New Roman" panose="02020603050405020304" pitchFamily="18" charset="0"/>
+              </a:rPr>
+              <a:t>Phonopy</a:t>
+            </a:r>
+            <a:r>
+              <a:rPr lang="en-US" altLang="zh-CN" sz="2400" kern="100" dirty="0" smtClean="0">
+                <a:solidFill>
+                  <a:srgbClr val="000000"/>
+                </a:solidFill>
+                <a:latin typeface="+mn-lt"/>
+                <a:cs typeface="Times New Roman" panose="02020603050405020304" pitchFamily="18" charset="0"/>
+              </a:rPr>
+              <a:t> +VASP 3x3x3 supercell  2x2x2 </a:t>
+            </a:r>
+            <a:r>
+              <a:rPr lang="en-US" altLang="zh-CN" sz="2400" kern="100" dirty="0" err="1" smtClean="0">
+                <a:solidFill>
+                  <a:srgbClr val="000000"/>
+                </a:solidFill>
+                <a:latin typeface="+mn-lt"/>
+                <a:cs typeface="Times New Roman" panose="02020603050405020304" pitchFamily="18" charset="0"/>
+              </a:rPr>
+              <a:t>kpoints</a:t>
+            </a:r>
+            <a:r>
+              <a:rPr lang="en-US" altLang="zh-CN" sz="2400" kern="100" dirty="0" smtClean="0">
+                <a:solidFill>
+                  <a:srgbClr val="000000"/>
+                </a:solidFill>
+                <a:latin typeface="+mn-lt"/>
+                <a:cs typeface="Times New Roman" panose="02020603050405020304" pitchFamily="18" charset="0"/>
+              </a:rPr>
+              <a:t>  </a:t>
+            </a:r>
+            <a:endParaRPr lang="zh-CN" altLang="en-US" sz="2400" kern="100" dirty="0">
+              <a:solidFill>
+                <a:srgbClr val="000000"/>
+              </a:solidFill>
+              <a:latin typeface="+mn-lt"/>
+              <a:cs typeface="Times New Roman" panose="02020603050405020304" pitchFamily="18" charset="0"/>
+            </a:endParaRPr>
+          </a:p>
+        </p:txBody>
+      </p:sp>
+      <p:sp>
+        <p:nvSpPr>
+          <p:cNvPr id="14" name="文本框 13"/>
+          <p:cNvSpPr txBox="1"/>
+          <p:nvPr/>
+        </p:nvSpPr>
+        <p:spPr>
+          <a:xfrm>
+            <a:off x="512964" y="2398858"/>
+            <a:ext cx="7416824" cy="461665"/>
+          </a:xfrm>
+          <a:prstGeom prst="rect">
+            <a:avLst/>
+          </a:prstGeom>
+          <a:noFill/>
+        </p:spPr>
+        <p:txBody>
+          <a:bodyPr wrap="square" rtlCol="0">
+            <a:spAutoFit/>
+          </a:bodyPr>
+          <a:lstStyle/>
+          <a:p>
+            <a:r>
+              <a:rPr lang="en-US" altLang="zh-CN" sz="2400" kern="100" dirty="0" smtClean="0">
+                <a:solidFill>
+                  <a:srgbClr val="000000"/>
+                </a:solidFill>
+                <a:latin typeface="+mn-lt"/>
+                <a:cs typeface="Times New Roman" panose="02020603050405020304" pitchFamily="18" charset="0"/>
+              </a:rPr>
+              <a:t>3. Electronic band &amp; dos: </a:t>
+            </a:r>
+            <a:r>
+              <a:rPr lang="en-US" altLang="zh-CN" sz="2400" kern="100" dirty="0" smtClean="0">
+                <a:solidFill>
+                  <a:srgbClr val="000000"/>
+                </a:solidFill>
+                <a:cs typeface="Times New Roman" panose="02020603050405020304" pitchFamily="18" charset="0"/>
+              </a:rPr>
+              <a:t>VASP</a:t>
+            </a:r>
+            <a:r>
+              <a:rPr lang="en-US" altLang="zh-CN" sz="2400" kern="100" dirty="0" smtClean="0">
+                <a:solidFill>
+                  <a:srgbClr val="000000"/>
+                </a:solidFill>
+                <a:latin typeface="+mn-lt"/>
+                <a:cs typeface="Times New Roman" panose="02020603050405020304" pitchFamily="18" charset="0"/>
+              </a:rPr>
+              <a:t> 10x10x10 </a:t>
+            </a:r>
+            <a:r>
+              <a:rPr lang="en-US" altLang="zh-CN" sz="2400" kern="100" dirty="0" err="1" smtClean="0">
+                <a:solidFill>
+                  <a:srgbClr val="000000"/>
+                </a:solidFill>
+                <a:latin typeface="+mn-lt"/>
+                <a:cs typeface="Times New Roman" panose="02020603050405020304" pitchFamily="18" charset="0"/>
+              </a:rPr>
+              <a:t>kpoints</a:t>
+            </a:r>
+            <a:r>
+              <a:rPr lang="en-US" altLang="zh-CN" sz="2400" kern="100" dirty="0" smtClean="0">
+                <a:solidFill>
+                  <a:srgbClr val="000000"/>
+                </a:solidFill>
+                <a:latin typeface="+mn-lt"/>
+                <a:cs typeface="Times New Roman" panose="02020603050405020304" pitchFamily="18" charset="0"/>
+              </a:rPr>
+              <a:t>  </a:t>
+            </a:r>
+            <a:endParaRPr lang="zh-CN" altLang="en-US" sz="2400" kern="100" dirty="0">
+              <a:solidFill>
+                <a:srgbClr val="000000"/>
+              </a:solidFill>
+              <a:latin typeface="+mn-lt"/>
+              <a:cs typeface="Times New Roman" panose="02020603050405020304" pitchFamily="18" charset="0"/>
+            </a:endParaRPr>
+          </a:p>
+        </p:txBody>
+      </p:sp>
+      <p:sp>
+        <p:nvSpPr>
+          <p:cNvPr id="15" name="文本框 14"/>
+          <p:cNvSpPr txBox="1"/>
+          <p:nvPr/>
+        </p:nvSpPr>
+        <p:spPr>
+          <a:xfrm>
+            <a:off x="512964" y="3063093"/>
+            <a:ext cx="8091484" cy="461665"/>
+          </a:xfrm>
+          <a:prstGeom prst="rect">
+            <a:avLst/>
+          </a:prstGeom>
+          <a:noFill/>
+        </p:spPr>
+        <p:txBody>
+          <a:bodyPr wrap="square" rtlCol="0">
+            <a:spAutoFit/>
+          </a:bodyPr>
+          <a:lstStyle/>
+          <a:p>
+            <a:r>
+              <a:rPr lang="en-US" altLang="zh-CN" sz="2400" kern="100" dirty="0" smtClean="0">
+                <a:solidFill>
+                  <a:srgbClr val="000000"/>
+                </a:solidFill>
+                <a:latin typeface="+mn-lt"/>
+                <a:cs typeface="Times New Roman" panose="02020603050405020304" pitchFamily="18" charset="0"/>
+              </a:rPr>
+              <a:t>4. e-p coupling : </a:t>
+            </a:r>
+            <a:r>
+              <a:rPr lang="en-US" altLang="zh-CN" sz="2400" kern="100" dirty="0" smtClean="0">
+                <a:solidFill>
+                  <a:srgbClr val="000000"/>
+                </a:solidFill>
+                <a:cs typeface="Times New Roman" panose="02020603050405020304" pitchFamily="18" charset="0"/>
+              </a:rPr>
+              <a:t>EPW+ QE 4x4x4 </a:t>
+            </a:r>
+            <a:r>
+              <a:rPr lang="en-US" altLang="zh-CN" sz="2400" kern="100" dirty="0" err="1" smtClean="0">
+                <a:solidFill>
+                  <a:srgbClr val="000000"/>
+                </a:solidFill>
+                <a:cs typeface="Times New Roman" panose="02020603050405020304" pitchFamily="18" charset="0"/>
+              </a:rPr>
+              <a:t>qpoints</a:t>
+            </a:r>
+            <a:r>
+              <a:rPr lang="en-US" altLang="zh-CN" sz="2400" kern="100" dirty="0" smtClean="0">
+                <a:solidFill>
+                  <a:srgbClr val="000000"/>
+                </a:solidFill>
+                <a:cs typeface="Times New Roman" panose="02020603050405020304" pitchFamily="18" charset="0"/>
+              </a:rPr>
+              <a:t> 6x6x6 </a:t>
+            </a:r>
+            <a:r>
+              <a:rPr lang="en-US" altLang="zh-CN" sz="2400" kern="100" dirty="0" err="1" smtClean="0">
+                <a:solidFill>
+                  <a:srgbClr val="000000"/>
+                </a:solidFill>
+                <a:cs typeface="Times New Roman" panose="02020603050405020304" pitchFamily="18" charset="0"/>
+              </a:rPr>
+              <a:t>kpoints</a:t>
+            </a:r>
+            <a:r>
+              <a:rPr lang="en-US" altLang="zh-CN" sz="2400" kern="100" dirty="0" smtClean="0">
+                <a:solidFill>
+                  <a:srgbClr val="000000"/>
+                </a:solidFill>
+                <a:cs typeface="Times New Roman" panose="02020603050405020304" pitchFamily="18" charset="0"/>
+              </a:rPr>
+              <a:t> </a:t>
+            </a:r>
+            <a:endParaRPr lang="zh-CN" altLang="en-US" sz="2400" kern="100" dirty="0">
+              <a:solidFill>
+                <a:srgbClr val="000000"/>
+              </a:solidFill>
+              <a:latin typeface="+mn-lt"/>
+              <a:cs typeface="Times New Roman" panose="02020603050405020304" pitchFamily="18" charset="0"/>
+            </a:endParaRPr>
+          </a:p>
+        </p:txBody>
+      </p:sp>
+    </p:spTree>
+    <p:extLst>
+      <p:ext uri="{BB962C8B-B14F-4D97-AF65-F5344CB8AC3E}">
+        <p14:creationId xmlns:p14="http://schemas.microsoft.com/office/powerpoint/2010/main" val="1979648338"/>
+      </p:ext>
+    </p:extLst>
+  </p:cSld>
+  <p:clrMapOvr>
+    <a:masterClrMapping/>
+  </p:clrMapOvr>
+  <mc:AlternateContent xmlns:mc="http://schemas.openxmlformats.org/markup-compatibility/2006" xmlns:p14="http://schemas.microsoft.com/office/powerpoint/2010/main">
+    <mc:Choice Requires="p14">
+      <p:transition p14:dur="250">
+        <p:push/>
+      </p:transition>
+    </mc:Choice>
+    <mc:Fallback xmlns="">
+      <p:transition>
+        <p:push/>
+      </p:transition>
+    </mc:Fallback>
+  </mc:AlternateContent>
+</p:sld>
+</file>
+
+<file path=ppt/slides/slide4.xml><?xml version="1.0" encoding="utf-8"?>
+<p:sld xmlns:a="http://schemas.openxmlformats.org/drawingml/2006/main" xmlns:r="http://schemas.openxmlformats.org/officeDocument/2006/relationships" xmlns:p="http://schemas.openxmlformats.org/presentationml/2006/main">
+  <p:cSld>
+    <p:spTree>
+      <p:nvGrpSpPr>
+        <p:cNvPr id="1" name=""/>
+        <p:cNvGrpSpPr/>
+        <p:nvPr/>
+      </p:nvGrpSpPr>
+      <p:grpSpPr>
+        <a:xfrm>
+          <a:off x="0" y="0"/>
+          <a:ext cx="0" cy="0"/>
+          <a:chOff x="0" y="0"/>
+          <a:chExt cx="0" cy="0"/>
+        </a:xfrm>
+      </p:grpSpPr>
+      <p:grpSp>
+        <p:nvGrpSpPr>
+          <p:cNvPr id="4" name="组合 3"/>
+          <p:cNvGrpSpPr/>
+          <p:nvPr/>
+        </p:nvGrpSpPr>
+        <p:grpSpPr>
+          <a:xfrm>
+            <a:off x="0" y="785794"/>
+            <a:ext cx="4143372" cy="142876"/>
+            <a:chOff x="0" y="785794"/>
+            <a:chExt cx="4143372" cy="142876"/>
+          </a:xfrm>
+        </p:grpSpPr>
+        <p:cxnSp>
+          <p:nvCxnSpPr>
+            <p:cNvPr id="5" name="直接连接符 4"/>
+            <p:cNvCxnSpPr>
+              <a:endCxn id="6" idx="3"/>
+            </p:cNvCxnSpPr>
+            <p:nvPr/>
+          </p:nvCxnSpPr>
+          <p:spPr>
+            <a:xfrm rot="10800000">
+              <a:off x="642910" y="857232"/>
+              <a:ext cx="3500462" cy="1588"/>
+            </a:xfrm>
+            <a:prstGeom prst="line">
+              <a:avLst/>
+            </a:prstGeom>
+            <a:ln w="19050">
+              <a:solidFill>
+                <a:srgbClr val="7030A0"/>
+              </a:solidFill>
+            </a:ln>
+          </p:spPr>
+          <p:style>
+            <a:lnRef idx="1">
+              <a:schemeClr val="accent1"/>
+            </a:lnRef>
+            <a:fillRef idx="0">
+              <a:schemeClr val="accent1"/>
+            </a:fillRef>
+            <a:effectRef idx="0">
+              <a:schemeClr val="accent1"/>
+            </a:effectRef>
+            <a:fontRef idx="minor">
+              <a:schemeClr val="tx1"/>
+            </a:fontRef>
+          </p:style>
+        </p:cxnSp>
+        <p:sp>
+          <p:nvSpPr>
+            <p:cNvPr id="6" name="Rectangle 7"/>
+            <p:cNvSpPr>
+              <a:spLocks noChangeArrowheads="1"/>
+            </p:cNvSpPr>
+            <p:nvPr/>
+          </p:nvSpPr>
+          <p:spPr bwMode="auto">
+            <a:xfrm>
+              <a:off x="0" y="785794"/>
+              <a:ext cx="642910" cy="142876"/>
+            </a:xfrm>
+            <a:prstGeom prst="rect">
+              <a:avLst/>
+            </a:prstGeom>
+            <a:solidFill>
+              <a:srgbClr val="7030A0"/>
+            </a:solidFill>
+            <a:ln w="9525">
+              <a:solidFill>
+                <a:srgbClr val="7030A0"/>
+              </a:solidFill>
+              <a:miter lim="800000"/>
+              <a:headEnd/>
+              <a:tailEnd/>
+            </a:ln>
+          </p:spPr>
+          <p:txBody>
+            <a:bodyPr wrap="none" anchor="ctr"/>
+            <a:lstStyle/>
+            <a:p>
+              <a:endParaRPr lang="zh-CN" altLang="en-US"/>
+            </a:p>
+          </p:txBody>
+        </p:sp>
+      </p:grpSp>
+      <p:sp>
+        <p:nvSpPr>
+          <p:cNvPr id="7" name="TextBox 3"/>
+          <p:cNvSpPr txBox="1"/>
+          <p:nvPr/>
+        </p:nvSpPr>
+        <p:spPr>
+          <a:xfrm>
+            <a:off x="142844" y="116632"/>
+            <a:ext cx="4059894" cy="523220"/>
+          </a:xfrm>
+          <a:prstGeom prst="rect">
+            <a:avLst/>
+          </a:prstGeom>
+          <a:noFill/>
+        </p:spPr>
+        <p:txBody>
+          <a:bodyPr wrap="none" rtlCol="0">
+            <a:spAutoFit/>
+          </a:bodyPr>
+          <a:lstStyle/>
+          <a:p>
+            <a:r>
+              <a:rPr lang="en-US" altLang="zh-CN" sz="2800" b="1" dirty="0" smtClean="0">
+                <a:ea typeface="微软雅黑" pitchFamily="34" charset="-122"/>
+                <a:cs typeface="Times New Roman" pitchFamily="18" charset="0"/>
+              </a:rPr>
+              <a:t>RESULTS &amp; ANALYSIS</a:t>
+            </a:r>
+            <a:endParaRPr lang="en-US" altLang="zh-CN" sz="2800" b="1" dirty="0">
+              <a:ea typeface="微软雅黑" pitchFamily="34" charset="-122"/>
+              <a:cs typeface="Times New Roman" pitchFamily="18" charset="0"/>
+            </a:endParaRPr>
+          </a:p>
+        </p:txBody>
+      </p:sp>
+      <p:sp>
+        <p:nvSpPr>
+          <p:cNvPr id="8" name="文本框 7"/>
+          <p:cNvSpPr txBox="1"/>
+          <p:nvPr/>
+        </p:nvSpPr>
+        <p:spPr>
+          <a:xfrm>
+            <a:off x="539552" y="1146049"/>
+            <a:ext cx="7416824" cy="461665"/>
+          </a:xfrm>
+          <a:prstGeom prst="rect">
+            <a:avLst/>
+          </a:prstGeom>
+          <a:noFill/>
+        </p:spPr>
+        <p:txBody>
+          <a:bodyPr wrap="square" rtlCol="0">
+            <a:spAutoFit/>
+          </a:bodyPr>
+          <a:lstStyle/>
+          <a:p>
+            <a:r>
+              <a:rPr lang="en-US" altLang="zh-CN" sz="2400" kern="100" dirty="0" smtClean="0">
+                <a:solidFill>
+                  <a:srgbClr val="000000"/>
+                </a:solidFill>
+                <a:latin typeface="+mn-lt"/>
+                <a:cs typeface="Times New Roman" panose="02020603050405020304" pitchFamily="18" charset="0"/>
+              </a:rPr>
+              <a:t>1. Structure</a:t>
+            </a:r>
+            <a:endParaRPr lang="zh-CN" altLang="en-US" sz="2400" kern="100" dirty="0">
+              <a:solidFill>
+                <a:srgbClr val="000000"/>
+              </a:solidFill>
+              <a:cs typeface="Times New Roman" panose="02020603050405020304" pitchFamily="18" charset="0"/>
+            </a:endParaRPr>
+          </a:p>
+        </p:txBody>
+      </p:sp>
+      <p:sp>
+        <p:nvSpPr>
+          <p:cNvPr id="10" name="文本框 9"/>
+          <p:cNvSpPr txBox="1"/>
+          <p:nvPr/>
+        </p:nvSpPr>
+        <p:spPr>
+          <a:xfrm>
+            <a:off x="539552" y="1672055"/>
+            <a:ext cx="7416824" cy="461665"/>
+          </a:xfrm>
+          <a:prstGeom prst="rect">
+            <a:avLst/>
+          </a:prstGeom>
+          <a:noFill/>
+        </p:spPr>
+        <p:txBody>
+          <a:bodyPr wrap="square" rtlCol="0">
+            <a:spAutoFit/>
+          </a:bodyPr>
+          <a:lstStyle/>
+          <a:p>
+            <a:r>
+              <a:rPr lang="en-US" altLang="zh-CN" sz="2400" kern="100" dirty="0" smtClean="0">
+                <a:solidFill>
+                  <a:srgbClr val="000000"/>
+                </a:solidFill>
+                <a:latin typeface="+mn-lt"/>
+                <a:cs typeface="Times New Roman" panose="02020603050405020304" pitchFamily="18" charset="0"/>
+              </a:rPr>
+              <a:t>2. Band , dos and </a:t>
+            </a:r>
+            <a:r>
+              <a:rPr lang="en-US" altLang="zh-CN" sz="2400" kern="100" dirty="0" smtClean="0">
+                <a:solidFill>
+                  <a:srgbClr val="000000"/>
+                </a:solidFill>
+                <a:cs typeface="Times New Roman" panose="02020603050405020304" pitchFamily="18" charset="0"/>
+              </a:rPr>
+              <a:t>topological effects</a:t>
+            </a:r>
+            <a:endParaRPr lang="zh-CN" altLang="en-US" sz="2400" kern="100" dirty="0">
+              <a:solidFill>
+                <a:srgbClr val="000000"/>
+              </a:solidFill>
+              <a:cs typeface="Times New Roman" panose="02020603050405020304" pitchFamily="18" charset="0"/>
+            </a:endParaRPr>
+          </a:p>
+        </p:txBody>
+      </p:sp>
+      <p:sp>
+        <p:nvSpPr>
+          <p:cNvPr id="11" name="文本框 10"/>
+          <p:cNvSpPr txBox="1"/>
+          <p:nvPr/>
+        </p:nvSpPr>
+        <p:spPr>
+          <a:xfrm>
+            <a:off x="539552" y="2198061"/>
+            <a:ext cx="7416824" cy="461665"/>
+          </a:xfrm>
+          <a:prstGeom prst="rect">
+            <a:avLst/>
+          </a:prstGeom>
+          <a:noFill/>
+        </p:spPr>
+        <p:txBody>
+          <a:bodyPr wrap="square" rtlCol="0">
+            <a:spAutoFit/>
+          </a:bodyPr>
+          <a:lstStyle/>
+          <a:p>
+            <a:r>
+              <a:rPr lang="en-US" altLang="zh-CN" sz="2400" kern="100" dirty="0" smtClean="0">
+                <a:solidFill>
+                  <a:srgbClr val="000000"/>
+                </a:solidFill>
+                <a:latin typeface="+mn-lt"/>
+                <a:cs typeface="Times New Roman" panose="02020603050405020304" pitchFamily="18" charset="0"/>
+              </a:rPr>
+              <a:t>3. Phonon dispersion &amp; dos</a:t>
+            </a:r>
+            <a:endParaRPr lang="zh-CN" altLang="en-US" sz="2400" kern="100" dirty="0">
+              <a:solidFill>
+                <a:srgbClr val="000000"/>
+              </a:solidFill>
+              <a:cs typeface="Times New Roman" panose="02020603050405020304" pitchFamily="18" charset="0"/>
+            </a:endParaRPr>
+          </a:p>
+        </p:txBody>
+      </p:sp>
+      <p:sp>
+        <p:nvSpPr>
+          <p:cNvPr id="12" name="文本框 11"/>
+          <p:cNvSpPr txBox="1"/>
+          <p:nvPr/>
+        </p:nvSpPr>
+        <p:spPr>
+          <a:xfrm>
+            <a:off x="539552" y="2724067"/>
+            <a:ext cx="7416824" cy="461665"/>
+          </a:xfrm>
+          <a:prstGeom prst="rect">
+            <a:avLst/>
+          </a:prstGeom>
+          <a:noFill/>
+        </p:spPr>
+        <p:txBody>
+          <a:bodyPr wrap="square" rtlCol="0">
+            <a:spAutoFit/>
+          </a:bodyPr>
+          <a:lstStyle/>
+          <a:p>
+            <a:r>
+              <a:rPr lang="en-US" altLang="zh-CN" sz="2400" kern="100" dirty="0" smtClean="0">
+                <a:solidFill>
+                  <a:srgbClr val="000000"/>
+                </a:solidFill>
+                <a:latin typeface="+mn-lt"/>
+                <a:cs typeface="Times New Roman" panose="02020603050405020304" pitchFamily="18" charset="0"/>
+              </a:rPr>
+              <a:t>4. Thermal Conductivity</a:t>
+            </a:r>
+            <a:endParaRPr lang="zh-CN" altLang="en-US" sz="2400" kern="100" dirty="0">
+              <a:solidFill>
+                <a:srgbClr val="000000"/>
+              </a:solidFill>
+              <a:cs typeface="Times New Roman" panose="02020603050405020304" pitchFamily="18" charset="0"/>
+            </a:endParaRPr>
+          </a:p>
+        </p:txBody>
+      </p:sp>
+      <p:sp>
+        <p:nvSpPr>
+          <p:cNvPr id="13" name="文本框 12"/>
+          <p:cNvSpPr txBox="1"/>
+          <p:nvPr/>
+        </p:nvSpPr>
+        <p:spPr>
+          <a:xfrm>
+            <a:off x="539552" y="3250073"/>
+            <a:ext cx="7416824" cy="461665"/>
+          </a:xfrm>
+          <a:prstGeom prst="rect">
+            <a:avLst/>
+          </a:prstGeom>
+          <a:noFill/>
+        </p:spPr>
+        <p:txBody>
+          <a:bodyPr wrap="square" rtlCol="0">
+            <a:spAutoFit/>
+          </a:bodyPr>
+          <a:lstStyle/>
+          <a:p>
+            <a:r>
+              <a:rPr lang="en-US" altLang="zh-CN" sz="2400" kern="100" dirty="0" smtClean="0">
+                <a:solidFill>
+                  <a:srgbClr val="000000"/>
+                </a:solidFill>
+                <a:latin typeface="+mn-lt"/>
+                <a:cs typeface="Times New Roman" panose="02020603050405020304" pitchFamily="18" charset="0"/>
+              </a:rPr>
+              <a:t>5. Participation ratio and local modes</a:t>
+            </a:r>
+            <a:endParaRPr lang="zh-CN" altLang="en-US" sz="2400" kern="100" dirty="0">
+              <a:solidFill>
+                <a:srgbClr val="000000"/>
+              </a:solidFill>
+              <a:cs typeface="Times New Roman" panose="02020603050405020304" pitchFamily="18" charset="0"/>
+            </a:endParaRPr>
+          </a:p>
+        </p:txBody>
+      </p:sp>
+      <p:sp>
+        <p:nvSpPr>
+          <p:cNvPr id="14" name="文本框 13"/>
+          <p:cNvSpPr txBox="1"/>
+          <p:nvPr/>
+        </p:nvSpPr>
+        <p:spPr>
+          <a:xfrm>
+            <a:off x="539552" y="4302087"/>
+            <a:ext cx="7416824" cy="461665"/>
+          </a:xfrm>
+          <a:prstGeom prst="rect">
+            <a:avLst/>
+          </a:prstGeom>
+          <a:noFill/>
+        </p:spPr>
+        <p:txBody>
+          <a:bodyPr wrap="square" rtlCol="0">
+            <a:spAutoFit/>
+          </a:bodyPr>
+          <a:lstStyle/>
+          <a:p>
+            <a:r>
+              <a:rPr lang="en-US" altLang="zh-CN" sz="2400" kern="100" dirty="0" smtClean="0">
+                <a:solidFill>
+                  <a:srgbClr val="000000"/>
+                </a:solidFill>
+                <a:latin typeface="+mn-lt"/>
+                <a:cs typeface="Times New Roman" panose="02020603050405020304" pitchFamily="18" charset="0"/>
+              </a:rPr>
+              <a:t>7. Seebeck Coefficient and </a:t>
+            </a:r>
+            <a:r>
+              <a:rPr lang="en-US" altLang="zh-CN" sz="2400" kern="100" dirty="0" err="1" smtClean="0">
+                <a:solidFill>
+                  <a:srgbClr val="000000"/>
+                </a:solidFill>
+                <a:latin typeface="+mn-lt"/>
+                <a:cs typeface="Times New Roman" panose="02020603050405020304" pitchFamily="18" charset="0"/>
+              </a:rPr>
+              <a:t>powerfactor</a:t>
+            </a:r>
+            <a:r>
+              <a:rPr lang="en-US" altLang="zh-CN" sz="2400" kern="100" dirty="0" smtClean="0">
+                <a:solidFill>
+                  <a:srgbClr val="000000"/>
+                </a:solidFill>
+                <a:latin typeface="+mn-lt"/>
+                <a:cs typeface="Times New Roman" panose="02020603050405020304" pitchFamily="18" charset="0"/>
+              </a:rPr>
+              <a:t> and ZT</a:t>
+            </a:r>
+            <a:endParaRPr lang="zh-CN" altLang="en-US" sz="2400" kern="100" dirty="0">
+              <a:solidFill>
+                <a:srgbClr val="000000"/>
+              </a:solidFill>
+              <a:cs typeface="Times New Roman" panose="02020603050405020304" pitchFamily="18" charset="0"/>
+            </a:endParaRPr>
+          </a:p>
+        </p:txBody>
+      </p:sp>
+      <p:sp>
+        <p:nvSpPr>
+          <p:cNvPr id="15" name="文本框 14"/>
+          <p:cNvSpPr txBox="1"/>
+          <p:nvPr/>
+        </p:nvSpPr>
+        <p:spPr>
+          <a:xfrm>
+            <a:off x="539552" y="3776079"/>
+            <a:ext cx="8036729" cy="461665"/>
+          </a:xfrm>
+          <a:prstGeom prst="rect">
+            <a:avLst/>
+          </a:prstGeom>
+          <a:noFill/>
+        </p:spPr>
+        <p:txBody>
+          <a:bodyPr wrap="square" rtlCol="0">
+            <a:spAutoFit/>
+          </a:bodyPr>
+          <a:lstStyle/>
+          <a:p>
+            <a:r>
+              <a:rPr lang="en-US" altLang="zh-CN" sz="2400" kern="100" dirty="0" smtClean="0">
+                <a:solidFill>
+                  <a:srgbClr val="000000"/>
+                </a:solidFill>
+                <a:latin typeface="+mn-lt"/>
+                <a:cs typeface="Times New Roman" panose="02020603050405020304" pitchFamily="18" charset="0"/>
+              </a:rPr>
+              <a:t>6. e-p coupling and it’s effects on electric conductivity and TC </a:t>
+            </a:r>
+            <a:endParaRPr lang="zh-CN" altLang="en-US" sz="2400" kern="100" dirty="0">
+              <a:solidFill>
+                <a:srgbClr val="000000"/>
+              </a:solidFill>
+              <a:cs typeface="Times New Roman" panose="02020603050405020304" pitchFamily="18" charset="0"/>
+            </a:endParaRPr>
+          </a:p>
+        </p:txBody>
+      </p:sp>
+    </p:spTree>
+    <p:extLst>
+      <p:ext uri="{BB962C8B-B14F-4D97-AF65-F5344CB8AC3E}">
+        <p14:creationId xmlns:p14="http://schemas.microsoft.com/office/powerpoint/2010/main" val="2201743381"/>
+      </p:ext>
+    </p:extLst>
+  </p:cSld>
+  <p:clrMapOvr>
+    <a:masterClrMapping/>
+  </p:clrMapOvr>
+  <mc:AlternateContent xmlns:mc="http://schemas.openxmlformats.org/markup-compatibility/2006" xmlns:p14="http://schemas.microsoft.com/office/powerpoint/2010/main">
+    <mc:Choice Requires="p14">
+      <p:transition p14:dur="250">
+        <p:push/>
+      </p:transition>
+    </mc:Choice>
+    <mc:Fallback xmlns="">
+      <p:transition>
+        <p:push/>
+      </p:transition>
+    </mc:Fallback>
+  </mc:AlternateContent>
+</p:sld>
+</file>
+
+<file path=ppt/slides/slide5.xml><?xml version="1.0" encoding="utf-8"?>
+<p:sld xmlns:a="http://schemas.openxmlformats.org/drawingml/2006/main" xmlns:r="http://schemas.openxmlformats.org/officeDocument/2006/relationships" xmlns:p="http://schemas.openxmlformats.org/presentationml/2006/main">
+  <p:cSld>
+    <p:spTree>
+      <p:nvGrpSpPr>
+        <p:cNvPr id="1" name=""/>
+        <p:cNvGrpSpPr/>
+        <p:nvPr/>
+      </p:nvGrpSpPr>
+      <p:grpSpPr>
+        <a:xfrm>
+          <a:off x="0" y="0"/>
+          <a:ext cx="0" cy="0"/>
+          <a:chOff x="0" y="0"/>
+          <a:chExt cx="0" cy="0"/>
+        </a:xfrm>
+      </p:grpSpPr>
+      <p:grpSp>
+        <p:nvGrpSpPr>
+          <p:cNvPr id="4" name="组合 3"/>
+          <p:cNvGrpSpPr/>
+          <p:nvPr/>
+        </p:nvGrpSpPr>
+        <p:grpSpPr>
+          <a:xfrm>
+            <a:off x="0" y="785794"/>
+            <a:ext cx="4143372" cy="142876"/>
+            <a:chOff x="0" y="785794"/>
+            <a:chExt cx="4143372" cy="142876"/>
+          </a:xfrm>
+        </p:grpSpPr>
+        <p:cxnSp>
+          <p:nvCxnSpPr>
+            <p:cNvPr id="5" name="直接连接符 4"/>
+            <p:cNvCxnSpPr>
+              <a:endCxn id="6" idx="3"/>
+            </p:cNvCxnSpPr>
+            <p:nvPr/>
+          </p:nvCxnSpPr>
+          <p:spPr>
+            <a:xfrm rot="10800000">
+              <a:off x="642910" y="857232"/>
+              <a:ext cx="3500462" cy="1588"/>
+            </a:xfrm>
+            <a:prstGeom prst="line">
+              <a:avLst/>
+            </a:prstGeom>
+            <a:ln w="19050">
+              <a:solidFill>
+                <a:srgbClr val="7030A0"/>
+              </a:solidFill>
+            </a:ln>
+          </p:spPr>
+          <p:style>
+            <a:lnRef idx="1">
+              <a:schemeClr val="accent1"/>
+            </a:lnRef>
+            <a:fillRef idx="0">
+              <a:schemeClr val="accent1"/>
+            </a:fillRef>
+            <a:effectRef idx="0">
+              <a:schemeClr val="accent1"/>
+            </a:effectRef>
+            <a:fontRef idx="minor">
+              <a:schemeClr val="tx1"/>
+            </a:fontRef>
+          </p:style>
+        </p:cxnSp>
+        <p:sp>
+          <p:nvSpPr>
+            <p:cNvPr id="6" name="Rectangle 7"/>
+            <p:cNvSpPr>
+              <a:spLocks noChangeArrowheads="1"/>
+            </p:cNvSpPr>
+            <p:nvPr/>
+          </p:nvSpPr>
+          <p:spPr bwMode="auto">
+            <a:xfrm>
+              <a:off x="0" y="785794"/>
+              <a:ext cx="642910" cy="142876"/>
+            </a:xfrm>
+            <a:prstGeom prst="rect">
+              <a:avLst/>
+            </a:prstGeom>
+            <a:solidFill>
+              <a:srgbClr val="7030A0"/>
+            </a:solidFill>
+            <a:ln w="9525">
+              <a:solidFill>
+                <a:srgbClr val="7030A0"/>
+              </a:solidFill>
+              <a:miter lim="800000"/>
+              <a:headEnd/>
+              <a:tailEnd/>
+            </a:ln>
+          </p:spPr>
+          <p:txBody>
+            <a:bodyPr wrap="none" anchor="ctr"/>
+            <a:lstStyle/>
+            <a:p>
+              <a:endParaRPr lang="zh-CN" altLang="en-US"/>
+            </a:p>
+          </p:txBody>
+        </p:sp>
+      </p:grpSp>
+      <p:sp>
+        <p:nvSpPr>
+          <p:cNvPr id="7" name="TextBox 3"/>
+          <p:cNvSpPr txBox="1"/>
+          <p:nvPr/>
+        </p:nvSpPr>
+        <p:spPr>
+          <a:xfrm>
+            <a:off x="142844" y="116632"/>
+            <a:ext cx="2598788" cy="523220"/>
+          </a:xfrm>
+          <a:prstGeom prst="rect">
+            <a:avLst/>
+          </a:prstGeom>
+          <a:noFill/>
+        </p:spPr>
+        <p:txBody>
+          <a:bodyPr wrap="none" rtlCol="0">
+            <a:spAutoFit/>
+          </a:bodyPr>
+          <a:lstStyle/>
+          <a:p>
+            <a:r>
+              <a:rPr lang="en-US" altLang="zh-CN" sz="2800" b="1" dirty="0" smtClean="0">
+                <a:ea typeface="微软雅黑" pitchFamily="34" charset="-122"/>
+                <a:cs typeface="Times New Roman" pitchFamily="18" charset="0"/>
+              </a:rPr>
+              <a:t>CONCLUSION</a:t>
+            </a:r>
+            <a:endParaRPr lang="en-US" altLang="zh-CN" sz="2800" b="1" dirty="0">
+              <a:ea typeface="微软雅黑" pitchFamily="34" charset="-122"/>
+              <a:cs typeface="Times New Roman" pitchFamily="18" charset="0"/>
+            </a:endParaRPr>
+          </a:p>
+        </p:txBody>
+      </p:sp>
+      <p:sp>
+        <p:nvSpPr>
+          <p:cNvPr id="10" name="文本框 9"/>
+          <p:cNvSpPr txBox="1"/>
+          <p:nvPr/>
+        </p:nvSpPr>
+        <p:spPr>
+          <a:xfrm>
+            <a:off x="395536" y="1340768"/>
+            <a:ext cx="8352928" cy="1200329"/>
+          </a:xfrm>
+          <a:prstGeom prst="rect">
+            <a:avLst/>
+          </a:prstGeom>
+          <a:noFill/>
+        </p:spPr>
+        <p:txBody>
+          <a:bodyPr wrap="square" rtlCol="0">
+            <a:spAutoFit/>
+          </a:bodyPr>
+          <a:lstStyle/>
+          <a:p>
+            <a:r>
+              <a:rPr lang="en-US" altLang="zh-CN" sz="2400" kern="100" dirty="0" smtClean="0">
+                <a:solidFill>
+                  <a:srgbClr val="000000"/>
+                </a:solidFill>
+                <a:latin typeface="+mn-lt"/>
+                <a:cs typeface="Times New Roman" panose="02020603050405020304" pitchFamily="18" charset="0"/>
+              </a:rPr>
+              <a:t>1. From first principle we systematically investigate the phonon anharmonic thermal conductivity , Seebeck coefficient and electric conductivity with phonon-electron coupling considered</a:t>
+            </a:r>
+            <a:endParaRPr lang="zh-CN" altLang="en-US" sz="2400" kern="100" dirty="0">
+              <a:solidFill>
+                <a:srgbClr val="000000"/>
+              </a:solidFill>
+              <a:latin typeface="+mn-lt"/>
+              <a:cs typeface="Times New Roman" panose="02020603050405020304" pitchFamily="18" charset="0"/>
+            </a:endParaRPr>
+          </a:p>
+        </p:txBody>
+      </p:sp>
+      <p:sp>
+        <p:nvSpPr>
+          <p:cNvPr id="11" name="文本框 10"/>
+          <p:cNvSpPr txBox="1"/>
+          <p:nvPr/>
+        </p:nvSpPr>
+        <p:spPr>
+          <a:xfrm>
+            <a:off x="395536" y="2780928"/>
+            <a:ext cx="8352928" cy="830997"/>
+          </a:xfrm>
+          <a:prstGeom prst="rect">
+            <a:avLst/>
+          </a:prstGeom>
+          <a:noFill/>
+        </p:spPr>
+        <p:txBody>
+          <a:bodyPr wrap="square" rtlCol="0">
+            <a:spAutoFit/>
+          </a:bodyPr>
+          <a:lstStyle/>
+          <a:p>
+            <a:r>
+              <a:rPr lang="en-US" altLang="zh-CN" sz="2400" kern="100" dirty="0" smtClean="0">
+                <a:solidFill>
+                  <a:srgbClr val="000000"/>
+                </a:solidFill>
+                <a:latin typeface="+mn-lt"/>
+                <a:cs typeface="Times New Roman" panose="02020603050405020304" pitchFamily="18" charset="0"/>
+              </a:rPr>
+              <a:t>2. We found the low thermal conductivity is caused by the strong anharmonic scattering. The ZT is 2.5 at 900K.</a:t>
+            </a:r>
+            <a:endParaRPr lang="zh-CN" altLang="en-US" sz="2400" kern="100" dirty="0">
+              <a:solidFill>
+                <a:srgbClr val="000000"/>
+              </a:solidFill>
+              <a:latin typeface="+mn-lt"/>
+              <a:cs typeface="Times New Roman" panose="02020603050405020304" pitchFamily="18" charset="0"/>
+            </a:endParaRPr>
+          </a:p>
+        </p:txBody>
+      </p:sp>
+    </p:spTree>
+    <p:extLst>
+      <p:ext uri="{BB962C8B-B14F-4D97-AF65-F5344CB8AC3E}">
+        <p14:creationId xmlns:p14="http://schemas.microsoft.com/office/powerpoint/2010/main" val="1454801111"/>
+      </p:ext>
+    </p:extLst>
+  </p:cSld>
+  <p:clrMapOvr>
+    <a:masterClrMapping/>
+  </p:clrMapOvr>
+  <mc:AlternateContent xmlns:mc="http://schemas.openxmlformats.org/markup-compatibility/2006" xmlns:p14="http://schemas.microsoft.com/office/powerpoint/2010/main">
+    <mc:Choice Requires="p14">
+      <p:transition p14:dur="250">
+        <p:push/>
+      </p:transition>
+    </mc:Choice>
+    <mc:Fallback xmlns="">
+      <p:transition>
+        <p:push/>
+      </p:transition>
+    </mc:Fallback>
+  </mc:AlternateContent>
+  <p:timing>
+    <p:tnLst>
+      <p:par>
+        <p:cTn id="1" dur="indefinite" restart="never" nodeType="tmRoot"/>
+      </p:par>
+    </p:tnLst>
+  </p:timing>
+</p:sld>
+</file>
+
+<file path=ppt/slides/slide6.xml><?xml version="1.0" encoding="utf-8"?>
+<p:sld xmlns:a="http://schemas.openxmlformats.org/drawingml/2006/main" xmlns:r="http://schemas.openxmlformats.org/officeDocument/2006/relationships" xmlns:p="http://schemas.openxmlformats.org/presentationml/2006/main">
+  <p:cSld>
+    <p:spTree>
+      <p:nvGrpSpPr>
+        <p:cNvPr id="1" name=""/>
+        <p:cNvGrpSpPr/>
+        <p:nvPr/>
+      </p:nvGrpSpPr>
+      <p:grpSpPr>
+        <a:xfrm>
+          <a:off x="0" y="0"/>
+          <a:ext cx="0" cy="0"/>
+          <a:chOff x="0" y="0"/>
+          <a:chExt cx="0" cy="0"/>
+        </a:xfrm>
+      </p:grpSpPr>
       <p:sp>
         <p:nvSpPr>
           <p:cNvPr id="5" name="文本框 4"/>
@@ -5559,7 +6623,7 @@
               <a:pPr>
                 <a:defRPr/>
               </a:pPr>
-              <a:t>3</a:t>
+              <a:t>6</a:t>
             </a:fld>
             <a:endParaRPr lang="zh-CN" altLang="zh-CN"/>
           </a:p>

--- a/bi4i4.pptx
+++ b/bi4i4.pptx
@@ -14,10 +14,10 @@
     <p:sldId id="407" r:id="rId5"/>
     <p:sldId id="413" r:id="rId6"/>
     <p:sldId id="408" r:id="rId7"/>
-    <p:sldId id="409" r:id="rId8"/>
-    <p:sldId id="410" r:id="rId9"/>
-    <p:sldId id="411" r:id="rId10"/>
-    <p:sldId id="412" r:id="rId11"/>
+    <p:sldId id="410" r:id="rId8"/>
+    <p:sldId id="411" r:id="rId9"/>
+    <p:sldId id="412" r:id="rId10"/>
+    <p:sldId id="414" r:id="rId11"/>
     <p:sldId id="404" r:id="rId12"/>
     <p:sldId id="405" r:id="rId13"/>
     <p:sldId id="400" r:id="rId14"/>
@@ -1222,6 +1222,13 @@
         </dgm:presLayoutVars>
       </dgm:prSet>
       <dgm:spPr/>
+      <dgm:t>
+        <a:bodyPr/>
+        <a:lstStyle/>
+        <a:p>
+          <a:endParaRPr lang="zh-CN" altLang="en-US"/>
+        </a:p>
+      </dgm:t>
     </dgm:pt>
     <dgm:pt modelId="{3BB85AE0-9991-431B-B296-CCFC1AAA5C42}" type="pres">
       <dgm:prSet presAssocID="{65259B0A-65B5-4206-95FF-12F38068ECE0}" presName="Parent" presStyleLbl="node0" presStyleIdx="0" presStyleCnt="1">
@@ -8630,10 +8637,173 @@
           <a:chExt cx="0" cy="0"/>
         </a:xfrm>
       </p:grpSpPr>
+      <p:sp>
+        <p:nvSpPr>
+          <p:cNvPr id="4" name="TextBox 3"/>
+          <p:cNvSpPr txBox="1"/>
+          <p:nvPr/>
+        </p:nvSpPr>
+        <p:spPr>
+          <a:xfrm>
+            <a:off x="142844" y="116632"/>
+            <a:ext cx="2938625" cy="523220"/>
+          </a:xfrm>
+          <a:prstGeom prst="rect">
+            <a:avLst/>
+          </a:prstGeom>
+          <a:noFill/>
+        </p:spPr>
+        <p:txBody>
+          <a:bodyPr wrap="none" rtlCol="0">
+            <a:spAutoFit/>
+          </a:bodyPr>
+          <a:lstStyle/>
+          <a:p>
+            <a:r>
+              <a:rPr lang="en-US" altLang="zh-CN" sz="2800" b="1" dirty="0" smtClean="0">
+                <a:ea typeface="微软雅黑" pitchFamily="34" charset="-122"/>
+                <a:cs typeface="Times New Roman" pitchFamily="18" charset="0"/>
+              </a:rPr>
+              <a:t>INTRODUCTION</a:t>
+            </a:r>
+            <a:endParaRPr lang="en-US" altLang="zh-CN" sz="2800" b="1" dirty="0">
+              <a:ea typeface="微软雅黑" pitchFamily="34" charset="-122"/>
+              <a:cs typeface="Times New Roman" pitchFamily="18" charset="0"/>
+            </a:endParaRPr>
+          </a:p>
+        </p:txBody>
+      </p:sp>
+      <p:sp>
+        <p:nvSpPr>
+          <p:cNvPr id="5" name="矩形 4"/>
+          <p:cNvSpPr/>
+          <p:nvPr/>
+        </p:nvSpPr>
+        <p:spPr>
+          <a:xfrm>
+            <a:off x="3419872" y="260648"/>
+            <a:ext cx="4572000" cy="646331"/>
+          </a:xfrm>
+          <a:prstGeom prst="rect">
+            <a:avLst/>
+          </a:prstGeom>
+        </p:spPr>
+        <p:txBody>
+          <a:bodyPr>
+            <a:spAutoFit/>
+          </a:bodyPr>
+          <a:lstStyle/>
+          <a:p>
+            <a:r>
+              <a:rPr lang="en-US" altLang="zh-CN" kern="100" dirty="0">
+                <a:solidFill>
+                  <a:srgbClr val="000000"/>
+                </a:solidFill>
+                <a:cs typeface="Times New Roman" panose="02020603050405020304" pitchFamily="18" charset="0"/>
+              </a:rPr>
+              <a:t>2. The potential of topological insulator and nanowire in the field of thermoelectricity</a:t>
+            </a:r>
+            <a:endParaRPr lang="zh-CN" altLang="en-US" kern="100" dirty="0">
+              <a:solidFill>
+                <a:srgbClr val="000000"/>
+              </a:solidFill>
+              <a:cs typeface="Times New Roman" panose="02020603050405020304" pitchFamily="18" charset="0"/>
+            </a:endParaRPr>
+          </a:p>
+        </p:txBody>
+      </p:sp>
+      <p:grpSp>
+        <p:nvGrpSpPr>
+          <p:cNvPr id="6" name="组合 5"/>
+          <p:cNvGrpSpPr/>
+          <p:nvPr/>
+        </p:nvGrpSpPr>
+        <p:grpSpPr>
+          <a:xfrm>
+            <a:off x="0" y="785794"/>
+            <a:ext cx="4143372" cy="142876"/>
+            <a:chOff x="0" y="785794"/>
+            <a:chExt cx="4143372" cy="142876"/>
+          </a:xfrm>
+        </p:grpSpPr>
+        <p:cxnSp>
+          <p:nvCxnSpPr>
+            <p:cNvPr id="7" name="直接连接符 6"/>
+            <p:cNvCxnSpPr>
+              <a:endCxn id="8" idx="3"/>
+            </p:cNvCxnSpPr>
+            <p:nvPr/>
+          </p:nvCxnSpPr>
+          <p:spPr>
+            <a:xfrm rot="10800000">
+              <a:off x="642910" y="857232"/>
+              <a:ext cx="3500462" cy="1588"/>
+            </a:xfrm>
+            <a:prstGeom prst="line">
+              <a:avLst/>
+            </a:prstGeom>
+            <a:ln w="19050">
+              <a:solidFill>
+                <a:srgbClr val="7030A0"/>
+              </a:solidFill>
+            </a:ln>
+          </p:spPr>
+          <p:style>
+            <a:lnRef idx="1">
+              <a:schemeClr val="accent1"/>
+            </a:lnRef>
+            <a:fillRef idx="0">
+              <a:schemeClr val="accent1"/>
+            </a:fillRef>
+            <a:effectRef idx="0">
+              <a:schemeClr val="accent1"/>
+            </a:effectRef>
+            <a:fontRef idx="minor">
+              <a:schemeClr val="tx1"/>
+            </a:fontRef>
+          </p:style>
+        </p:cxnSp>
+        <p:sp>
+          <p:nvSpPr>
+            <p:cNvPr id="8" name="Rectangle 7"/>
+            <p:cNvSpPr>
+              <a:spLocks noChangeArrowheads="1"/>
+            </p:cNvSpPr>
+            <p:nvPr/>
+          </p:nvSpPr>
+          <p:spPr bwMode="auto">
+            <a:xfrm>
+              <a:off x="0" y="785794"/>
+              <a:ext cx="642910" cy="142876"/>
+            </a:xfrm>
+            <a:prstGeom prst="rect">
+              <a:avLst/>
+            </a:prstGeom>
+            <a:solidFill>
+              <a:srgbClr val="7030A0"/>
+            </a:solidFill>
+            <a:ln w="9525">
+              <a:solidFill>
+                <a:srgbClr val="7030A0"/>
+              </a:solidFill>
+              <a:miter lim="800000"/>
+              <a:headEnd/>
+              <a:tailEnd/>
+            </a:ln>
+          </p:spPr>
+          <p:txBody>
+            <a:bodyPr wrap="none" anchor="ctr"/>
+            <a:lstStyle/>
+            <a:p>
+              <a:endParaRPr lang="zh-CN" altLang="en-US"/>
+            </a:p>
+          </p:txBody>
+        </p:sp>
+      </p:grpSp>
     </p:spTree>
     <p:extLst>
       <p:ext uri="{BB962C8B-B14F-4D97-AF65-F5344CB8AC3E}">
-        <p14:creationId xmlns:p14="http://schemas.microsoft.com/office/powerpoint/2010/main" val="2234642120"/>
+        <p14:creationId xmlns:p14="http://schemas.microsoft.com/office/powerpoint/2010/main" val="4016933064"/>
       </p:ext>
     </p:extLst>
   </p:cSld>
@@ -9169,6 +9339,13 @@
       </p:transition>
     </mc:Fallback>
   </mc:AlternateContent>
+  <p:timing>
+    <p:tnLst>
+      <p:par>
+        <p:cTn id="1" dur="indefinite" restart="never" nodeType="tmRoot"/>
+      </p:par>
+    </p:tnLst>
+  </p:timing>
 </p:sld>
 </file>
 
@@ -10361,7 +10538,17 @@
                 <a:latin typeface="+mn-lt"/>
                 <a:cs typeface="Times New Roman" panose="02020603050405020304" pitchFamily="18" charset="0"/>
               </a:rPr>
-              <a:t>1. Thermoelectricity</a:t>
+              <a:t>1. </a:t>
+            </a:r>
+            <a:r>
+              <a:rPr lang="en-US" altLang="zh-CN" sz="2400" kern="100" dirty="0" smtClean="0">
+                <a:solidFill>
+                  <a:srgbClr val="000000"/>
+                </a:solidFill>
+                <a:latin typeface="+mn-lt"/>
+                <a:cs typeface="Times New Roman" panose="02020603050405020304" pitchFamily="18" charset="0"/>
+              </a:rPr>
+              <a:t>Thermoelectricity</a:t>
             </a:r>
             <a:endParaRPr lang="zh-CN" altLang="en-US" sz="2400" kern="100" dirty="0">
               <a:solidFill>
@@ -10403,17 +10590,7 @@
                 <a:latin typeface="+mn-lt"/>
                 <a:cs typeface="Times New Roman" panose="02020603050405020304" pitchFamily="18" charset="0"/>
               </a:rPr>
-              <a:t>2. The potential of topological insulator and nanowire in the field of </a:t>
-            </a:r>
-            <a:r>
-              <a:rPr lang="en-US" altLang="zh-CN" sz="2400" kern="100" dirty="0" smtClean="0">
-                <a:solidFill>
-                  <a:srgbClr val="000000"/>
-                </a:solidFill>
-                <a:latin typeface="+mn-lt"/>
-                <a:cs typeface="Times New Roman" panose="02020603050405020304" pitchFamily="18" charset="0"/>
-              </a:rPr>
-              <a:t>thermoelectricity</a:t>
+              <a:t>2. The potential of topological insulator and nanowire in the field of thermoelectricity</a:t>
             </a:r>
             <a:endParaRPr lang="zh-CN" altLang="en-US" sz="2400" kern="100" dirty="0">
               <a:solidFill>
@@ -10943,7 +11120,7 @@
                 <a:latin typeface="+mn-lt"/>
                 <a:cs typeface="Times New Roman" panose="02020603050405020304" pitchFamily="18" charset="0"/>
               </a:rPr>
-              <a:t>1. </a:t>
+              <a:t> </a:t>
             </a:r>
             <a:r>
               <a:rPr lang="en-US" altLang="zh-CN" sz="2400" kern="100" dirty="0" smtClean="0">
@@ -11866,8 +12043,8 @@
           </a:p>
         </p:txBody>
       </p:sp>
-      <mc:AlternateContent xmlns:mc="http://schemas.openxmlformats.org/markup-compatibility/2006">
-        <mc:Choice xmlns:a14="http://schemas.microsoft.com/office/drawing/2010/main" Requires="a14">
+      <mc:AlternateContent xmlns:mc="http://schemas.openxmlformats.org/markup-compatibility/2006" xmlns:a14="http://schemas.microsoft.com/office/drawing/2010/main">
+        <mc:Choice Requires="a14">
           <p:sp>
             <p:nvSpPr>
               <p:cNvPr id="24" name="文本框 23"/>
@@ -11890,6 +12067,7 @@
               </a:bodyPr>
               <a:lstStyle/>
               <a:p>
+                <a:pPr/>
                 <a14:m>
                   <m:oMathPara xmlns:m="http://schemas.openxmlformats.org/officeDocument/2006/math">
                     <m:oMathParaPr>
@@ -12073,7 +12251,7 @@
             </p:txBody>
           </p:sp>
         </mc:Choice>
-        <mc:Fallback>
+        <mc:Fallback xmlns="">
           <p:sp>
             <p:nvSpPr>
               <p:cNvPr id="24" name="文本框 23"/>
@@ -12604,8 +12782,8 @@
           </a:p>
         </p:txBody>
       </p:sp>
-      <mc:AlternateContent xmlns:mc="http://schemas.openxmlformats.org/markup-compatibility/2006">
-        <mc:Choice xmlns:a14="http://schemas.microsoft.com/office/drawing/2010/main" Requires="a14">
+      <mc:AlternateContent xmlns:mc="http://schemas.openxmlformats.org/markup-compatibility/2006" xmlns:a14="http://schemas.microsoft.com/office/drawing/2010/main">
+        <mc:Choice Requires="a14">
           <p:sp>
             <p:nvSpPr>
               <p:cNvPr id="63" name="文本框 62"/>
@@ -12628,6 +12806,7 @@
               </a:bodyPr>
               <a:lstStyle/>
               <a:p>
+                <a:pPr/>
                 <a14:m>
                   <m:oMathPara xmlns:m="http://schemas.openxmlformats.org/officeDocument/2006/math">
                     <m:oMathParaPr>
@@ -12678,7 +12857,7 @@
             </p:txBody>
           </p:sp>
         </mc:Choice>
-        <mc:Fallback>
+        <mc:Fallback xmlns="">
           <p:sp>
             <p:nvSpPr>
               <p:cNvPr id="63" name="文本框 62"/>
@@ -12717,8 +12896,8 @@
           </p:sp>
         </mc:Fallback>
       </mc:AlternateContent>
-      <mc:AlternateContent xmlns:mc="http://schemas.openxmlformats.org/markup-compatibility/2006">
-        <mc:Choice xmlns:a14="http://schemas.microsoft.com/office/drawing/2010/main" Requires="a14">
+      <mc:AlternateContent xmlns:mc="http://schemas.openxmlformats.org/markup-compatibility/2006" xmlns:a14="http://schemas.microsoft.com/office/drawing/2010/main">
+        <mc:Choice Requires="a14">
           <p:sp>
             <p:nvSpPr>
               <p:cNvPr id="67" name="文本框 66"/>
@@ -12741,6 +12920,7 @@
               </a:bodyPr>
               <a:lstStyle/>
               <a:p>
+                <a:pPr/>
                 <a14:m>
                   <m:oMathPara xmlns:m="http://schemas.openxmlformats.org/officeDocument/2006/math">
                     <m:oMathParaPr>
@@ -12791,7 +12971,7 @@
             </p:txBody>
           </p:sp>
         </mc:Choice>
-        <mc:Fallback>
+        <mc:Fallback xmlns="">
           <p:sp>
             <p:nvSpPr>
               <p:cNvPr id="67" name="文本框 66"/>
@@ -14039,7 +14219,7 @@
             <p:spPr>
               <a:xfrm>
                 <a:off x="1776825" y="3634304"/>
-                <a:ext cx="6086346" cy="525913"/>
+                <a:ext cx="4473084" cy="276999"/>
               </a:xfrm>
               <a:prstGeom prst="rect">
                 <a:avLst/>
@@ -14052,6 +14232,7 @@
               </a:bodyPr>
               <a:lstStyle/>
               <a:p>
+                <a:pPr/>
                 <a14:m>
                   <m:oMathPara xmlns:m="http://schemas.openxmlformats.org/officeDocument/2006/math">
                     <m:oMathParaPr>
@@ -14059,100 +14240,18 @@
                     </m:oMathParaPr>
                     <m:oMath xmlns:m="http://schemas.openxmlformats.org/officeDocument/2006/math">
                       <m:r>
-                        <a:rPr lang="en-US" altLang="zh-CN" b="0" i="1" smtClean="0">
+                        <a:rPr lang="en-US" altLang="zh-CN" i="1" smtClean="0">
                           <a:latin typeface="Cambria Math" panose="02040503050406030204" pitchFamily="18" charset="0"/>
                           <a:ea typeface="Batang" panose="02030600000101010101" pitchFamily="18" charset="-127"/>
                         </a:rPr>
-                        <m:t>𝑉</m:t>
+                        <m:t>𝑟𝑒𝑙𝑎𝑡𝑖𝑣𝑒</m:t>
                       </m:r>
                       <m:r>
                         <a:rPr lang="en-US" altLang="zh-CN" b="0" i="1" smtClean="0">
                           <a:latin typeface="Cambria Math" panose="02040503050406030204" pitchFamily="18" charset="0"/>
                           <a:ea typeface="Batang" panose="02030600000101010101" pitchFamily="18" charset="-127"/>
                         </a:rPr>
-                        <m:t>~ </m:t>
-                      </m:r>
-                      <m:d>
-                        <m:dPr>
-                          <m:ctrlPr>
-                            <a:rPr lang="en-US" altLang="zh-CN" b="0" i="1" smtClean="0">
-                              <a:latin typeface="Cambria Math" panose="02040503050406030204" pitchFamily="18" charset="0"/>
-                              <a:ea typeface="Batang" panose="02030600000101010101" pitchFamily="18" charset="-127"/>
-                            </a:rPr>
-                          </m:ctrlPr>
-                        </m:dPr>
-                        <m:e>
-                          <m:sSub>
-                            <m:sSubPr>
-                              <m:ctrlPr>
-                                <a:rPr lang="en-US" altLang="zh-CN" b="0" i="1" smtClean="0">
-                                  <a:latin typeface="Cambria Math" panose="02040503050406030204" pitchFamily="18" charset="0"/>
-                                  <a:ea typeface="Batang" panose="02030600000101010101" pitchFamily="18" charset="-127"/>
-                                </a:rPr>
-                              </m:ctrlPr>
-                            </m:sSubPr>
-                            <m:e>
-                              <m:r>
-                                <a:rPr lang="en-US" altLang="zh-CN" b="0" i="1" smtClean="0">
-                                  <a:latin typeface="Cambria Math" panose="02040503050406030204" pitchFamily="18" charset="0"/>
-                                  <a:ea typeface="Batang" panose="02030600000101010101" pitchFamily="18" charset="-127"/>
-                                </a:rPr>
-                                <m:t>𝑇</m:t>
-                              </m:r>
-                            </m:e>
-                            <m:sub>
-                              <m:r>
-                                <a:rPr lang="en-US" altLang="zh-CN" b="0" i="1" smtClean="0">
-                                  <a:latin typeface="Cambria Math" panose="02040503050406030204" pitchFamily="18" charset="0"/>
-                                  <a:ea typeface="Batang" panose="02030600000101010101" pitchFamily="18" charset="-127"/>
-                                </a:rPr>
-                                <m:t>1</m:t>
-                              </m:r>
-                            </m:sub>
-                          </m:sSub>
-                          <m:r>
-                            <a:rPr lang="en-US" altLang="zh-CN" b="0" i="1" smtClean="0">
-                              <a:latin typeface="Cambria Math" panose="02040503050406030204" pitchFamily="18" charset="0"/>
-                              <a:ea typeface="Batang" panose="02030600000101010101" pitchFamily="18" charset="-127"/>
-                            </a:rPr>
-                            <m:t> −</m:t>
-                          </m:r>
-                          <m:sSub>
-                            <m:sSubPr>
-                              <m:ctrlPr>
-                                <a:rPr lang="en-US" altLang="zh-CN" b="0" i="1" smtClean="0">
-                                  <a:latin typeface="Cambria Math" panose="02040503050406030204" pitchFamily="18" charset="0"/>
-                                  <a:ea typeface="Batang" panose="02030600000101010101" pitchFamily="18" charset="-127"/>
-                                </a:rPr>
-                              </m:ctrlPr>
-                            </m:sSubPr>
-                            <m:e>
-                              <m:r>
-                                <a:rPr lang="en-US" altLang="zh-CN" b="0" i="1" smtClean="0">
-                                  <a:latin typeface="Cambria Math" panose="02040503050406030204" pitchFamily="18" charset="0"/>
-                                  <a:ea typeface="Batang" panose="02030600000101010101" pitchFamily="18" charset="-127"/>
-                                </a:rPr>
-                                <m:t>𝑇</m:t>
-                              </m:r>
-                            </m:e>
-                            <m:sub>
-                              <m:r>
-                                <a:rPr lang="en-US" altLang="zh-CN" b="0" i="1" smtClean="0">
-                                  <a:latin typeface="Cambria Math" panose="02040503050406030204" pitchFamily="18" charset="0"/>
-                                  <a:ea typeface="Batang" panose="02030600000101010101" pitchFamily="18" charset="-127"/>
-                                </a:rPr>
-                                <m:t>2</m:t>
-                              </m:r>
-                            </m:sub>
-                          </m:sSub>
-                        </m:e>
-                      </m:d>
-                      <m:r>
-                        <a:rPr lang="en-US" altLang="zh-CN" i="1">
-                          <a:latin typeface="Cambria Math" panose="02040503050406030204" pitchFamily="18" charset="0"/>
-                          <a:ea typeface="Batang" panose="02030600000101010101" pitchFamily="18" charset="-127"/>
-                        </a:rPr>
-                        <m:t>⇒</m:t>
+                        <m:t> </m:t>
                       </m:r>
                       <m:r>
                         <a:rPr lang="en-US" altLang="zh-CN" i="1">
@@ -14176,25 +14275,11 @@
                         <m:t>𝑐𝑜𝑒𝑓𝑓𝑒𝑐𝑖𝑒𝑛𝑡</m:t>
                       </m:r>
                       <m:r>
-                        <a:rPr lang="en-US" altLang="zh-CN" b="0" i="1" smtClean="0">
+                        <a:rPr lang="en-US" altLang="zh-CN" i="1">
                           <a:latin typeface="Cambria Math" panose="02040503050406030204" pitchFamily="18" charset="0"/>
                           <a:ea typeface="Batang" panose="02030600000101010101" pitchFamily="18" charset="-127"/>
                         </a:rPr>
-                        <m:t> (</m:t>
-                      </m:r>
-                      <m:r>
-                        <a:rPr lang="en-US" altLang="zh-CN" b="0" i="1" smtClean="0">
-                          <a:latin typeface="Cambria Math" panose="02040503050406030204" pitchFamily="18" charset="0"/>
-                          <a:ea typeface="Batang" panose="02030600000101010101" pitchFamily="18" charset="-127"/>
-                        </a:rPr>
-                        <m:t>𝑟𝑒𝑙𝑎𝑡𝑖𝑣𝑒</m:t>
-                      </m:r>
-                      <m:r>
-                        <a:rPr lang="en-US" altLang="zh-CN" b="0" i="1" smtClean="0">
-                          <a:latin typeface="Cambria Math" panose="02040503050406030204" pitchFamily="18" charset="0"/>
-                          <a:ea typeface="Batang" panose="02030600000101010101" pitchFamily="18" charset="-127"/>
-                        </a:rPr>
-                        <m:t>)  </m:t>
+                        <m:t> </m:t>
                       </m:r>
                       <m:sSub>
                         <m:sSubPr>
@@ -14207,11 +14292,14 @@
                         </m:sSubPr>
                         <m:e>
                           <m:r>
+                            <m:rPr>
+                              <m:sty m:val="p"/>
+                            </m:rPr>
                             <a:rPr lang="en-US" altLang="zh-CN" i="1">
                               <a:latin typeface="Cambria Math" panose="02040503050406030204" pitchFamily="18" charset="0"/>
                               <a:ea typeface="Batang" panose="02030600000101010101" pitchFamily="18" charset="-127"/>
                             </a:rPr>
-                            <m:t>𝑆</m:t>
+                            <m:t>S</m:t>
                           </m:r>
                         </m:e>
                         <m:sub>
@@ -14231,34 +14319,69 @@
                         </a:rPr>
                         <m:t>=</m:t>
                       </m:r>
-                      <m:f>
-                        <m:fPr>
+                      <m:sSub>
+                        <m:sSubPr>
                           <m:ctrlPr>
-                            <a:rPr lang="en-US" altLang="zh-CN" i="1">
+                            <a:rPr lang="en-US" altLang="zh-CN" b="0" i="1" smtClean="0">
                               <a:latin typeface="Cambria Math" panose="02040503050406030204" pitchFamily="18" charset="0"/>
                               <a:ea typeface="Batang" panose="02030600000101010101" pitchFamily="18" charset="-127"/>
                             </a:rPr>
                           </m:ctrlPr>
-                        </m:fPr>
-                        <m:num>
+                        </m:sSubPr>
+                        <m:e>
                           <m:r>
-                            <a:rPr lang="en-US" altLang="zh-CN" i="1">
+                            <a:rPr lang="en-US" altLang="zh-CN" b="0" i="1" smtClean="0">
                               <a:latin typeface="Cambria Math" panose="02040503050406030204" pitchFamily="18" charset="0"/>
                               <a:ea typeface="Batang" panose="02030600000101010101" pitchFamily="18" charset="-127"/>
                             </a:rPr>
-                            <m:t>𝑑𝑉</m:t>
+                            <m:t>𝑆</m:t>
                           </m:r>
-                        </m:num>
-                        <m:den>
+                        </m:e>
+                        <m:sub>
                           <m:r>
-                            <a:rPr lang="en-US" altLang="zh-CN" i="1">
+                            <a:rPr lang="en-US" altLang="zh-CN" b="0" i="1" smtClean="0">
                               <a:latin typeface="Cambria Math" panose="02040503050406030204" pitchFamily="18" charset="0"/>
                               <a:ea typeface="Batang" panose="02030600000101010101" pitchFamily="18" charset="-127"/>
                             </a:rPr>
-                            <m:t>𝑑𝑇</m:t>
+                            <m:t>𝐴</m:t>
                           </m:r>
-                        </m:den>
-                      </m:f>
+                        </m:sub>
+                      </m:sSub>
+                      <m:r>
+                        <a:rPr lang="en-US" altLang="zh-CN" b="0" i="1" smtClean="0">
+                          <a:latin typeface="Cambria Math" panose="02040503050406030204" pitchFamily="18" charset="0"/>
+                          <a:ea typeface="Batang" panose="02030600000101010101" pitchFamily="18" charset="-127"/>
+                        </a:rPr>
+                        <m:t>−</m:t>
+                      </m:r>
+                      <m:sSub>
+                        <m:sSubPr>
+                          <m:ctrlPr>
+                            <a:rPr lang="en-US" altLang="zh-CN" b="0" i="1" smtClean="0">
+                              <a:latin typeface="Cambria Math" panose="02040503050406030204" pitchFamily="18" charset="0"/>
+                              <a:ea typeface="Batang" panose="02030600000101010101" pitchFamily="18" charset="-127"/>
+                            </a:rPr>
+                          </m:ctrlPr>
+                        </m:sSubPr>
+                        <m:e>
+                          <m:r>
+                            <a:rPr lang="en-US" altLang="zh-CN" b="0" i="1" smtClean="0">
+                              <a:latin typeface="Cambria Math" panose="02040503050406030204" pitchFamily="18" charset="0"/>
+                              <a:ea typeface="Batang" panose="02030600000101010101" pitchFamily="18" charset="-127"/>
+                            </a:rPr>
+                            <m:t>𝑆</m:t>
+                          </m:r>
+                        </m:e>
+                        <m:sub>
+                          <m:r>
+                            <a:rPr lang="en-US" altLang="zh-CN" b="0" i="1" smtClean="0">
+                              <a:latin typeface="Cambria Math" panose="02040503050406030204" pitchFamily="18" charset="0"/>
+                              <a:ea typeface="Batang" panose="02030600000101010101" pitchFamily="18" charset="-127"/>
+                            </a:rPr>
+                            <m:t>𝐵</m:t>
+                          </m:r>
+                        </m:sub>
+                      </m:sSub>
                     </m:oMath>
                   </m:oMathPara>
                 </a14:m>
@@ -14282,7 +14405,7 @@
             <p:spPr>
               <a:xfrm>
                 <a:off x="1776825" y="3634304"/>
-                <a:ext cx="6086346" cy="525913"/>
+                <a:ext cx="4473084" cy="276999"/>
               </a:xfrm>
               <a:prstGeom prst="rect">
                 <a:avLst/>
@@ -14290,7 +14413,7 @@
               <a:blipFill>
                 <a:blip r:embed="rId2"/>
                 <a:stretch>
-                  <a:fillRect/>
+                  <a:fillRect l="-817" t="-2174" b="-32609"/>
                 </a:stretch>
               </a:blipFill>
             </p:spPr>
@@ -14364,9 +14487,9 @@
           <p:nvPr/>
         </p:nvCxnSpPr>
         <p:spPr>
-          <a:xfrm flipH="1">
-            <a:off x="3396782" y="1760931"/>
-            <a:ext cx="1176190" cy="2638929"/>
+          <a:xfrm>
+            <a:off x="4572972" y="1760931"/>
+            <a:ext cx="177887" cy="2425725"/>
           </a:xfrm>
           <a:prstGeom prst="straightConnector1">
             <a:avLst/>
@@ -14973,84 +15096,6 @@
           </a:p>
         </p:txBody>
       </p:sp>
-      <p:cxnSp>
-        <p:nvCxnSpPr>
-          <p:cNvPr id="74" name="直接箭头连接符 73"/>
-          <p:cNvCxnSpPr>
-            <a:stCxn id="30" idx="1"/>
-            <a:endCxn id="30" idx="3"/>
-          </p:cNvCxnSpPr>
-          <p:nvPr/>
-        </p:nvCxnSpPr>
-        <p:spPr>
-          <a:xfrm>
-            <a:off x="2339752" y="5292365"/>
-            <a:ext cx="2376264" cy="0"/>
-          </a:xfrm>
-          <a:prstGeom prst="straightConnector1">
-            <a:avLst/>
-          </a:prstGeom>
-          <a:ln>
-            <a:tailEnd type="triangle"/>
-          </a:ln>
-        </p:spPr>
-        <p:style>
-          <a:lnRef idx="3">
-            <a:schemeClr val="accent3"/>
-          </a:lnRef>
-          <a:fillRef idx="0">
-            <a:schemeClr val="accent3"/>
-          </a:fillRef>
-          <a:effectRef idx="2">
-            <a:schemeClr val="accent3"/>
-          </a:effectRef>
-          <a:fontRef idx="minor">
-            <a:schemeClr val="tx1"/>
-          </a:fontRef>
-        </p:style>
-      </p:cxnSp>
-      <p:sp>
-        <p:nvSpPr>
-          <p:cNvPr id="75" name="文本框 74"/>
-          <p:cNvSpPr txBox="1"/>
-          <p:nvPr/>
-        </p:nvSpPr>
-        <p:spPr>
-          <a:xfrm>
-            <a:off x="3232448" y="4893773"/>
-            <a:ext cx="1138007" cy="307777"/>
-          </a:xfrm>
-          <a:prstGeom prst="rect">
-            <a:avLst/>
-          </a:prstGeom>
-          <a:noFill/>
-        </p:spPr>
-        <p:txBody>
-          <a:bodyPr wrap="square" rtlCol="0">
-            <a:spAutoFit/>
-          </a:bodyPr>
-          <a:lstStyle/>
-          <a:p>
-            <a:r>
-              <a:rPr lang="en-US" altLang="zh-CN" sz="1400" dirty="0" smtClean="0">
-                <a:solidFill>
-                  <a:schemeClr val="bg1"/>
-                </a:solidFill>
-                <a:latin typeface="Batang" panose="02030600000101010101" pitchFamily="18" charset="-127"/>
-                <a:ea typeface="Batang" panose="02030600000101010101" pitchFamily="18" charset="-127"/>
-              </a:rPr>
-              <a:t>Dipole E</a:t>
-            </a:r>
-            <a:endParaRPr lang="zh-CN" altLang="en-US" sz="1400" dirty="0">
-              <a:solidFill>
-                <a:schemeClr val="bg1"/>
-              </a:solidFill>
-              <a:latin typeface="Batang" panose="02030600000101010101" pitchFamily="18" charset="-127"/>
-              <a:ea typeface="Batang" panose="02030600000101010101" pitchFamily="18" charset="-127"/>
-            </a:endParaRPr>
-          </a:p>
-        </p:txBody>
-      </p:sp>
       <p:sp>
         <p:nvSpPr>
           <p:cNvPr id="76" name="矩形 75"/>
@@ -15568,14 +15613,14 @@
       </p:sp>
       <p:sp>
         <p:nvSpPr>
-          <p:cNvPr id="94" name="文本框 93"/>
+          <p:cNvPr id="97" name="文本框 96"/>
           <p:cNvSpPr txBox="1"/>
           <p:nvPr/>
         </p:nvSpPr>
         <p:spPr>
           <a:xfrm>
-            <a:off x="4757429" y="5105561"/>
-            <a:ext cx="1366850" cy="307777"/>
+            <a:off x="4553381" y="5733182"/>
+            <a:ext cx="936104" cy="307777"/>
           </a:xfrm>
           <a:prstGeom prst="rect">
             <a:avLst/>
@@ -15590,18 +15635,12 @@
           <a:p>
             <a:r>
               <a:rPr lang="en-US" altLang="zh-CN" sz="1400" dirty="0" smtClean="0">
-                <a:solidFill>
-                  <a:schemeClr val="bg1"/>
-                </a:solidFill>
                 <a:latin typeface="Batang" panose="02030600000101010101" pitchFamily="18" charset="-127"/>
                 <a:ea typeface="Batang" panose="02030600000101010101" pitchFamily="18" charset="-127"/>
               </a:rPr>
-              <a:t>Space charge</a:t>
+              <a:t>T1</a:t>
             </a:r>
             <a:endParaRPr lang="zh-CN" altLang="en-US" sz="1400" dirty="0">
-              <a:solidFill>
-                <a:schemeClr val="bg1"/>
-              </a:solidFill>
               <a:latin typeface="Batang" panose="02030600000101010101" pitchFamily="18" charset="-127"/>
               <a:ea typeface="Batang" panose="02030600000101010101" pitchFamily="18" charset="-127"/>
             </a:endParaRPr>
@@ -15610,14 +15649,14 @@
       </p:sp>
       <p:cxnSp>
         <p:nvCxnSpPr>
-          <p:cNvPr id="95" name="直接箭头连接符 94"/>
+          <p:cNvPr id="62" name="直接箭头连接符 61"/>
           <p:cNvCxnSpPr/>
           <p:nvPr/>
         </p:nvCxnSpPr>
         <p:spPr>
           <a:xfrm>
-            <a:off x="2339752" y="5413338"/>
-            <a:ext cx="2376264" cy="0"/>
+            <a:off x="2511229" y="5351306"/>
+            <a:ext cx="1771106" cy="0"/>
           </a:xfrm>
           <a:prstGeom prst="straightConnector1">
             <a:avLst/>
@@ -15643,14 +15682,14 @@
       </p:cxnSp>
       <p:cxnSp>
         <p:nvCxnSpPr>
-          <p:cNvPr id="96" name="直接箭头连接符 95"/>
+          <p:cNvPr id="63" name="直接箭头连接符 62"/>
           <p:cNvCxnSpPr/>
           <p:nvPr/>
         </p:nvCxnSpPr>
         <p:spPr>
           <a:xfrm>
-            <a:off x="2357084" y="5195427"/>
-            <a:ext cx="2376264" cy="0"/>
+            <a:off x="2511229" y="5176312"/>
+            <a:ext cx="1771106" cy="0"/>
           </a:xfrm>
           <a:prstGeom prst="straightConnector1">
             <a:avLst/>
@@ -15674,42 +15713,72 @@
           </a:fontRef>
         </p:style>
       </p:cxnSp>
-      <p:sp>
-        <p:nvSpPr>
-          <p:cNvPr id="97" name="文本框 96"/>
-          <p:cNvSpPr txBox="1"/>
+      <p:cxnSp>
+        <p:nvCxnSpPr>
+          <p:cNvPr id="64" name="直接箭头连接符 63"/>
+          <p:cNvCxnSpPr/>
           <p:nvPr/>
-        </p:nvSpPr>
+        </p:nvCxnSpPr>
         <p:spPr>
-          <a:xfrm>
-            <a:off x="4553381" y="5733182"/>
-            <a:ext cx="936104" cy="307777"/>
+          <a:xfrm flipH="1">
+            <a:off x="5409401" y="5365614"/>
+            <a:ext cx="1364732" cy="0"/>
           </a:xfrm>
-          <a:prstGeom prst="rect">
+          <a:prstGeom prst="straightConnector1">
             <a:avLst/>
           </a:prstGeom>
-          <a:noFill/>
+          <a:ln>
+            <a:tailEnd type="triangle"/>
+          </a:ln>
         </p:spPr>
-        <p:txBody>
-          <a:bodyPr wrap="square" rtlCol="0">
-            <a:spAutoFit/>
-          </a:bodyPr>
-          <a:lstStyle/>
-          <a:p>
-            <a:r>
-              <a:rPr lang="en-US" altLang="zh-CN" sz="1400" dirty="0" smtClean="0">
-                <a:latin typeface="Batang" panose="02030600000101010101" pitchFamily="18" charset="-127"/>
-                <a:ea typeface="Batang" panose="02030600000101010101" pitchFamily="18" charset="-127"/>
-              </a:rPr>
-              <a:t>T1</a:t>
-            </a:r>
-            <a:endParaRPr lang="zh-CN" altLang="en-US" sz="1400" dirty="0">
-              <a:latin typeface="Batang" panose="02030600000101010101" pitchFamily="18" charset="-127"/>
-              <a:ea typeface="Batang" panose="02030600000101010101" pitchFamily="18" charset="-127"/>
-            </a:endParaRPr>
-          </a:p>
-        </p:txBody>
-      </p:sp>
+        <p:style>
+          <a:lnRef idx="3">
+            <a:schemeClr val="accent3"/>
+          </a:lnRef>
+          <a:fillRef idx="0">
+            <a:schemeClr val="accent3"/>
+          </a:fillRef>
+          <a:effectRef idx="2">
+            <a:schemeClr val="accent3"/>
+          </a:effectRef>
+          <a:fontRef idx="minor">
+            <a:schemeClr val="tx1"/>
+          </a:fontRef>
+        </p:style>
+      </p:cxnSp>
+      <p:cxnSp>
+        <p:nvCxnSpPr>
+          <p:cNvPr id="65" name="直接箭头连接符 64"/>
+          <p:cNvCxnSpPr/>
+          <p:nvPr/>
+        </p:nvCxnSpPr>
+        <p:spPr>
+          <a:xfrm flipH="1">
+            <a:off x="5409401" y="5190620"/>
+            <a:ext cx="1364732" cy="0"/>
+          </a:xfrm>
+          <a:prstGeom prst="straightConnector1">
+            <a:avLst/>
+          </a:prstGeom>
+          <a:ln>
+            <a:tailEnd type="triangle"/>
+          </a:ln>
+        </p:spPr>
+        <p:style>
+          <a:lnRef idx="3">
+            <a:schemeClr val="accent3"/>
+          </a:lnRef>
+          <a:fillRef idx="0">
+            <a:schemeClr val="accent3"/>
+          </a:fillRef>
+          <a:effectRef idx="2">
+            <a:schemeClr val="accent3"/>
+          </a:effectRef>
+          <a:fontRef idx="minor">
+            <a:schemeClr val="tx1"/>
+          </a:fontRef>
+        </p:style>
+      </p:cxnSp>
     </p:spTree>
     <p:extLst>
       <p:ext uri="{BB962C8B-B14F-4D97-AF65-F5344CB8AC3E}">
@@ -15736,3101 +15805,6 @@
 </file>
 
 <file path=ppt/slides/slide7.xml><?xml version="1.0" encoding="utf-8"?>
-<p:sld xmlns:a="http://schemas.openxmlformats.org/drawingml/2006/main" xmlns:r="http://schemas.openxmlformats.org/officeDocument/2006/relationships" xmlns:p="http://schemas.openxmlformats.org/presentationml/2006/main">
-  <p:cSld>
-    <p:spTree>
-      <p:nvGrpSpPr>
-        <p:cNvPr id="1" name=""/>
-        <p:cNvGrpSpPr/>
-        <p:nvPr/>
-      </p:nvGrpSpPr>
-      <p:grpSpPr>
-        <a:xfrm>
-          <a:off x="0" y="0"/>
-          <a:ext cx="0" cy="0"/>
-          <a:chOff x="0" y="0"/>
-          <a:chExt cx="0" cy="0"/>
-        </a:xfrm>
-      </p:grpSpPr>
-      <p:grpSp>
-        <p:nvGrpSpPr>
-          <p:cNvPr id="4" name="组合 3"/>
-          <p:cNvGrpSpPr/>
-          <p:nvPr/>
-        </p:nvGrpSpPr>
-        <p:grpSpPr>
-          <a:xfrm>
-            <a:off x="0" y="785794"/>
-            <a:ext cx="4143372" cy="142876"/>
-            <a:chOff x="0" y="785794"/>
-            <a:chExt cx="4143372" cy="142876"/>
-          </a:xfrm>
-        </p:grpSpPr>
-        <p:cxnSp>
-          <p:nvCxnSpPr>
-            <p:cNvPr id="5" name="直接连接符 4"/>
-            <p:cNvCxnSpPr>
-              <a:endCxn id="6" idx="3"/>
-            </p:cNvCxnSpPr>
-            <p:nvPr/>
-          </p:nvCxnSpPr>
-          <p:spPr>
-            <a:xfrm rot="10800000">
-              <a:off x="642910" y="857232"/>
-              <a:ext cx="3500462" cy="1588"/>
-            </a:xfrm>
-            <a:prstGeom prst="line">
-              <a:avLst/>
-            </a:prstGeom>
-            <a:ln w="19050">
-              <a:solidFill>
-                <a:srgbClr val="7030A0"/>
-              </a:solidFill>
-            </a:ln>
-          </p:spPr>
-          <p:style>
-            <a:lnRef idx="1">
-              <a:schemeClr val="accent1"/>
-            </a:lnRef>
-            <a:fillRef idx="0">
-              <a:schemeClr val="accent1"/>
-            </a:fillRef>
-            <a:effectRef idx="0">
-              <a:schemeClr val="accent1"/>
-            </a:effectRef>
-            <a:fontRef idx="minor">
-              <a:schemeClr val="tx1"/>
-            </a:fontRef>
-          </p:style>
-        </p:cxnSp>
-        <p:sp>
-          <p:nvSpPr>
-            <p:cNvPr id="6" name="Rectangle 7"/>
-            <p:cNvSpPr>
-              <a:spLocks noChangeArrowheads="1"/>
-            </p:cNvSpPr>
-            <p:nvPr/>
-          </p:nvSpPr>
-          <p:spPr bwMode="auto">
-            <a:xfrm>
-              <a:off x="0" y="785794"/>
-              <a:ext cx="642910" cy="142876"/>
-            </a:xfrm>
-            <a:prstGeom prst="rect">
-              <a:avLst/>
-            </a:prstGeom>
-            <a:solidFill>
-              <a:srgbClr val="7030A0"/>
-            </a:solidFill>
-            <a:ln w="9525">
-              <a:solidFill>
-                <a:srgbClr val="7030A0"/>
-              </a:solidFill>
-              <a:miter lim="800000"/>
-              <a:headEnd/>
-              <a:tailEnd/>
-            </a:ln>
-          </p:spPr>
-          <p:txBody>
-            <a:bodyPr wrap="none" anchor="ctr"/>
-            <a:lstStyle/>
-            <a:p>
-              <a:endParaRPr lang="zh-CN" altLang="en-US"/>
-            </a:p>
-          </p:txBody>
-        </p:sp>
-      </p:grpSp>
-      <p:sp>
-        <p:nvSpPr>
-          <p:cNvPr id="7" name="TextBox 3"/>
-          <p:cNvSpPr txBox="1"/>
-          <p:nvPr/>
-        </p:nvSpPr>
-        <p:spPr>
-          <a:xfrm>
-            <a:off x="142844" y="116632"/>
-            <a:ext cx="2938625" cy="523220"/>
-          </a:xfrm>
-          <a:prstGeom prst="rect">
-            <a:avLst/>
-          </a:prstGeom>
-          <a:noFill/>
-        </p:spPr>
-        <p:txBody>
-          <a:bodyPr wrap="none" rtlCol="0">
-            <a:spAutoFit/>
-          </a:bodyPr>
-          <a:lstStyle/>
-          <a:p>
-            <a:r>
-              <a:rPr lang="en-US" altLang="zh-CN" sz="2800" b="1" dirty="0" smtClean="0">
-                <a:ea typeface="微软雅黑" pitchFamily="34" charset="-122"/>
-                <a:cs typeface="Times New Roman" pitchFamily="18" charset="0"/>
-              </a:rPr>
-              <a:t>INTRODUCTION</a:t>
-            </a:r>
-            <a:endParaRPr lang="en-US" altLang="zh-CN" sz="2800" b="1" dirty="0">
-              <a:ea typeface="微软雅黑" pitchFamily="34" charset="-122"/>
-              <a:cs typeface="Times New Roman" pitchFamily="18" charset="0"/>
-            </a:endParaRPr>
-          </a:p>
-        </p:txBody>
-      </p:sp>
-      <p:sp>
-        <p:nvSpPr>
-          <p:cNvPr id="8" name="矩形 7"/>
-          <p:cNvSpPr/>
-          <p:nvPr/>
-        </p:nvSpPr>
-        <p:spPr>
-          <a:xfrm>
-            <a:off x="3277269" y="339747"/>
-            <a:ext cx="1732205" cy="369332"/>
-          </a:xfrm>
-          <a:prstGeom prst="rect">
-            <a:avLst/>
-          </a:prstGeom>
-        </p:spPr>
-        <p:txBody>
-          <a:bodyPr wrap="none">
-            <a:spAutoFit/>
-          </a:bodyPr>
-          <a:lstStyle/>
-          <a:p>
-            <a:pPr lvl="0"/>
-            <a:r>
-              <a:rPr lang="en-US" altLang="en-US" dirty="0"/>
-              <a:t>Seebeck Effect</a:t>
-            </a:r>
-            <a:endParaRPr lang="zh-CN" altLang="en-US" dirty="0"/>
-          </a:p>
-        </p:txBody>
-      </p:sp>
-      <p:sp>
-        <p:nvSpPr>
-          <p:cNvPr id="9" name="矩形 8"/>
-          <p:cNvSpPr/>
-          <p:nvPr/>
-        </p:nvSpPr>
-        <p:spPr>
-          <a:xfrm>
-            <a:off x="2393141" y="1079275"/>
-            <a:ext cx="4320480" cy="216024"/>
-          </a:xfrm>
-          <a:prstGeom prst="rect">
-            <a:avLst/>
-          </a:prstGeom>
-          <a:solidFill>
-            <a:srgbClr val="8BB0F9"/>
-          </a:solidFill>
-          <a:ln>
-            <a:solidFill>
-              <a:schemeClr val="accent3"/>
-            </a:solidFill>
-          </a:ln>
-        </p:spPr>
-        <p:style>
-          <a:lnRef idx="2">
-            <a:schemeClr val="accent1">
-              <a:shade val="50000"/>
-            </a:schemeClr>
-          </a:lnRef>
-          <a:fillRef idx="1">
-            <a:schemeClr val="accent1"/>
-          </a:fillRef>
-          <a:effectRef idx="0">
-            <a:schemeClr val="accent1"/>
-          </a:effectRef>
-          <a:fontRef idx="minor">
-            <a:schemeClr val="lt1"/>
-          </a:fontRef>
-        </p:style>
-        <p:txBody>
-          <a:bodyPr rtlCol="0" anchor="ctr"/>
-          <a:lstStyle/>
-          <a:p>
-            <a:pPr algn="ctr"/>
-            <a:endParaRPr lang="zh-CN" altLang="en-US"/>
-          </a:p>
-        </p:txBody>
-      </p:sp>
-      <p:sp>
-        <p:nvSpPr>
-          <p:cNvPr id="10" name="矩形 9"/>
-          <p:cNvSpPr/>
-          <p:nvPr/>
-        </p:nvSpPr>
-        <p:spPr>
-          <a:xfrm>
-            <a:off x="2393141" y="2852936"/>
-            <a:ext cx="4320480" cy="216024"/>
-          </a:xfrm>
-          <a:prstGeom prst="rect">
-            <a:avLst/>
-          </a:prstGeom>
-          <a:solidFill>
-            <a:srgbClr val="FF7C80"/>
-          </a:solidFill>
-          <a:ln>
-            <a:solidFill>
-              <a:schemeClr val="accent3"/>
-            </a:solidFill>
-          </a:ln>
-        </p:spPr>
-        <p:style>
-          <a:lnRef idx="2">
-            <a:schemeClr val="accent1">
-              <a:shade val="50000"/>
-            </a:schemeClr>
-          </a:lnRef>
-          <a:fillRef idx="1">
-            <a:schemeClr val="accent1"/>
-          </a:fillRef>
-          <a:effectRef idx="0">
-            <a:schemeClr val="accent1"/>
-          </a:effectRef>
-          <a:fontRef idx="minor">
-            <a:schemeClr val="lt1"/>
-          </a:fontRef>
-        </p:style>
-        <p:txBody>
-          <a:bodyPr rtlCol="0" anchor="ctr"/>
-          <a:lstStyle/>
-          <a:p>
-            <a:pPr algn="ctr"/>
-            <a:endParaRPr lang="zh-CN" altLang="en-US"/>
-          </a:p>
-        </p:txBody>
-      </p:sp>
-      <p:sp>
-        <p:nvSpPr>
-          <p:cNvPr id="11" name="文本框 10"/>
-          <p:cNvSpPr txBox="1"/>
-          <p:nvPr/>
-        </p:nvSpPr>
-        <p:spPr>
-          <a:xfrm>
-            <a:off x="1259632" y="1079275"/>
-            <a:ext cx="936104" cy="307777"/>
-          </a:xfrm>
-          <a:prstGeom prst="rect">
-            <a:avLst/>
-          </a:prstGeom>
-          <a:noFill/>
-        </p:spPr>
-        <p:txBody>
-          <a:bodyPr wrap="square" rtlCol="0">
-            <a:spAutoFit/>
-          </a:bodyPr>
-          <a:lstStyle/>
-          <a:p>
-            <a:r>
-              <a:rPr lang="en-US" altLang="zh-CN" sz="1400" dirty="0" smtClean="0">
-                <a:latin typeface="Batang" panose="02030600000101010101" pitchFamily="18" charset="-127"/>
-                <a:ea typeface="Batang" panose="02030600000101010101" pitchFamily="18" charset="-127"/>
-              </a:rPr>
-              <a:t>T1</a:t>
-            </a:r>
-            <a:endParaRPr lang="zh-CN" altLang="en-US" sz="1400" dirty="0">
-              <a:latin typeface="Batang" panose="02030600000101010101" pitchFamily="18" charset="-127"/>
-              <a:ea typeface="Batang" panose="02030600000101010101" pitchFamily="18" charset="-127"/>
-            </a:endParaRPr>
-          </a:p>
-        </p:txBody>
-      </p:sp>
-      <p:sp>
-        <p:nvSpPr>
-          <p:cNvPr id="12" name="文本框 11"/>
-          <p:cNvSpPr txBox="1"/>
-          <p:nvPr/>
-        </p:nvSpPr>
-        <p:spPr>
-          <a:xfrm>
-            <a:off x="1259632" y="2807059"/>
-            <a:ext cx="936104" cy="307777"/>
-          </a:xfrm>
-          <a:prstGeom prst="rect">
-            <a:avLst/>
-          </a:prstGeom>
-          <a:noFill/>
-        </p:spPr>
-        <p:txBody>
-          <a:bodyPr wrap="square" rtlCol="0">
-            <a:spAutoFit/>
-          </a:bodyPr>
-          <a:lstStyle/>
-          <a:p>
-            <a:r>
-              <a:rPr lang="en-US" altLang="zh-CN" sz="1400" dirty="0" smtClean="0">
-                <a:latin typeface="Batang" panose="02030600000101010101" pitchFamily="18" charset="-127"/>
-                <a:ea typeface="Batang" panose="02030600000101010101" pitchFamily="18" charset="-127"/>
-              </a:rPr>
-              <a:t>T2</a:t>
-            </a:r>
-            <a:endParaRPr lang="zh-CN" altLang="en-US" sz="1400" dirty="0">
-              <a:latin typeface="Batang" panose="02030600000101010101" pitchFamily="18" charset="-127"/>
-              <a:ea typeface="Batang" panose="02030600000101010101" pitchFamily="18" charset="-127"/>
-            </a:endParaRPr>
-          </a:p>
-        </p:txBody>
-      </p:sp>
-      <p:sp>
-        <p:nvSpPr>
-          <p:cNvPr id="14" name="矩形 13"/>
-          <p:cNvSpPr/>
-          <p:nvPr/>
-        </p:nvSpPr>
-        <p:spPr>
-          <a:xfrm rot="19655077">
-            <a:off x="4913514" y="1092818"/>
-            <a:ext cx="145429" cy="1935214"/>
-          </a:xfrm>
-          <a:prstGeom prst="rect">
-            <a:avLst/>
-          </a:prstGeom>
-          <a:solidFill>
-            <a:srgbClr val="0070C0"/>
-          </a:solidFill>
-          <a:ln>
-            <a:noFill/>
-          </a:ln>
-        </p:spPr>
-        <p:style>
-          <a:lnRef idx="2">
-            <a:schemeClr val="accent1">
-              <a:shade val="50000"/>
-            </a:schemeClr>
-          </a:lnRef>
-          <a:fillRef idx="1">
-            <a:schemeClr val="accent1"/>
-          </a:fillRef>
-          <a:effectRef idx="0">
-            <a:schemeClr val="accent1"/>
-          </a:effectRef>
-          <a:fontRef idx="minor">
-            <a:schemeClr val="lt1"/>
-          </a:fontRef>
-        </p:style>
-        <p:txBody>
-          <a:bodyPr rtlCol="0" anchor="ctr"/>
-          <a:lstStyle/>
-          <a:p>
-            <a:pPr algn="ctr"/>
-            <a:endParaRPr lang="zh-CN" altLang="en-US"/>
-          </a:p>
-        </p:txBody>
-      </p:sp>
-      <p:sp>
-        <p:nvSpPr>
-          <p:cNvPr id="15" name="文本框 14"/>
-          <p:cNvSpPr txBox="1"/>
-          <p:nvPr/>
-        </p:nvSpPr>
-        <p:spPr>
-          <a:xfrm>
-            <a:off x="3143956" y="2302233"/>
-            <a:ext cx="1296144" cy="307777"/>
-          </a:xfrm>
-          <a:prstGeom prst="rect">
-            <a:avLst/>
-          </a:prstGeom>
-          <a:noFill/>
-        </p:spPr>
-        <p:txBody>
-          <a:bodyPr wrap="square" rtlCol="0">
-            <a:spAutoFit/>
-          </a:bodyPr>
-          <a:lstStyle/>
-          <a:p>
-            <a:r>
-              <a:rPr lang="en-US" altLang="zh-CN" sz="1400" dirty="0" smtClean="0">
-                <a:latin typeface="Batang" panose="02030600000101010101" pitchFamily="18" charset="-127"/>
-                <a:ea typeface="Batang" panose="02030600000101010101" pitchFamily="18" charset="-127"/>
-              </a:rPr>
-              <a:t>Conductor A</a:t>
-            </a:r>
-            <a:endParaRPr lang="zh-CN" altLang="en-US" sz="1400" dirty="0">
-              <a:latin typeface="Batang" panose="02030600000101010101" pitchFamily="18" charset="-127"/>
-              <a:ea typeface="Batang" panose="02030600000101010101" pitchFamily="18" charset="-127"/>
-            </a:endParaRPr>
-          </a:p>
-        </p:txBody>
-      </p:sp>
-      <p:sp>
-        <p:nvSpPr>
-          <p:cNvPr id="16" name="文本框 15"/>
-          <p:cNvSpPr txBox="1"/>
-          <p:nvPr/>
-        </p:nvSpPr>
-        <p:spPr>
-          <a:xfrm>
-            <a:off x="5292080" y="2204864"/>
-            <a:ext cx="1296144" cy="307777"/>
-          </a:xfrm>
-          <a:prstGeom prst="rect">
-            <a:avLst/>
-          </a:prstGeom>
-          <a:noFill/>
-        </p:spPr>
-        <p:txBody>
-          <a:bodyPr wrap="square" rtlCol="0">
-            <a:spAutoFit/>
-          </a:bodyPr>
-          <a:lstStyle/>
-          <a:p>
-            <a:r>
-              <a:rPr lang="en-US" altLang="zh-CN" sz="1400" dirty="0" smtClean="0">
-                <a:latin typeface="Batang" panose="02030600000101010101" pitchFamily="18" charset="-127"/>
-                <a:ea typeface="Batang" panose="02030600000101010101" pitchFamily="18" charset="-127"/>
-              </a:rPr>
-              <a:t>Conductor C</a:t>
-            </a:r>
-            <a:endParaRPr lang="zh-CN" altLang="en-US" sz="1400" dirty="0">
-              <a:latin typeface="Batang" panose="02030600000101010101" pitchFamily="18" charset="-127"/>
-              <a:ea typeface="Batang" panose="02030600000101010101" pitchFamily="18" charset="-127"/>
-            </a:endParaRPr>
-          </a:p>
-        </p:txBody>
-      </p:sp>
-      <mc:AlternateContent xmlns:mc="http://schemas.openxmlformats.org/markup-compatibility/2006">
-        <mc:Choice xmlns:a14="http://schemas.microsoft.com/office/drawing/2010/main" Requires="a14">
-          <p:sp>
-            <p:nvSpPr>
-              <p:cNvPr id="20" name="文本框 19"/>
-              <p:cNvSpPr txBox="1"/>
-              <p:nvPr/>
-            </p:nvSpPr>
-            <p:spPr>
-              <a:xfrm>
-                <a:off x="5631030" y="3323521"/>
-                <a:ext cx="1389241" cy="307777"/>
-              </a:xfrm>
-              <a:prstGeom prst="rect">
-                <a:avLst/>
-              </a:prstGeom>
-              <a:noFill/>
-            </p:spPr>
-            <p:txBody>
-              <a:bodyPr wrap="square" rtlCol="0">
-                <a:spAutoFit/>
-              </a:bodyPr>
-              <a:lstStyle/>
-              <a:p>
-                <a14:m>
-                  <m:oMathPara xmlns:m="http://schemas.openxmlformats.org/officeDocument/2006/math">
-                    <m:oMathParaPr>
-                      <m:jc m:val="centerGroup"/>
-                    </m:oMathParaPr>
-                    <m:oMath xmlns:m="http://schemas.openxmlformats.org/officeDocument/2006/math">
-                      <m:sSub>
-                        <m:sSubPr>
-                          <m:ctrlPr>
-                            <a:rPr lang="en-US" altLang="zh-CN" sz="1400" b="0" i="1" dirty="0" smtClean="0">
-                              <a:latin typeface="Cambria Math" panose="02040503050406030204" pitchFamily="18" charset="0"/>
-                              <a:ea typeface="Batang" panose="02030600000101010101" pitchFamily="18" charset="-127"/>
-                            </a:rPr>
-                          </m:ctrlPr>
-                        </m:sSubPr>
-                        <m:e>
-                          <m:r>
-                            <a:rPr lang="en-US" altLang="zh-CN" sz="1400" b="0" i="1" dirty="0" smtClean="0">
-                              <a:latin typeface="Cambria Math" panose="02040503050406030204" pitchFamily="18" charset="0"/>
-                              <a:ea typeface="Batang" panose="02030600000101010101" pitchFamily="18" charset="-127"/>
-                            </a:rPr>
-                            <m:t>𝑉</m:t>
-                          </m:r>
-                        </m:e>
-                        <m:sub>
-                          <m:r>
-                            <a:rPr lang="en-US" altLang="zh-CN" sz="1400" b="0" i="1" dirty="0" smtClean="0">
-                              <a:latin typeface="Cambria Math" panose="02040503050406030204" pitchFamily="18" charset="0"/>
-                              <a:ea typeface="Batang" panose="02030600000101010101" pitchFamily="18" charset="-127"/>
-                            </a:rPr>
-                            <m:t>𝐵</m:t>
-                          </m:r>
-                        </m:sub>
-                      </m:sSub>
-                      <m:r>
-                        <a:rPr lang="en-US" altLang="zh-CN" sz="1400" b="0" i="1" dirty="0" smtClean="0">
-                          <a:latin typeface="Cambria Math" panose="02040503050406030204" pitchFamily="18" charset="0"/>
-                          <a:ea typeface="Batang" panose="02030600000101010101" pitchFamily="18" charset="-127"/>
-                        </a:rPr>
-                        <m:t>=</m:t>
-                      </m:r>
-                      <m:sSub>
-                        <m:sSubPr>
-                          <m:ctrlPr>
-                            <a:rPr lang="en-US" altLang="zh-CN" sz="1400" b="0" i="1" dirty="0" smtClean="0">
-                              <a:latin typeface="Cambria Math" panose="02040503050406030204" pitchFamily="18" charset="0"/>
-                              <a:ea typeface="Batang" panose="02030600000101010101" pitchFamily="18" charset="-127"/>
-                            </a:rPr>
-                          </m:ctrlPr>
-                        </m:sSubPr>
-                        <m:e>
-                          <m:r>
-                            <a:rPr lang="en-US" altLang="zh-CN" sz="1400" b="0" i="1" dirty="0" smtClean="0">
-                              <a:latin typeface="Cambria Math" panose="02040503050406030204" pitchFamily="18" charset="0"/>
-                              <a:ea typeface="Batang" panose="02030600000101010101" pitchFamily="18" charset="-127"/>
-                            </a:rPr>
-                            <m:t>𝑉</m:t>
-                          </m:r>
-                        </m:e>
-                        <m:sub>
-                          <m:r>
-                            <a:rPr lang="en-US" altLang="zh-CN" sz="1400" b="0" i="1" dirty="0" smtClean="0">
-                              <a:latin typeface="Cambria Math" panose="02040503050406030204" pitchFamily="18" charset="0"/>
-                              <a:ea typeface="Batang" panose="02030600000101010101" pitchFamily="18" charset="-127"/>
-                            </a:rPr>
-                            <m:t>2</m:t>
-                          </m:r>
-                        </m:sub>
-                      </m:sSub>
-                      <m:r>
-                        <a:rPr lang="en-US" altLang="zh-CN" sz="1400" b="0" i="1" dirty="0" smtClean="0">
-                          <a:latin typeface="Cambria Math" panose="02040503050406030204" pitchFamily="18" charset="0"/>
-                          <a:ea typeface="Batang" panose="02030600000101010101" pitchFamily="18" charset="-127"/>
-                        </a:rPr>
-                        <m:t>−</m:t>
-                      </m:r>
-                      <m:sSub>
-                        <m:sSubPr>
-                          <m:ctrlPr>
-                            <a:rPr lang="en-US" altLang="zh-CN" sz="1400" b="0" i="1" dirty="0" smtClean="0">
-                              <a:latin typeface="Cambria Math" panose="02040503050406030204" pitchFamily="18" charset="0"/>
-                              <a:ea typeface="Batang" panose="02030600000101010101" pitchFamily="18" charset="-127"/>
-                            </a:rPr>
-                          </m:ctrlPr>
-                        </m:sSubPr>
-                        <m:e>
-                          <m:r>
-                            <a:rPr lang="en-US" altLang="zh-CN" sz="1400" b="0" i="1" dirty="0" smtClean="0">
-                              <a:latin typeface="Cambria Math" panose="02040503050406030204" pitchFamily="18" charset="0"/>
-                              <a:ea typeface="Batang" panose="02030600000101010101" pitchFamily="18" charset="-127"/>
-                            </a:rPr>
-                            <m:t>𝑉</m:t>
-                          </m:r>
-                        </m:e>
-                        <m:sub>
-                          <m:r>
-                            <a:rPr lang="en-US" altLang="zh-CN" sz="1400" b="0" i="1" dirty="0" smtClean="0">
-                              <a:latin typeface="Cambria Math" panose="02040503050406030204" pitchFamily="18" charset="0"/>
-                              <a:ea typeface="Batang" panose="02030600000101010101" pitchFamily="18" charset="-127"/>
-                            </a:rPr>
-                            <m:t>3</m:t>
-                          </m:r>
-                        </m:sub>
-                      </m:sSub>
-                    </m:oMath>
-                  </m:oMathPara>
-                </a14:m>
-                <a:endParaRPr lang="zh-CN" altLang="en-US" sz="1400" dirty="0">
-                  <a:latin typeface="Batang" panose="02030600000101010101" pitchFamily="18" charset="-127"/>
-                  <a:ea typeface="Batang" panose="02030600000101010101" pitchFamily="18" charset="-127"/>
-                </a:endParaRPr>
-              </a:p>
-            </p:txBody>
-          </p:sp>
-        </mc:Choice>
-        <mc:Fallback>
-          <p:sp>
-            <p:nvSpPr>
-              <p:cNvPr id="20" name="文本框 19"/>
-              <p:cNvSpPr txBox="1">
-                <a:spLocks noRot="1" noChangeAspect="1" noMove="1" noResize="1" noEditPoints="1" noAdjustHandles="1" noChangeArrowheads="1" noChangeShapeType="1" noTextEdit="1"/>
-              </p:cNvSpPr>
-              <p:nvPr/>
-            </p:nvSpPr>
-            <p:spPr>
-              <a:xfrm>
-                <a:off x="5631030" y="3323521"/>
-                <a:ext cx="1389241" cy="307777"/>
-              </a:xfrm>
-              <a:prstGeom prst="rect">
-                <a:avLst/>
-              </a:prstGeom>
-              <a:blipFill>
-                <a:blip r:embed="rId2"/>
-                <a:stretch>
-                  <a:fillRect/>
-                </a:stretch>
-              </a:blipFill>
-            </p:spPr>
-            <p:txBody>
-              <a:bodyPr/>
-              <a:lstStyle/>
-              <a:p>
-                <a:r>
-                  <a:rPr lang="zh-CN" altLang="en-US">
-                    <a:noFill/>
-                  </a:rPr>
-                  <a:t> </a:t>
-                </a:r>
-              </a:p>
-            </p:txBody>
-          </p:sp>
-        </mc:Fallback>
-      </mc:AlternateContent>
-      <p:sp>
-        <p:nvSpPr>
-          <p:cNvPr id="22" name="矩形 21"/>
-          <p:cNvSpPr/>
-          <p:nvPr/>
-        </p:nvSpPr>
-        <p:spPr>
-          <a:xfrm>
-            <a:off x="2457922" y="4266406"/>
-            <a:ext cx="4320480" cy="216024"/>
-          </a:xfrm>
-          <a:prstGeom prst="rect">
-            <a:avLst/>
-          </a:prstGeom>
-          <a:solidFill>
-            <a:srgbClr val="FCA380"/>
-          </a:solidFill>
-          <a:ln>
-            <a:solidFill>
-              <a:schemeClr val="accent3"/>
-            </a:solidFill>
-          </a:ln>
-        </p:spPr>
-        <p:style>
-          <a:lnRef idx="2">
-            <a:schemeClr val="accent1">
-              <a:shade val="50000"/>
-            </a:schemeClr>
-          </a:lnRef>
-          <a:fillRef idx="1">
-            <a:schemeClr val="accent1"/>
-          </a:fillRef>
-          <a:effectRef idx="0">
-            <a:schemeClr val="accent1"/>
-          </a:effectRef>
-          <a:fontRef idx="minor">
-            <a:schemeClr val="lt1"/>
-          </a:fontRef>
-        </p:style>
-        <p:txBody>
-          <a:bodyPr rtlCol="0" anchor="ctr"/>
-          <a:lstStyle/>
-          <a:p>
-            <a:pPr algn="ctr"/>
-            <a:endParaRPr lang="zh-CN" altLang="en-US"/>
-          </a:p>
-        </p:txBody>
-      </p:sp>
-      <p:sp>
-        <p:nvSpPr>
-          <p:cNvPr id="21" name="矩形 20"/>
-          <p:cNvSpPr/>
-          <p:nvPr/>
-        </p:nvSpPr>
-        <p:spPr>
-          <a:xfrm rot="2144695">
-            <a:off x="4869318" y="2641133"/>
-            <a:ext cx="145429" cy="1935214"/>
-          </a:xfrm>
-          <a:prstGeom prst="rect">
-            <a:avLst/>
-          </a:prstGeom>
-          <a:solidFill>
-            <a:schemeClr val="bg2">
-              <a:lumMod val="60000"/>
-              <a:lumOff val="40000"/>
-            </a:schemeClr>
-          </a:solidFill>
-          <a:ln>
-            <a:noFill/>
-          </a:ln>
-        </p:spPr>
-        <p:style>
-          <a:lnRef idx="2">
-            <a:schemeClr val="accent1">
-              <a:shade val="50000"/>
-            </a:schemeClr>
-          </a:lnRef>
-          <a:fillRef idx="1">
-            <a:schemeClr val="accent1"/>
-          </a:fillRef>
-          <a:effectRef idx="0">
-            <a:schemeClr val="accent1"/>
-          </a:effectRef>
-          <a:fontRef idx="minor">
-            <a:schemeClr val="lt1"/>
-          </a:fontRef>
-        </p:style>
-        <p:txBody>
-          <a:bodyPr rtlCol="0" anchor="ctr"/>
-          <a:lstStyle/>
-          <a:p>
-            <a:pPr algn="ctr"/>
-            <a:endParaRPr lang="zh-CN" altLang="en-US"/>
-          </a:p>
-        </p:txBody>
-      </p:sp>
-      <p:sp>
-        <p:nvSpPr>
-          <p:cNvPr id="23" name="文本框 22"/>
-          <p:cNvSpPr txBox="1"/>
-          <p:nvPr/>
-        </p:nvSpPr>
-        <p:spPr>
-          <a:xfrm>
-            <a:off x="1310605" y="4232547"/>
-            <a:ext cx="936104" cy="307777"/>
-          </a:xfrm>
-          <a:prstGeom prst="rect">
-            <a:avLst/>
-          </a:prstGeom>
-          <a:noFill/>
-        </p:spPr>
-        <p:txBody>
-          <a:bodyPr wrap="square" rtlCol="0">
-            <a:spAutoFit/>
-          </a:bodyPr>
-          <a:lstStyle/>
-          <a:p>
-            <a:r>
-              <a:rPr lang="en-US" altLang="zh-CN" sz="1400" dirty="0" smtClean="0">
-                <a:latin typeface="Batang" panose="02030600000101010101" pitchFamily="18" charset="-127"/>
-                <a:ea typeface="Batang" panose="02030600000101010101" pitchFamily="18" charset="-127"/>
-              </a:rPr>
-              <a:t>T3</a:t>
-            </a:r>
-            <a:endParaRPr lang="zh-CN" altLang="en-US" sz="1400" dirty="0">
-              <a:latin typeface="Batang" panose="02030600000101010101" pitchFamily="18" charset="-127"/>
-              <a:ea typeface="Batang" panose="02030600000101010101" pitchFamily="18" charset="-127"/>
-            </a:endParaRPr>
-          </a:p>
-        </p:txBody>
-      </p:sp>
-      <p:sp>
-        <p:nvSpPr>
-          <p:cNvPr id="24" name="文本框 23"/>
-          <p:cNvSpPr txBox="1"/>
-          <p:nvPr/>
-        </p:nvSpPr>
-        <p:spPr>
-          <a:xfrm>
-            <a:off x="5009474" y="3607583"/>
-            <a:ext cx="1296144" cy="307777"/>
-          </a:xfrm>
-          <a:prstGeom prst="rect">
-            <a:avLst/>
-          </a:prstGeom>
-          <a:noFill/>
-        </p:spPr>
-        <p:txBody>
-          <a:bodyPr wrap="square" rtlCol="0">
-            <a:spAutoFit/>
-          </a:bodyPr>
-          <a:lstStyle/>
-          <a:p>
-            <a:r>
-              <a:rPr lang="en-US" altLang="zh-CN" sz="1400" dirty="0" smtClean="0">
-                <a:latin typeface="Batang" panose="02030600000101010101" pitchFamily="18" charset="-127"/>
-                <a:ea typeface="Batang" panose="02030600000101010101" pitchFamily="18" charset="-127"/>
-              </a:rPr>
-              <a:t>Conductor B</a:t>
-            </a:r>
-            <a:endParaRPr lang="zh-CN" altLang="en-US" sz="1400" dirty="0">
-              <a:latin typeface="Batang" panose="02030600000101010101" pitchFamily="18" charset="-127"/>
-              <a:ea typeface="Batang" panose="02030600000101010101" pitchFamily="18" charset="-127"/>
-            </a:endParaRPr>
-          </a:p>
-        </p:txBody>
-      </p:sp>
-      <p:grpSp>
-        <p:nvGrpSpPr>
-          <p:cNvPr id="26" name="组合 25"/>
-          <p:cNvGrpSpPr/>
-          <p:nvPr/>
-        </p:nvGrpSpPr>
-        <p:grpSpPr>
-          <a:xfrm rot="3489867">
-            <a:off x="4357261" y="1625164"/>
-            <a:ext cx="2005128" cy="394472"/>
-            <a:chOff x="3707904" y="2916243"/>
-            <a:chExt cx="1800200" cy="394472"/>
-          </a:xfrm>
-        </p:grpSpPr>
-        <p:cxnSp>
-          <p:nvCxnSpPr>
-            <p:cNvPr id="27" name="直接连接符 26"/>
-            <p:cNvCxnSpPr/>
-            <p:nvPr/>
-          </p:nvCxnSpPr>
-          <p:spPr>
-            <a:xfrm>
-              <a:off x="3707904" y="2970420"/>
-              <a:ext cx="0" cy="340295"/>
-            </a:xfrm>
-            <a:prstGeom prst="line">
-              <a:avLst/>
-            </a:prstGeom>
-          </p:spPr>
-          <p:style>
-            <a:lnRef idx="2">
-              <a:schemeClr val="accent2"/>
-            </a:lnRef>
-            <a:fillRef idx="0">
-              <a:schemeClr val="accent2"/>
-            </a:fillRef>
-            <a:effectRef idx="1">
-              <a:schemeClr val="accent2"/>
-            </a:effectRef>
-            <a:fontRef idx="minor">
-              <a:schemeClr val="tx1"/>
-            </a:fontRef>
-          </p:style>
-        </p:cxnSp>
-        <p:cxnSp>
-          <p:nvCxnSpPr>
-            <p:cNvPr id="28" name="直接连接符 27"/>
-            <p:cNvCxnSpPr/>
-            <p:nvPr/>
-          </p:nvCxnSpPr>
-          <p:spPr>
-            <a:xfrm>
-              <a:off x="5508104" y="2916243"/>
-              <a:ext cx="0" cy="340295"/>
-            </a:xfrm>
-            <a:prstGeom prst="line">
-              <a:avLst/>
-            </a:prstGeom>
-          </p:spPr>
-          <p:style>
-            <a:lnRef idx="2">
-              <a:schemeClr val="accent2"/>
-            </a:lnRef>
-            <a:fillRef idx="0">
-              <a:schemeClr val="accent2"/>
-            </a:fillRef>
-            <a:effectRef idx="1">
-              <a:schemeClr val="accent2"/>
-            </a:effectRef>
-            <a:fontRef idx="minor">
-              <a:schemeClr val="tx1"/>
-            </a:fontRef>
-          </p:style>
-        </p:cxnSp>
-        <p:cxnSp>
-          <p:nvCxnSpPr>
-            <p:cNvPr id="29" name="直接箭头连接符 28"/>
-            <p:cNvCxnSpPr/>
-            <p:nvPr/>
-          </p:nvCxnSpPr>
-          <p:spPr>
-            <a:xfrm>
-              <a:off x="3707904" y="3114836"/>
-              <a:ext cx="1800200" cy="0"/>
-            </a:xfrm>
-            <a:prstGeom prst="straightConnector1">
-              <a:avLst/>
-            </a:prstGeom>
-            <a:ln>
-              <a:headEnd type="arrow"/>
-              <a:tailEnd type="arrow"/>
-            </a:ln>
-          </p:spPr>
-          <p:style>
-            <a:lnRef idx="2">
-              <a:schemeClr val="accent2"/>
-            </a:lnRef>
-            <a:fillRef idx="0">
-              <a:schemeClr val="accent2"/>
-            </a:fillRef>
-            <a:effectRef idx="1">
-              <a:schemeClr val="accent2"/>
-            </a:effectRef>
-            <a:fontRef idx="minor">
-              <a:schemeClr val="tx1"/>
-            </a:fontRef>
-          </p:style>
-        </p:cxnSp>
-      </p:grpSp>
-      <mc:AlternateContent xmlns:mc="http://schemas.openxmlformats.org/markup-compatibility/2006">
-        <mc:Choice xmlns:a14="http://schemas.microsoft.com/office/drawing/2010/main" Requires="a14">
-          <p:sp>
-            <p:nvSpPr>
-              <p:cNvPr id="30" name="文本框 29"/>
-              <p:cNvSpPr txBox="1"/>
-              <p:nvPr/>
-            </p:nvSpPr>
-            <p:spPr>
-              <a:xfrm flipH="1">
-                <a:off x="5355610" y="1604562"/>
-                <a:ext cx="1422792" cy="307777"/>
-              </a:xfrm>
-              <a:prstGeom prst="rect">
-                <a:avLst/>
-              </a:prstGeom>
-              <a:noFill/>
-            </p:spPr>
-            <p:txBody>
-              <a:bodyPr wrap="square" rtlCol="0">
-                <a:spAutoFit/>
-              </a:bodyPr>
-              <a:lstStyle/>
-              <a:p>
-                <a14:m>
-                  <m:oMathPara xmlns:m="http://schemas.openxmlformats.org/officeDocument/2006/math">
-                    <m:oMathParaPr>
-                      <m:jc m:val="centerGroup"/>
-                    </m:oMathParaPr>
-                    <m:oMath xmlns:m="http://schemas.openxmlformats.org/officeDocument/2006/math">
-                      <m:sSub>
-                        <m:sSubPr>
-                          <m:ctrlPr>
-                            <a:rPr lang="en-US" altLang="zh-CN" sz="1400" b="0" i="1" dirty="0" smtClean="0">
-                              <a:latin typeface="Cambria Math" panose="02040503050406030204" pitchFamily="18" charset="0"/>
-                              <a:ea typeface="Batang" panose="02030600000101010101" pitchFamily="18" charset="-127"/>
-                            </a:rPr>
-                          </m:ctrlPr>
-                        </m:sSubPr>
-                        <m:e>
-                          <m:r>
-                            <a:rPr lang="en-US" altLang="zh-CN" sz="1400" b="0" i="1" dirty="0" smtClean="0">
-                              <a:latin typeface="Cambria Math" panose="02040503050406030204" pitchFamily="18" charset="0"/>
-                              <a:ea typeface="Batang" panose="02030600000101010101" pitchFamily="18" charset="-127"/>
-                            </a:rPr>
-                            <m:t>𝑉</m:t>
-                          </m:r>
-                        </m:e>
-                        <m:sub>
-                          <m:r>
-                            <a:rPr lang="en-US" altLang="zh-CN" sz="1400" b="0" i="1" dirty="0" smtClean="0">
-                              <a:latin typeface="Cambria Math" panose="02040503050406030204" pitchFamily="18" charset="0"/>
-                              <a:ea typeface="Batang" panose="02030600000101010101" pitchFamily="18" charset="-127"/>
-                            </a:rPr>
-                            <m:t>𝐶</m:t>
-                          </m:r>
-                        </m:sub>
-                      </m:sSub>
-                      <m:r>
-                        <a:rPr lang="en-US" altLang="zh-CN" sz="1400" b="0" i="1" dirty="0" smtClean="0">
-                          <a:latin typeface="Cambria Math" panose="02040503050406030204" pitchFamily="18" charset="0"/>
-                          <a:ea typeface="Batang" panose="02030600000101010101" pitchFamily="18" charset="-127"/>
-                        </a:rPr>
-                        <m:t>=</m:t>
-                      </m:r>
-                      <m:sSub>
-                        <m:sSubPr>
-                          <m:ctrlPr>
-                            <a:rPr lang="en-US" altLang="zh-CN" sz="1400" b="0" i="1" dirty="0" smtClean="0">
-                              <a:latin typeface="Cambria Math" panose="02040503050406030204" pitchFamily="18" charset="0"/>
-                              <a:ea typeface="Batang" panose="02030600000101010101" pitchFamily="18" charset="-127"/>
-                            </a:rPr>
-                          </m:ctrlPr>
-                        </m:sSubPr>
-                        <m:e>
-                          <m:r>
-                            <a:rPr lang="en-US" altLang="zh-CN" sz="1400" b="0" i="1" dirty="0" smtClean="0">
-                              <a:latin typeface="Cambria Math" panose="02040503050406030204" pitchFamily="18" charset="0"/>
-                              <a:ea typeface="Batang" panose="02030600000101010101" pitchFamily="18" charset="-127"/>
-                            </a:rPr>
-                            <m:t>𝑉</m:t>
-                          </m:r>
-                        </m:e>
-                        <m:sub>
-                          <m:r>
-                            <a:rPr lang="en-US" altLang="zh-CN" sz="1400" b="0" i="1" dirty="0" smtClean="0">
-                              <a:latin typeface="Cambria Math" panose="02040503050406030204" pitchFamily="18" charset="0"/>
-                              <a:ea typeface="Batang" panose="02030600000101010101" pitchFamily="18" charset="-127"/>
-                            </a:rPr>
-                            <m:t>1</m:t>
-                          </m:r>
-                        </m:sub>
-                      </m:sSub>
-                      <m:r>
-                        <a:rPr lang="en-US" altLang="zh-CN" sz="1400" b="0" i="1" dirty="0" smtClean="0">
-                          <a:latin typeface="Cambria Math" panose="02040503050406030204" pitchFamily="18" charset="0"/>
-                          <a:ea typeface="Batang" panose="02030600000101010101" pitchFamily="18" charset="-127"/>
-                        </a:rPr>
-                        <m:t>−</m:t>
-                      </m:r>
-                      <m:sSub>
-                        <m:sSubPr>
-                          <m:ctrlPr>
-                            <a:rPr lang="en-US" altLang="zh-CN" sz="1400" b="0" i="1" dirty="0" smtClean="0">
-                              <a:latin typeface="Cambria Math" panose="02040503050406030204" pitchFamily="18" charset="0"/>
-                              <a:ea typeface="Batang" panose="02030600000101010101" pitchFamily="18" charset="-127"/>
-                            </a:rPr>
-                          </m:ctrlPr>
-                        </m:sSubPr>
-                        <m:e>
-                          <m:r>
-                            <a:rPr lang="en-US" altLang="zh-CN" sz="1400" b="0" i="1" dirty="0" smtClean="0">
-                              <a:latin typeface="Cambria Math" panose="02040503050406030204" pitchFamily="18" charset="0"/>
-                              <a:ea typeface="Batang" panose="02030600000101010101" pitchFamily="18" charset="-127"/>
-                            </a:rPr>
-                            <m:t>𝑉</m:t>
-                          </m:r>
-                        </m:e>
-                        <m:sub>
-                          <m:r>
-                            <a:rPr lang="en-US" altLang="zh-CN" sz="1400" b="0" i="1" dirty="0" smtClean="0">
-                              <a:latin typeface="Cambria Math" panose="02040503050406030204" pitchFamily="18" charset="0"/>
-                              <a:ea typeface="Batang" panose="02030600000101010101" pitchFamily="18" charset="-127"/>
-                            </a:rPr>
-                            <m:t>2</m:t>
-                          </m:r>
-                        </m:sub>
-                      </m:sSub>
-                    </m:oMath>
-                  </m:oMathPara>
-                </a14:m>
-                <a:endParaRPr lang="zh-CN" altLang="en-US" sz="1400" dirty="0">
-                  <a:latin typeface="Batang" panose="02030600000101010101" pitchFamily="18" charset="-127"/>
-                  <a:ea typeface="Batang" panose="02030600000101010101" pitchFamily="18" charset="-127"/>
-                </a:endParaRPr>
-              </a:p>
-            </p:txBody>
-          </p:sp>
-        </mc:Choice>
-        <mc:Fallback>
-          <p:sp>
-            <p:nvSpPr>
-              <p:cNvPr id="30" name="文本框 29"/>
-              <p:cNvSpPr txBox="1">
-                <a:spLocks noRot="1" noChangeAspect="1" noMove="1" noResize="1" noEditPoints="1" noAdjustHandles="1" noChangeArrowheads="1" noChangeShapeType="1" noTextEdit="1"/>
-              </p:cNvSpPr>
-              <p:nvPr/>
-            </p:nvSpPr>
-            <p:spPr>
-              <a:xfrm flipH="1">
-                <a:off x="5355610" y="1604562"/>
-                <a:ext cx="1422792" cy="307777"/>
-              </a:xfrm>
-              <a:prstGeom prst="rect">
-                <a:avLst/>
-              </a:prstGeom>
-              <a:blipFill>
-                <a:blip r:embed="rId3"/>
-                <a:stretch>
-                  <a:fillRect/>
-                </a:stretch>
-              </a:blipFill>
-            </p:spPr>
-            <p:txBody>
-              <a:bodyPr/>
-              <a:lstStyle/>
-              <a:p>
-                <a:r>
-                  <a:rPr lang="zh-CN" altLang="en-US">
-                    <a:noFill/>
-                  </a:rPr>
-                  <a:t> </a:t>
-                </a:r>
-              </a:p>
-            </p:txBody>
-          </p:sp>
-        </mc:Fallback>
-      </mc:AlternateContent>
-      <p:grpSp>
-        <p:nvGrpSpPr>
-          <p:cNvPr id="31" name="组合 30"/>
-          <p:cNvGrpSpPr/>
-          <p:nvPr/>
-        </p:nvGrpSpPr>
-        <p:grpSpPr>
-          <a:xfrm rot="16200000">
-            <a:off x="2330832" y="2623344"/>
-            <a:ext cx="3231947" cy="394472"/>
-            <a:chOff x="3707904" y="2916243"/>
-            <a:chExt cx="1800200" cy="394472"/>
-          </a:xfrm>
-        </p:grpSpPr>
-        <p:cxnSp>
-          <p:nvCxnSpPr>
-            <p:cNvPr id="32" name="直接连接符 31"/>
-            <p:cNvCxnSpPr/>
-            <p:nvPr/>
-          </p:nvCxnSpPr>
-          <p:spPr>
-            <a:xfrm>
-              <a:off x="3707904" y="2970420"/>
-              <a:ext cx="0" cy="340295"/>
-            </a:xfrm>
-            <a:prstGeom prst="line">
-              <a:avLst/>
-            </a:prstGeom>
-          </p:spPr>
-          <p:style>
-            <a:lnRef idx="2">
-              <a:schemeClr val="accent2"/>
-            </a:lnRef>
-            <a:fillRef idx="0">
-              <a:schemeClr val="accent2"/>
-            </a:fillRef>
-            <a:effectRef idx="1">
-              <a:schemeClr val="accent2"/>
-            </a:effectRef>
-            <a:fontRef idx="minor">
-              <a:schemeClr val="tx1"/>
-            </a:fontRef>
-          </p:style>
-        </p:cxnSp>
-        <p:cxnSp>
-          <p:nvCxnSpPr>
-            <p:cNvPr id="33" name="直接连接符 32"/>
-            <p:cNvCxnSpPr/>
-            <p:nvPr/>
-          </p:nvCxnSpPr>
-          <p:spPr>
-            <a:xfrm>
-              <a:off x="5508104" y="2916243"/>
-              <a:ext cx="0" cy="340295"/>
-            </a:xfrm>
-            <a:prstGeom prst="line">
-              <a:avLst/>
-            </a:prstGeom>
-          </p:spPr>
-          <p:style>
-            <a:lnRef idx="2">
-              <a:schemeClr val="accent2"/>
-            </a:lnRef>
-            <a:fillRef idx="0">
-              <a:schemeClr val="accent2"/>
-            </a:fillRef>
-            <a:effectRef idx="1">
-              <a:schemeClr val="accent2"/>
-            </a:effectRef>
-            <a:fontRef idx="minor">
-              <a:schemeClr val="tx1"/>
-            </a:fontRef>
-          </p:style>
-        </p:cxnSp>
-        <p:cxnSp>
-          <p:nvCxnSpPr>
-            <p:cNvPr id="34" name="直接箭头连接符 33"/>
-            <p:cNvCxnSpPr/>
-            <p:nvPr/>
-          </p:nvCxnSpPr>
-          <p:spPr>
-            <a:xfrm>
-              <a:off x="3707904" y="3114836"/>
-              <a:ext cx="1800200" cy="0"/>
-            </a:xfrm>
-            <a:prstGeom prst="straightConnector1">
-              <a:avLst/>
-            </a:prstGeom>
-            <a:ln>
-              <a:headEnd type="arrow"/>
-              <a:tailEnd type="arrow"/>
-            </a:ln>
-          </p:spPr>
-          <p:style>
-            <a:lnRef idx="2">
-              <a:schemeClr val="accent2"/>
-            </a:lnRef>
-            <a:fillRef idx="0">
-              <a:schemeClr val="accent2"/>
-            </a:fillRef>
-            <a:effectRef idx="1">
-              <a:schemeClr val="accent2"/>
-            </a:effectRef>
-            <a:fontRef idx="minor">
-              <a:schemeClr val="tx1"/>
-            </a:fontRef>
-          </p:style>
-        </p:cxnSp>
-      </p:grpSp>
-      <mc:AlternateContent xmlns:mc="http://schemas.openxmlformats.org/markup-compatibility/2006">
-        <mc:Choice xmlns:a14="http://schemas.microsoft.com/office/drawing/2010/main" Requires="a14">
-          <p:sp>
-            <p:nvSpPr>
-              <p:cNvPr id="35" name="文本框 34"/>
-              <p:cNvSpPr txBox="1"/>
-              <p:nvPr/>
-            </p:nvSpPr>
-            <p:spPr>
-              <a:xfrm>
-                <a:off x="2667775" y="3247036"/>
-                <a:ext cx="1135971" cy="307777"/>
-              </a:xfrm>
-              <a:prstGeom prst="rect">
-                <a:avLst/>
-              </a:prstGeom>
-              <a:noFill/>
-            </p:spPr>
-            <p:txBody>
-              <a:bodyPr wrap="square" rtlCol="0">
-                <a:spAutoFit/>
-              </a:bodyPr>
-              <a:lstStyle/>
-              <a:p>
-                <a14:m>
-                  <m:oMathPara xmlns:m="http://schemas.openxmlformats.org/officeDocument/2006/math">
-                    <m:oMathParaPr>
-                      <m:jc m:val="centerGroup"/>
-                    </m:oMathParaPr>
-                    <m:oMath xmlns:m="http://schemas.openxmlformats.org/officeDocument/2006/math">
-                      <m:sSub>
-                        <m:sSubPr>
-                          <m:ctrlPr>
-                            <a:rPr lang="en-US" altLang="zh-CN" sz="1400" b="0" i="1" dirty="0" smtClean="0">
-                              <a:latin typeface="Cambria Math" panose="02040503050406030204" pitchFamily="18" charset="0"/>
-                              <a:ea typeface="Batang" panose="02030600000101010101" pitchFamily="18" charset="-127"/>
-                            </a:rPr>
-                          </m:ctrlPr>
-                        </m:sSubPr>
-                        <m:e>
-                          <m:r>
-                            <a:rPr lang="en-US" altLang="zh-CN" sz="1400" b="0" i="1" dirty="0" smtClean="0">
-                              <a:latin typeface="Cambria Math" panose="02040503050406030204" pitchFamily="18" charset="0"/>
-                              <a:ea typeface="Batang" panose="02030600000101010101" pitchFamily="18" charset="-127"/>
-                            </a:rPr>
-                            <m:t>𝑉</m:t>
-                          </m:r>
-                        </m:e>
-                        <m:sub>
-                          <m:r>
-                            <a:rPr lang="en-US" altLang="zh-CN" sz="1400" b="0" i="1" dirty="0" smtClean="0">
-                              <a:latin typeface="Cambria Math" panose="02040503050406030204" pitchFamily="18" charset="0"/>
-                              <a:ea typeface="Batang" panose="02030600000101010101" pitchFamily="18" charset="-127"/>
-                            </a:rPr>
-                            <m:t>𝐴</m:t>
-                          </m:r>
-                        </m:sub>
-                      </m:sSub>
-                      <m:r>
-                        <a:rPr lang="en-US" altLang="zh-CN" sz="1400" b="0" i="1" dirty="0" smtClean="0">
-                          <a:latin typeface="Cambria Math" panose="02040503050406030204" pitchFamily="18" charset="0"/>
-                          <a:ea typeface="Batang" panose="02030600000101010101" pitchFamily="18" charset="-127"/>
-                        </a:rPr>
-                        <m:t>=</m:t>
-                      </m:r>
-                      <m:sSub>
-                        <m:sSubPr>
-                          <m:ctrlPr>
-                            <a:rPr lang="en-US" altLang="zh-CN" sz="1400" b="0" i="1" dirty="0" smtClean="0">
-                              <a:latin typeface="Cambria Math" panose="02040503050406030204" pitchFamily="18" charset="0"/>
-                              <a:ea typeface="Batang" panose="02030600000101010101" pitchFamily="18" charset="-127"/>
-                            </a:rPr>
-                          </m:ctrlPr>
-                        </m:sSubPr>
-                        <m:e>
-                          <m:r>
-                            <a:rPr lang="en-US" altLang="zh-CN" sz="1400" b="0" i="1" dirty="0" smtClean="0">
-                              <a:latin typeface="Cambria Math" panose="02040503050406030204" pitchFamily="18" charset="0"/>
-                              <a:ea typeface="Batang" panose="02030600000101010101" pitchFamily="18" charset="-127"/>
-                            </a:rPr>
-                            <m:t>𝑉</m:t>
-                          </m:r>
-                        </m:e>
-                        <m:sub>
-                          <m:r>
-                            <a:rPr lang="en-US" altLang="zh-CN" sz="1400" b="0" i="1" dirty="0" smtClean="0">
-                              <a:latin typeface="Cambria Math" panose="02040503050406030204" pitchFamily="18" charset="0"/>
-                              <a:ea typeface="Batang" panose="02030600000101010101" pitchFamily="18" charset="-127"/>
-                            </a:rPr>
-                            <m:t>3</m:t>
-                          </m:r>
-                        </m:sub>
-                      </m:sSub>
-                      <m:r>
-                        <a:rPr lang="en-US" altLang="zh-CN" sz="1400" b="0" i="1" dirty="0" smtClean="0">
-                          <a:latin typeface="Cambria Math" panose="02040503050406030204" pitchFamily="18" charset="0"/>
-                          <a:ea typeface="Batang" panose="02030600000101010101" pitchFamily="18" charset="-127"/>
-                        </a:rPr>
-                        <m:t>−</m:t>
-                      </m:r>
-                      <m:sSub>
-                        <m:sSubPr>
-                          <m:ctrlPr>
-                            <a:rPr lang="en-US" altLang="zh-CN" sz="1400" b="0" i="1" dirty="0" smtClean="0">
-                              <a:latin typeface="Cambria Math" panose="02040503050406030204" pitchFamily="18" charset="0"/>
-                              <a:ea typeface="Batang" panose="02030600000101010101" pitchFamily="18" charset="-127"/>
-                            </a:rPr>
-                          </m:ctrlPr>
-                        </m:sSubPr>
-                        <m:e>
-                          <m:r>
-                            <a:rPr lang="en-US" altLang="zh-CN" sz="1400" b="0" i="1" dirty="0" smtClean="0">
-                              <a:latin typeface="Cambria Math" panose="02040503050406030204" pitchFamily="18" charset="0"/>
-                              <a:ea typeface="Batang" panose="02030600000101010101" pitchFamily="18" charset="-127"/>
-                            </a:rPr>
-                            <m:t>𝑉</m:t>
-                          </m:r>
-                        </m:e>
-                        <m:sub>
-                          <m:r>
-                            <a:rPr lang="en-US" altLang="zh-CN" sz="1400" b="0" i="1" dirty="0" smtClean="0">
-                              <a:latin typeface="Cambria Math" panose="02040503050406030204" pitchFamily="18" charset="0"/>
-                              <a:ea typeface="Batang" panose="02030600000101010101" pitchFamily="18" charset="-127"/>
-                            </a:rPr>
-                            <m:t>1</m:t>
-                          </m:r>
-                        </m:sub>
-                      </m:sSub>
-                    </m:oMath>
-                  </m:oMathPara>
-                </a14:m>
-                <a:endParaRPr lang="zh-CN" altLang="en-US" sz="1400" dirty="0">
-                  <a:latin typeface="Batang" panose="02030600000101010101" pitchFamily="18" charset="-127"/>
-                  <a:ea typeface="Batang" panose="02030600000101010101" pitchFamily="18" charset="-127"/>
-                </a:endParaRPr>
-              </a:p>
-            </p:txBody>
-          </p:sp>
-        </mc:Choice>
-        <mc:Fallback>
-          <p:sp>
-            <p:nvSpPr>
-              <p:cNvPr id="35" name="文本框 34"/>
-              <p:cNvSpPr txBox="1">
-                <a:spLocks noRot="1" noChangeAspect="1" noMove="1" noResize="1" noEditPoints="1" noAdjustHandles="1" noChangeArrowheads="1" noChangeShapeType="1" noTextEdit="1"/>
-              </p:cNvSpPr>
-              <p:nvPr/>
-            </p:nvSpPr>
-            <p:spPr>
-              <a:xfrm>
-                <a:off x="2667775" y="3247036"/>
-                <a:ext cx="1135971" cy="307777"/>
-              </a:xfrm>
-              <a:prstGeom prst="rect">
-                <a:avLst/>
-              </a:prstGeom>
-              <a:blipFill>
-                <a:blip r:embed="rId4"/>
-                <a:stretch>
-                  <a:fillRect/>
-                </a:stretch>
-              </a:blipFill>
-            </p:spPr>
-            <p:txBody>
-              <a:bodyPr/>
-              <a:lstStyle/>
-              <a:p>
-                <a:r>
-                  <a:rPr lang="zh-CN" altLang="en-US">
-                    <a:noFill/>
-                  </a:rPr>
-                  <a:t> </a:t>
-                </a:r>
-              </a:p>
-            </p:txBody>
-          </p:sp>
-        </mc:Fallback>
-      </mc:AlternateContent>
-      <mc:AlternateContent xmlns:mc="http://schemas.openxmlformats.org/markup-compatibility/2006">
-        <mc:Choice xmlns:a14="http://schemas.microsoft.com/office/drawing/2010/main" Requires="a14">
-          <p:sp>
-            <p:nvSpPr>
-              <p:cNvPr id="36" name="文本框 35"/>
-              <p:cNvSpPr txBox="1"/>
-              <p:nvPr/>
-            </p:nvSpPr>
-            <p:spPr>
-              <a:xfrm>
-                <a:off x="251520" y="4944636"/>
-                <a:ext cx="8424936" cy="683329"/>
-              </a:xfrm>
-              <a:prstGeom prst="rect">
-                <a:avLst/>
-              </a:prstGeom>
-              <a:noFill/>
-            </p:spPr>
-            <p:txBody>
-              <a:bodyPr wrap="square" rtlCol="0">
-                <a:spAutoFit/>
-              </a:bodyPr>
-              <a:lstStyle/>
-              <a:p>
-                <a14:m>
-                  <m:oMathPara xmlns:m="http://schemas.openxmlformats.org/officeDocument/2006/math">
-                    <m:oMathParaPr>
-                      <m:jc m:val="centerGroup"/>
-                    </m:oMathParaPr>
-                    <m:oMath xmlns:m="http://schemas.openxmlformats.org/officeDocument/2006/math">
-                      <m:sSub>
-                        <m:sSubPr>
-                          <m:ctrlPr>
-                            <a:rPr lang="en-US" altLang="zh-CN" b="0" i="1" dirty="0" smtClean="0">
-                              <a:latin typeface="Cambria Math" panose="02040503050406030204" pitchFamily="18" charset="0"/>
-                              <a:ea typeface="Batang" panose="02030600000101010101" pitchFamily="18" charset="-127"/>
-                            </a:rPr>
-                          </m:ctrlPr>
-                        </m:sSubPr>
-                        <m:e>
-                          <m:r>
-                            <a:rPr lang="en-US" altLang="zh-CN" b="0" i="1" dirty="0" smtClean="0">
-                              <a:latin typeface="Cambria Math" panose="02040503050406030204" pitchFamily="18" charset="0"/>
-                              <a:ea typeface="Batang" panose="02030600000101010101" pitchFamily="18" charset="-127"/>
-                            </a:rPr>
-                            <m:t>𝑆</m:t>
-                          </m:r>
-                        </m:e>
-                        <m:sub>
-                          <m:r>
-                            <a:rPr lang="en-US" altLang="zh-CN" b="0" i="1" dirty="0" smtClean="0">
-                              <a:latin typeface="Cambria Math" panose="02040503050406030204" pitchFamily="18" charset="0"/>
-                              <a:ea typeface="Batang" panose="02030600000101010101" pitchFamily="18" charset="-127"/>
-                            </a:rPr>
-                            <m:t>𝐴𝐵</m:t>
-                          </m:r>
-                        </m:sub>
-                      </m:sSub>
-                      <m:r>
-                        <a:rPr lang="en-US" altLang="zh-CN" b="0" i="1" dirty="0" smtClean="0">
-                          <a:latin typeface="Cambria Math" panose="02040503050406030204" pitchFamily="18" charset="0"/>
-                          <a:ea typeface="Batang" panose="02030600000101010101" pitchFamily="18" charset="-127"/>
-                        </a:rPr>
-                        <m:t>=</m:t>
-                      </m:r>
-                      <m:f>
-                        <m:fPr>
-                          <m:ctrlPr>
-                            <a:rPr lang="en-US" altLang="zh-CN" b="0" i="1" dirty="0" smtClean="0">
-                              <a:latin typeface="Cambria Math" panose="02040503050406030204" pitchFamily="18" charset="0"/>
-                              <a:ea typeface="Batang" panose="02030600000101010101" pitchFamily="18" charset="-127"/>
-                            </a:rPr>
-                          </m:ctrlPr>
-                        </m:fPr>
-                        <m:num>
-                          <m:sSub>
-                            <m:sSubPr>
-                              <m:ctrlPr>
-                                <a:rPr lang="en-US" altLang="zh-CN" i="1" dirty="0">
-                                  <a:latin typeface="Cambria Math" panose="02040503050406030204" pitchFamily="18" charset="0"/>
-                                  <a:ea typeface="Batang" panose="02030600000101010101" pitchFamily="18" charset="-127"/>
-                                </a:rPr>
-                              </m:ctrlPr>
-                            </m:sSubPr>
-                            <m:e>
-                              <m:r>
-                                <a:rPr lang="en-US" altLang="zh-CN" i="1" dirty="0">
-                                  <a:latin typeface="Cambria Math" panose="02040503050406030204" pitchFamily="18" charset="0"/>
-                                  <a:ea typeface="Batang" panose="02030600000101010101" pitchFamily="18" charset="-127"/>
-                                </a:rPr>
-                                <m:t>𝑉</m:t>
-                              </m:r>
-                            </m:e>
-                            <m:sub>
-                              <m:r>
-                                <a:rPr lang="en-US" altLang="zh-CN" b="0" i="1" dirty="0" smtClean="0">
-                                  <a:latin typeface="Cambria Math" panose="02040503050406030204" pitchFamily="18" charset="0"/>
-                                  <a:ea typeface="Batang" panose="02030600000101010101" pitchFamily="18" charset="-127"/>
-                                </a:rPr>
-                                <m:t>1</m:t>
-                              </m:r>
-                            </m:sub>
-                          </m:sSub>
-                          <m:r>
-                            <a:rPr lang="en-US" altLang="zh-CN" b="0" i="1" dirty="0" smtClean="0">
-                              <a:latin typeface="Cambria Math" panose="02040503050406030204" pitchFamily="18" charset="0"/>
-                              <a:ea typeface="Batang" panose="02030600000101010101" pitchFamily="18" charset="-127"/>
-                            </a:rPr>
-                            <m:t>−</m:t>
-                          </m:r>
-                          <m:sSub>
-                            <m:sSubPr>
-                              <m:ctrlPr>
-                                <a:rPr lang="en-US" altLang="zh-CN" b="0" i="1" dirty="0" smtClean="0">
-                                  <a:latin typeface="Cambria Math" panose="02040503050406030204" pitchFamily="18" charset="0"/>
-                                  <a:ea typeface="Batang" panose="02030600000101010101" pitchFamily="18" charset="-127"/>
-                                </a:rPr>
-                              </m:ctrlPr>
-                            </m:sSubPr>
-                            <m:e>
-                              <m:r>
-                                <a:rPr lang="en-US" altLang="zh-CN" b="0" i="1" dirty="0" smtClean="0">
-                                  <a:latin typeface="Cambria Math" panose="02040503050406030204" pitchFamily="18" charset="0"/>
-                                  <a:ea typeface="Batang" panose="02030600000101010101" pitchFamily="18" charset="-127"/>
-                                </a:rPr>
-                                <m:t>𝑉</m:t>
-                              </m:r>
-                            </m:e>
-                            <m:sub>
-                              <m:r>
-                                <a:rPr lang="en-US" altLang="zh-CN" b="0" i="1" dirty="0" smtClean="0">
-                                  <a:latin typeface="Cambria Math" panose="02040503050406030204" pitchFamily="18" charset="0"/>
-                                  <a:ea typeface="Batang" panose="02030600000101010101" pitchFamily="18" charset="-127"/>
-                                </a:rPr>
-                                <m:t>2</m:t>
-                              </m:r>
-                            </m:sub>
-                          </m:sSub>
-                        </m:num>
-                        <m:den>
-                          <m:sSub>
-                            <m:sSubPr>
-                              <m:ctrlPr>
-                                <a:rPr lang="en-US" altLang="zh-CN" i="1" dirty="0">
-                                  <a:latin typeface="Cambria Math" panose="02040503050406030204" pitchFamily="18" charset="0"/>
-                                  <a:ea typeface="Batang" panose="02030600000101010101" pitchFamily="18" charset="-127"/>
-                                </a:rPr>
-                              </m:ctrlPr>
-                            </m:sSubPr>
-                            <m:e>
-                              <m:r>
-                                <a:rPr lang="en-US" altLang="zh-CN" b="0" i="1" dirty="0" smtClean="0">
-                                  <a:latin typeface="Cambria Math" panose="02040503050406030204" pitchFamily="18" charset="0"/>
-                                  <a:ea typeface="Batang" panose="02030600000101010101" pitchFamily="18" charset="-127"/>
-                                </a:rPr>
-                                <m:t>𝑇</m:t>
-                              </m:r>
-                            </m:e>
-                            <m:sub>
-                              <m:r>
-                                <a:rPr lang="en-US" altLang="zh-CN" i="1" dirty="0">
-                                  <a:latin typeface="Cambria Math" panose="02040503050406030204" pitchFamily="18" charset="0"/>
-                                  <a:ea typeface="Batang" panose="02030600000101010101" pitchFamily="18" charset="-127"/>
-                                </a:rPr>
-                                <m:t>1</m:t>
-                              </m:r>
-                            </m:sub>
-                          </m:sSub>
-                          <m:r>
-                            <a:rPr lang="en-US" altLang="zh-CN" i="1" dirty="0">
-                              <a:latin typeface="Cambria Math" panose="02040503050406030204" pitchFamily="18" charset="0"/>
-                              <a:ea typeface="Batang" panose="02030600000101010101" pitchFamily="18" charset="-127"/>
-                            </a:rPr>
-                            <m:t>−</m:t>
-                          </m:r>
-                          <m:sSub>
-                            <m:sSubPr>
-                              <m:ctrlPr>
-                                <a:rPr lang="en-US" altLang="zh-CN" i="1" dirty="0">
-                                  <a:latin typeface="Cambria Math" panose="02040503050406030204" pitchFamily="18" charset="0"/>
-                                  <a:ea typeface="Batang" panose="02030600000101010101" pitchFamily="18" charset="-127"/>
-                                </a:rPr>
-                              </m:ctrlPr>
-                            </m:sSubPr>
-                            <m:e>
-                              <m:r>
-                                <a:rPr lang="en-US" altLang="zh-CN" b="0" i="1" dirty="0" smtClean="0">
-                                  <a:latin typeface="Cambria Math" panose="02040503050406030204" pitchFamily="18" charset="0"/>
-                                  <a:ea typeface="Batang" panose="02030600000101010101" pitchFamily="18" charset="-127"/>
-                                </a:rPr>
-                                <m:t>𝑇</m:t>
-                              </m:r>
-                            </m:e>
-                            <m:sub>
-                              <m:r>
-                                <a:rPr lang="en-US" altLang="zh-CN" i="1" dirty="0">
-                                  <a:latin typeface="Cambria Math" panose="02040503050406030204" pitchFamily="18" charset="0"/>
-                                  <a:ea typeface="Batang" panose="02030600000101010101" pitchFamily="18" charset="-127"/>
-                                </a:rPr>
-                                <m:t>2</m:t>
-                              </m:r>
-                            </m:sub>
-                          </m:sSub>
-                        </m:den>
-                      </m:f>
-                      <m:r>
-                        <a:rPr lang="en-US" altLang="zh-CN" b="0" i="1" dirty="0" smtClean="0">
-                          <a:latin typeface="Cambria Math" panose="02040503050406030204" pitchFamily="18" charset="0"/>
-                          <a:ea typeface="Batang" panose="02030600000101010101" pitchFamily="18" charset="-127"/>
-                        </a:rPr>
-                        <m:t>=</m:t>
-                      </m:r>
-                      <m:f>
-                        <m:fPr>
-                          <m:ctrlPr>
-                            <a:rPr lang="en-US" altLang="zh-CN" b="0" i="1" dirty="0" smtClean="0">
-                              <a:latin typeface="Cambria Math" panose="02040503050406030204" pitchFamily="18" charset="0"/>
-                              <a:ea typeface="Batang" panose="02030600000101010101" pitchFamily="18" charset="-127"/>
-                            </a:rPr>
-                          </m:ctrlPr>
-                        </m:fPr>
-                        <m:num>
-                          <m:sSub>
-                            <m:sSubPr>
-                              <m:ctrlPr>
-                                <a:rPr lang="en-US" altLang="zh-CN" b="0" i="1" dirty="0" smtClean="0">
-                                  <a:latin typeface="Cambria Math" panose="02040503050406030204" pitchFamily="18" charset="0"/>
-                                  <a:ea typeface="Batang" panose="02030600000101010101" pitchFamily="18" charset="-127"/>
-                                </a:rPr>
-                              </m:ctrlPr>
-                            </m:sSubPr>
-                            <m:e>
-                              <m:r>
-                                <a:rPr lang="en-US" altLang="zh-CN" b="0" i="1" dirty="0" smtClean="0">
-                                  <a:latin typeface="Cambria Math" panose="02040503050406030204" pitchFamily="18" charset="0"/>
-                                  <a:ea typeface="Batang" panose="02030600000101010101" pitchFamily="18" charset="-127"/>
-                                </a:rPr>
-                                <m:t>𝑉</m:t>
-                              </m:r>
-                            </m:e>
-                            <m:sub>
-                              <m:r>
-                                <a:rPr lang="en-US" altLang="zh-CN" b="0" i="1" dirty="0" smtClean="0">
-                                  <a:latin typeface="Cambria Math" panose="02040503050406030204" pitchFamily="18" charset="0"/>
-                                  <a:ea typeface="Batang" panose="02030600000101010101" pitchFamily="18" charset="-127"/>
-                                </a:rPr>
-                                <m:t>1</m:t>
-                              </m:r>
-                            </m:sub>
-                          </m:sSub>
-                          <m:r>
-                            <a:rPr lang="en-US" altLang="zh-CN" b="0" i="1" dirty="0" smtClean="0">
-                              <a:latin typeface="Cambria Math" panose="02040503050406030204" pitchFamily="18" charset="0"/>
-                              <a:ea typeface="Batang" panose="02030600000101010101" pitchFamily="18" charset="-127"/>
-                            </a:rPr>
-                            <m:t>−</m:t>
-                          </m:r>
-                          <m:sSub>
-                            <m:sSubPr>
-                              <m:ctrlPr>
-                                <a:rPr lang="en-US" altLang="zh-CN" b="0" i="1" dirty="0" smtClean="0">
-                                  <a:latin typeface="Cambria Math" panose="02040503050406030204" pitchFamily="18" charset="0"/>
-                                  <a:ea typeface="Batang" panose="02030600000101010101" pitchFamily="18" charset="-127"/>
-                                </a:rPr>
-                              </m:ctrlPr>
-                            </m:sSubPr>
-                            <m:e>
-                              <m:r>
-                                <a:rPr lang="en-US" altLang="zh-CN" b="0" i="1" dirty="0" smtClean="0">
-                                  <a:latin typeface="Cambria Math" panose="02040503050406030204" pitchFamily="18" charset="0"/>
-                                  <a:ea typeface="Batang" panose="02030600000101010101" pitchFamily="18" charset="-127"/>
-                                </a:rPr>
-                                <m:t>𝑉</m:t>
-                              </m:r>
-                            </m:e>
-                            <m:sub>
-                              <m:r>
-                                <a:rPr lang="en-US" altLang="zh-CN" b="0" i="1" dirty="0" smtClean="0">
-                                  <a:latin typeface="Cambria Math" panose="02040503050406030204" pitchFamily="18" charset="0"/>
-                                  <a:ea typeface="Batang" panose="02030600000101010101" pitchFamily="18" charset="-127"/>
-                                </a:rPr>
-                                <m:t>3</m:t>
-                              </m:r>
-                            </m:sub>
-                          </m:sSub>
-                          <m:r>
-                            <a:rPr lang="en-US" altLang="zh-CN" b="0" i="1" dirty="0" smtClean="0">
-                              <a:latin typeface="Cambria Math" panose="02040503050406030204" pitchFamily="18" charset="0"/>
-                              <a:ea typeface="Batang" panose="02030600000101010101" pitchFamily="18" charset="-127"/>
-                            </a:rPr>
-                            <m:t>+</m:t>
-                          </m:r>
-                          <m:sSub>
-                            <m:sSubPr>
-                              <m:ctrlPr>
-                                <a:rPr lang="en-US" altLang="zh-CN" b="0" i="1" dirty="0" smtClean="0">
-                                  <a:latin typeface="Cambria Math" panose="02040503050406030204" pitchFamily="18" charset="0"/>
-                                  <a:ea typeface="Batang" panose="02030600000101010101" pitchFamily="18" charset="-127"/>
-                                </a:rPr>
-                              </m:ctrlPr>
-                            </m:sSubPr>
-                            <m:e>
-                              <m:r>
-                                <a:rPr lang="en-US" altLang="zh-CN" b="0" i="1" dirty="0" smtClean="0">
-                                  <a:latin typeface="Cambria Math" panose="02040503050406030204" pitchFamily="18" charset="0"/>
-                                  <a:ea typeface="Batang" panose="02030600000101010101" pitchFamily="18" charset="-127"/>
-                                </a:rPr>
-                                <m:t>𝑉</m:t>
-                              </m:r>
-                            </m:e>
-                            <m:sub>
-                              <m:r>
-                                <a:rPr lang="en-US" altLang="zh-CN" b="0" i="1" dirty="0" smtClean="0">
-                                  <a:latin typeface="Cambria Math" panose="02040503050406030204" pitchFamily="18" charset="0"/>
-                                  <a:ea typeface="Batang" panose="02030600000101010101" pitchFamily="18" charset="-127"/>
-                                </a:rPr>
-                                <m:t>3</m:t>
-                              </m:r>
-                            </m:sub>
-                          </m:sSub>
-                          <m:r>
-                            <a:rPr lang="en-US" altLang="zh-CN" b="0" i="1" dirty="0" smtClean="0">
-                              <a:latin typeface="Cambria Math" panose="02040503050406030204" pitchFamily="18" charset="0"/>
-                              <a:ea typeface="Batang" panose="02030600000101010101" pitchFamily="18" charset="-127"/>
-                            </a:rPr>
-                            <m:t>−</m:t>
-                          </m:r>
-                          <m:sSub>
-                            <m:sSubPr>
-                              <m:ctrlPr>
-                                <a:rPr lang="en-US" altLang="zh-CN" b="0" i="1" dirty="0" smtClean="0">
-                                  <a:latin typeface="Cambria Math" panose="02040503050406030204" pitchFamily="18" charset="0"/>
-                                  <a:ea typeface="Batang" panose="02030600000101010101" pitchFamily="18" charset="-127"/>
-                                </a:rPr>
-                              </m:ctrlPr>
-                            </m:sSubPr>
-                            <m:e>
-                              <m:r>
-                                <a:rPr lang="en-US" altLang="zh-CN" b="0" i="1" dirty="0" smtClean="0">
-                                  <a:latin typeface="Cambria Math" panose="02040503050406030204" pitchFamily="18" charset="0"/>
-                                  <a:ea typeface="Batang" panose="02030600000101010101" pitchFamily="18" charset="-127"/>
-                                </a:rPr>
-                                <m:t>𝑉</m:t>
-                              </m:r>
-                            </m:e>
-                            <m:sub>
-                              <m:r>
-                                <a:rPr lang="en-US" altLang="zh-CN" b="0" i="1" dirty="0" smtClean="0">
-                                  <a:latin typeface="Cambria Math" panose="02040503050406030204" pitchFamily="18" charset="0"/>
-                                  <a:ea typeface="Batang" panose="02030600000101010101" pitchFamily="18" charset="-127"/>
-                                </a:rPr>
-                                <m:t>2</m:t>
-                              </m:r>
-                            </m:sub>
-                          </m:sSub>
-                        </m:num>
-                        <m:den>
-                          <m:sSub>
-                            <m:sSubPr>
-                              <m:ctrlPr>
-                                <a:rPr lang="en-US" altLang="zh-CN" b="0" i="1" dirty="0" smtClean="0">
-                                  <a:latin typeface="Cambria Math" panose="02040503050406030204" pitchFamily="18" charset="0"/>
-                                  <a:ea typeface="Batang" panose="02030600000101010101" pitchFamily="18" charset="-127"/>
-                                </a:rPr>
-                              </m:ctrlPr>
-                            </m:sSubPr>
-                            <m:e>
-                              <m:r>
-                                <a:rPr lang="en-US" altLang="zh-CN" b="0" i="1" dirty="0" smtClean="0">
-                                  <a:latin typeface="Cambria Math" panose="02040503050406030204" pitchFamily="18" charset="0"/>
-                                  <a:ea typeface="Batang" panose="02030600000101010101" pitchFamily="18" charset="-127"/>
-                                </a:rPr>
-                                <m:t>𝑇</m:t>
-                              </m:r>
-                            </m:e>
-                            <m:sub>
-                              <m:r>
-                                <a:rPr lang="en-US" altLang="zh-CN" b="0" i="1" dirty="0" smtClean="0">
-                                  <a:latin typeface="Cambria Math" panose="02040503050406030204" pitchFamily="18" charset="0"/>
-                                  <a:ea typeface="Batang" panose="02030600000101010101" pitchFamily="18" charset="-127"/>
-                                </a:rPr>
-                                <m:t>1</m:t>
-                              </m:r>
-                            </m:sub>
-                          </m:sSub>
-                          <m:r>
-                            <a:rPr lang="en-US" altLang="zh-CN" b="0" i="1" dirty="0" smtClean="0">
-                              <a:latin typeface="Cambria Math" panose="02040503050406030204" pitchFamily="18" charset="0"/>
-                              <a:ea typeface="Batang" panose="02030600000101010101" pitchFamily="18" charset="-127"/>
-                            </a:rPr>
-                            <m:t>−</m:t>
-                          </m:r>
-                          <m:sSub>
-                            <m:sSubPr>
-                              <m:ctrlPr>
-                                <a:rPr lang="en-US" altLang="zh-CN" b="0" i="1" dirty="0" smtClean="0">
-                                  <a:latin typeface="Cambria Math" panose="02040503050406030204" pitchFamily="18" charset="0"/>
-                                  <a:ea typeface="Batang" panose="02030600000101010101" pitchFamily="18" charset="-127"/>
-                                </a:rPr>
-                              </m:ctrlPr>
-                            </m:sSubPr>
-                            <m:e>
-                              <m:r>
-                                <a:rPr lang="en-US" altLang="zh-CN" b="0" i="1" dirty="0" smtClean="0">
-                                  <a:latin typeface="Cambria Math" panose="02040503050406030204" pitchFamily="18" charset="0"/>
-                                  <a:ea typeface="Batang" panose="02030600000101010101" pitchFamily="18" charset="-127"/>
-                                </a:rPr>
-                                <m:t>𝑇</m:t>
-                              </m:r>
-                            </m:e>
-                            <m:sub>
-                              <m:r>
-                                <a:rPr lang="en-US" altLang="zh-CN" b="0" i="1" dirty="0" smtClean="0">
-                                  <a:latin typeface="Cambria Math" panose="02040503050406030204" pitchFamily="18" charset="0"/>
-                                  <a:ea typeface="Batang" panose="02030600000101010101" pitchFamily="18" charset="-127"/>
-                                </a:rPr>
-                                <m:t>3</m:t>
-                              </m:r>
-                            </m:sub>
-                          </m:sSub>
-                          <m:r>
-                            <a:rPr lang="en-US" altLang="zh-CN" b="0" i="1" dirty="0" smtClean="0">
-                              <a:latin typeface="Cambria Math" panose="02040503050406030204" pitchFamily="18" charset="0"/>
-                              <a:ea typeface="Batang" panose="02030600000101010101" pitchFamily="18" charset="-127"/>
-                            </a:rPr>
-                            <m:t>+</m:t>
-                          </m:r>
-                          <m:sSub>
-                            <m:sSubPr>
-                              <m:ctrlPr>
-                                <a:rPr lang="en-US" altLang="zh-CN" b="0" i="1" dirty="0" smtClean="0">
-                                  <a:latin typeface="Cambria Math" panose="02040503050406030204" pitchFamily="18" charset="0"/>
-                                  <a:ea typeface="Batang" panose="02030600000101010101" pitchFamily="18" charset="-127"/>
-                                </a:rPr>
-                              </m:ctrlPr>
-                            </m:sSubPr>
-                            <m:e>
-                              <m:r>
-                                <a:rPr lang="en-US" altLang="zh-CN" b="0" i="1" dirty="0" smtClean="0">
-                                  <a:latin typeface="Cambria Math" panose="02040503050406030204" pitchFamily="18" charset="0"/>
-                                  <a:ea typeface="Batang" panose="02030600000101010101" pitchFamily="18" charset="-127"/>
-                                </a:rPr>
-                                <m:t>𝑇</m:t>
-                              </m:r>
-                            </m:e>
-                            <m:sub>
-                              <m:r>
-                                <a:rPr lang="en-US" altLang="zh-CN" b="0" i="1" dirty="0" smtClean="0">
-                                  <a:latin typeface="Cambria Math" panose="02040503050406030204" pitchFamily="18" charset="0"/>
-                                  <a:ea typeface="Batang" panose="02030600000101010101" pitchFamily="18" charset="-127"/>
-                                </a:rPr>
-                                <m:t>3</m:t>
-                              </m:r>
-                            </m:sub>
-                          </m:sSub>
-                          <m:r>
-                            <a:rPr lang="en-US" altLang="zh-CN" b="0" i="1" dirty="0" smtClean="0">
-                              <a:latin typeface="Cambria Math" panose="02040503050406030204" pitchFamily="18" charset="0"/>
-                              <a:ea typeface="Batang" panose="02030600000101010101" pitchFamily="18" charset="-127"/>
-                            </a:rPr>
-                            <m:t>−</m:t>
-                          </m:r>
-                          <m:sSub>
-                            <m:sSubPr>
-                              <m:ctrlPr>
-                                <a:rPr lang="en-US" altLang="zh-CN" b="0" i="1" dirty="0" smtClean="0">
-                                  <a:latin typeface="Cambria Math" panose="02040503050406030204" pitchFamily="18" charset="0"/>
-                                  <a:ea typeface="Batang" panose="02030600000101010101" pitchFamily="18" charset="-127"/>
-                                </a:rPr>
-                              </m:ctrlPr>
-                            </m:sSubPr>
-                            <m:e>
-                              <m:r>
-                                <a:rPr lang="en-US" altLang="zh-CN" b="0" i="1" dirty="0" smtClean="0">
-                                  <a:latin typeface="Cambria Math" panose="02040503050406030204" pitchFamily="18" charset="0"/>
-                                  <a:ea typeface="Batang" panose="02030600000101010101" pitchFamily="18" charset="-127"/>
-                                </a:rPr>
-                                <m:t>𝑇</m:t>
-                              </m:r>
-                            </m:e>
-                            <m:sub>
-                              <m:r>
-                                <a:rPr lang="en-US" altLang="zh-CN" b="0" i="1" dirty="0" smtClean="0">
-                                  <a:latin typeface="Cambria Math" panose="02040503050406030204" pitchFamily="18" charset="0"/>
-                                  <a:ea typeface="Batang" panose="02030600000101010101" pitchFamily="18" charset="-127"/>
-                                </a:rPr>
-                                <m:t>2</m:t>
-                              </m:r>
-                            </m:sub>
-                          </m:sSub>
-                        </m:den>
-                      </m:f>
-                      <m:r>
-                        <a:rPr lang="en-US" altLang="zh-CN" b="0" i="1" dirty="0" smtClean="0">
-                          <a:latin typeface="Cambria Math" panose="02040503050406030204" pitchFamily="18" charset="0"/>
-                          <a:ea typeface="Batang" panose="02030600000101010101" pitchFamily="18" charset="-127"/>
-                        </a:rPr>
-                        <m:t>=</m:t>
-                      </m:r>
-                      <m:f>
-                        <m:fPr>
-                          <m:ctrlPr>
-                            <a:rPr lang="en-US" altLang="zh-CN" b="0" i="1" dirty="0" smtClean="0">
-                              <a:latin typeface="Cambria Math" panose="02040503050406030204" pitchFamily="18" charset="0"/>
-                              <a:ea typeface="Batang" panose="02030600000101010101" pitchFamily="18" charset="-127"/>
-                            </a:rPr>
-                          </m:ctrlPr>
-                        </m:fPr>
-                        <m:num>
-                          <m:sSub>
-                            <m:sSubPr>
-                              <m:ctrlPr>
-                                <a:rPr lang="en-US" altLang="zh-CN" b="0" i="1" dirty="0" smtClean="0">
-                                  <a:latin typeface="Cambria Math" panose="02040503050406030204" pitchFamily="18" charset="0"/>
-                                  <a:ea typeface="Batang" panose="02030600000101010101" pitchFamily="18" charset="-127"/>
-                                </a:rPr>
-                              </m:ctrlPr>
-                            </m:sSubPr>
-                            <m:e>
-                              <m:r>
-                                <a:rPr lang="en-US" altLang="zh-CN" b="0" i="1" dirty="0" smtClean="0">
-                                  <a:latin typeface="Cambria Math" panose="02040503050406030204" pitchFamily="18" charset="0"/>
-                                  <a:ea typeface="Batang" panose="02030600000101010101" pitchFamily="18" charset="-127"/>
-                                </a:rPr>
-                                <m:t>𝑉</m:t>
-                              </m:r>
-                            </m:e>
-                            <m:sub>
-                              <m:r>
-                                <a:rPr lang="en-US" altLang="zh-CN" b="0" i="1" dirty="0" smtClean="0">
-                                  <a:latin typeface="Cambria Math" panose="02040503050406030204" pitchFamily="18" charset="0"/>
-                                  <a:ea typeface="Batang" panose="02030600000101010101" pitchFamily="18" charset="-127"/>
-                                </a:rPr>
-                                <m:t>𝐴</m:t>
-                              </m:r>
-                            </m:sub>
-                          </m:sSub>
-                          <m:r>
-                            <a:rPr lang="en-US" altLang="zh-CN" b="0" i="1" dirty="0" smtClean="0">
-                              <a:latin typeface="Cambria Math" panose="02040503050406030204" pitchFamily="18" charset="0"/>
-                              <a:ea typeface="Batang" panose="02030600000101010101" pitchFamily="18" charset="-127"/>
-                            </a:rPr>
-                            <m:t>+</m:t>
-                          </m:r>
-                          <m:sSub>
-                            <m:sSubPr>
-                              <m:ctrlPr>
-                                <a:rPr lang="en-US" altLang="zh-CN" b="0" i="1" dirty="0" smtClean="0">
-                                  <a:latin typeface="Cambria Math" panose="02040503050406030204" pitchFamily="18" charset="0"/>
-                                  <a:ea typeface="Batang" panose="02030600000101010101" pitchFamily="18" charset="-127"/>
-                                </a:rPr>
-                              </m:ctrlPr>
-                            </m:sSubPr>
-                            <m:e>
-                              <m:r>
-                                <a:rPr lang="en-US" altLang="zh-CN" b="0" i="1" dirty="0" smtClean="0">
-                                  <a:latin typeface="Cambria Math" panose="02040503050406030204" pitchFamily="18" charset="0"/>
-                                  <a:ea typeface="Batang" panose="02030600000101010101" pitchFamily="18" charset="-127"/>
-                                </a:rPr>
-                                <m:t>𝑉</m:t>
-                              </m:r>
-                            </m:e>
-                            <m:sub>
-                              <m:r>
-                                <a:rPr lang="en-US" altLang="zh-CN" b="0" i="1" dirty="0" smtClean="0">
-                                  <a:latin typeface="Cambria Math" panose="02040503050406030204" pitchFamily="18" charset="0"/>
-                                  <a:ea typeface="Batang" panose="02030600000101010101" pitchFamily="18" charset="-127"/>
-                                </a:rPr>
-                                <m:t>𝐵</m:t>
-                              </m:r>
-                            </m:sub>
-                          </m:sSub>
-                        </m:num>
-                        <m:den>
-                          <m:r>
-                            <m:rPr>
-                              <m:sty m:val="p"/>
-                            </m:rPr>
-                            <a:rPr lang="el-GR" altLang="zh-CN" b="0" i="1" dirty="0" smtClean="0">
-                              <a:latin typeface="Cambria Math" panose="02040503050406030204" pitchFamily="18" charset="0"/>
-                              <a:ea typeface="Cambria Math" panose="02040503050406030204" pitchFamily="18" charset="0"/>
-                            </a:rPr>
-                            <m:t>Δ</m:t>
-                          </m:r>
-                          <m:sSub>
-                            <m:sSubPr>
-                              <m:ctrlPr>
-                                <a:rPr lang="en-US" altLang="zh-CN" b="0" i="1" dirty="0" smtClean="0">
-                                  <a:latin typeface="Cambria Math" panose="02040503050406030204" pitchFamily="18" charset="0"/>
-                                  <a:ea typeface="Cambria Math" panose="02040503050406030204" pitchFamily="18" charset="0"/>
-                                </a:rPr>
-                              </m:ctrlPr>
-                            </m:sSubPr>
-                            <m:e>
-                              <m:r>
-                                <a:rPr lang="en-US" altLang="zh-CN" b="0" i="1" dirty="0" smtClean="0">
-                                  <a:latin typeface="Cambria Math" panose="02040503050406030204" pitchFamily="18" charset="0"/>
-                                  <a:ea typeface="Cambria Math" panose="02040503050406030204" pitchFamily="18" charset="0"/>
-                                </a:rPr>
-                                <m:t>𝑇</m:t>
-                              </m:r>
-                            </m:e>
-                            <m:sub>
-                              <m:r>
-                                <a:rPr lang="en-US" altLang="zh-CN" b="0" i="1" dirty="0" smtClean="0">
-                                  <a:latin typeface="Cambria Math" panose="02040503050406030204" pitchFamily="18" charset="0"/>
-                                  <a:ea typeface="Cambria Math" panose="02040503050406030204" pitchFamily="18" charset="0"/>
-                                </a:rPr>
-                                <m:t>𝐴</m:t>
-                              </m:r>
-                            </m:sub>
-                          </m:sSub>
-                          <m:r>
-                            <a:rPr lang="en-US" altLang="zh-CN" i="1" dirty="0">
-                              <a:latin typeface="Cambria Math" panose="02040503050406030204" pitchFamily="18" charset="0"/>
-                              <a:ea typeface="Batang" panose="02030600000101010101" pitchFamily="18" charset="-127"/>
-                            </a:rPr>
-                            <m:t>+</m:t>
-                          </m:r>
-                          <m:r>
-                            <m:rPr>
-                              <m:sty m:val="p"/>
-                            </m:rPr>
-                            <a:rPr lang="el-GR" altLang="zh-CN" i="1" dirty="0" smtClean="0">
-                              <a:latin typeface="Cambria Math" panose="02040503050406030204" pitchFamily="18" charset="0"/>
-                              <a:ea typeface="Cambria Math" panose="02040503050406030204" pitchFamily="18" charset="0"/>
-                            </a:rPr>
-                            <m:t>Δ</m:t>
-                          </m:r>
-                          <m:sSub>
-                            <m:sSubPr>
-                              <m:ctrlPr>
-                                <a:rPr lang="en-US" altLang="zh-CN" b="0" i="1" dirty="0" smtClean="0">
-                                  <a:latin typeface="Cambria Math" panose="02040503050406030204" pitchFamily="18" charset="0"/>
-                                  <a:ea typeface="Cambria Math" panose="02040503050406030204" pitchFamily="18" charset="0"/>
-                                </a:rPr>
-                              </m:ctrlPr>
-                            </m:sSubPr>
-                            <m:e>
-                              <m:r>
-                                <a:rPr lang="en-US" altLang="zh-CN" b="0" i="1" dirty="0" smtClean="0">
-                                  <a:latin typeface="Cambria Math" panose="02040503050406030204" pitchFamily="18" charset="0"/>
-                                  <a:ea typeface="Cambria Math" panose="02040503050406030204" pitchFamily="18" charset="0"/>
-                                </a:rPr>
-                                <m:t>𝑇</m:t>
-                              </m:r>
-                            </m:e>
-                            <m:sub>
-                              <m:r>
-                                <a:rPr lang="en-US" altLang="zh-CN" b="0" i="1" dirty="0" smtClean="0">
-                                  <a:latin typeface="Cambria Math" panose="02040503050406030204" pitchFamily="18" charset="0"/>
-                                  <a:ea typeface="Cambria Math" panose="02040503050406030204" pitchFamily="18" charset="0"/>
-                                </a:rPr>
-                                <m:t>𝐵</m:t>
-                              </m:r>
-                            </m:sub>
-                          </m:sSub>
-                        </m:den>
-                      </m:f>
-                      <m:r>
-                        <a:rPr lang="en-US" altLang="zh-CN" b="0" i="1" dirty="0" smtClean="0">
-                          <a:latin typeface="Cambria Math" panose="02040503050406030204" pitchFamily="18" charset="0"/>
-                          <a:ea typeface="Batang" panose="02030600000101010101" pitchFamily="18" charset="-127"/>
-                        </a:rPr>
-                        <m:t>=</m:t>
-                      </m:r>
-                      <m:f>
-                        <m:fPr>
-                          <m:ctrlPr>
-                            <a:rPr lang="en-US" altLang="zh-CN" b="0" i="1" dirty="0" smtClean="0">
-                              <a:latin typeface="Cambria Math" panose="02040503050406030204" pitchFamily="18" charset="0"/>
-                              <a:ea typeface="Cambria Math" panose="02040503050406030204" pitchFamily="18" charset="0"/>
-                            </a:rPr>
-                          </m:ctrlPr>
-                        </m:fPr>
-                        <m:num>
-                          <m:sSub>
-                            <m:sSubPr>
-                              <m:ctrlPr>
-                                <a:rPr lang="en-US" altLang="zh-CN" i="1" dirty="0">
-                                  <a:latin typeface="Cambria Math" panose="02040503050406030204" pitchFamily="18" charset="0"/>
-                                  <a:ea typeface="Batang" panose="02030600000101010101" pitchFamily="18" charset="-127"/>
-                                </a:rPr>
-                              </m:ctrlPr>
-                            </m:sSubPr>
-                            <m:e>
-                              <m:r>
-                                <a:rPr lang="en-US" altLang="zh-CN" i="1" dirty="0">
-                                  <a:latin typeface="Cambria Math" panose="02040503050406030204" pitchFamily="18" charset="0"/>
-                                  <a:ea typeface="Batang" panose="02030600000101010101" pitchFamily="18" charset="-127"/>
-                                </a:rPr>
-                                <m:t>𝑆</m:t>
-                              </m:r>
-                            </m:e>
-                            <m:sub>
-                              <m:r>
-                                <a:rPr lang="en-US" altLang="zh-CN" i="1" dirty="0">
-                                  <a:latin typeface="Cambria Math" panose="02040503050406030204" pitchFamily="18" charset="0"/>
-                                  <a:ea typeface="Batang" panose="02030600000101010101" pitchFamily="18" charset="-127"/>
-                                </a:rPr>
-                                <m:t>𝐵𝐶</m:t>
-                              </m:r>
-                            </m:sub>
-                          </m:sSub>
-                          <m:r>
-                            <m:rPr>
-                              <m:sty m:val="p"/>
-                            </m:rPr>
-                            <a:rPr lang="el-GR" altLang="zh-CN" i="1" dirty="0">
-                              <a:latin typeface="Cambria Math" panose="02040503050406030204" pitchFamily="18" charset="0"/>
-                              <a:ea typeface="Cambria Math" panose="02040503050406030204" pitchFamily="18" charset="0"/>
-                            </a:rPr>
-                            <m:t>Δ</m:t>
-                          </m:r>
-                          <m:sSub>
-                            <m:sSubPr>
-                              <m:ctrlPr>
-                                <a:rPr lang="en-US" altLang="zh-CN" i="1" dirty="0">
-                                  <a:latin typeface="Cambria Math" panose="02040503050406030204" pitchFamily="18" charset="0"/>
-                                  <a:ea typeface="Cambria Math" panose="02040503050406030204" pitchFamily="18" charset="0"/>
-                                </a:rPr>
-                              </m:ctrlPr>
-                            </m:sSubPr>
-                            <m:e>
-                              <m:r>
-                                <a:rPr lang="en-US" altLang="zh-CN" i="1" dirty="0">
-                                  <a:latin typeface="Cambria Math" panose="02040503050406030204" pitchFamily="18" charset="0"/>
-                                  <a:ea typeface="Cambria Math" panose="02040503050406030204" pitchFamily="18" charset="0"/>
-                                </a:rPr>
-                                <m:t>𝑇</m:t>
-                              </m:r>
-                            </m:e>
-                            <m:sub>
-                              <m:r>
-                                <a:rPr lang="en-US" altLang="zh-CN" i="1" dirty="0">
-                                  <a:latin typeface="Cambria Math" panose="02040503050406030204" pitchFamily="18" charset="0"/>
-                                  <a:ea typeface="Cambria Math" panose="02040503050406030204" pitchFamily="18" charset="0"/>
-                                </a:rPr>
-                                <m:t>𝐴</m:t>
-                              </m:r>
-                            </m:sub>
-                          </m:sSub>
-                          <m:r>
-                            <a:rPr lang="en-US" altLang="zh-CN" i="1" dirty="0">
-                              <a:latin typeface="Cambria Math" panose="02040503050406030204" pitchFamily="18" charset="0"/>
-                              <a:ea typeface="Cambria Math" panose="02040503050406030204" pitchFamily="18" charset="0"/>
-                            </a:rPr>
-                            <m:t>+</m:t>
-                          </m:r>
-                          <m:sSub>
-                            <m:sSubPr>
-                              <m:ctrlPr>
-                                <a:rPr lang="en-US" altLang="zh-CN" i="1" dirty="0">
-                                  <a:latin typeface="Cambria Math" panose="02040503050406030204" pitchFamily="18" charset="0"/>
-                                  <a:ea typeface="Batang" panose="02030600000101010101" pitchFamily="18" charset="-127"/>
-                                </a:rPr>
-                              </m:ctrlPr>
-                            </m:sSubPr>
-                            <m:e>
-                              <m:r>
-                                <a:rPr lang="en-US" altLang="zh-CN" i="1" dirty="0">
-                                  <a:latin typeface="Cambria Math" panose="02040503050406030204" pitchFamily="18" charset="0"/>
-                                  <a:ea typeface="Batang" panose="02030600000101010101" pitchFamily="18" charset="-127"/>
-                                </a:rPr>
-                                <m:t>𝑆</m:t>
-                              </m:r>
-                            </m:e>
-                            <m:sub>
-                              <m:r>
-                                <a:rPr lang="en-US" altLang="zh-CN" i="1" dirty="0">
-                                  <a:latin typeface="Cambria Math" panose="02040503050406030204" pitchFamily="18" charset="0"/>
-                                  <a:ea typeface="Batang" panose="02030600000101010101" pitchFamily="18" charset="-127"/>
-                                </a:rPr>
-                                <m:t>𝐶</m:t>
-                              </m:r>
-                              <m:r>
-                                <a:rPr lang="en-US" altLang="zh-CN" i="1" dirty="0">
-                                  <a:latin typeface="Cambria Math" panose="02040503050406030204" pitchFamily="18" charset="0"/>
-                                  <a:ea typeface="Batang" panose="02030600000101010101" pitchFamily="18" charset="-127"/>
-                                </a:rPr>
-                                <m:t>𝐴</m:t>
-                              </m:r>
-                            </m:sub>
-                          </m:sSub>
-                          <m:r>
-                            <m:rPr>
-                              <m:sty m:val="p"/>
-                            </m:rPr>
-                            <a:rPr lang="el-GR" altLang="zh-CN" i="1" dirty="0">
-                              <a:latin typeface="Cambria Math" panose="02040503050406030204" pitchFamily="18" charset="0"/>
-                              <a:ea typeface="Cambria Math" panose="02040503050406030204" pitchFamily="18" charset="0"/>
-                            </a:rPr>
-                            <m:t>Δ</m:t>
-                          </m:r>
-                          <m:sSub>
-                            <m:sSubPr>
-                              <m:ctrlPr>
-                                <a:rPr lang="en-US" altLang="zh-CN" i="1" dirty="0">
-                                  <a:latin typeface="Cambria Math" panose="02040503050406030204" pitchFamily="18" charset="0"/>
-                                  <a:ea typeface="Cambria Math" panose="02040503050406030204" pitchFamily="18" charset="0"/>
-                                </a:rPr>
-                              </m:ctrlPr>
-                            </m:sSubPr>
-                            <m:e>
-                              <m:r>
-                                <a:rPr lang="en-US" altLang="zh-CN" i="1" dirty="0">
-                                  <a:latin typeface="Cambria Math" panose="02040503050406030204" pitchFamily="18" charset="0"/>
-                                  <a:ea typeface="Cambria Math" panose="02040503050406030204" pitchFamily="18" charset="0"/>
-                                </a:rPr>
-                                <m:t>𝑇</m:t>
-                              </m:r>
-                            </m:e>
-                            <m:sub>
-                              <m:r>
-                                <a:rPr lang="en-US" altLang="zh-CN" i="1" dirty="0">
-                                  <a:latin typeface="Cambria Math" panose="02040503050406030204" pitchFamily="18" charset="0"/>
-                                  <a:ea typeface="Cambria Math" panose="02040503050406030204" pitchFamily="18" charset="0"/>
-                                </a:rPr>
-                                <m:t>𝐵</m:t>
-                              </m:r>
-                            </m:sub>
-                          </m:sSub>
-                        </m:num>
-                        <m:den>
-                          <m:r>
-                            <m:rPr>
-                              <m:sty m:val="p"/>
-                            </m:rPr>
-                            <a:rPr lang="el-GR" altLang="zh-CN" i="1" dirty="0">
-                              <a:latin typeface="Cambria Math" panose="02040503050406030204" pitchFamily="18" charset="0"/>
-                              <a:ea typeface="Cambria Math" panose="02040503050406030204" pitchFamily="18" charset="0"/>
-                            </a:rPr>
-                            <m:t>Δ</m:t>
-                          </m:r>
-                          <m:sSub>
-                            <m:sSubPr>
-                              <m:ctrlPr>
-                                <a:rPr lang="en-US" altLang="zh-CN" i="1" dirty="0">
-                                  <a:latin typeface="Cambria Math" panose="02040503050406030204" pitchFamily="18" charset="0"/>
-                                  <a:ea typeface="Cambria Math" panose="02040503050406030204" pitchFamily="18" charset="0"/>
-                                </a:rPr>
-                              </m:ctrlPr>
-                            </m:sSubPr>
-                            <m:e>
-                              <m:r>
-                                <a:rPr lang="en-US" altLang="zh-CN" i="1" dirty="0">
-                                  <a:latin typeface="Cambria Math" panose="02040503050406030204" pitchFamily="18" charset="0"/>
-                                  <a:ea typeface="Cambria Math" panose="02040503050406030204" pitchFamily="18" charset="0"/>
-                                </a:rPr>
-                                <m:t>𝑇</m:t>
-                              </m:r>
-                            </m:e>
-                            <m:sub>
-                              <m:r>
-                                <a:rPr lang="en-US" altLang="zh-CN" i="1" dirty="0">
-                                  <a:latin typeface="Cambria Math" panose="02040503050406030204" pitchFamily="18" charset="0"/>
-                                  <a:ea typeface="Cambria Math" panose="02040503050406030204" pitchFamily="18" charset="0"/>
-                                </a:rPr>
-                                <m:t>𝐴</m:t>
-                              </m:r>
-                            </m:sub>
-                          </m:sSub>
-                          <m:r>
-                            <a:rPr lang="en-US" altLang="zh-CN" i="1" dirty="0">
-                              <a:latin typeface="Cambria Math" panose="02040503050406030204" pitchFamily="18" charset="0"/>
-                              <a:ea typeface="Batang" panose="02030600000101010101" pitchFamily="18" charset="-127"/>
-                            </a:rPr>
-                            <m:t>+</m:t>
-                          </m:r>
-                          <m:r>
-                            <m:rPr>
-                              <m:sty m:val="p"/>
-                            </m:rPr>
-                            <a:rPr lang="el-GR" altLang="zh-CN" i="1" dirty="0">
-                              <a:latin typeface="Cambria Math" panose="02040503050406030204" pitchFamily="18" charset="0"/>
-                              <a:ea typeface="Cambria Math" panose="02040503050406030204" pitchFamily="18" charset="0"/>
-                            </a:rPr>
-                            <m:t>Δ</m:t>
-                          </m:r>
-                          <m:sSub>
-                            <m:sSubPr>
-                              <m:ctrlPr>
-                                <a:rPr lang="en-US" altLang="zh-CN" i="1" dirty="0">
-                                  <a:latin typeface="Cambria Math" panose="02040503050406030204" pitchFamily="18" charset="0"/>
-                                  <a:ea typeface="Cambria Math" panose="02040503050406030204" pitchFamily="18" charset="0"/>
-                                </a:rPr>
-                              </m:ctrlPr>
-                            </m:sSubPr>
-                            <m:e>
-                              <m:r>
-                                <a:rPr lang="en-US" altLang="zh-CN" i="1" dirty="0">
-                                  <a:latin typeface="Cambria Math" panose="02040503050406030204" pitchFamily="18" charset="0"/>
-                                  <a:ea typeface="Cambria Math" panose="02040503050406030204" pitchFamily="18" charset="0"/>
-                                </a:rPr>
-                                <m:t>𝑇</m:t>
-                              </m:r>
-                            </m:e>
-                            <m:sub>
-                              <m:r>
-                                <a:rPr lang="en-US" altLang="zh-CN" i="1" dirty="0">
-                                  <a:latin typeface="Cambria Math" panose="02040503050406030204" pitchFamily="18" charset="0"/>
-                                  <a:ea typeface="Cambria Math" panose="02040503050406030204" pitchFamily="18" charset="0"/>
-                                </a:rPr>
-                                <m:t>𝐵</m:t>
-                              </m:r>
-                            </m:sub>
-                          </m:sSub>
-                        </m:den>
-                      </m:f>
-                    </m:oMath>
-                  </m:oMathPara>
-                </a14:m>
-                <a:endParaRPr lang="zh-CN" altLang="en-US" dirty="0">
-                  <a:latin typeface="Batang" panose="02030600000101010101" pitchFamily="18" charset="-127"/>
-                  <a:ea typeface="Batang" panose="02030600000101010101" pitchFamily="18" charset="-127"/>
-                </a:endParaRPr>
-              </a:p>
-            </p:txBody>
-          </p:sp>
-        </mc:Choice>
-        <mc:Fallback>
-          <p:sp>
-            <p:nvSpPr>
-              <p:cNvPr id="36" name="文本框 35"/>
-              <p:cNvSpPr txBox="1">
-                <a:spLocks noRot="1" noChangeAspect="1" noMove="1" noResize="1" noEditPoints="1" noAdjustHandles="1" noChangeArrowheads="1" noChangeShapeType="1" noTextEdit="1"/>
-              </p:cNvSpPr>
-              <p:nvPr/>
-            </p:nvSpPr>
-            <p:spPr>
-              <a:xfrm>
-                <a:off x="251520" y="4944636"/>
-                <a:ext cx="8424936" cy="683329"/>
-              </a:xfrm>
-              <a:prstGeom prst="rect">
-                <a:avLst/>
-              </a:prstGeom>
-              <a:blipFill>
-                <a:blip r:embed="rId5"/>
-                <a:stretch>
-                  <a:fillRect/>
-                </a:stretch>
-              </a:blipFill>
-            </p:spPr>
-            <p:txBody>
-              <a:bodyPr/>
-              <a:lstStyle/>
-              <a:p>
-                <a:r>
-                  <a:rPr lang="zh-CN" altLang="en-US">
-                    <a:noFill/>
-                  </a:rPr>
-                  <a:t> </a:t>
-                </a:r>
-              </a:p>
-            </p:txBody>
-          </p:sp>
-        </mc:Fallback>
-      </mc:AlternateContent>
-      <mc:AlternateContent xmlns:mc="http://schemas.openxmlformats.org/markup-compatibility/2006">
-        <mc:Choice xmlns:a14="http://schemas.microsoft.com/office/drawing/2010/main" Requires="a14">
-          <p:sp>
-            <p:nvSpPr>
-              <p:cNvPr id="37" name="矩形 36"/>
-              <p:cNvSpPr/>
-              <p:nvPr/>
-            </p:nvSpPr>
-            <p:spPr>
-              <a:xfrm>
-                <a:off x="828608" y="5809455"/>
-                <a:ext cx="7606698" cy="659861"/>
-              </a:xfrm>
-              <a:prstGeom prst="rect">
-                <a:avLst/>
-              </a:prstGeom>
-            </p:spPr>
-            <p:txBody>
-              <a:bodyPr wrap="none">
-                <a:spAutoFit/>
-              </a:bodyPr>
-              <a:lstStyle/>
-              <a:p>
-                <a14:m>
-                  <m:oMathPara xmlns:m="http://schemas.openxmlformats.org/officeDocument/2006/math">
-                    <m:oMathParaPr>
-                      <m:jc m:val="centerGroup"/>
-                    </m:oMathParaPr>
-                    <m:oMath xmlns:m="http://schemas.openxmlformats.org/officeDocument/2006/math">
-                      <m:r>
-                        <a:rPr lang="en-US" altLang="zh-CN" b="0" i="1" smtClean="0">
-                          <a:latin typeface="Cambria Math" panose="02040503050406030204" pitchFamily="18" charset="0"/>
-                          <a:ea typeface="Batang" panose="02030600000101010101" pitchFamily="18" charset="-127"/>
-                        </a:rPr>
-                        <m:t>⇒</m:t>
-                      </m:r>
-                      <m:f>
-                        <m:fPr>
-                          <m:ctrlPr>
-                            <a:rPr lang="en-US" altLang="zh-CN" b="0" i="1" smtClean="0">
-                              <a:latin typeface="Cambria Math" panose="02040503050406030204" pitchFamily="18" charset="0"/>
-                              <a:ea typeface="Batang" panose="02030600000101010101" pitchFamily="18" charset="-127"/>
-                            </a:rPr>
-                          </m:ctrlPr>
-                        </m:fPr>
-                        <m:num>
-                          <m:r>
-                            <a:rPr lang="en-US" altLang="zh-CN" b="0" i="1" smtClean="0">
-                              <a:latin typeface="Cambria Math" panose="02040503050406030204" pitchFamily="18" charset="0"/>
-                              <a:ea typeface="Batang" panose="02030600000101010101" pitchFamily="18" charset="-127"/>
-                            </a:rPr>
-                            <m:t>1</m:t>
-                          </m:r>
-                        </m:num>
-                        <m:den>
-                          <m:sSub>
-                            <m:sSubPr>
-                              <m:ctrlPr>
-                                <a:rPr lang="en-US" altLang="zh-CN" i="1" smtClean="0">
-                                  <a:latin typeface="Cambria Math" panose="02040503050406030204" pitchFamily="18" charset="0"/>
-                                  <a:ea typeface="Batang" panose="02030600000101010101" pitchFamily="18" charset="-127"/>
-                                </a:rPr>
-                              </m:ctrlPr>
-                            </m:sSubPr>
-                            <m:e>
-                              <m:r>
-                                <a:rPr lang="en-US" altLang="zh-CN" i="1">
-                                  <a:latin typeface="Cambria Math" panose="02040503050406030204" pitchFamily="18" charset="0"/>
-                                  <a:ea typeface="Batang" panose="02030600000101010101" pitchFamily="18" charset="-127"/>
-                                </a:rPr>
-                                <m:t>𝑆</m:t>
-                              </m:r>
-                            </m:e>
-                            <m:sub>
-                              <m:r>
-                                <a:rPr lang="en-US" altLang="zh-CN" b="0" i="1" smtClean="0">
-                                  <a:latin typeface="Cambria Math" panose="02040503050406030204" pitchFamily="18" charset="0"/>
-                                  <a:ea typeface="Batang" panose="02030600000101010101" pitchFamily="18" charset="-127"/>
-                                </a:rPr>
-                                <m:t>𝐵𝐴</m:t>
-                              </m:r>
-                            </m:sub>
-                          </m:sSub>
-                        </m:den>
-                      </m:f>
-                      <m:r>
-                        <a:rPr lang="en-US" altLang="zh-CN" b="0" i="1" smtClean="0">
-                          <a:latin typeface="Cambria Math" panose="02040503050406030204" pitchFamily="18" charset="0"/>
-                          <a:ea typeface="Batang" panose="02030600000101010101" pitchFamily="18" charset="-127"/>
-                        </a:rPr>
-                        <m:t>=</m:t>
-                      </m:r>
-                      <m:f>
-                        <m:fPr>
-                          <m:ctrlPr>
-                            <a:rPr lang="en-US" altLang="zh-CN" i="1">
-                              <a:latin typeface="Cambria Math" panose="02040503050406030204" pitchFamily="18" charset="0"/>
-                              <a:ea typeface="Batang" panose="02030600000101010101" pitchFamily="18" charset="-127"/>
-                            </a:rPr>
-                          </m:ctrlPr>
-                        </m:fPr>
-                        <m:num>
-                          <m:r>
-                            <a:rPr lang="en-US" altLang="zh-CN" i="1">
-                              <a:latin typeface="Cambria Math" panose="02040503050406030204" pitchFamily="18" charset="0"/>
-                              <a:ea typeface="Batang" panose="02030600000101010101" pitchFamily="18" charset="-127"/>
-                            </a:rPr>
-                            <m:t>1</m:t>
-                          </m:r>
-                        </m:num>
-                        <m:den>
-                          <m:sSub>
-                            <m:sSubPr>
-                              <m:ctrlPr>
-                                <a:rPr lang="en-US" altLang="zh-CN" i="1" dirty="0">
-                                  <a:latin typeface="Cambria Math" panose="02040503050406030204" pitchFamily="18" charset="0"/>
-                                  <a:ea typeface="Batang" panose="02030600000101010101" pitchFamily="18" charset="-127"/>
-                                </a:rPr>
-                              </m:ctrlPr>
-                            </m:sSubPr>
-                            <m:e>
-                              <m:r>
-                                <a:rPr lang="en-US" altLang="zh-CN" i="1" dirty="0">
-                                  <a:latin typeface="Cambria Math" panose="02040503050406030204" pitchFamily="18" charset="0"/>
-                                  <a:ea typeface="Batang" panose="02030600000101010101" pitchFamily="18" charset="-127"/>
-                                </a:rPr>
-                                <m:t>𝑆</m:t>
-                              </m:r>
-                            </m:e>
-                            <m:sub>
-                              <m:r>
-                                <a:rPr lang="en-US" altLang="zh-CN" i="1" dirty="0">
-                                  <a:latin typeface="Cambria Math" panose="02040503050406030204" pitchFamily="18" charset="0"/>
-                                  <a:ea typeface="Batang" panose="02030600000101010101" pitchFamily="18" charset="-127"/>
-                                </a:rPr>
-                                <m:t>𝐵𝐶</m:t>
-                              </m:r>
-                            </m:sub>
-                          </m:sSub>
-                        </m:den>
-                      </m:f>
-                      <m:r>
-                        <a:rPr lang="en-US" altLang="zh-CN" i="1">
-                          <a:latin typeface="Cambria Math" panose="02040503050406030204" pitchFamily="18" charset="0"/>
-                          <a:ea typeface="Batang" panose="02030600000101010101" pitchFamily="18" charset="-127"/>
-                        </a:rPr>
-                        <m:t>+</m:t>
-                      </m:r>
-                      <m:f>
-                        <m:fPr>
-                          <m:ctrlPr>
-                            <a:rPr lang="en-US" altLang="zh-CN" b="0" i="1" smtClean="0">
-                              <a:latin typeface="Cambria Math" panose="02040503050406030204" pitchFamily="18" charset="0"/>
-                              <a:ea typeface="Batang" panose="02030600000101010101" pitchFamily="18" charset="-127"/>
-                            </a:rPr>
-                          </m:ctrlPr>
-                        </m:fPr>
-                        <m:num>
-                          <m:r>
-                            <a:rPr lang="en-US" altLang="zh-CN" b="0" i="1" smtClean="0">
-                              <a:latin typeface="Cambria Math" panose="02040503050406030204" pitchFamily="18" charset="0"/>
-                              <a:ea typeface="Batang" panose="02030600000101010101" pitchFamily="18" charset="-127"/>
-                            </a:rPr>
-                            <m:t>1</m:t>
-                          </m:r>
-                        </m:num>
-                        <m:den>
-                          <m:sSub>
-                            <m:sSubPr>
-                              <m:ctrlPr>
-                                <a:rPr lang="en-US" altLang="zh-CN" b="0" i="1" smtClean="0">
-                                  <a:latin typeface="Cambria Math" panose="02040503050406030204" pitchFamily="18" charset="0"/>
-                                  <a:ea typeface="Batang" panose="02030600000101010101" pitchFamily="18" charset="-127"/>
-                                </a:rPr>
-                              </m:ctrlPr>
-                            </m:sSubPr>
-                            <m:e>
-                              <m:r>
-                                <a:rPr lang="en-US" altLang="zh-CN" b="0" i="1" smtClean="0">
-                                  <a:latin typeface="Cambria Math" panose="02040503050406030204" pitchFamily="18" charset="0"/>
-                                  <a:ea typeface="Batang" panose="02030600000101010101" pitchFamily="18" charset="-127"/>
-                                </a:rPr>
-                                <m:t>𝑆</m:t>
-                              </m:r>
-                            </m:e>
-                            <m:sub>
-                              <m:r>
-                                <a:rPr lang="en-US" altLang="zh-CN" b="0" i="1" smtClean="0">
-                                  <a:latin typeface="Cambria Math" panose="02040503050406030204" pitchFamily="18" charset="0"/>
-                                  <a:ea typeface="Batang" panose="02030600000101010101" pitchFamily="18" charset="-127"/>
-                                </a:rPr>
-                                <m:t>𝐶𝐴</m:t>
-                              </m:r>
-                            </m:sub>
-                          </m:sSub>
-                        </m:den>
-                      </m:f>
-                      <m:r>
-                        <a:rPr lang="en-US" altLang="zh-CN" b="0" i="1" smtClean="0">
-                          <a:latin typeface="Cambria Math" panose="02040503050406030204" pitchFamily="18" charset="0"/>
-                          <a:ea typeface="Batang" panose="02030600000101010101" pitchFamily="18" charset="-127"/>
-                        </a:rPr>
-                        <m:t>⇒</m:t>
-                      </m:r>
-                      <m:r>
-                        <a:rPr lang="en-US" altLang="zh-CN" b="0" i="1" smtClean="0">
-                          <a:latin typeface="Cambria Math" panose="02040503050406030204" pitchFamily="18" charset="0"/>
-                          <a:ea typeface="Batang" panose="02030600000101010101" pitchFamily="18" charset="-127"/>
-                        </a:rPr>
-                        <m:t>𝑒𝑥𝑖𝑠𝑡𝑠</m:t>
-                      </m:r>
-                      <m:r>
-                        <a:rPr lang="en-US" altLang="zh-CN" b="0" i="1" smtClean="0">
-                          <a:latin typeface="Cambria Math" panose="02040503050406030204" pitchFamily="18" charset="0"/>
-                          <a:ea typeface="Batang" panose="02030600000101010101" pitchFamily="18" charset="-127"/>
-                        </a:rPr>
-                        <m:t> </m:t>
-                      </m:r>
-                      <m:r>
-                        <a:rPr lang="en-US" altLang="zh-CN" b="0" i="1" smtClean="0">
-                          <a:latin typeface="Cambria Math" panose="02040503050406030204" pitchFamily="18" charset="0"/>
-                          <a:ea typeface="Batang" panose="02030600000101010101" pitchFamily="18" charset="-127"/>
-                        </a:rPr>
-                        <m:t>𝑎𝑏𝑠𝑜𝑙𝑢𝑡𝑒</m:t>
-                      </m:r>
-                      <m:r>
-                        <a:rPr lang="en-US" altLang="zh-CN" b="0" i="1" smtClean="0">
-                          <a:latin typeface="Cambria Math" panose="02040503050406030204" pitchFamily="18" charset="0"/>
-                          <a:ea typeface="Batang" panose="02030600000101010101" pitchFamily="18" charset="-127"/>
-                        </a:rPr>
-                        <m:t> </m:t>
-                      </m:r>
-                      <m:r>
-                        <a:rPr lang="en-US" altLang="zh-CN" b="0" i="1" smtClean="0">
-                          <a:latin typeface="Cambria Math" panose="02040503050406030204" pitchFamily="18" charset="0"/>
-                          <a:ea typeface="Batang" panose="02030600000101010101" pitchFamily="18" charset="-127"/>
-                        </a:rPr>
-                        <m:t>𝑆𝑒𝑒𝑏𝑒𝑐𝑘</m:t>
-                      </m:r>
-                      <m:r>
-                        <a:rPr lang="en-US" altLang="zh-CN" b="0" i="1" smtClean="0">
-                          <a:latin typeface="Cambria Math" panose="02040503050406030204" pitchFamily="18" charset="0"/>
-                          <a:ea typeface="Batang" panose="02030600000101010101" pitchFamily="18" charset="-127"/>
-                        </a:rPr>
-                        <m:t> </m:t>
-                      </m:r>
-                      <m:r>
-                        <a:rPr lang="en-US" altLang="zh-CN" b="0" i="1" smtClean="0">
-                          <a:latin typeface="Cambria Math" panose="02040503050406030204" pitchFamily="18" charset="0"/>
-                          <a:ea typeface="Batang" panose="02030600000101010101" pitchFamily="18" charset="-127"/>
-                        </a:rPr>
-                        <m:t>𝐶𝑜𝑒𝑓𝑓𝑖𝑐𝑖𝑒𝑛𝑡</m:t>
-                      </m:r>
-                      <m:r>
-                        <a:rPr lang="en-US" altLang="zh-CN" b="0" i="1" smtClean="0">
-                          <a:latin typeface="Cambria Math" panose="02040503050406030204" pitchFamily="18" charset="0"/>
-                          <a:ea typeface="Batang" panose="02030600000101010101" pitchFamily="18" charset="-127"/>
-                        </a:rPr>
-                        <m:t> </m:t>
-                      </m:r>
-                      <m:f>
-                        <m:fPr>
-                          <m:ctrlPr>
-                            <a:rPr lang="en-US" altLang="zh-CN" i="1">
-                              <a:latin typeface="Cambria Math" panose="02040503050406030204" pitchFamily="18" charset="0"/>
-                              <a:ea typeface="Batang" panose="02030600000101010101" pitchFamily="18" charset="-127"/>
-                            </a:rPr>
-                          </m:ctrlPr>
-                        </m:fPr>
-                        <m:num>
-                          <m:r>
-                            <a:rPr lang="en-US" altLang="zh-CN" i="1">
-                              <a:latin typeface="Cambria Math" panose="02040503050406030204" pitchFamily="18" charset="0"/>
-                              <a:ea typeface="Batang" panose="02030600000101010101" pitchFamily="18" charset="-127"/>
-                            </a:rPr>
-                            <m:t>1</m:t>
-                          </m:r>
-                        </m:num>
-                        <m:den>
-                          <m:sSub>
-                            <m:sSubPr>
-                              <m:ctrlPr>
-                                <a:rPr lang="en-US" altLang="zh-CN" i="1">
-                                  <a:latin typeface="Cambria Math" panose="02040503050406030204" pitchFamily="18" charset="0"/>
-                                  <a:ea typeface="Batang" panose="02030600000101010101" pitchFamily="18" charset="-127"/>
-                                </a:rPr>
-                              </m:ctrlPr>
-                            </m:sSubPr>
-                            <m:e>
-                              <m:r>
-                                <a:rPr lang="en-US" altLang="zh-CN" i="1">
-                                  <a:latin typeface="Cambria Math" panose="02040503050406030204" pitchFamily="18" charset="0"/>
-                                  <a:ea typeface="Batang" panose="02030600000101010101" pitchFamily="18" charset="-127"/>
-                                </a:rPr>
-                                <m:t>𝑆</m:t>
-                              </m:r>
-                            </m:e>
-                            <m:sub>
-                              <m:r>
-                                <a:rPr lang="en-US" altLang="zh-CN" i="1">
-                                  <a:latin typeface="Cambria Math" panose="02040503050406030204" pitchFamily="18" charset="0"/>
-                                  <a:ea typeface="Batang" panose="02030600000101010101" pitchFamily="18" charset="-127"/>
-                                </a:rPr>
-                                <m:t>𝐵𝐴</m:t>
-                              </m:r>
-                            </m:sub>
-                          </m:sSub>
-                        </m:den>
-                      </m:f>
-                      <m:r>
-                        <a:rPr lang="en-US" altLang="zh-CN" b="0" i="1" smtClean="0">
-                          <a:latin typeface="Cambria Math" panose="02040503050406030204" pitchFamily="18" charset="0"/>
-                          <a:ea typeface="Batang" panose="02030600000101010101" pitchFamily="18" charset="-127"/>
-                        </a:rPr>
-                        <m:t>=</m:t>
-                      </m:r>
-                      <m:f>
-                        <m:fPr>
-                          <m:ctrlPr>
-                            <a:rPr lang="en-US" altLang="zh-CN" b="0" i="1" smtClean="0">
-                              <a:latin typeface="Cambria Math" panose="02040503050406030204" pitchFamily="18" charset="0"/>
-                              <a:ea typeface="Batang" panose="02030600000101010101" pitchFamily="18" charset="-127"/>
-                            </a:rPr>
-                          </m:ctrlPr>
-                        </m:fPr>
-                        <m:num>
-                          <m:r>
-                            <a:rPr lang="en-US" altLang="zh-CN" b="0" i="1" smtClean="0">
-                              <a:latin typeface="Cambria Math" panose="02040503050406030204" pitchFamily="18" charset="0"/>
-                              <a:ea typeface="Batang" panose="02030600000101010101" pitchFamily="18" charset="-127"/>
-                            </a:rPr>
-                            <m:t>1</m:t>
-                          </m:r>
-                        </m:num>
-                        <m:den>
-                          <m:sSub>
-                            <m:sSubPr>
-                              <m:ctrlPr>
-                                <a:rPr lang="en-US" altLang="zh-CN" b="0" i="1" smtClean="0">
-                                  <a:latin typeface="Cambria Math" panose="02040503050406030204" pitchFamily="18" charset="0"/>
-                                  <a:ea typeface="Batang" panose="02030600000101010101" pitchFamily="18" charset="-127"/>
-                                </a:rPr>
-                              </m:ctrlPr>
-                            </m:sSubPr>
-                            <m:e>
-                              <m:r>
-                                <a:rPr lang="en-US" altLang="zh-CN" b="0" i="1" smtClean="0">
-                                  <a:latin typeface="Cambria Math" panose="02040503050406030204" pitchFamily="18" charset="0"/>
-                                  <a:ea typeface="Batang" panose="02030600000101010101" pitchFamily="18" charset="-127"/>
-                                </a:rPr>
-                                <m:t>𝑆</m:t>
-                              </m:r>
-                            </m:e>
-                            <m:sub>
-                              <m:r>
-                                <a:rPr lang="en-US" altLang="zh-CN" b="0" i="1" smtClean="0">
-                                  <a:latin typeface="Cambria Math" panose="02040503050406030204" pitchFamily="18" charset="0"/>
-                                  <a:ea typeface="Batang" panose="02030600000101010101" pitchFamily="18" charset="-127"/>
-                                </a:rPr>
-                                <m:t>𝐵</m:t>
-                              </m:r>
-                            </m:sub>
-                          </m:sSub>
-                        </m:den>
-                      </m:f>
-                      <m:r>
-                        <a:rPr lang="en-US" altLang="zh-CN" b="0" i="1" smtClean="0">
-                          <a:latin typeface="Cambria Math" panose="02040503050406030204" pitchFamily="18" charset="0"/>
-                          <a:ea typeface="Batang" panose="02030600000101010101" pitchFamily="18" charset="-127"/>
-                        </a:rPr>
-                        <m:t>−</m:t>
-                      </m:r>
-                      <m:f>
-                        <m:fPr>
-                          <m:ctrlPr>
-                            <a:rPr lang="en-US" altLang="zh-CN" b="0" i="1" smtClean="0">
-                              <a:latin typeface="Cambria Math" panose="02040503050406030204" pitchFamily="18" charset="0"/>
-                              <a:ea typeface="Batang" panose="02030600000101010101" pitchFamily="18" charset="-127"/>
-                            </a:rPr>
-                          </m:ctrlPr>
-                        </m:fPr>
-                        <m:num>
-                          <m:r>
-                            <a:rPr lang="en-US" altLang="zh-CN" b="0" i="1" smtClean="0">
-                              <a:latin typeface="Cambria Math" panose="02040503050406030204" pitchFamily="18" charset="0"/>
-                              <a:ea typeface="Batang" panose="02030600000101010101" pitchFamily="18" charset="-127"/>
-                            </a:rPr>
-                            <m:t>1</m:t>
-                          </m:r>
-                        </m:num>
-                        <m:den>
-                          <m:sSub>
-                            <m:sSubPr>
-                              <m:ctrlPr>
-                                <a:rPr lang="en-US" altLang="zh-CN" b="0" i="1" smtClean="0">
-                                  <a:latin typeface="Cambria Math" panose="02040503050406030204" pitchFamily="18" charset="0"/>
-                                  <a:ea typeface="Batang" panose="02030600000101010101" pitchFamily="18" charset="-127"/>
-                                </a:rPr>
-                              </m:ctrlPr>
-                            </m:sSubPr>
-                            <m:e>
-                              <m:r>
-                                <a:rPr lang="en-US" altLang="zh-CN" b="0" i="1" smtClean="0">
-                                  <a:latin typeface="Cambria Math" panose="02040503050406030204" pitchFamily="18" charset="0"/>
-                                  <a:ea typeface="Batang" panose="02030600000101010101" pitchFamily="18" charset="-127"/>
-                                </a:rPr>
-                                <m:t>𝑆</m:t>
-                              </m:r>
-                            </m:e>
-                            <m:sub>
-                              <m:r>
-                                <a:rPr lang="en-US" altLang="zh-CN" b="0" i="1" smtClean="0">
-                                  <a:latin typeface="Cambria Math" panose="02040503050406030204" pitchFamily="18" charset="0"/>
-                                  <a:ea typeface="Batang" panose="02030600000101010101" pitchFamily="18" charset="-127"/>
-                                </a:rPr>
-                                <m:t>𝐴</m:t>
-                              </m:r>
-                            </m:sub>
-                          </m:sSub>
-                        </m:den>
-                      </m:f>
-                    </m:oMath>
-                  </m:oMathPara>
-                </a14:m>
-                <a:endParaRPr lang="zh-CN" altLang="en-US" dirty="0"/>
-              </a:p>
-            </p:txBody>
-          </p:sp>
-        </mc:Choice>
-        <mc:Fallback>
-          <p:sp>
-            <p:nvSpPr>
-              <p:cNvPr id="37" name="矩形 36"/>
-              <p:cNvSpPr>
-                <a:spLocks noRot="1" noChangeAspect="1" noMove="1" noResize="1" noEditPoints="1" noAdjustHandles="1" noChangeArrowheads="1" noChangeShapeType="1" noTextEdit="1"/>
-              </p:cNvSpPr>
-              <p:nvPr/>
-            </p:nvSpPr>
-            <p:spPr>
-              <a:xfrm>
-                <a:off x="828608" y="5809455"/>
-                <a:ext cx="7606698" cy="659861"/>
-              </a:xfrm>
-              <a:prstGeom prst="rect">
-                <a:avLst/>
-              </a:prstGeom>
-              <a:blipFill>
-                <a:blip r:embed="rId6"/>
-                <a:stretch>
-                  <a:fillRect/>
-                </a:stretch>
-              </a:blipFill>
-            </p:spPr>
-            <p:txBody>
-              <a:bodyPr/>
-              <a:lstStyle/>
-              <a:p>
-                <a:r>
-                  <a:rPr lang="zh-CN" altLang="en-US">
-                    <a:noFill/>
-                  </a:rPr>
-                  <a:t> </a:t>
-                </a:r>
-              </a:p>
-            </p:txBody>
-          </p:sp>
-        </mc:Fallback>
-      </mc:AlternateContent>
-      <p:sp>
-        <p:nvSpPr>
-          <p:cNvPr id="13" name="矩形 12"/>
-          <p:cNvSpPr/>
-          <p:nvPr/>
-        </p:nvSpPr>
-        <p:spPr>
-          <a:xfrm>
-            <a:off x="4297723" y="1163768"/>
-            <a:ext cx="170128" cy="3327695"/>
-          </a:xfrm>
-          <a:prstGeom prst="rect">
-            <a:avLst/>
-          </a:prstGeom>
-          <a:solidFill>
-            <a:schemeClr val="bg2">
-              <a:lumMod val="75000"/>
-            </a:schemeClr>
-          </a:solidFill>
-          <a:ln>
-            <a:noFill/>
-          </a:ln>
-        </p:spPr>
-        <p:style>
-          <a:lnRef idx="2">
-            <a:schemeClr val="accent1">
-              <a:shade val="50000"/>
-            </a:schemeClr>
-          </a:lnRef>
-          <a:fillRef idx="1">
-            <a:schemeClr val="accent1"/>
-          </a:fillRef>
-          <a:effectRef idx="0">
-            <a:schemeClr val="accent1"/>
-          </a:effectRef>
-          <a:fontRef idx="minor">
-            <a:schemeClr val="lt1"/>
-          </a:fontRef>
-        </p:style>
-        <p:txBody>
-          <a:bodyPr rtlCol="0" anchor="ctr"/>
-          <a:lstStyle/>
-          <a:p>
-            <a:pPr algn="ctr"/>
-            <a:endParaRPr lang="zh-CN" altLang="en-US"/>
-          </a:p>
-        </p:txBody>
-      </p:sp>
-      <p:sp>
-        <p:nvSpPr>
-          <p:cNvPr id="39" name="文本框 38"/>
-          <p:cNvSpPr txBox="1"/>
-          <p:nvPr/>
-        </p:nvSpPr>
-        <p:spPr>
-          <a:xfrm>
-            <a:off x="4276078" y="715711"/>
-            <a:ext cx="347761" cy="369332"/>
-          </a:xfrm>
-          <a:prstGeom prst="rect">
-            <a:avLst/>
-          </a:prstGeom>
-          <a:noFill/>
-        </p:spPr>
-        <p:txBody>
-          <a:bodyPr wrap="square" rtlCol="0">
-            <a:spAutoFit/>
-          </a:bodyPr>
-          <a:lstStyle/>
-          <a:p>
-            <a:r>
-              <a:rPr lang="en-US" altLang="zh-CN" dirty="0" smtClean="0">
-                <a:latin typeface="Batang" panose="02030600000101010101" pitchFamily="18" charset="-127"/>
-                <a:ea typeface="Batang" panose="02030600000101010101" pitchFamily="18" charset="-127"/>
-              </a:rPr>
-              <a:t>1</a:t>
-            </a:r>
-            <a:endParaRPr lang="zh-CN" altLang="en-US" dirty="0">
-              <a:latin typeface="Batang" panose="02030600000101010101" pitchFamily="18" charset="-127"/>
-              <a:ea typeface="Batang" panose="02030600000101010101" pitchFamily="18" charset="-127"/>
-            </a:endParaRPr>
-          </a:p>
-        </p:txBody>
-      </p:sp>
-      <p:sp>
-        <p:nvSpPr>
-          <p:cNvPr id="40" name="文本框 39"/>
-          <p:cNvSpPr txBox="1"/>
-          <p:nvPr/>
-        </p:nvSpPr>
-        <p:spPr>
-          <a:xfrm>
-            <a:off x="6021309" y="2564844"/>
-            <a:ext cx="347761" cy="369332"/>
-          </a:xfrm>
-          <a:prstGeom prst="rect">
-            <a:avLst/>
-          </a:prstGeom>
-          <a:noFill/>
-        </p:spPr>
-        <p:txBody>
-          <a:bodyPr wrap="square" rtlCol="0">
-            <a:spAutoFit/>
-          </a:bodyPr>
-          <a:lstStyle/>
-          <a:p>
-            <a:r>
-              <a:rPr lang="en-US" altLang="zh-CN" dirty="0" smtClean="0">
-                <a:latin typeface="Batang" panose="02030600000101010101" pitchFamily="18" charset="-127"/>
-                <a:ea typeface="Batang" panose="02030600000101010101" pitchFamily="18" charset="-127"/>
-              </a:rPr>
-              <a:t>2</a:t>
-            </a:r>
-            <a:endParaRPr lang="zh-CN" altLang="en-US" dirty="0">
-              <a:latin typeface="Batang" panose="02030600000101010101" pitchFamily="18" charset="-127"/>
-              <a:ea typeface="Batang" panose="02030600000101010101" pitchFamily="18" charset="-127"/>
-            </a:endParaRPr>
-          </a:p>
-        </p:txBody>
-      </p:sp>
-      <p:sp>
-        <p:nvSpPr>
-          <p:cNvPr id="41" name="文本框 40"/>
-          <p:cNvSpPr txBox="1"/>
-          <p:nvPr/>
-        </p:nvSpPr>
-        <p:spPr>
-          <a:xfrm>
-            <a:off x="4232273" y="4454870"/>
-            <a:ext cx="347761" cy="369332"/>
-          </a:xfrm>
-          <a:prstGeom prst="rect">
-            <a:avLst/>
-          </a:prstGeom>
-          <a:noFill/>
-        </p:spPr>
-        <p:txBody>
-          <a:bodyPr wrap="square" rtlCol="0">
-            <a:spAutoFit/>
-          </a:bodyPr>
-          <a:lstStyle/>
-          <a:p>
-            <a:r>
-              <a:rPr lang="en-US" altLang="zh-CN" dirty="0" smtClean="0">
-                <a:latin typeface="Batang" panose="02030600000101010101" pitchFamily="18" charset="-127"/>
-                <a:ea typeface="Batang" panose="02030600000101010101" pitchFamily="18" charset="-127"/>
-              </a:rPr>
-              <a:t>3</a:t>
-            </a:r>
-            <a:endParaRPr lang="zh-CN" altLang="en-US" dirty="0">
-              <a:latin typeface="Batang" panose="02030600000101010101" pitchFamily="18" charset="-127"/>
-              <a:ea typeface="Batang" panose="02030600000101010101" pitchFamily="18" charset="-127"/>
-            </a:endParaRPr>
-          </a:p>
-        </p:txBody>
-      </p:sp>
-      <p:grpSp>
-        <p:nvGrpSpPr>
-          <p:cNvPr id="25" name="组合 24"/>
-          <p:cNvGrpSpPr/>
-          <p:nvPr/>
-        </p:nvGrpSpPr>
-        <p:grpSpPr>
-          <a:xfrm rot="18393397">
-            <a:off x="4214898" y="3619699"/>
-            <a:ext cx="2124204" cy="394472"/>
-            <a:chOff x="3707904" y="2916243"/>
-            <a:chExt cx="1800200" cy="394472"/>
-          </a:xfrm>
-        </p:grpSpPr>
-        <p:cxnSp>
-          <p:nvCxnSpPr>
-            <p:cNvPr id="17" name="直接连接符 16"/>
-            <p:cNvCxnSpPr/>
-            <p:nvPr/>
-          </p:nvCxnSpPr>
-          <p:spPr>
-            <a:xfrm>
-              <a:off x="3707904" y="2970420"/>
-              <a:ext cx="0" cy="340295"/>
-            </a:xfrm>
-            <a:prstGeom prst="line">
-              <a:avLst/>
-            </a:prstGeom>
-          </p:spPr>
-          <p:style>
-            <a:lnRef idx="2">
-              <a:schemeClr val="accent2"/>
-            </a:lnRef>
-            <a:fillRef idx="0">
-              <a:schemeClr val="accent2"/>
-            </a:fillRef>
-            <a:effectRef idx="1">
-              <a:schemeClr val="accent2"/>
-            </a:effectRef>
-            <a:fontRef idx="minor">
-              <a:schemeClr val="tx1"/>
-            </a:fontRef>
-          </p:style>
-        </p:cxnSp>
-        <p:cxnSp>
-          <p:nvCxnSpPr>
-            <p:cNvPr id="18" name="直接连接符 17"/>
-            <p:cNvCxnSpPr/>
-            <p:nvPr/>
-          </p:nvCxnSpPr>
-          <p:spPr>
-            <a:xfrm>
-              <a:off x="5508104" y="2916243"/>
-              <a:ext cx="0" cy="340295"/>
-            </a:xfrm>
-            <a:prstGeom prst="line">
-              <a:avLst/>
-            </a:prstGeom>
-          </p:spPr>
-          <p:style>
-            <a:lnRef idx="2">
-              <a:schemeClr val="accent2"/>
-            </a:lnRef>
-            <a:fillRef idx="0">
-              <a:schemeClr val="accent2"/>
-            </a:fillRef>
-            <a:effectRef idx="1">
-              <a:schemeClr val="accent2"/>
-            </a:effectRef>
-            <a:fontRef idx="minor">
-              <a:schemeClr val="tx1"/>
-            </a:fontRef>
-          </p:style>
-        </p:cxnSp>
-        <p:cxnSp>
-          <p:nvCxnSpPr>
-            <p:cNvPr id="19" name="直接箭头连接符 18"/>
-            <p:cNvCxnSpPr/>
-            <p:nvPr/>
-          </p:nvCxnSpPr>
-          <p:spPr>
-            <a:xfrm>
-              <a:off x="3707904" y="3114836"/>
-              <a:ext cx="1800200" cy="0"/>
-            </a:xfrm>
-            <a:prstGeom prst="straightConnector1">
-              <a:avLst/>
-            </a:prstGeom>
-            <a:ln>
-              <a:headEnd type="arrow"/>
-              <a:tailEnd type="arrow"/>
-            </a:ln>
-          </p:spPr>
-          <p:style>
-            <a:lnRef idx="2">
-              <a:schemeClr val="accent2"/>
-            </a:lnRef>
-            <a:fillRef idx="0">
-              <a:schemeClr val="accent2"/>
-            </a:fillRef>
-            <a:effectRef idx="1">
-              <a:schemeClr val="accent2"/>
-            </a:effectRef>
-            <a:fontRef idx="minor">
-              <a:schemeClr val="tx1"/>
-            </a:fontRef>
-          </p:style>
-        </p:cxnSp>
-      </p:grpSp>
-    </p:spTree>
-    <p:extLst>
-      <p:ext uri="{BB962C8B-B14F-4D97-AF65-F5344CB8AC3E}">
-        <p14:creationId xmlns:p14="http://schemas.microsoft.com/office/powerpoint/2010/main" val="616759213"/>
-      </p:ext>
-    </p:extLst>
-  </p:cSld>
-  <p:clrMapOvr>
-    <a:masterClrMapping/>
-  </p:clrMapOvr>
-  <mc:AlternateContent xmlns:mc="http://schemas.openxmlformats.org/markup-compatibility/2006" xmlns:p14="http://schemas.microsoft.com/office/powerpoint/2010/main">
-    <mc:Choice Requires="p14">
-      <p:transition p14:dur="250">
-        <p:push/>
-      </p:transition>
-    </mc:Choice>
-    <mc:Fallback xmlns="">
-      <p:transition>
-        <p:push/>
-      </p:transition>
-    </mc:Fallback>
-  </mc:AlternateContent>
-</p:sld>
-</file>
-
-<file path=ppt/slides/slide8.xml><?xml version="1.0" encoding="utf-8"?>
 <p:sld xmlns:a="http://schemas.openxmlformats.org/drawingml/2006/main" xmlns:r="http://schemas.openxmlformats.org/officeDocument/2006/relationships" xmlns:p="http://schemas.openxmlformats.org/presentationml/2006/main">
   <p:cSld>
     <p:spTree>
@@ -19054,8 +16028,8 @@
           </a:p>
         </p:txBody>
       </p:sp>
-      <mc:AlternateContent xmlns:mc="http://schemas.openxmlformats.org/markup-compatibility/2006">
-        <mc:Choice xmlns:a14="http://schemas.microsoft.com/office/drawing/2010/main" Requires="a14">
+      <mc:AlternateContent xmlns:mc="http://schemas.openxmlformats.org/markup-compatibility/2006" xmlns:a14="http://schemas.microsoft.com/office/drawing/2010/main">
+        <mc:Choice Requires="a14">
           <p:sp>
             <p:nvSpPr>
               <p:cNvPr id="14" name="文本框 13"/>
@@ -19078,6 +16052,7 @@
               </a:bodyPr>
               <a:lstStyle/>
               <a:p>
+                <a:pPr/>
                 <a14:m>
                   <m:oMathPara xmlns:m="http://schemas.openxmlformats.org/officeDocument/2006/math">
                     <m:oMathParaPr>
@@ -19140,7 +16115,7 @@
             </p:txBody>
           </p:sp>
         </mc:Choice>
-        <mc:Fallback>
+        <mc:Fallback xmlns="">
           <p:sp>
             <p:nvSpPr>
               <p:cNvPr id="14" name="文本框 13"/>
@@ -19273,7 +16248,7 @@
 </p:sld>
 </file>
 
-<file path=ppt/slides/slide9.xml><?xml version="1.0" encoding="utf-8"?>
+<file path=ppt/slides/slide8.xml><?xml version="1.0" encoding="utf-8"?>
 <p:sld xmlns:a="http://schemas.openxmlformats.org/drawingml/2006/main" xmlns:r="http://schemas.openxmlformats.org/officeDocument/2006/relationships" xmlns:p="http://schemas.openxmlformats.org/presentationml/2006/main">
   <p:cSld>
     <p:spTree>
@@ -19773,6 +16748,1171 @@
       </p:transition>
     </mc:Fallback>
   </mc:AlternateContent>
+  <p:timing>
+    <p:tnLst>
+      <p:par>
+        <p:cTn id="1" dur="indefinite" restart="never" nodeType="tmRoot"/>
+      </p:par>
+    </p:tnLst>
+  </p:timing>
+</p:sld>
+</file>
+
+<file path=ppt/slides/slide9.xml><?xml version="1.0" encoding="utf-8"?>
+<p:sld xmlns:a="http://schemas.openxmlformats.org/drawingml/2006/main" xmlns:r="http://schemas.openxmlformats.org/officeDocument/2006/relationships" xmlns:p="http://schemas.openxmlformats.org/presentationml/2006/main">
+  <p:cSld>
+    <p:spTree>
+      <p:nvGrpSpPr>
+        <p:cNvPr id="1" name=""/>
+        <p:cNvGrpSpPr/>
+        <p:nvPr/>
+      </p:nvGrpSpPr>
+      <p:grpSpPr>
+        <a:xfrm>
+          <a:off x="0" y="0"/>
+          <a:ext cx="0" cy="0"/>
+          <a:chOff x="0" y="0"/>
+          <a:chExt cx="0" cy="0"/>
+        </a:xfrm>
+      </p:grpSpPr>
+      <p:sp>
+        <p:nvSpPr>
+          <p:cNvPr id="3" name="TextBox 3"/>
+          <p:cNvSpPr txBox="1"/>
+          <p:nvPr/>
+        </p:nvSpPr>
+        <p:spPr>
+          <a:xfrm>
+            <a:off x="142844" y="116632"/>
+            <a:ext cx="2938625" cy="523220"/>
+          </a:xfrm>
+          <a:prstGeom prst="rect">
+            <a:avLst/>
+          </a:prstGeom>
+          <a:noFill/>
+        </p:spPr>
+        <p:txBody>
+          <a:bodyPr wrap="none" rtlCol="0">
+            <a:spAutoFit/>
+          </a:bodyPr>
+          <a:lstStyle/>
+          <a:p>
+            <a:r>
+              <a:rPr lang="en-US" altLang="zh-CN" sz="2800" b="1" dirty="0" smtClean="0">
+                <a:ea typeface="微软雅黑" pitchFamily="34" charset="-122"/>
+                <a:cs typeface="Times New Roman" pitchFamily="18" charset="0"/>
+              </a:rPr>
+              <a:t>INTRODUCTION</a:t>
+            </a:r>
+            <a:endParaRPr lang="en-US" altLang="zh-CN" sz="2800" b="1" dirty="0">
+              <a:ea typeface="微软雅黑" pitchFamily="34" charset="-122"/>
+              <a:cs typeface="Times New Roman" pitchFamily="18" charset="0"/>
+            </a:endParaRPr>
+          </a:p>
+        </p:txBody>
+      </p:sp>
+      <p:sp>
+        <p:nvSpPr>
+          <p:cNvPr id="4" name="矩形 3"/>
+          <p:cNvSpPr/>
+          <p:nvPr/>
+        </p:nvSpPr>
+        <p:spPr>
+          <a:xfrm>
+            <a:off x="3277269" y="339747"/>
+            <a:ext cx="2758127" cy="369332"/>
+          </a:xfrm>
+          <a:prstGeom prst="rect">
+            <a:avLst/>
+          </a:prstGeom>
+        </p:spPr>
+        <p:txBody>
+          <a:bodyPr wrap="none">
+            <a:spAutoFit/>
+          </a:bodyPr>
+          <a:lstStyle/>
+          <a:p>
+            <a:pPr lvl="0"/>
+            <a:r>
+              <a:rPr lang="en-US" altLang="zh-CN" dirty="0" smtClean="0"/>
+              <a:t>Thermoelectric Efficiency</a:t>
+            </a:r>
+            <a:endParaRPr lang="zh-CN" altLang="en-US" dirty="0"/>
+          </a:p>
+        </p:txBody>
+      </p:sp>
+      <p:grpSp>
+        <p:nvGrpSpPr>
+          <p:cNvPr id="5" name="组合 4"/>
+          <p:cNvGrpSpPr/>
+          <p:nvPr/>
+        </p:nvGrpSpPr>
+        <p:grpSpPr>
+          <a:xfrm>
+            <a:off x="0" y="785794"/>
+            <a:ext cx="4143372" cy="142876"/>
+            <a:chOff x="0" y="785794"/>
+            <a:chExt cx="4143372" cy="142876"/>
+          </a:xfrm>
+        </p:grpSpPr>
+        <p:cxnSp>
+          <p:nvCxnSpPr>
+            <p:cNvPr id="6" name="直接连接符 5"/>
+            <p:cNvCxnSpPr>
+              <a:endCxn id="7" idx="3"/>
+            </p:cNvCxnSpPr>
+            <p:nvPr/>
+          </p:nvCxnSpPr>
+          <p:spPr>
+            <a:xfrm rot="10800000">
+              <a:off x="642910" y="857232"/>
+              <a:ext cx="3500462" cy="1588"/>
+            </a:xfrm>
+            <a:prstGeom prst="line">
+              <a:avLst/>
+            </a:prstGeom>
+            <a:ln w="19050">
+              <a:solidFill>
+                <a:srgbClr val="7030A0"/>
+              </a:solidFill>
+            </a:ln>
+          </p:spPr>
+          <p:style>
+            <a:lnRef idx="1">
+              <a:schemeClr val="accent1"/>
+            </a:lnRef>
+            <a:fillRef idx="0">
+              <a:schemeClr val="accent1"/>
+            </a:fillRef>
+            <a:effectRef idx="0">
+              <a:schemeClr val="accent1"/>
+            </a:effectRef>
+            <a:fontRef idx="minor">
+              <a:schemeClr val="tx1"/>
+            </a:fontRef>
+          </p:style>
+        </p:cxnSp>
+        <p:sp>
+          <p:nvSpPr>
+            <p:cNvPr id="7" name="Rectangle 7"/>
+            <p:cNvSpPr>
+              <a:spLocks noChangeArrowheads="1"/>
+            </p:cNvSpPr>
+            <p:nvPr/>
+          </p:nvSpPr>
+          <p:spPr bwMode="auto">
+            <a:xfrm>
+              <a:off x="0" y="785794"/>
+              <a:ext cx="642910" cy="142876"/>
+            </a:xfrm>
+            <a:prstGeom prst="rect">
+              <a:avLst/>
+            </a:prstGeom>
+            <a:solidFill>
+              <a:srgbClr val="7030A0"/>
+            </a:solidFill>
+            <a:ln w="9525">
+              <a:solidFill>
+                <a:srgbClr val="7030A0"/>
+              </a:solidFill>
+              <a:miter lim="800000"/>
+              <a:headEnd/>
+              <a:tailEnd/>
+            </a:ln>
+          </p:spPr>
+          <p:txBody>
+            <a:bodyPr wrap="none" anchor="ctr"/>
+            <a:lstStyle/>
+            <a:p>
+              <a:endParaRPr lang="zh-CN" altLang="en-US"/>
+            </a:p>
+          </p:txBody>
+        </p:sp>
+      </p:grpSp>
+      <mc:AlternateContent xmlns:mc="http://schemas.openxmlformats.org/markup-compatibility/2006">
+        <mc:Choice xmlns:a14="http://schemas.microsoft.com/office/drawing/2010/main" Requires="a14">
+          <p:sp>
+            <p:nvSpPr>
+              <p:cNvPr id="8" name="文本框 7"/>
+              <p:cNvSpPr txBox="1"/>
+              <p:nvPr/>
+            </p:nvSpPr>
+            <p:spPr>
+              <a:xfrm>
+                <a:off x="899592" y="1246777"/>
+                <a:ext cx="6389250" cy="943528"/>
+              </a:xfrm>
+              <a:prstGeom prst="rect">
+                <a:avLst/>
+              </a:prstGeom>
+              <a:noFill/>
+            </p:spPr>
+            <p:txBody>
+              <a:bodyPr wrap="none" lIns="0" tIns="0" rIns="0" bIns="0" rtlCol="0">
+                <a:spAutoFit/>
+              </a:bodyPr>
+              <a:lstStyle/>
+              <a:p>
+                <a14:m>
+                  <m:oMathPara xmlns:m="http://schemas.openxmlformats.org/officeDocument/2006/math">
+                    <m:oMathParaPr>
+                      <m:jc m:val="centerGroup"/>
+                    </m:oMathParaPr>
+                    <m:oMath xmlns:m="http://schemas.openxmlformats.org/officeDocument/2006/math">
+                      <m:sSub>
+                        <m:sSubPr>
+                          <m:ctrlPr>
+                            <a:rPr lang="en-US" altLang="zh-CN" sz="2000" b="0" i="1" smtClean="0">
+                              <a:latin typeface="Cambria Math" panose="02040503050406030204" pitchFamily="18" charset="0"/>
+                              <a:ea typeface="Batang" panose="02030600000101010101" pitchFamily="18" charset="-127"/>
+                            </a:rPr>
+                          </m:ctrlPr>
+                        </m:sSubPr>
+                        <m:e>
+                          <m:r>
+                            <a:rPr lang="zh-CN" altLang="en-US" sz="2000" i="1" smtClean="0">
+                              <a:latin typeface="Cambria Math" panose="02040503050406030204" pitchFamily="18" charset="0"/>
+                              <a:ea typeface="Batang" panose="02030600000101010101" pitchFamily="18" charset="-127"/>
+                            </a:rPr>
+                            <m:t>𝜂</m:t>
+                          </m:r>
+                        </m:e>
+                        <m:sub>
+                          <m:r>
+                            <a:rPr lang="en-US" altLang="zh-CN" sz="2000" b="0" i="1" smtClean="0">
+                              <a:latin typeface="Cambria Math" panose="02040503050406030204" pitchFamily="18" charset="0"/>
+                              <a:ea typeface="Batang" panose="02030600000101010101" pitchFamily="18" charset="-127"/>
+                            </a:rPr>
+                            <m:t>𝑚𝑎𝑥</m:t>
+                          </m:r>
+                        </m:sub>
+                      </m:sSub>
+                      <m:r>
+                        <a:rPr lang="en-US" altLang="zh-CN" sz="2000" b="0" i="1" smtClean="0">
+                          <a:latin typeface="Cambria Math" panose="02040503050406030204" pitchFamily="18" charset="0"/>
+                          <a:ea typeface="Batang" panose="02030600000101010101" pitchFamily="18" charset="-127"/>
+                        </a:rPr>
+                        <m:t>=</m:t>
+                      </m:r>
+                      <m:f>
+                        <m:fPr>
+                          <m:ctrlPr>
+                            <a:rPr lang="en-US" altLang="zh-CN" sz="2000" b="0" i="1" smtClean="0">
+                              <a:latin typeface="Cambria Math" panose="02040503050406030204" pitchFamily="18" charset="0"/>
+                              <a:ea typeface="Batang" panose="02030600000101010101" pitchFamily="18" charset="-127"/>
+                            </a:rPr>
+                          </m:ctrlPr>
+                        </m:fPr>
+                        <m:num>
+                          <m:r>
+                            <a:rPr lang="en-US" altLang="zh-CN" sz="2000" b="0" i="1" smtClean="0">
+                              <a:latin typeface="Cambria Math" panose="02040503050406030204" pitchFamily="18" charset="0"/>
+                              <a:ea typeface="Batang" panose="02030600000101010101" pitchFamily="18" charset="-127"/>
+                            </a:rPr>
+                            <m:t>𝑜𝑢𝑡𝑝𝑢𝑡</m:t>
+                          </m:r>
+                          <m:r>
+                            <a:rPr lang="en-US" altLang="zh-CN" sz="2000" b="0" i="1" smtClean="0">
+                              <a:latin typeface="Cambria Math" panose="02040503050406030204" pitchFamily="18" charset="0"/>
+                              <a:ea typeface="Batang" panose="02030600000101010101" pitchFamily="18" charset="-127"/>
+                            </a:rPr>
+                            <m:t> </m:t>
+                          </m:r>
+                          <m:r>
+                            <a:rPr lang="en-US" altLang="zh-CN" sz="2000" b="0" i="1" smtClean="0">
+                              <a:latin typeface="Cambria Math" panose="02040503050406030204" pitchFamily="18" charset="0"/>
+                              <a:ea typeface="Batang" panose="02030600000101010101" pitchFamily="18" charset="-127"/>
+                            </a:rPr>
+                            <m:t>𝑒𝑙𝑒𝑐𝑡𝑟𝑖𝑐</m:t>
+                          </m:r>
+                          <m:r>
+                            <a:rPr lang="en-US" altLang="zh-CN" sz="2000" b="0" i="1" smtClean="0">
+                              <a:latin typeface="Cambria Math" panose="02040503050406030204" pitchFamily="18" charset="0"/>
+                              <a:ea typeface="Batang" panose="02030600000101010101" pitchFamily="18" charset="-127"/>
+                            </a:rPr>
+                            <m:t> </m:t>
+                          </m:r>
+                          <m:r>
+                            <a:rPr lang="en-US" altLang="zh-CN" sz="2000" b="0" i="1" smtClean="0">
+                              <a:latin typeface="Cambria Math" panose="02040503050406030204" pitchFamily="18" charset="0"/>
+                              <a:ea typeface="Batang" panose="02030600000101010101" pitchFamily="18" charset="-127"/>
+                            </a:rPr>
+                            <m:t>𝑒𝑛𝑒𝑟𝑔𝑦</m:t>
+                          </m:r>
+                        </m:num>
+                        <m:den>
+                          <m:r>
+                            <a:rPr lang="en-US" altLang="zh-CN" sz="2000" b="0" i="1" smtClean="0">
+                              <a:latin typeface="Cambria Math" panose="02040503050406030204" pitchFamily="18" charset="0"/>
+                              <a:ea typeface="Batang" panose="02030600000101010101" pitchFamily="18" charset="-127"/>
+                            </a:rPr>
+                            <m:t>𝑖𝑛𝑝𝑢𝑡</m:t>
+                          </m:r>
+                          <m:r>
+                            <a:rPr lang="en-US" altLang="zh-CN" sz="2000" b="0" i="1" smtClean="0">
+                              <a:latin typeface="Cambria Math" panose="02040503050406030204" pitchFamily="18" charset="0"/>
+                              <a:ea typeface="Batang" panose="02030600000101010101" pitchFamily="18" charset="-127"/>
+                            </a:rPr>
+                            <m:t> </m:t>
+                          </m:r>
+                          <m:r>
+                            <a:rPr lang="en-US" altLang="zh-CN" sz="2000" b="0" i="1" smtClean="0">
+                              <a:latin typeface="Cambria Math" panose="02040503050406030204" pitchFamily="18" charset="0"/>
+                              <a:ea typeface="Batang" panose="02030600000101010101" pitchFamily="18" charset="-127"/>
+                            </a:rPr>
+                            <m:t>𝑡h𝑒𝑟𝑚𝑎𝑙</m:t>
+                          </m:r>
+                          <m:r>
+                            <a:rPr lang="en-US" altLang="zh-CN" sz="2000" b="0" i="1" smtClean="0">
+                              <a:latin typeface="Cambria Math" panose="02040503050406030204" pitchFamily="18" charset="0"/>
+                              <a:ea typeface="Batang" panose="02030600000101010101" pitchFamily="18" charset="-127"/>
+                            </a:rPr>
+                            <m:t> </m:t>
+                          </m:r>
+                          <m:r>
+                            <a:rPr lang="en-US" altLang="zh-CN" sz="2000" b="0" i="1" smtClean="0">
+                              <a:latin typeface="Cambria Math" panose="02040503050406030204" pitchFamily="18" charset="0"/>
+                              <a:ea typeface="Batang" panose="02030600000101010101" pitchFamily="18" charset="-127"/>
+                            </a:rPr>
+                            <m:t>𝑒𝑛𝑒𝑟𝑔𝑦</m:t>
+                          </m:r>
+                        </m:den>
+                      </m:f>
+                      <m:r>
+                        <a:rPr lang="en-US" altLang="zh-CN" sz="2000" b="0" i="1" smtClean="0">
+                          <a:latin typeface="Cambria Math" panose="02040503050406030204" pitchFamily="18" charset="0"/>
+                          <a:ea typeface="Batang" panose="02030600000101010101" pitchFamily="18" charset="-127"/>
+                        </a:rPr>
+                        <m:t>=</m:t>
+                      </m:r>
+                      <m:f>
+                        <m:fPr>
+                          <m:ctrlPr>
+                            <a:rPr lang="en-US" altLang="zh-CN" sz="2000" i="1">
+                              <a:latin typeface="Cambria Math" panose="02040503050406030204" pitchFamily="18" charset="0"/>
+                              <a:ea typeface="Batang" panose="02030600000101010101" pitchFamily="18" charset="-127"/>
+                            </a:rPr>
+                          </m:ctrlPr>
+                        </m:fPr>
+                        <m:num>
+                          <m:sSub>
+                            <m:sSubPr>
+                              <m:ctrlPr>
+                                <a:rPr lang="en-US" altLang="zh-CN" sz="2000" i="1">
+                                  <a:latin typeface="Cambria Math" panose="02040503050406030204" pitchFamily="18" charset="0"/>
+                                  <a:ea typeface="Batang" panose="02030600000101010101" pitchFamily="18" charset="-127"/>
+                                </a:rPr>
+                              </m:ctrlPr>
+                            </m:sSubPr>
+                            <m:e>
+                              <m:r>
+                                <a:rPr lang="en-US" altLang="zh-CN" sz="2000" i="1">
+                                  <a:latin typeface="Cambria Math" panose="02040503050406030204" pitchFamily="18" charset="0"/>
+                                  <a:ea typeface="Batang" panose="02030600000101010101" pitchFamily="18" charset="-127"/>
+                                </a:rPr>
+                                <m:t>𝑇</m:t>
+                              </m:r>
+                            </m:e>
+                            <m:sub>
+                              <m:r>
+                                <a:rPr lang="en-US" altLang="zh-CN" sz="2000" i="1">
+                                  <a:latin typeface="Cambria Math" panose="02040503050406030204" pitchFamily="18" charset="0"/>
+                                  <a:ea typeface="Batang" panose="02030600000101010101" pitchFamily="18" charset="-127"/>
+                                </a:rPr>
+                                <m:t>2</m:t>
+                              </m:r>
+                            </m:sub>
+                          </m:sSub>
+                          <m:r>
+                            <a:rPr lang="en-US" altLang="zh-CN" sz="2000" i="1">
+                              <a:latin typeface="Cambria Math" panose="02040503050406030204" pitchFamily="18" charset="0"/>
+                              <a:ea typeface="Batang" panose="02030600000101010101" pitchFamily="18" charset="-127"/>
+                            </a:rPr>
+                            <m:t>−</m:t>
+                          </m:r>
+                          <m:sSub>
+                            <m:sSubPr>
+                              <m:ctrlPr>
+                                <a:rPr lang="en-US" altLang="zh-CN" sz="2000" i="1">
+                                  <a:latin typeface="Cambria Math" panose="02040503050406030204" pitchFamily="18" charset="0"/>
+                                  <a:ea typeface="Batang" panose="02030600000101010101" pitchFamily="18" charset="-127"/>
+                                </a:rPr>
+                              </m:ctrlPr>
+                            </m:sSubPr>
+                            <m:e>
+                              <m:r>
+                                <a:rPr lang="en-US" altLang="zh-CN" sz="2000" i="1">
+                                  <a:latin typeface="Cambria Math" panose="02040503050406030204" pitchFamily="18" charset="0"/>
+                                  <a:ea typeface="Batang" panose="02030600000101010101" pitchFamily="18" charset="-127"/>
+                                </a:rPr>
+                                <m:t>𝑇</m:t>
+                              </m:r>
+                            </m:e>
+                            <m:sub>
+                              <m:r>
+                                <a:rPr lang="en-US" altLang="zh-CN" sz="2000" i="1">
+                                  <a:latin typeface="Cambria Math" panose="02040503050406030204" pitchFamily="18" charset="0"/>
+                                  <a:ea typeface="Batang" panose="02030600000101010101" pitchFamily="18" charset="-127"/>
+                                </a:rPr>
+                                <m:t>1</m:t>
+                              </m:r>
+                            </m:sub>
+                          </m:sSub>
+                        </m:num>
+                        <m:den>
+                          <m:sSub>
+                            <m:sSubPr>
+                              <m:ctrlPr>
+                                <a:rPr lang="en-US" altLang="zh-CN" sz="2000" i="1">
+                                  <a:latin typeface="Cambria Math" panose="02040503050406030204" pitchFamily="18" charset="0"/>
+                                  <a:ea typeface="Batang" panose="02030600000101010101" pitchFamily="18" charset="-127"/>
+                                </a:rPr>
+                              </m:ctrlPr>
+                            </m:sSubPr>
+                            <m:e>
+                              <m:r>
+                                <a:rPr lang="en-US" altLang="zh-CN" sz="2000" i="1">
+                                  <a:latin typeface="Cambria Math" panose="02040503050406030204" pitchFamily="18" charset="0"/>
+                                  <a:ea typeface="Batang" panose="02030600000101010101" pitchFamily="18" charset="-127"/>
+                                </a:rPr>
+                                <m:t>𝑇</m:t>
+                              </m:r>
+                            </m:e>
+                            <m:sub>
+                              <m:r>
+                                <a:rPr lang="en-US" altLang="zh-CN" sz="2000" i="1">
+                                  <a:latin typeface="Cambria Math" panose="02040503050406030204" pitchFamily="18" charset="0"/>
+                                  <a:ea typeface="Batang" panose="02030600000101010101" pitchFamily="18" charset="-127"/>
+                                </a:rPr>
+                                <m:t>2</m:t>
+                              </m:r>
+                            </m:sub>
+                          </m:sSub>
+                        </m:den>
+                      </m:f>
+                      <m:f>
+                        <m:fPr>
+                          <m:ctrlPr>
+                            <a:rPr lang="en-US" altLang="zh-CN" sz="2000" b="0" i="1" smtClean="0">
+                              <a:latin typeface="Cambria Math" panose="02040503050406030204" pitchFamily="18" charset="0"/>
+                              <a:ea typeface="Batang" panose="02030600000101010101" pitchFamily="18" charset="-127"/>
+                            </a:rPr>
+                          </m:ctrlPr>
+                        </m:fPr>
+                        <m:num>
+                          <m:d>
+                            <m:dPr>
+                              <m:ctrlPr>
+                                <a:rPr lang="en-US" altLang="zh-CN" sz="2000" b="0" i="1" smtClean="0">
+                                  <a:latin typeface="Cambria Math" panose="02040503050406030204" pitchFamily="18" charset="0"/>
+                                  <a:ea typeface="Batang" panose="02030600000101010101" pitchFamily="18" charset="-127"/>
+                                </a:rPr>
+                              </m:ctrlPr>
+                            </m:dPr>
+                            <m:e>
+                              <m:rad>
+                                <m:radPr>
+                                  <m:degHide m:val="on"/>
+                                  <m:ctrlPr>
+                                    <a:rPr lang="en-US" altLang="zh-CN" sz="2000" b="0" i="1" smtClean="0">
+                                      <a:latin typeface="Cambria Math" panose="02040503050406030204" pitchFamily="18" charset="0"/>
+                                      <a:ea typeface="Batang" panose="02030600000101010101" pitchFamily="18" charset="-127"/>
+                                    </a:rPr>
+                                  </m:ctrlPr>
+                                </m:radPr>
+                                <m:deg/>
+                                <m:e>
+                                  <m:r>
+                                    <a:rPr lang="en-US" altLang="zh-CN" sz="2000" b="0" i="1" smtClean="0">
+                                      <a:latin typeface="Cambria Math" panose="02040503050406030204" pitchFamily="18" charset="0"/>
+                                      <a:ea typeface="Batang" panose="02030600000101010101" pitchFamily="18" charset="-127"/>
+                                    </a:rPr>
+                                    <m:t>1+</m:t>
+                                  </m:r>
+                                  <m:r>
+                                    <a:rPr lang="en-US" altLang="zh-CN" sz="2000" b="0" i="1" smtClean="0">
+                                      <a:latin typeface="Cambria Math" panose="02040503050406030204" pitchFamily="18" charset="0"/>
+                                      <a:ea typeface="Batang" panose="02030600000101010101" pitchFamily="18" charset="-127"/>
+                                    </a:rPr>
+                                    <m:t>𝑍𝑇</m:t>
+                                  </m:r>
+                                </m:e>
+                              </m:rad>
+                              <m:r>
+                                <a:rPr lang="en-US" altLang="zh-CN" sz="2000" b="0" i="1" smtClean="0">
+                                  <a:latin typeface="Cambria Math" panose="02040503050406030204" pitchFamily="18" charset="0"/>
+                                  <a:ea typeface="Batang" panose="02030600000101010101" pitchFamily="18" charset="-127"/>
+                                </a:rPr>
+                                <m:t> −1</m:t>
+                              </m:r>
+                            </m:e>
+                          </m:d>
+                        </m:num>
+                        <m:den>
+                          <m:f>
+                            <m:fPr>
+                              <m:ctrlPr>
+                                <a:rPr lang="en-US" altLang="zh-CN" sz="2000" b="0" i="1" smtClean="0">
+                                  <a:latin typeface="Cambria Math" panose="02040503050406030204" pitchFamily="18" charset="0"/>
+                                  <a:ea typeface="Batang" panose="02030600000101010101" pitchFamily="18" charset="-127"/>
+                                </a:rPr>
+                              </m:ctrlPr>
+                            </m:fPr>
+                            <m:num>
+                              <m:sSub>
+                                <m:sSubPr>
+                                  <m:ctrlPr>
+                                    <a:rPr lang="en-US" altLang="zh-CN" sz="2000" b="0" i="1" smtClean="0">
+                                      <a:latin typeface="Cambria Math" panose="02040503050406030204" pitchFamily="18" charset="0"/>
+                                      <a:ea typeface="Batang" panose="02030600000101010101" pitchFamily="18" charset="-127"/>
+                                    </a:rPr>
+                                  </m:ctrlPr>
+                                </m:sSubPr>
+                                <m:e>
+                                  <m:r>
+                                    <a:rPr lang="en-US" altLang="zh-CN" sz="2000" b="0" i="1" smtClean="0">
+                                      <a:latin typeface="Cambria Math" panose="02040503050406030204" pitchFamily="18" charset="0"/>
+                                      <a:ea typeface="Batang" panose="02030600000101010101" pitchFamily="18" charset="-127"/>
+                                    </a:rPr>
+                                    <m:t>𝑇</m:t>
+                                  </m:r>
+                                </m:e>
+                                <m:sub>
+                                  <m:r>
+                                    <a:rPr lang="en-US" altLang="zh-CN" sz="2000" b="0" i="1" smtClean="0">
+                                      <a:latin typeface="Cambria Math" panose="02040503050406030204" pitchFamily="18" charset="0"/>
+                                      <a:ea typeface="Batang" panose="02030600000101010101" pitchFamily="18" charset="-127"/>
+                                    </a:rPr>
+                                    <m:t>1</m:t>
+                                  </m:r>
+                                </m:sub>
+                              </m:sSub>
+                            </m:num>
+                            <m:den>
+                              <m:sSub>
+                                <m:sSubPr>
+                                  <m:ctrlPr>
+                                    <a:rPr lang="en-US" altLang="zh-CN" sz="2000" b="0" i="1" smtClean="0">
+                                      <a:latin typeface="Cambria Math" panose="02040503050406030204" pitchFamily="18" charset="0"/>
+                                      <a:ea typeface="Batang" panose="02030600000101010101" pitchFamily="18" charset="-127"/>
+                                    </a:rPr>
+                                  </m:ctrlPr>
+                                </m:sSubPr>
+                                <m:e>
+                                  <m:r>
+                                    <a:rPr lang="en-US" altLang="zh-CN" sz="2000" b="0" i="1" smtClean="0">
+                                      <a:latin typeface="Cambria Math" panose="02040503050406030204" pitchFamily="18" charset="0"/>
+                                      <a:ea typeface="Batang" panose="02030600000101010101" pitchFamily="18" charset="-127"/>
+                                    </a:rPr>
+                                    <m:t>𝑇</m:t>
+                                  </m:r>
+                                </m:e>
+                                <m:sub>
+                                  <m:r>
+                                    <a:rPr lang="en-US" altLang="zh-CN" sz="2000" b="0" i="1" smtClean="0">
+                                      <a:latin typeface="Cambria Math" panose="02040503050406030204" pitchFamily="18" charset="0"/>
+                                      <a:ea typeface="Batang" panose="02030600000101010101" pitchFamily="18" charset="-127"/>
+                                    </a:rPr>
+                                    <m:t>2</m:t>
+                                  </m:r>
+                                </m:sub>
+                              </m:sSub>
+                            </m:den>
+                          </m:f>
+                          <m:r>
+                            <a:rPr lang="en-US" altLang="zh-CN" sz="2000" b="0" i="1" smtClean="0">
+                              <a:latin typeface="Cambria Math" panose="02040503050406030204" pitchFamily="18" charset="0"/>
+                              <a:ea typeface="Batang" panose="02030600000101010101" pitchFamily="18" charset="-127"/>
+                            </a:rPr>
+                            <m:t>+</m:t>
+                          </m:r>
+                          <m:rad>
+                            <m:radPr>
+                              <m:degHide m:val="on"/>
+                              <m:ctrlPr>
+                                <a:rPr lang="en-US" altLang="zh-CN" sz="1400" i="1">
+                                  <a:latin typeface="Cambria Math" panose="02040503050406030204" pitchFamily="18" charset="0"/>
+                                  <a:ea typeface="Batang" panose="02030600000101010101" pitchFamily="18" charset="-127"/>
+                                </a:rPr>
+                              </m:ctrlPr>
+                            </m:radPr>
+                            <m:deg/>
+                            <m:e>
+                              <m:r>
+                                <a:rPr lang="en-US" altLang="zh-CN" sz="1400" i="1">
+                                  <a:latin typeface="Cambria Math" panose="02040503050406030204" pitchFamily="18" charset="0"/>
+                                  <a:ea typeface="Batang" panose="02030600000101010101" pitchFamily="18" charset="-127"/>
+                                </a:rPr>
+                                <m:t>1+</m:t>
+                              </m:r>
+                              <m:r>
+                                <a:rPr lang="en-US" altLang="zh-CN" sz="1400" i="1">
+                                  <a:latin typeface="Cambria Math" panose="02040503050406030204" pitchFamily="18" charset="0"/>
+                                  <a:ea typeface="Batang" panose="02030600000101010101" pitchFamily="18" charset="-127"/>
+                                </a:rPr>
+                                <m:t>𝑍𝑇</m:t>
+                              </m:r>
+                            </m:e>
+                          </m:rad>
+                        </m:den>
+                      </m:f>
+                    </m:oMath>
+                  </m:oMathPara>
+                </a14:m>
+                <a:endParaRPr lang="zh-CN" altLang="en-US" sz="1400" dirty="0">
+                  <a:latin typeface="Batang" panose="02030600000101010101" pitchFamily="18" charset="-127"/>
+                  <a:ea typeface="Batang" panose="02030600000101010101" pitchFamily="18" charset="-127"/>
+                </a:endParaRPr>
+              </a:p>
+            </p:txBody>
+          </p:sp>
+        </mc:Choice>
+        <mc:Fallback>
+          <p:sp>
+            <p:nvSpPr>
+              <p:cNvPr id="8" name="文本框 7"/>
+              <p:cNvSpPr txBox="1">
+                <a:spLocks noRot="1" noChangeAspect="1" noMove="1" noResize="1" noEditPoints="1" noAdjustHandles="1" noChangeArrowheads="1" noChangeShapeType="1" noTextEdit="1"/>
+              </p:cNvSpPr>
+              <p:nvPr/>
+            </p:nvSpPr>
+            <p:spPr>
+              <a:xfrm>
+                <a:off x="899592" y="1246777"/>
+                <a:ext cx="6389250" cy="943528"/>
+              </a:xfrm>
+              <a:prstGeom prst="rect">
+                <a:avLst/>
+              </a:prstGeom>
+              <a:blipFill>
+                <a:blip r:embed="rId2"/>
+                <a:stretch>
+                  <a:fillRect/>
+                </a:stretch>
+              </a:blipFill>
+            </p:spPr>
+            <p:txBody>
+              <a:bodyPr/>
+              <a:lstStyle/>
+              <a:p>
+                <a:r>
+                  <a:rPr lang="zh-CN" altLang="en-US">
+                    <a:noFill/>
+                  </a:rPr>
+                  <a:t> </a:t>
+                </a:r>
+              </a:p>
+            </p:txBody>
+          </p:sp>
+        </mc:Fallback>
+      </mc:AlternateContent>
+      <mc:AlternateContent xmlns:mc="http://schemas.openxmlformats.org/markup-compatibility/2006">
+        <mc:Choice xmlns:a14="http://schemas.microsoft.com/office/drawing/2010/main" Requires="a14">
+          <p:sp>
+            <p:nvSpPr>
+              <p:cNvPr id="9" name="矩形 8"/>
+              <p:cNvSpPr/>
+              <p:nvPr/>
+            </p:nvSpPr>
+            <p:spPr>
+              <a:xfrm>
+                <a:off x="7452320" y="1435985"/>
+                <a:ext cx="1404231" cy="609077"/>
+              </a:xfrm>
+              <a:prstGeom prst="rect">
+                <a:avLst/>
+              </a:prstGeom>
+            </p:spPr>
+            <p:txBody>
+              <a:bodyPr wrap="none">
+                <a:spAutoFit/>
+              </a:bodyPr>
+              <a:lstStyle/>
+              <a:p>
+                <a14:m>
+                  <m:oMathPara xmlns:m="http://schemas.openxmlformats.org/officeDocument/2006/math">
+                    <m:oMathParaPr>
+                      <m:jc m:val="centerGroup"/>
+                    </m:oMathParaPr>
+                    <m:oMath xmlns:m="http://schemas.openxmlformats.org/officeDocument/2006/math">
+                      <m:r>
+                        <a:rPr lang="en-US" altLang="zh-CN" i="1" smtClean="0">
+                          <a:latin typeface="Cambria Math" panose="02040503050406030204" pitchFamily="18" charset="0"/>
+                          <a:ea typeface="Batang" panose="02030600000101010101" pitchFamily="18" charset="-127"/>
+                        </a:rPr>
+                        <m:t>𝑇</m:t>
+                      </m:r>
+                      <m:r>
+                        <a:rPr lang="en-US" altLang="zh-CN" b="0" i="1" smtClean="0">
+                          <a:latin typeface="Cambria Math" panose="02040503050406030204" pitchFamily="18" charset="0"/>
+                          <a:ea typeface="Batang" panose="02030600000101010101" pitchFamily="18" charset="-127"/>
+                        </a:rPr>
+                        <m:t>=</m:t>
+                      </m:r>
+                      <m:f>
+                        <m:fPr>
+                          <m:ctrlPr>
+                            <a:rPr lang="en-US" altLang="zh-CN" b="0" i="1" smtClean="0">
+                              <a:latin typeface="Cambria Math" panose="02040503050406030204" pitchFamily="18" charset="0"/>
+                              <a:ea typeface="Batang" panose="02030600000101010101" pitchFamily="18" charset="-127"/>
+                            </a:rPr>
+                          </m:ctrlPr>
+                        </m:fPr>
+                        <m:num>
+                          <m:sSub>
+                            <m:sSubPr>
+                              <m:ctrlPr>
+                                <a:rPr lang="en-US" altLang="zh-CN" b="0" i="1" smtClean="0">
+                                  <a:latin typeface="Cambria Math" panose="02040503050406030204" pitchFamily="18" charset="0"/>
+                                  <a:ea typeface="Batang" panose="02030600000101010101" pitchFamily="18" charset="-127"/>
+                                </a:rPr>
+                              </m:ctrlPr>
+                            </m:sSubPr>
+                            <m:e>
+                              <m:r>
+                                <a:rPr lang="en-US" altLang="zh-CN" b="0" i="1" smtClean="0">
+                                  <a:latin typeface="Cambria Math" panose="02040503050406030204" pitchFamily="18" charset="0"/>
+                                  <a:ea typeface="Batang" panose="02030600000101010101" pitchFamily="18" charset="-127"/>
+                                </a:rPr>
+                                <m:t>𝑇</m:t>
+                              </m:r>
+                            </m:e>
+                            <m:sub>
+                              <m:r>
+                                <a:rPr lang="en-US" altLang="zh-CN" b="0" i="1" smtClean="0">
+                                  <a:latin typeface="Cambria Math" panose="02040503050406030204" pitchFamily="18" charset="0"/>
+                                  <a:ea typeface="Batang" panose="02030600000101010101" pitchFamily="18" charset="-127"/>
+                                </a:rPr>
+                                <m:t>1</m:t>
+                              </m:r>
+                            </m:sub>
+                          </m:sSub>
+                          <m:r>
+                            <a:rPr lang="en-US" altLang="zh-CN" b="0" i="1" smtClean="0">
+                              <a:latin typeface="Cambria Math" panose="02040503050406030204" pitchFamily="18" charset="0"/>
+                              <a:ea typeface="Batang" panose="02030600000101010101" pitchFamily="18" charset="-127"/>
+                            </a:rPr>
+                            <m:t>+</m:t>
+                          </m:r>
+                          <m:sSub>
+                            <m:sSubPr>
+                              <m:ctrlPr>
+                                <a:rPr lang="en-US" altLang="zh-CN" b="0" i="1" smtClean="0">
+                                  <a:latin typeface="Cambria Math" panose="02040503050406030204" pitchFamily="18" charset="0"/>
+                                  <a:ea typeface="Batang" panose="02030600000101010101" pitchFamily="18" charset="-127"/>
+                                </a:rPr>
+                              </m:ctrlPr>
+                            </m:sSubPr>
+                            <m:e>
+                              <m:r>
+                                <a:rPr lang="en-US" altLang="zh-CN" b="0" i="1" smtClean="0">
+                                  <a:latin typeface="Cambria Math" panose="02040503050406030204" pitchFamily="18" charset="0"/>
+                                  <a:ea typeface="Batang" panose="02030600000101010101" pitchFamily="18" charset="-127"/>
+                                </a:rPr>
+                                <m:t>𝑇</m:t>
+                              </m:r>
+                            </m:e>
+                            <m:sub>
+                              <m:r>
+                                <a:rPr lang="en-US" altLang="zh-CN" b="0" i="1" smtClean="0">
+                                  <a:latin typeface="Cambria Math" panose="02040503050406030204" pitchFamily="18" charset="0"/>
+                                  <a:ea typeface="Batang" panose="02030600000101010101" pitchFamily="18" charset="-127"/>
+                                </a:rPr>
+                                <m:t>2</m:t>
+                              </m:r>
+                            </m:sub>
+                          </m:sSub>
+                        </m:num>
+                        <m:den>
+                          <m:r>
+                            <a:rPr lang="en-US" altLang="zh-CN" b="0" i="1" smtClean="0">
+                              <a:latin typeface="Cambria Math" panose="02040503050406030204" pitchFamily="18" charset="0"/>
+                              <a:ea typeface="Batang" panose="02030600000101010101" pitchFamily="18" charset="-127"/>
+                            </a:rPr>
+                            <m:t>2</m:t>
+                          </m:r>
+                        </m:den>
+                      </m:f>
+                    </m:oMath>
+                  </m:oMathPara>
+                </a14:m>
+                <a:endParaRPr lang="zh-CN" altLang="en-US" dirty="0"/>
+              </a:p>
+            </p:txBody>
+          </p:sp>
+        </mc:Choice>
+        <mc:Fallback>
+          <p:sp>
+            <p:nvSpPr>
+              <p:cNvPr id="9" name="矩形 8"/>
+              <p:cNvSpPr>
+                <a:spLocks noRot="1" noChangeAspect="1" noMove="1" noResize="1" noEditPoints="1" noAdjustHandles="1" noChangeArrowheads="1" noChangeShapeType="1" noTextEdit="1"/>
+              </p:cNvSpPr>
+              <p:nvPr/>
+            </p:nvSpPr>
+            <p:spPr>
+              <a:xfrm>
+                <a:off x="7452320" y="1435985"/>
+                <a:ext cx="1404231" cy="609077"/>
+              </a:xfrm>
+              <a:prstGeom prst="rect">
+                <a:avLst/>
+              </a:prstGeom>
+              <a:blipFill>
+                <a:blip r:embed="rId3"/>
+                <a:stretch>
+                  <a:fillRect/>
+                </a:stretch>
+              </a:blipFill>
+            </p:spPr>
+            <p:txBody>
+              <a:bodyPr/>
+              <a:lstStyle/>
+              <a:p>
+                <a:r>
+                  <a:rPr lang="zh-CN" altLang="en-US">
+                    <a:noFill/>
+                  </a:rPr>
+                  <a:t> </a:t>
+                </a:r>
+              </a:p>
+            </p:txBody>
+          </p:sp>
+        </mc:Fallback>
+      </mc:AlternateContent>
+      <mc:AlternateContent xmlns:mc="http://schemas.openxmlformats.org/markup-compatibility/2006">
+        <mc:Choice xmlns:a14="http://schemas.microsoft.com/office/drawing/2010/main" Requires="a14">
+          <p:sp>
+            <p:nvSpPr>
+              <p:cNvPr id="10" name="矩形 9"/>
+              <p:cNvSpPr/>
+              <p:nvPr/>
+            </p:nvSpPr>
+            <p:spPr>
+              <a:xfrm>
+                <a:off x="769010" y="2071997"/>
+                <a:ext cx="3248262" cy="725391"/>
+              </a:xfrm>
+              <a:prstGeom prst="rect">
+                <a:avLst/>
+              </a:prstGeom>
+            </p:spPr>
+            <p:txBody>
+              <a:bodyPr wrap="none">
+                <a:spAutoFit/>
+              </a:bodyPr>
+              <a:lstStyle/>
+              <a:p>
+                <a14:m>
+                  <m:oMathPara xmlns:m="http://schemas.openxmlformats.org/officeDocument/2006/math">
+                    <m:oMathParaPr>
+                      <m:jc m:val="centerGroup"/>
+                    </m:oMathParaPr>
+                    <m:oMath xmlns:m="http://schemas.openxmlformats.org/officeDocument/2006/math">
+                      <m:r>
+                        <a:rPr lang="en-US" altLang="zh-CN" b="0" i="1" smtClean="0">
+                          <a:latin typeface="Cambria Math" panose="02040503050406030204" pitchFamily="18" charset="0"/>
+                          <a:ea typeface="Batang" panose="02030600000101010101" pitchFamily="18" charset="-127"/>
+                        </a:rPr>
+                        <m:t>𝑓𝑖𝑔𝑢𝑟𝑒</m:t>
+                      </m:r>
+                      <m:r>
+                        <a:rPr lang="en-US" altLang="zh-CN" b="0" i="1" smtClean="0">
+                          <a:latin typeface="Cambria Math" panose="02040503050406030204" pitchFamily="18" charset="0"/>
+                          <a:ea typeface="Batang" panose="02030600000101010101" pitchFamily="18" charset="-127"/>
+                        </a:rPr>
+                        <m:t> </m:t>
+                      </m:r>
+                      <m:r>
+                        <a:rPr lang="en-US" altLang="zh-CN" b="0" i="1" smtClean="0">
+                          <a:latin typeface="Cambria Math" panose="02040503050406030204" pitchFamily="18" charset="0"/>
+                          <a:ea typeface="Batang" panose="02030600000101010101" pitchFamily="18" charset="-127"/>
+                        </a:rPr>
+                        <m:t>𝑜𝑓</m:t>
+                      </m:r>
+                      <m:r>
+                        <a:rPr lang="en-US" altLang="zh-CN" b="0" i="1" smtClean="0">
+                          <a:latin typeface="Cambria Math" panose="02040503050406030204" pitchFamily="18" charset="0"/>
+                          <a:ea typeface="Batang" panose="02030600000101010101" pitchFamily="18" charset="-127"/>
+                        </a:rPr>
+                        <m:t> </m:t>
+                      </m:r>
+                      <m:r>
+                        <a:rPr lang="en-US" altLang="zh-CN" b="0" i="1" smtClean="0">
+                          <a:latin typeface="Cambria Math" panose="02040503050406030204" pitchFamily="18" charset="0"/>
+                          <a:ea typeface="Batang" panose="02030600000101010101" pitchFamily="18" charset="-127"/>
+                        </a:rPr>
+                        <m:t>𝑚𝑒𝑟𝑖𝑡</m:t>
+                      </m:r>
+                      <m:r>
+                        <a:rPr lang="en-US" altLang="zh-CN" b="0" i="1" smtClean="0">
+                          <a:latin typeface="Cambria Math" panose="02040503050406030204" pitchFamily="18" charset="0"/>
+                          <a:ea typeface="Batang" panose="02030600000101010101" pitchFamily="18" charset="-127"/>
+                        </a:rPr>
+                        <m:t> </m:t>
+                      </m:r>
+                      <m:r>
+                        <a:rPr lang="en-US" altLang="zh-CN" i="1" smtClean="0">
+                          <a:latin typeface="Cambria Math" panose="02040503050406030204" pitchFamily="18" charset="0"/>
+                          <a:ea typeface="Batang" panose="02030600000101010101" pitchFamily="18" charset="-127"/>
+                        </a:rPr>
+                        <m:t>𝑍</m:t>
+                      </m:r>
+                      <m:r>
+                        <a:rPr lang="en-US" altLang="zh-CN" b="0" i="1" smtClean="0">
+                          <a:latin typeface="Cambria Math" panose="02040503050406030204" pitchFamily="18" charset="0"/>
+                          <a:ea typeface="Batang" panose="02030600000101010101" pitchFamily="18" charset="-127"/>
+                        </a:rPr>
+                        <m:t>=</m:t>
+                      </m:r>
+                      <m:f>
+                        <m:fPr>
+                          <m:ctrlPr>
+                            <a:rPr lang="en-US" altLang="zh-CN" b="0" i="1" smtClean="0">
+                              <a:latin typeface="Cambria Math" panose="02040503050406030204" pitchFamily="18" charset="0"/>
+                              <a:ea typeface="Batang" panose="02030600000101010101" pitchFamily="18" charset="-127"/>
+                            </a:rPr>
+                          </m:ctrlPr>
+                        </m:fPr>
+                        <m:num>
+                          <m:sSup>
+                            <m:sSupPr>
+                              <m:ctrlPr>
+                                <a:rPr lang="en-US" altLang="zh-CN" b="0" i="1" smtClean="0">
+                                  <a:latin typeface="Cambria Math" panose="02040503050406030204" pitchFamily="18" charset="0"/>
+                                  <a:ea typeface="Batang" panose="02030600000101010101" pitchFamily="18" charset="-127"/>
+                                </a:rPr>
+                              </m:ctrlPr>
+                            </m:sSupPr>
+                            <m:e>
+                              <m:r>
+                                <a:rPr lang="en-US" altLang="zh-CN" b="0" i="1" smtClean="0">
+                                  <a:latin typeface="Cambria Math" panose="02040503050406030204" pitchFamily="18" charset="0"/>
+                                  <a:ea typeface="Batang" panose="02030600000101010101" pitchFamily="18" charset="-127"/>
+                                </a:rPr>
+                                <m:t>𝑆</m:t>
+                              </m:r>
+                            </m:e>
+                            <m:sup>
+                              <m:r>
+                                <a:rPr lang="en-US" altLang="zh-CN" b="0" i="1" smtClean="0">
+                                  <a:latin typeface="Cambria Math" panose="02040503050406030204" pitchFamily="18" charset="0"/>
+                                  <a:ea typeface="Batang" panose="02030600000101010101" pitchFamily="18" charset="-127"/>
+                                </a:rPr>
+                                <m:t>2</m:t>
+                              </m:r>
+                            </m:sup>
+                          </m:sSup>
+                          <m:r>
+                            <a:rPr lang="zh-CN" altLang="en-US" b="0" i="1" smtClean="0">
+                              <a:latin typeface="Cambria Math" panose="02040503050406030204" pitchFamily="18" charset="0"/>
+                              <a:ea typeface="Batang" panose="02030600000101010101" pitchFamily="18" charset="-127"/>
+                            </a:rPr>
+                            <m:t>𝜎</m:t>
+                          </m:r>
+                        </m:num>
+                        <m:den>
+                          <m:sSub>
+                            <m:sSubPr>
+                              <m:ctrlPr>
+                                <a:rPr lang="en-US" altLang="zh-CN" b="0" i="1" smtClean="0">
+                                  <a:latin typeface="Cambria Math" panose="02040503050406030204" pitchFamily="18" charset="0"/>
+                                  <a:ea typeface="Batang" panose="02030600000101010101" pitchFamily="18" charset="-127"/>
+                                </a:rPr>
+                              </m:ctrlPr>
+                            </m:sSubPr>
+                            <m:e>
+                              <m:r>
+                                <a:rPr lang="zh-CN" altLang="en-US" b="0" i="1" smtClean="0">
+                                  <a:latin typeface="Cambria Math" panose="02040503050406030204" pitchFamily="18" charset="0"/>
+                                  <a:ea typeface="Batang" panose="02030600000101010101" pitchFamily="18" charset="-127"/>
+                                </a:rPr>
+                                <m:t>𝜅</m:t>
+                              </m:r>
+                            </m:e>
+                            <m:sub>
+                              <m:r>
+                                <a:rPr lang="en-US" altLang="zh-CN" b="0" i="1" smtClean="0">
+                                  <a:latin typeface="Cambria Math" panose="02040503050406030204" pitchFamily="18" charset="0"/>
+                                  <a:ea typeface="Batang" panose="02030600000101010101" pitchFamily="18" charset="-127"/>
+                                </a:rPr>
+                                <m:t>𝑒</m:t>
+                              </m:r>
+                            </m:sub>
+                          </m:sSub>
+                          <m:r>
+                            <a:rPr lang="en-US" altLang="zh-CN" b="0" i="1" smtClean="0">
+                              <a:latin typeface="Cambria Math" panose="02040503050406030204" pitchFamily="18" charset="0"/>
+                              <a:ea typeface="Batang" panose="02030600000101010101" pitchFamily="18" charset="-127"/>
+                            </a:rPr>
+                            <m:t>+</m:t>
+                          </m:r>
+                          <m:sSub>
+                            <m:sSubPr>
+                              <m:ctrlPr>
+                                <a:rPr lang="en-US" altLang="zh-CN" b="0" i="1" smtClean="0">
+                                  <a:latin typeface="Cambria Math" panose="02040503050406030204" pitchFamily="18" charset="0"/>
+                                  <a:ea typeface="Batang" panose="02030600000101010101" pitchFamily="18" charset="-127"/>
+                                </a:rPr>
+                              </m:ctrlPr>
+                            </m:sSubPr>
+                            <m:e>
+                              <m:r>
+                                <a:rPr lang="zh-CN" altLang="en-US" b="0" i="1" smtClean="0">
+                                  <a:latin typeface="Cambria Math" panose="02040503050406030204" pitchFamily="18" charset="0"/>
+                                  <a:ea typeface="Batang" panose="02030600000101010101" pitchFamily="18" charset="-127"/>
+                                </a:rPr>
+                                <m:t>𝜅</m:t>
+                              </m:r>
+                            </m:e>
+                            <m:sub>
+                              <m:r>
+                                <a:rPr lang="en-US" altLang="zh-CN" b="0" i="1" smtClean="0">
+                                  <a:latin typeface="Cambria Math" panose="02040503050406030204" pitchFamily="18" charset="0"/>
+                                  <a:ea typeface="Batang" panose="02030600000101010101" pitchFamily="18" charset="-127"/>
+                                </a:rPr>
+                                <m:t>𝑝h</m:t>
+                              </m:r>
+                            </m:sub>
+                          </m:sSub>
+                        </m:den>
+                      </m:f>
+                    </m:oMath>
+                  </m:oMathPara>
+                </a14:m>
+                <a:endParaRPr lang="zh-CN" altLang="en-US" dirty="0"/>
+              </a:p>
+            </p:txBody>
+          </p:sp>
+        </mc:Choice>
+        <mc:Fallback>
+          <p:sp>
+            <p:nvSpPr>
+              <p:cNvPr id="10" name="矩形 9"/>
+              <p:cNvSpPr>
+                <a:spLocks noRot="1" noChangeAspect="1" noMove="1" noResize="1" noEditPoints="1" noAdjustHandles="1" noChangeArrowheads="1" noChangeShapeType="1" noTextEdit="1"/>
+              </p:cNvSpPr>
+              <p:nvPr/>
+            </p:nvSpPr>
+            <p:spPr>
+              <a:xfrm>
+                <a:off x="769010" y="2071997"/>
+                <a:ext cx="3248262" cy="725391"/>
+              </a:xfrm>
+              <a:prstGeom prst="rect">
+                <a:avLst/>
+              </a:prstGeom>
+              <a:blipFill>
+                <a:blip r:embed="rId4"/>
+                <a:stretch>
+                  <a:fillRect/>
+                </a:stretch>
+              </a:blipFill>
+            </p:spPr>
+            <p:txBody>
+              <a:bodyPr/>
+              <a:lstStyle/>
+              <a:p>
+                <a:r>
+                  <a:rPr lang="zh-CN" altLang="en-US">
+                    <a:noFill/>
+                  </a:rPr>
+                  <a:t> </a:t>
+                </a:r>
+              </a:p>
+            </p:txBody>
+          </p:sp>
+        </mc:Fallback>
+      </mc:AlternateContent>
+      <p:sp>
+        <p:nvSpPr>
+          <p:cNvPr id="12" name="文本框 11"/>
+          <p:cNvSpPr txBox="1"/>
+          <p:nvPr/>
+        </p:nvSpPr>
+        <p:spPr>
+          <a:xfrm>
+            <a:off x="3707904" y="6228020"/>
+            <a:ext cx="2973664" cy="369332"/>
+          </a:xfrm>
+          <a:prstGeom prst="rect">
+            <a:avLst/>
+          </a:prstGeom>
+          <a:noFill/>
+        </p:spPr>
+        <p:txBody>
+          <a:bodyPr wrap="square" rtlCol="0">
+            <a:spAutoFit/>
+          </a:bodyPr>
+          <a:lstStyle/>
+          <a:p>
+            <a:r>
+              <a:rPr lang="en-US" altLang="zh-CN" dirty="0"/>
+              <a:t>When T2=900K ,T1=300K </a:t>
+            </a:r>
+            <a:endParaRPr lang="zh-CN" altLang="en-US" dirty="0"/>
+          </a:p>
+        </p:txBody>
+      </p:sp>
+      <p:pic>
+        <p:nvPicPr>
+          <p:cNvPr id="13" name="图片 12"/>
+          <p:cNvPicPr>
+            <a:picLocks noChangeAspect="1"/>
+          </p:cNvPicPr>
+          <p:nvPr/>
+        </p:nvPicPr>
+        <p:blipFill>
+          <a:blip r:embed="rId5">
+            <a:extLst>
+              <a:ext uri="{28A0092B-C50C-407E-A947-70E740481C1C}">
+                <a14:useLocalDpi xmlns:a14="http://schemas.microsoft.com/office/drawing/2010/main" val="0"/>
+              </a:ext>
+            </a:extLst>
+          </a:blip>
+          <a:stretch>
+            <a:fillRect/>
+          </a:stretch>
+        </p:blipFill>
+        <p:spPr>
+          <a:xfrm>
+            <a:off x="2843099" y="2780928"/>
+            <a:ext cx="4445743" cy="3453667"/>
+          </a:xfrm>
+          <a:prstGeom prst="rect">
+            <a:avLst/>
+          </a:prstGeom>
+        </p:spPr>
+      </p:pic>
+    </p:spTree>
+    <p:extLst>
+      <p:ext uri="{BB962C8B-B14F-4D97-AF65-F5344CB8AC3E}">
+        <p14:creationId xmlns:p14="http://schemas.microsoft.com/office/powerpoint/2010/main" val="2234642120"/>
+      </p:ext>
+    </p:extLst>
+  </p:cSld>
+  <p:clrMapOvr>
+    <a:masterClrMapping/>
+  </p:clrMapOvr>
+  <mc:AlternateContent xmlns:mc="http://schemas.openxmlformats.org/markup-compatibility/2006" xmlns:p14="http://schemas.microsoft.com/office/powerpoint/2010/main">
+    <mc:Choice Requires="p14">
+      <p:transition p14:dur="250">
+        <p:push/>
+      </p:transition>
+    </mc:Choice>
+    <mc:Fallback xmlns="">
+      <p:transition>
+        <p:push/>
+      </p:transition>
+    </mc:Fallback>
+  </mc:AlternateContent>
+  <p:timing>
+    <p:tnLst>
+      <p:par>
+        <p:cTn id="1" dur="indefinite" restart="never" nodeType="tmRoot"/>
+      </p:par>
+    </p:tnLst>
+  </p:timing>
 </p:sld>
 </file>
 

--- a/bi4i4.pptx
+++ b/bi4i4.pptx
@@ -5,7 +5,7 @@
     <p:sldMasterId id="2147483660" r:id="rId1"/>
   </p:sldMasterIdLst>
   <p:notesMasterIdLst>
-    <p:notesMasterId r:id="rId16"/>
+    <p:notesMasterId r:id="rId24"/>
   </p:notesMasterIdLst>
   <p:sldIdLst>
     <p:sldId id="401" r:id="rId2"/>
@@ -18,15 +18,23 @@
     <p:sldId id="411" r:id="rId9"/>
     <p:sldId id="412" r:id="rId10"/>
     <p:sldId id="414" r:id="rId11"/>
-    <p:sldId id="404" r:id="rId12"/>
-    <p:sldId id="405" r:id="rId13"/>
-    <p:sldId id="400" r:id="rId14"/>
-    <p:sldId id="402" r:id="rId15"/>
+    <p:sldId id="415" r:id="rId12"/>
+    <p:sldId id="416" r:id="rId13"/>
+    <p:sldId id="404" r:id="rId14"/>
+    <p:sldId id="405" r:id="rId15"/>
+    <p:sldId id="417" r:id="rId16"/>
+    <p:sldId id="418" r:id="rId17"/>
+    <p:sldId id="420" r:id="rId18"/>
+    <p:sldId id="419" r:id="rId19"/>
+    <p:sldId id="421" r:id="rId20"/>
+    <p:sldId id="422" r:id="rId21"/>
+    <p:sldId id="400" r:id="rId22"/>
+    <p:sldId id="402" r:id="rId23"/>
   </p:sldIdLst>
   <p:sldSz cx="9144000" cy="6858000" type="screen4x3"/>
   <p:notesSz cx="6858000" cy="9144000"/>
   <p:custDataLst>
-    <p:tags r:id="rId17"/>
+    <p:tags r:id="rId25"/>
   </p:custDataLst>
   <p:defaultTextStyle>
     <a:defPPr>
@@ -4255,7 +4263,7 @@
               <a:pPr>
                 <a:defRPr/>
               </a:pPr>
-              <a:t>2016-10-17 Monday</a:t>
+              <a:t>2016-10-21 Friday</a:t>
             </a:fld>
             <a:endParaRPr lang="zh-CN" altLang="en-US"/>
           </a:p>
@@ -8800,6 +8808,394 @@
           </p:txBody>
         </p:sp>
       </p:grpSp>
+      <p:pic>
+        <p:nvPicPr>
+          <p:cNvPr id="2" name="图片 1"/>
+          <p:cNvPicPr>
+            <a:picLocks noChangeAspect="1"/>
+          </p:cNvPicPr>
+          <p:nvPr/>
+        </p:nvPicPr>
+        <p:blipFill>
+          <a:blip r:embed="rId2"/>
+          <a:stretch>
+            <a:fillRect/>
+          </a:stretch>
+        </p:blipFill>
+        <p:spPr>
+          <a:xfrm>
+            <a:off x="395536" y="1070425"/>
+            <a:ext cx="4854129" cy="1384089"/>
+          </a:xfrm>
+          <a:prstGeom prst="rect">
+            <a:avLst/>
+          </a:prstGeom>
+        </p:spPr>
+      </p:pic>
+      <p:sp>
+        <p:nvSpPr>
+          <p:cNvPr id="3" name="矩形 2"/>
+          <p:cNvSpPr/>
+          <p:nvPr/>
+        </p:nvSpPr>
+        <p:spPr>
+          <a:xfrm>
+            <a:off x="536600" y="2656198"/>
+            <a:ext cx="4572000" cy="276999"/>
+          </a:xfrm>
+          <a:prstGeom prst="rect">
+            <a:avLst/>
+          </a:prstGeom>
+        </p:spPr>
+        <p:txBody>
+          <a:bodyPr>
+            <a:spAutoFit/>
+          </a:bodyPr>
+          <a:lstStyle/>
+          <a:p>
+            <a:r>
+              <a:rPr lang="en-US" altLang="zh-CN" sz="1200" dirty="0" smtClean="0"/>
+              <a:t>Y</a:t>
+            </a:r>
+            <a:r>
+              <a:rPr lang="en-US" altLang="zh-CN" sz="1200" dirty="0"/>
+              <a:t>. Xu, Z. </a:t>
+            </a:r>
+            <a:r>
+              <a:rPr lang="en-US" altLang="zh-CN" sz="1200" dirty="0" err="1"/>
+              <a:t>Gan</a:t>
+            </a:r>
+            <a:r>
+              <a:rPr lang="en-US" altLang="zh-CN" sz="1200" dirty="0"/>
+              <a:t> and S. C. Zhang, </a:t>
+            </a:r>
+            <a:r>
+              <a:rPr lang="en-US" altLang="zh-CN" sz="1200" i="1" dirty="0"/>
+              <a:t>Phys. Rev. Lett.</a:t>
+            </a:r>
+            <a:r>
+              <a:rPr lang="en-US" altLang="zh-CN" sz="1200" dirty="0"/>
+              <a:t>, 2014, </a:t>
+            </a:r>
+            <a:r>
+              <a:rPr lang="en-US" altLang="zh-CN" sz="1200" b="1" dirty="0"/>
+              <a:t>112</a:t>
+            </a:r>
+            <a:r>
+              <a:rPr lang="en-US" altLang="zh-CN" sz="1200" dirty="0"/>
+              <a:t>, 1–5.</a:t>
+            </a:r>
+            <a:endParaRPr lang="zh-CN" altLang="en-US" sz="1200" dirty="0"/>
+          </a:p>
+        </p:txBody>
+      </p:sp>
+      <p:pic>
+        <p:nvPicPr>
+          <p:cNvPr id="9" name="图片 8"/>
+          <p:cNvPicPr>
+            <a:picLocks noChangeAspect="1"/>
+          </p:cNvPicPr>
+          <p:nvPr/>
+        </p:nvPicPr>
+        <p:blipFill>
+          <a:blip r:embed="rId3"/>
+          <a:stretch>
+            <a:fillRect/>
+          </a:stretch>
+        </p:blipFill>
+        <p:spPr>
+          <a:xfrm>
+            <a:off x="315041" y="2933197"/>
+            <a:ext cx="5071848" cy="1297812"/>
+          </a:xfrm>
+          <a:prstGeom prst="rect">
+            <a:avLst/>
+          </a:prstGeom>
+        </p:spPr>
+      </p:pic>
+      <p:sp>
+        <p:nvSpPr>
+          <p:cNvPr id="10" name="矩形 9"/>
+          <p:cNvSpPr/>
+          <p:nvPr/>
+        </p:nvSpPr>
+        <p:spPr>
+          <a:xfrm>
+            <a:off x="564965" y="4231009"/>
+            <a:ext cx="4572000" cy="461665"/>
+          </a:xfrm>
+          <a:prstGeom prst="rect">
+            <a:avLst/>
+          </a:prstGeom>
+        </p:spPr>
+        <p:txBody>
+          <a:bodyPr>
+            <a:spAutoFit/>
+          </a:bodyPr>
+          <a:lstStyle/>
+          <a:p>
+            <a:r>
+              <a:rPr lang="en-US" altLang="zh-CN" sz="1200" dirty="0" smtClean="0"/>
+              <a:t>H</a:t>
+            </a:r>
+            <a:r>
+              <a:rPr lang="en-US" altLang="zh-CN" sz="1200" dirty="0"/>
+              <a:t>. </a:t>
+            </a:r>
+            <a:r>
+              <a:rPr lang="en-US" altLang="zh-CN" sz="1200" dirty="0" err="1"/>
+              <a:t>Osterhage</a:t>
+            </a:r>
+            <a:r>
+              <a:rPr lang="en-US" altLang="zh-CN" sz="1200" dirty="0"/>
+              <a:t>, J. </a:t>
+            </a:r>
+            <a:r>
+              <a:rPr lang="en-US" altLang="zh-CN" sz="1200" dirty="0" err="1"/>
+              <a:t>Gooth</a:t>
+            </a:r>
+            <a:r>
+              <a:rPr lang="en-US" altLang="zh-CN" sz="1200" dirty="0"/>
+              <a:t>, B. </a:t>
+            </a:r>
+            <a:r>
+              <a:rPr lang="en-US" altLang="zh-CN" sz="1200" dirty="0" err="1"/>
+              <a:t>Hamdou</a:t>
+            </a:r>
+            <a:r>
+              <a:rPr lang="en-US" altLang="zh-CN" sz="1200" dirty="0"/>
+              <a:t>, P. </a:t>
+            </a:r>
+            <a:r>
+              <a:rPr lang="en-US" altLang="zh-CN" sz="1200" dirty="0" err="1"/>
+              <a:t>Gwozdz</a:t>
+            </a:r>
+            <a:r>
+              <a:rPr lang="en-US" altLang="zh-CN" sz="1200" dirty="0"/>
+              <a:t>, R. </a:t>
+            </a:r>
+            <a:r>
+              <a:rPr lang="en-US" altLang="zh-CN" sz="1200" dirty="0" err="1"/>
+              <a:t>Zierold</a:t>
+            </a:r>
+            <a:r>
+              <a:rPr lang="en-US" altLang="zh-CN" sz="1200" dirty="0"/>
+              <a:t> and K. </a:t>
+            </a:r>
+            <a:r>
+              <a:rPr lang="en-US" altLang="zh-CN" sz="1200" dirty="0" err="1"/>
+              <a:t>Nielsch</a:t>
+            </a:r>
+            <a:r>
+              <a:rPr lang="en-US" altLang="zh-CN" sz="1200" dirty="0"/>
+              <a:t>, </a:t>
+            </a:r>
+            <a:r>
+              <a:rPr lang="en-US" altLang="zh-CN" sz="1200" i="1" dirty="0"/>
+              <a:t>Appl. Phys. Lett.</a:t>
+            </a:r>
+            <a:r>
+              <a:rPr lang="en-US" altLang="zh-CN" sz="1200" dirty="0"/>
+              <a:t>, 2014, </a:t>
+            </a:r>
+            <a:r>
+              <a:rPr lang="en-US" altLang="zh-CN" sz="1200" b="1" dirty="0"/>
+              <a:t>105</a:t>
+            </a:r>
+            <a:r>
+              <a:rPr lang="en-US" altLang="zh-CN" sz="1200" dirty="0"/>
+              <a:t>, 2012–2017.</a:t>
+            </a:r>
+            <a:endParaRPr lang="zh-CN" altLang="en-US" sz="1200" dirty="0"/>
+          </a:p>
+        </p:txBody>
+      </p:sp>
+      <p:pic>
+        <p:nvPicPr>
+          <p:cNvPr id="11" name="图片 10"/>
+          <p:cNvPicPr>
+            <a:picLocks noChangeAspect="1"/>
+          </p:cNvPicPr>
+          <p:nvPr/>
+        </p:nvPicPr>
+        <p:blipFill>
+          <a:blip r:embed="rId4"/>
+          <a:stretch>
+            <a:fillRect/>
+          </a:stretch>
+        </p:blipFill>
+        <p:spPr>
+          <a:xfrm>
+            <a:off x="238825" y="4692674"/>
+            <a:ext cx="5148064" cy="1258294"/>
+          </a:xfrm>
+          <a:prstGeom prst="rect">
+            <a:avLst/>
+          </a:prstGeom>
+        </p:spPr>
+      </p:pic>
+      <p:sp>
+        <p:nvSpPr>
+          <p:cNvPr id="12" name="矩形 11"/>
+          <p:cNvSpPr/>
+          <p:nvPr/>
+        </p:nvSpPr>
+        <p:spPr>
+          <a:xfrm>
+            <a:off x="651382" y="5950968"/>
+            <a:ext cx="4572000" cy="461665"/>
+          </a:xfrm>
+          <a:prstGeom prst="rect">
+            <a:avLst/>
+          </a:prstGeom>
+        </p:spPr>
+        <p:txBody>
+          <a:bodyPr>
+            <a:spAutoFit/>
+          </a:bodyPr>
+          <a:lstStyle/>
+          <a:p>
+            <a:r>
+              <a:rPr lang="en-US" altLang="zh-CN" sz="1200" dirty="0" smtClean="0"/>
+              <a:t>G</a:t>
+            </a:r>
+            <a:r>
+              <a:rPr lang="en-US" altLang="zh-CN" sz="1200" dirty="0"/>
+              <a:t>. Ding, J. </a:t>
+            </a:r>
+            <a:r>
+              <a:rPr lang="en-US" altLang="zh-CN" sz="1200" dirty="0" err="1"/>
+              <a:t>Carrete</a:t>
+            </a:r>
+            <a:r>
+              <a:rPr lang="en-US" altLang="zh-CN" sz="1200" dirty="0"/>
+              <a:t>, W. Li, G. Y. Gao and K. Yao, </a:t>
+            </a:r>
+            <a:r>
+              <a:rPr lang="en-US" altLang="zh-CN" sz="1200" i="1" dirty="0"/>
+              <a:t>Appl. Phys. Lett.</a:t>
+            </a:r>
+            <a:r>
+              <a:rPr lang="en-US" altLang="zh-CN" sz="1200" dirty="0"/>
+              <a:t>, 2016, </a:t>
+            </a:r>
+            <a:r>
+              <a:rPr lang="en-US" altLang="zh-CN" sz="1200" b="1" dirty="0"/>
+              <a:t>108</a:t>
+            </a:r>
+            <a:r>
+              <a:rPr lang="en-US" altLang="zh-CN" sz="1200" dirty="0"/>
+              <a:t>, 233902.</a:t>
+            </a:r>
+            <a:endParaRPr lang="zh-CN" altLang="en-US" sz="1200" dirty="0"/>
+          </a:p>
+        </p:txBody>
+      </p:sp>
+      <p:sp>
+        <p:nvSpPr>
+          <p:cNvPr id="13" name="矩形 12"/>
+          <p:cNvSpPr/>
+          <p:nvPr/>
+        </p:nvSpPr>
+        <p:spPr>
+          <a:xfrm>
+            <a:off x="5267968" y="1724239"/>
+            <a:ext cx="3813114" cy="1200329"/>
+          </a:xfrm>
+          <a:prstGeom prst="rect">
+            <a:avLst/>
+          </a:prstGeom>
+        </p:spPr>
+        <p:txBody>
+          <a:bodyPr wrap="square">
+            <a:spAutoFit/>
+          </a:bodyPr>
+          <a:lstStyle/>
+          <a:p>
+            <a:pPr marL="400050" indent="-400050">
+              <a:buAutoNum type="romanLcParenBoth"/>
+            </a:pPr>
+            <a:r>
+              <a:rPr lang="en-US" altLang="zh-CN" dirty="0" smtClean="0"/>
+              <a:t>narrow </a:t>
+            </a:r>
+            <a:r>
+              <a:rPr lang="en-US" altLang="zh-CN" dirty="0"/>
+              <a:t>band gaps </a:t>
+            </a:r>
+            <a:r>
+              <a:rPr lang="en-US" altLang="zh-CN" dirty="0" smtClean="0"/>
+              <a:t>-&gt;large Power Factor</a:t>
+            </a:r>
+          </a:p>
+          <a:p>
+            <a:pPr marL="400050" indent="-400050">
+              <a:buAutoNum type="romanLcParenBoth"/>
+            </a:pPr>
+            <a:endParaRPr lang="en-US" altLang="zh-CN" dirty="0"/>
+          </a:p>
+          <a:p>
+            <a:pPr marL="400050" indent="-400050">
+              <a:buAutoNum type="romanLcParenBoth"/>
+            </a:pPr>
+            <a:r>
+              <a:rPr lang="en-US" altLang="zh-CN" dirty="0" smtClean="0"/>
+              <a:t>heavy </a:t>
+            </a:r>
+            <a:r>
+              <a:rPr lang="en-US" altLang="zh-CN" dirty="0"/>
+              <a:t>elements </a:t>
+            </a:r>
+            <a:r>
+              <a:rPr lang="en-US" altLang="zh-CN" dirty="0" smtClean="0"/>
+              <a:t>-&gt; </a:t>
+            </a:r>
+            <a:r>
+              <a:rPr lang="en-US" altLang="zh-CN" dirty="0"/>
+              <a:t>low </a:t>
+            </a:r>
+            <a:r>
+              <a:rPr lang="en-US" altLang="zh-CN" dirty="0" smtClean="0"/>
+              <a:t>TC</a:t>
+            </a:r>
+            <a:endParaRPr lang="zh-CN" altLang="en-US" dirty="0"/>
+          </a:p>
+        </p:txBody>
+      </p:sp>
+      <p:sp>
+        <p:nvSpPr>
+          <p:cNvPr id="14" name="矩形 13"/>
+          <p:cNvSpPr/>
+          <p:nvPr/>
+        </p:nvSpPr>
+        <p:spPr>
+          <a:xfrm>
+            <a:off x="5526407" y="1200996"/>
+            <a:ext cx="2339167" cy="369332"/>
+          </a:xfrm>
+          <a:prstGeom prst="rect">
+            <a:avLst/>
+          </a:prstGeom>
+        </p:spPr>
+        <p:txBody>
+          <a:bodyPr wrap="none">
+            <a:spAutoFit/>
+          </a:bodyPr>
+          <a:lstStyle/>
+          <a:p>
+            <a:r>
+              <a:rPr lang="en-US" altLang="zh-CN" kern="100" dirty="0" smtClean="0">
+                <a:solidFill>
+                  <a:srgbClr val="000000"/>
+                </a:solidFill>
+                <a:cs typeface="Times New Roman" panose="02020603050405020304" pitchFamily="18" charset="0"/>
+              </a:rPr>
+              <a:t>Topological Insulator </a:t>
+            </a:r>
+            <a:endParaRPr lang="zh-CN" altLang="en-US" dirty="0"/>
+          </a:p>
+        </p:txBody>
+      </p:sp>
     </p:spTree>
     <p:extLst>
       <p:ext uri="{BB962C8B-B14F-4D97-AF65-F5344CB8AC3E}">
@@ -8826,6 +9222,827 @@
 </file>
 
 <file path=ppt/slides/slide11.xml><?xml version="1.0" encoding="utf-8"?>
+<p:sld xmlns:a="http://schemas.openxmlformats.org/drawingml/2006/main" xmlns:r="http://schemas.openxmlformats.org/officeDocument/2006/relationships" xmlns:p="http://schemas.openxmlformats.org/presentationml/2006/main">
+  <p:cSld>
+    <p:spTree>
+      <p:nvGrpSpPr>
+        <p:cNvPr id="1" name=""/>
+        <p:cNvGrpSpPr/>
+        <p:nvPr/>
+      </p:nvGrpSpPr>
+      <p:grpSpPr>
+        <a:xfrm>
+          <a:off x="0" y="0"/>
+          <a:ext cx="0" cy="0"/>
+          <a:chOff x="0" y="0"/>
+          <a:chExt cx="0" cy="0"/>
+        </a:xfrm>
+      </p:grpSpPr>
+      <p:sp>
+        <p:nvSpPr>
+          <p:cNvPr id="4" name="TextBox 3"/>
+          <p:cNvSpPr txBox="1"/>
+          <p:nvPr/>
+        </p:nvSpPr>
+        <p:spPr>
+          <a:xfrm>
+            <a:off x="142844" y="116632"/>
+            <a:ext cx="2938625" cy="523220"/>
+          </a:xfrm>
+          <a:prstGeom prst="rect">
+            <a:avLst/>
+          </a:prstGeom>
+          <a:noFill/>
+        </p:spPr>
+        <p:txBody>
+          <a:bodyPr wrap="none" rtlCol="0">
+            <a:spAutoFit/>
+          </a:bodyPr>
+          <a:lstStyle/>
+          <a:p>
+            <a:r>
+              <a:rPr lang="en-US" altLang="zh-CN" sz="2800" b="1" dirty="0" smtClean="0">
+                <a:ea typeface="微软雅黑" pitchFamily="34" charset="-122"/>
+                <a:cs typeface="Times New Roman" pitchFamily="18" charset="0"/>
+              </a:rPr>
+              <a:t>INTRODUCTION</a:t>
+            </a:r>
+            <a:endParaRPr lang="en-US" altLang="zh-CN" sz="2800" b="1" dirty="0">
+              <a:ea typeface="微软雅黑" pitchFamily="34" charset="-122"/>
+              <a:cs typeface="Times New Roman" pitchFamily="18" charset="0"/>
+            </a:endParaRPr>
+          </a:p>
+        </p:txBody>
+      </p:sp>
+      <p:sp>
+        <p:nvSpPr>
+          <p:cNvPr id="5" name="矩形 4"/>
+          <p:cNvSpPr/>
+          <p:nvPr/>
+        </p:nvSpPr>
+        <p:spPr>
+          <a:xfrm>
+            <a:off x="3419872" y="260648"/>
+            <a:ext cx="4572000" cy="646331"/>
+          </a:xfrm>
+          <a:prstGeom prst="rect">
+            <a:avLst/>
+          </a:prstGeom>
+        </p:spPr>
+        <p:txBody>
+          <a:bodyPr>
+            <a:spAutoFit/>
+          </a:bodyPr>
+          <a:lstStyle/>
+          <a:p>
+            <a:r>
+              <a:rPr lang="en-US" altLang="zh-CN" kern="100" dirty="0">
+                <a:solidFill>
+                  <a:srgbClr val="000000"/>
+                </a:solidFill>
+                <a:cs typeface="Times New Roman" panose="02020603050405020304" pitchFamily="18" charset="0"/>
+              </a:rPr>
+              <a:t>2. The potential of topological insulator and nanowire in the field of thermoelectricity</a:t>
+            </a:r>
+            <a:endParaRPr lang="zh-CN" altLang="en-US" kern="100" dirty="0">
+              <a:solidFill>
+                <a:srgbClr val="000000"/>
+              </a:solidFill>
+              <a:cs typeface="Times New Roman" panose="02020603050405020304" pitchFamily="18" charset="0"/>
+            </a:endParaRPr>
+          </a:p>
+        </p:txBody>
+      </p:sp>
+      <p:grpSp>
+        <p:nvGrpSpPr>
+          <p:cNvPr id="6" name="组合 5"/>
+          <p:cNvGrpSpPr/>
+          <p:nvPr/>
+        </p:nvGrpSpPr>
+        <p:grpSpPr>
+          <a:xfrm>
+            <a:off x="0" y="785794"/>
+            <a:ext cx="4143372" cy="142876"/>
+            <a:chOff x="0" y="785794"/>
+            <a:chExt cx="4143372" cy="142876"/>
+          </a:xfrm>
+        </p:grpSpPr>
+        <p:cxnSp>
+          <p:nvCxnSpPr>
+            <p:cNvPr id="7" name="直接连接符 6"/>
+            <p:cNvCxnSpPr>
+              <a:endCxn id="8" idx="3"/>
+            </p:cNvCxnSpPr>
+            <p:nvPr/>
+          </p:nvCxnSpPr>
+          <p:spPr>
+            <a:xfrm rot="10800000">
+              <a:off x="642910" y="857232"/>
+              <a:ext cx="3500462" cy="1588"/>
+            </a:xfrm>
+            <a:prstGeom prst="line">
+              <a:avLst/>
+            </a:prstGeom>
+            <a:ln w="19050">
+              <a:solidFill>
+                <a:srgbClr val="7030A0"/>
+              </a:solidFill>
+            </a:ln>
+          </p:spPr>
+          <p:style>
+            <a:lnRef idx="1">
+              <a:schemeClr val="accent1"/>
+            </a:lnRef>
+            <a:fillRef idx="0">
+              <a:schemeClr val="accent1"/>
+            </a:fillRef>
+            <a:effectRef idx="0">
+              <a:schemeClr val="accent1"/>
+            </a:effectRef>
+            <a:fontRef idx="minor">
+              <a:schemeClr val="tx1"/>
+            </a:fontRef>
+          </p:style>
+        </p:cxnSp>
+        <p:sp>
+          <p:nvSpPr>
+            <p:cNvPr id="8" name="Rectangle 7"/>
+            <p:cNvSpPr>
+              <a:spLocks noChangeArrowheads="1"/>
+            </p:cNvSpPr>
+            <p:nvPr/>
+          </p:nvSpPr>
+          <p:spPr bwMode="auto">
+            <a:xfrm>
+              <a:off x="0" y="785794"/>
+              <a:ext cx="642910" cy="142876"/>
+            </a:xfrm>
+            <a:prstGeom prst="rect">
+              <a:avLst/>
+            </a:prstGeom>
+            <a:solidFill>
+              <a:srgbClr val="7030A0"/>
+            </a:solidFill>
+            <a:ln w="9525">
+              <a:solidFill>
+                <a:srgbClr val="7030A0"/>
+              </a:solidFill>
+              <a:miter lim="800000"/>
+              <a:headEnd/>
+              <a:tailEnd/>
+            </a:ln>
+          </p:spPr>
+          <p:txBody>
+            <a:bodyPr wrap="none" anchor="ctr"/>
+            <a:lstStyle/>
+            <a:p>
+              <a:endParaRPr lang="zh-CN" altLang="en-US"/>
+            </a:p>
+          </p:txBody>
+        </p:sp>
+      </p:grpSp>
+      <p:pic>
+        <p:nvPicPr>
+          <p:cNvPr id="9" name="图片 8"/>
+          <p:cNvPicPr>
+            <a:picLocks noChangeAspect="1"/>
+          </p:cNvPicPr>
+          <p:nvPr/>
+        </p:nvPicPr>
+        <p:blipFill>
+          <a:blip r:embed="rId2"/>
+          <a:stretch>
+            <a:fillRect/>
+          </a:stretch>
+        </p:blipFill>
+        <p:spPr>
+          <a:xfrm>
+            <a:off x="1835696" y="1135373"/>
+            <a:ext cx="5345326" cy="1583991"/>
+          </a:xfrm>
+          <a:prstGeom prst="rect">
+            <a:avLst/>
+          </a:prstGeom>
+          <a:ln>
+            <a:solidFill>
+              <a:schemeClr val="tx1"/>
+            </a:solidFill>
+          </a:ln>
+        </p:spPr>
+      </p:pic>
+      <p:sp>
+        <p:nvSpPr>
+          <p:cNvPr id="10" name="矩形 9"/>
+          <p:cNvSpPr/>
+          <p:nvPr/>
+        </p:nvSpPr>
+        <p:spPr>
+          <a:xfrm>
+            <a:off x="1732338" y="2843615"/>
+            <a:ext cx="5360707" cy="523220"/>
+          </a:xfrm>
+          <a:prstGeom prst="rect">
+            <a:avLst/>
+          </a:prstGeom>
+        </p:spPr>
+        <p:txBody>
+          <a:bodyPr wrap="square">
+            <a:spAutoFit/>
+          </a:bodyPr>
+          <a:lstStyle/>
+          <a:p>
+            <a:r>
+              <a:rPr lang="en-US" altLang="zh-CN" sz="1400" dirty="0" smtClean="0"/>
+              <a:t>A</a:t>
+            </a:r>
+            <a:r>
+              <a:rPr lang="en-US" altLang="zh-CN" sz="1400" dirty="0"/>
+              <a:t>. I. </a:t>
+            </a:r>
+            <a:r>
+              <a:rPr lang="en-US" altLang="zh-CN" sz="1400" dirty="0" err="1"/>
+              <a:t>Boukai</a:t>
+            </a:r>
+            <a:r>
+              <a:rPr lang="en-US" altLang="zh-CN" sz="1400" dirty="0"/>
+              <a:t>, Y. </a:t>
+            </a:r>
+            <a:r>
+              <a:rPr lang="en-US" altLang="zh-CN" sz="1400" dirty="0" err="1"/>
+              <a:t>Bunimovich</a:t>
+            </a:r>
+            <a:r>
+              <a:rPr lang="en-US" altLang="zh-CN" sz="1400" dirty="0"/>
+              <a:t>, J. Tahir-</a:t>
+            </a:r>
+            <a:r>
+              <a:rPr lang="en-US" altLang="zh-CN" sz="1400" dirty="0" err="1"/>
+              <a:t>Kheli</a:t>
+            </a:r>
+            <a:r>
+              <a:rPr lang="en-US" altLang="zh-CN" sz="1400" dirty="0"/>
+              <a:t>, J.-K. Yu, W. A. Goddard and J. R. Heath, </a:t>
+            </a:r>
+            <a:r>
+              <a:rPr lang="en-US" altLang="zh-CN" sz="1400" i="1" dirty="0"/>
+              <a:t>Nature</a:t>
+            </a:r>
+            <a:r>
+              <a:rPr lang="en-US" altLang="zh-CN" sz="1400" dirty="0"/>
+              <a:t>, 2008, </a:t>
+            </a:r>
+            <a:r>
+              <a:rPr lang="en-US" altLang="zh-CN" sz="1400" b="1" dirty="0"/>
+              <a:t>451</a:t>
+            </a:r>
+            <a:r>
+              <a:rPr lang="en-US" altLang="zh-CN" sz="1400" dirty="0"/>
+              <a:t>, 168–71.</a:t>
+            </a:r>
+            <a:endParaRPr lang="zh-CN" altLang="en-US" sz="1400" dirty="0"/>
+          </a:p>
+        </p:txBody>
+      </p:sp>
+      <p:sp>
+        <p:nvSpPr>
+          <p:cNvPr id="11" name="文本框 10"/>
+          <p:cNvSpPr txBox="1"/>
+          <p:nvPr/>
+        </p:nvSpPr>
+        <p:spPr>
+          <a:xfrm>
+            <a:off x="1796079" y="3583460"/>
+            <a:ext cx="4806280" cy="307777"/>
+          </a:xfrm>
+          <a:prstGeom prst="rect">
+            <a:avLst/>
+          </a:prstGeom>
+        </p:spPr>
+        <p:txBody>
+          <a:bodyPr wrap="square">
+            <a:spAutoFit/>
+          </a:bodyPr>
+          <a:lstStyle>
+            <a:defPPr>
+              <a:defRPr lang="zh-CN"/>
+            </a:defPPr>
+            <a:lvl1pPr>
+              <a:defRPr sz="1400"/>
+            </a:lvl1pPr>
+          </a:lstStyle>
+          <a:p>
+            <a:r>
+              <a:rPr lang="en-US" altLang="zh-CN" dirty="0"/>
+              <a:t>Large reduction in TC while keep the value of power factor</a:t>
+            </a:r>
+            <a:endParaRPr lang="zh-CN" altLang="en-US" dirty="0"/>
+          </a:p>
+        </p:txBody>
+      </p:sp>
+    </p:spTree>
+    <p:extLst>
+      <p:ext uri="{BB962C8B-B14F-4D97-AF65-F5344CB8AC3E}">
+        <p14:creationId xmlns:p14="http://schemas.microsoft.com/office/powerpoint/2010/main" val="3866070094"/>
+      </p:ext>
+    </p:extLst>
+  </p:cSld>
+  <p:clrMapOvr>
+    <a:masterClrMapping/>
+  </p:clrMapOvr>
+  <mc:AlternateContent xmlns:mc="http://schemas.openxmlformats.org/markup-compatibility/2006" xmlns:p14="http://schemas.microsoft.com/office/powerpoint/2010/main">
+    <mc:Choice Requires="p14">
+      <p:transition p14:dur="250">
+        <p:push/>
+      </p:transition>
+    </mc:Choice>
+    <mc:Fallback xmlns="">
+      <p:transition>
+        <p:push/>
+      </p:transition>
+    </mc:Fallback>
+  </mc:AlternateContent>
+</p:sld>
+</file>
+
+<file path=ppt/slides/slide12.xml><?xml version="1.0" encoding="utf-8"?>
+<p:sld xmlns:a="http://schemas.openxmlformats.org/drawingml/2006/main" xmlns:r="http://schemas.openxmlformats.org/officeDocument/2006/relationships" xmlns:p="http://schemas.openxmlformats.org/presentationml/2006/main">
+  <p:cSld>
+    <p:spTree>
+      <p:nvGrpSpPr>
+        <p:cNvPr id="1" name=""/>
+        <p:cNvGrpSpPr/>
+        <p:nvPr/>
+      </p:nvGrpSpPr>
+      <p:grpSpPr>
+        <a:xfrm>
+          <a:off x="0" y="0"/>
+          <a:ext cx="0" cy="0"/>
+          <a:chOff x="0" y="0"/>
+          <a:chExt cx="0" cy="0"/>
+        </a:xfrm>
+      </p:grpSpPr>
+      <p:sp>
+        <p:nvSpPr>
+          <p:cNvPr id="4" name="TextBox 3"/>
+          <p:cNvSpPr txBox="1"/>
+          <p:nvPr/>
+        </p:nvSpPr>
+        <p:spPr>
+          <a:xfrm>
+            <a:off x="142844" y="116632"/>
+            <a:ext cx="2938625" cy="523220"/>
+          </a:xfrm>
+          <a:prstGeom prst="rect">
+            <a:avLst/>
+          </a:prstGeom>
+          <a:noFill/>
+        </p:spPr>
+        <p:txBody>
+          <a:bodyPr wrap="none" rtlCol="0">
+            <a:spAutoFit/>
+          </a:bodyPr>
+          <a:lstStyle/>
+          <a:p>
+            <a:r>
+              <a:rPr lang="en-US" altLang="zh-CN" sz="2800" b="1" dirty="0" smtClean="0">
+                <a:ea typeface="微软雅黑" pitchFamily="34" charset="-122"/>
+                <a:cs typeface="Times New Roman" pitchFamily="18" charset="0"/>
+              </a:rPr>
+              <a:t>INTRODUCTION</a:t>
+            </a:r>
+            <a:endParaRPr lang="en-US" altLang="zh-CN" sz="2800" b="1" dirty="0">
+              <a:ea typeface="微软雅黑" pitchFamily="34" charset="-122"/>
+              <a:cs typeface="Times New Roman" pitchFamily="18" charset="0"/>
+            </a:endParaRPr>
+          </a:p>
+        </p:txBody>
+      </p:sp>
+      <p:grpSp>
+        <p:nvGrpSpPr>
+          <p:cNvPr id="5" name="组合 4"/>
+          <p:cNvGrpSpPr/>
+          <p:nvPr/>
+        </p:nvGrpSpPr>
+        <p:grpSpPr>
+          <a:xfrm>
+            <a:off x="0" y="785794"/>
+            <a:ext cx="4143372" cy="142876"/>
+            <a:chOff x="0" y="785794"/>
+            <a:chExt cx="4143372" cy="142876"/>
+          </a:xfrm>
+        </p:grpSpPr>
+        <p:cxnSp>
+          <p:nvCxnSpPr>
+            <p:cNvPr id="6" name="直接连接符 5"/>
+            <p:cNvCxnSpPr>
+              <a:endCxn id="7" idx="3"/>
+            </p:cNvCxnSpPr>
+            <p:nvPr/>
+          </p:nvCxnSpPr>
+          <p:spPr>
+            <a:xfrm rot="10800000">
+              <a:off x="642910" y="857232"/>
+              <a:ext cx="3500462" cy="1588"/>
+            </a:xfrm>
+            <a:prstGeom prst="line">
+              <a:avLst/>
+            </a:prstGeom>
+            <a:ln w="19050">
+              <a:solidFill>
+                <a:srgbClr val="7030A0"/>
+              </a:solidFill>
+            </a:ln>
+          </p:spPr>
+          <p:style>
+            <a:lnRef idx="1">
+              <a:schemeClr val="accent1"/>
+            </a:lnRef>
+            <a:fillRef idx="0">
+              <a:schemeClr val="accent1"/>
+            </a:fillRef>
+            <a:effectRef idx="0">
+              <a:schemeClr val="accent1"/>
+            </a:effectRef>
+            <a:fontRef idx="minor">
+              <a:schemeClr val="tx1"/>
+            </a:fontRef>
+          </p:style>
+        </p:cxnSp>
+        <p:sp>
+          <p:nvSpPr>
+            <p:cNvPr id="7" name="Rectangle 7"/>
+            <p:cNvSpPr>
+              <a:spLocks noChangeArrowheads="1"/>
+            </p:cNvSpPr>
+            <p:nvPr/>
+          </p:nvSpPr>
+          <p:spPr bwMode="auto">
+            <a:xfrm>
+              <a:off x="0" y="785794"/>
+              <a:ext cx="642910" cy="142876"/>
+            </a:xfrm>
+            <a:prstGeom prst="rect">
+              <a:avLst/>
+            </a:prstGeom>
+            <a:solidFill>
+              <a:srgbClr val="7030A0"/>
+            </a:solidFill>
+            <a:ln w="9525">
+              <a:solidFill>
+                <a:srgbClr val="7030A0"/>
+              </a:solidFill>
+              <a:miter lim="800000"/>
+              <a:headEnd/>
+              <a:tailEnd/>
+            </a:ln>
+          </p:spPr>
+          <p:txBody>
+            <a:bodyPr wrap="none" anchor="ctr"/>
+            <a:lstStyle/>
+            <a:p>
+              <a:endParaRPr lang="zh-CN" altLang="en-US"/>
+            </a:p>
+          </p:txBody>
+        </p:sp>
+      </p:grpSp>
+      <mc:AlternateContent xmlns:mc="http://schemas.openxmlformats.org/markup-compatibility/2006">
+        <mc:Choice xmlns:a14="http://schemas.microsoft.com/office/drawing/2010/main" Requires="a14">
+          <p:sp>
+            <p:nvSpPr>
+              <p:cNvPr id="8" name="文本框 7"/>
+              <p:cNvSpPr txBox="1"/>
+              <p:nvPr/>
+            </p:nvSpPr>
+            <p:spPr>
+              <a:xfrm>
+                <a:off x="3081469" y="116632"/>
+                <a:ext cx="4752528" cy="830997"/>
+              </a:xfrm>
+              <a:prstGeom prst="rect">
+                <a:avLst/>
+              </a:prstGeom>
+              <a:noFill/>
+            </p:spPr>
+            <p:txBody>
+              <a:bodyPr wrap="square" rtlCol="0">
+                <a:spAutoFit/>
+              </a:bodyPr>
+              <a:lstStyle/>
+              <a:p>
+                <a:r>
+                  <a:rPr lang="en-US" altLang="zh-CN" sz="2400" kern="100" dirty="0" smtClean="0">
+                    <a:solidFill>
+                      <a:srgbClr val="000000"/>
+                    </a:solidFill>
+                    <a:latin typeface="+mn-lt"/>
+                    <a:cs typeface="Times New Roman" panose="02020603050405020304" pitchFamily="18" charset="0"/>
+                  </a:rPr>
+                  <a:t>3. A </a:t>
+                </a:r>
+                <a:r>
+                  <a:rPr lang="en-US" altLang="zh-CN" sz="2400" kern="100" dirty="0">
+                    <a:solidFill>
+                      <a:srgbClr val="000000"/>
+                    </a:solidFill>
+                    <a:latin typeface="+mn-lt"/>
+                    <a:cs typeface="Times New Roman" panose="02020603050405020304" pitchFamily="18" charset="0"/>
+                  </a:rPr>
+                  <a:t>recently </a:t>
+                </a:r>
+                <a:r>
+                  <a:rPr lang="en-US" altLang="zh-CN" sz="2400" kern="100" dirty="0" smtClean="0">
+                    <a:solidFill>
+                      <a:srgbClr val="000000"/>
+                    </a:solidFill>
+                    <a:latin typeface="+mn-lt"/>
+                    <a:cs typeface="Times New Roman" panose="02020603050405020304" pitchFamily="18" charset="0"/>
+                  </a:rPr>
+                  <a:t>synthetized </a:t>
+                </a:r>
+                <a:r>
+                  <a:rPr lang="en-US" altLang="zh-CN" sz="2400" kern="100" dirty="0">
+                    <a:solidFill>
+                      <a:srgbClr val="000000"/>
+                    </a:solidFill>
+                    <a:cs typeface="Times New Roman" panose="02020603050405020304" pitchFamily="18" charset="0"/>
+                  </a:rPr>
+                  <a:t>quasi </a:t>
+                </a:r>
+                <a:r>
+                  <a:rPr lang="en-US" altLang="zh-CN" sz="2400" kern="100" dirty="0" smtClean="0">
+                    <a:solidFill>
+                      <a:srgbClr val="000000"/>
+                    </a:solidFill>
+                    <a:latin typeface="+mn-lt"/>
+                    <a:cs typeface="Times New Roman" panose="02020603050405020304" pitchFamily="18" charset="0"/>
+                  </a:rPr>
+                  <a:t>1D topological insulator </a:t>
+                </a:r>
+                <a14:m>
+                  <m:oMath xmlns:m="http://schemas.openxmlformats.org/officeDocument/2006/math">
+                    <m:r>
+                      <m:rPr>
+                        <m:sty m:val="p"/>
+                      </m:rPr>
+                      <a:rPr lang="zh-CN" altLang="en-US" sz="2400" b="0" i="0">
+                        <a:latin typeface="Cambria Math" panose="02040503050406030204" pitchFamily="18" charset="0"/>
+                      </a:rPr>
+                      <m:t>β</m:t>
+                    </m:r>
+                    <m:r>
+                      <a:rPr lang="en-US" altLang="zh-CN" sz="2400" b="0" i="0" smtClean="0">
+                        <a:latin typeface="Cambria Math" panose="02040503050406030204" pitchFamily="18" charset="0"/>
+                      </a:rPr>
+                      <m:t>−</m:t>
+                    </m:r>
+                    <m:r>
+                      <m:rPr>
+                        <m:sty m:val="p"/>
+                      </m:rPr>
+                      <a:rPr lang="en-US" altLang="zh-CN" sz="2400" b="0" i="0">
+                        <a:latin typeface="Cambria Math" panose="02040503050406030204" pitchFamily="18" charset="0"/>
+                      </a:rPr>
+                      <m:t>B</m:t>
+                    </m:r>
+                    <m:sSub>
+                      <m:sSubPr>
+                        <m:ctrlPr>
+                          <a:rPr lang="en-US" altLang="zh-CN" sz="2400" i="1">
+                            <a:latin typeface="Cambria Math" panose="02040503050406030204" pitchFamily="18" charset="0"/>
+                          </a:rPr>
+                        </m:ctrlPr>
+                      </m:sSubPr>
+                      <m:e>
+                        <m:r>
+                          <m:rPr>
+                            <m:sty m:val="p"/>
+                          </m:rPr>
+                          <a:rPr lang="en-US" altLang="zh-CN" sz="2400" b="0" i="0">
+                            <a:latin typeface="Cambria Math" panose="02040503050406030204" pitchFamily="18" charset="0"/>
+                          </a:rPr>
+                          <m:t>i</m:t>
+                        </m:r>
+                      </m:e>
+                      <m:sub>
+                        <m:r>
+                          <a:rPr lang="en-US" altLang="zh-CN" sz="2400" b="0" i="0">
+                            <a:latin typeface="Cambria Math" panose="02040503050406030204" pitchFamily="18" charset="0"/>
+                          </a:rPr>
+                          <m:t>4</m:t>
+                        </m:r>
+                      </m:sub>
+                    </m:sSub>
+                    <m:sSub>
+                      <m:sSubPr>
+                        <m:ctrlPr>
+                          <a:rPr lang="en-US" altLang="zh-CN" sz="2400" i="1">
+                            <a:latin typeface="Cambria Math" panose="02040503050406030204" pitchFamily="18" charset="0"/>
+                          </a:rPr>
+                        </m:ctrlPr>
+                      </m:sSubPr>
+                      <m:e>
+                        <m:r>
+                          <m:rPr>
+                            <m:sty m:val="p"/>
+                          </m:rPr>
+                          <a:rPr lang="en-US" altLang="zh-CN" sz="2400" b="0" i="0">
+                            <a:latin typeface="Cambria Math" panose="02040503050406030204" pitchFamily="18" charset="0"/>
+                          </a:rPr>
+                          <m:t>I</m:t>
+                        </m:r>
+                      </m:e>
+                      <m:sub>
+                        <m:r>
+                          <a:rPr lang="en-US" altLang="zh-CN" sz="2400" b="0" i="0">
+                            <a:latin typeface="Cambria Math" panose="02040503050406030204" pitchFamily="18" charset="0"/>
+                          </a:rPr>
+                          <m:t>4</m:t>
+                        </m:r>
+                      </m:sub>
+                    </m:sSub>
+                  </m:oMath>
+                </a14:m>
+                <a:endParaRPr lang="zh-CN" altLang="en-US" sz="2400" kern="100" dirty="0">
+                  <a:solidFill>
+                    <a:srgbClr val="000000"/>
+                  </a:solidFill>
+                  <a:latin typeface="+mn-lt"/>
+                  <a:cs typeface="Times New Roman" panose="02020603050405020304" pitchFamily="18" charset="0"/>
+                </a:endParaRPr>
+              </a:p>
+            </p:txBody>
+          </p:sp>
+        </mc:Choice>
+        <mc:Fallback>
+          <p:sp>
+            <p:nvSpPr>
+              <p:cNvPr id="8" name="文本框 7"/>
+              <p:cNvSpPr txBox="1">
+                <a:spLocks noRot="1" noChangeAspect="1" noMove="1" noResize="1" noEditPoints="1" noAdjustHandles="1" noChangeArrowheads="1" noChangeShapeType="1" noTextEdit="1"/>
+              </p:cNvSpPr>
+              <p:nvPr/>
+            </p:nvSpPr>
+            <p:spPr>
+              <a:xfrm>
+                <a:off x="3081469" y="116632"/>
+                <a:ext cx="4752528" cy="830997"/>
+              </a:xfrm>
+              <a:prstGeom prst="rect">
+                <a:avLst/>
+              </a:prstGeom>
+              <a:blipFill>
+                <a:blip r:embed="rId2"/>
+                <a:stretch>
+                  <a:fillRect l="-1923" t="-6618" b="-16176"/>
+                </a:stretch>
+              </a:blipFill>
+            </p:spPr>
+            <p:txBody>
+              <a:bodyPr/>
+              <a:lstStyle/>
+              <a:p>
+                <a:r>
+                  <a:rPr lang="zh-CN" altLang="en-US">
+                    <a:noFill/>
+                  </a:rPr>
+                  <a:t> </a:t>
+                </a:r>
+              </a:p>
+            </p:txBody>
+          </p:sp>
+        </mc:Fallback>
+      </mc:AlternateContent>
+      <p:pic>
+        <p:nvPicPr>
+          <p:cNvPr id="9" name="图片 8"/>
+          <p:cNvPicPr>
+            <a:picLocks noChangeAspect="1"/>
+          </p:cNvPicPr>
+          <p:nvPr/>
+        </p:nvPicPr>
+        <p:blipFill>
+          <a:blip r:embed="rId3"/>
+          <a:stretch>
+            <a:fillRect/>
+          </a:stretch>
+        </p:blipFill>
+        <p:spPr>
+          <a:xfrm>
+            <a:off x="1619672" y="947734"/>
+            <a:ext cx="5494586" cy="1664400"/>
+          </a:xfrm>
+          <a:prstGeom prst="rect">
+            <a:avLst/>
+          </a:prstGeom>
+        </p:spPr>
+      </p:pic>
+      <p:sp>
+        <p:nvSpPr>
+          <p:cNvPr id="10" name="矩形 9"/>
+          <p:cNvSpPr/>
+          <p:nvPr/>
+        </p:nvSpPr>
+        <p:spPr>
+          <a:xfrm>
+            <a:off x="1763688" y="2612134"/>
+            <a:ext cx="4824536" cy="307777"/>
+          </a:xfrm>
+          <a:prstGeom prst="rect">
+            <a:avLst/>
+          </a:prstGeom>
+        </p:spPr>
+        <p:txBody>
+          <a:bodyPr wrap="square">
+            <a:spAutoFit/>
+          </a:bodyPr>
+          <a:lstStyle/>
+          <a:p>
+            <a:r>
+              <a:rPr lang="en-US" altLang="zh-CN" sz="1400" dirty="0" smtClean="0"/>
+              <a:t>H</a:t>
+            </a:r>
+            <a:r>
+              <a:rPr lang="en-US" altLang="zh-CN" sz="1400" dirty="0"/>
+              <a:t>. Huang and W. </a:t>
+            </a:r>
+            <a:r>
+              <a:rPr lang="en-US" altLang="zh-CN" sz="1400" dirty="0" err="1"/>
+              <a:t>Duan</a:t>
+            </a:r>
+            <a:r>
+              <a:rPr lang="en-US" altLang="zh-CN" sz="1400" dirty="0"/>
+              <a:t>, </a:t>
+            </a:r>
+            <a:r>
+              <a:rPr lang="en-US" altLang="zh-CN" sz="1400" i="1" dirty="0"/>
+              <a:t>Nat. Mater.</a:t>
+            </a:r>
+            <a:r>
+              <a:rPr lang="en-US" altLang="zh-CN" sz="1400" dirty="0"/>
+              <a:t>, 2016, </a:t>
+            </a:r>
+            <a:r>
+              <a:rPr lang="en-US" altLang="zh-CN" sz="1400" b="1" dirty="0"/>
+              <a:t>15</a:t>
+            </a:r>
+            <a:r>
+              <a:rPr lang="en-US" altLang="zh-CN" sz="1400" dirty="0"/>
+              <a:t>, 129–130.</a:t>
+            </a:r>
+            <a:endParaRPr lang="zh-CN" altLang="en-US" sz="1400" dirty="0"/>
+          </a:p>
+        </p:txBody>
+      </p:sp>
+      <p:pic>
+        <p:nvPicPr>
+          <p:cNvPr id="11" name="图片 10"/>
+          <p:cNvPicPr>
+            <a:picLocks noChangeAspect="1"/>
+          </p:cNvPicPr>
+          <p:nvPr/>
+        </p:nvPicPr>
+        <p:blipFill>
+          <a:blip r:embed="rId4"/>
+          <a:stretch>
+            <a:fillRect/>
+          </a:stretch>
+        </p:blipFill>
+        <p:spPr>
+          <a:xfrm>
+            <a:off x="2543138" y="2962702"/>
+            <a:ext cx="3265636" cy="3243217"/>
+          </a:xfrm>
+          <a:prstGeom prst="rect">
+            <a:avLst/>
+          </a:prstGeom>
+        </p:spPr>
+      </p:pic>
+    </p:spTree>
+    <p:extLst>
+      <p:ext uri="{BB962C8B-B14F-4D97-AF65-F5344CB8AC3E}">
+        <p14:creationId xmlns:p14="http://schemas.microsoft.com/office/powerpoint/2010/main" val="228169077"/>
+      </p:ext>
+    </p:extLst>
+  </p:cSld>
+  <p:clrMapOvr>
+    <a:masterClrMapping/>
+  </p:clrMapOvr>
+  <mc:AlternateContent xmlns:mc="http://schemas.openxmlformats.org/markup-compatibility/2006" xmlns:p14="http://schemas.microsoft.com/office/powerpoint/2010/main">
+    <mc:Choice Requires="p14">
+      <p:transition p14:dur="250">
+        <p:push/>
+      </p:transition>
+    </mc:Choice>
+    <mc:Fallback xmlns="">
+      <p:transition>
+        <p:push/>
+      </p:transition>
+    </mc:Fallback>
+  </mc:AlternateContent>
+</p:sld>
+</file>
+
+<file path=ppt/slides/slide13.xml><?xml version="1.0" encoding="utf-8"?>
 <p:sld xmlns:a="http://schemas.openxmlformats.org/drawingml/2006/main" xmlns:r="http://schemas.openxmlformats.org/officeDocument/2006/relationships" xmlns:p="http://schemas.openxmlformats.org/presentationml/2006/main">
   <p:cSld>
     <p:spTree>
@@ -8974,8 +10191,8 @@
         </p:nvSpPr>
         <p:spPr>
           <a:xfrm>
-            <a:off x="512964" y="1734624"/>
-            <a:ext cx="7416824" cy="461665"/>
+            <a:off x="512964" y="2321914"/>
+            <a:ext cx="3588589" cy="1200329"/>
           </a:xfrm>
           <a:prstGeom prst="rect">
             <a:avLst/>
@@ -9035,7 +10252,27 @@
                 <a:latin typeface="+mn-lt"/>
                 <a:cs typeface="Times New Roman" panose="02020603050405020304" pitchFamily="18" charset="0"/>
               </a:rPr>
-              <a:t> 5x5x5 supercell  2x2x2 </a:t>
+              <a:t> </a:t>
+            </a:r>
+            <a:r>
+              <a:rPr lang="en-US" altLang="zh-CN" sz="2400" kern="100" dirty="0" smtClean="0">
+                <a:solidFill>
+                  <a:srgbClr val="000000"/>
+                </a:solidFill>
+                <a:latin typeface="+mn-lt"/>
+                <a:cs typeface="Times New Roman" panose="02020603050405020304" pitchFamily="18" charset="0"/>
+              </a:rPr>
+              <a:t>4x4x4 </a:t>
+            </a:r>
+            <a:r>
+              <a:rPr lang="en-US" altLang="zh-CN" sz="2400" kern="100" dirty="0" smtClean="0">
+                <a:solidFill>
+                  <a:srgbClr val="000000"/>
+                </a:solidFill>
+                <a:latin typeface="+mn-lt"/>
+                <a:cs typeface="Times New Roman" panose="02020603050405020304" pitchFamily="18" charset="0"/>
+              </a:rPr>
+              <a:t>supercell  2x2x2 </a:t>
             </a:r>
             <a:r>
               <a:rPr lang="en-US" altLang="zh-CN" sz="2400" kern="100" dirty="0" err="1" smtClean="0">
@@ -9076,7 +10313,7 @@
         <p:spPr>
           <a:xfrm>
             <a:off x="512964" y="1070390"/>
-            <a:ext cx="8091484" cy="461665"/>
+            <a:ext cx="3915020" cy="1200329"/>
           </a:xfrm>
           <a:prstGeom prst="rect">
             <a:avLst/>
@@ -9157,8 +10394,8 @@
         </p:nvSpPr>
         <p:spPr>
           <a:xfrm>
-            <a:off x="512964" y="2398858"/>
-            <a:ext cx="7416824" cy="461665"/>
+            <a:off x="512964" y="3573438"/>
+            <a:ext cx="3588589" cy="830997"/>
           </a:xfrm>
           <a:prstGeom prst="rect">
             <a:avLst/>
@@ -9238,8 +10475,8 @@
         </p:nvSpPr>
         <p:spPr>
           <a:xfrm>
-            <a:off x="512964" y="3063093"/>
-            <a:ext cx="8091484" cy="461665"/>
+            <a:off x="523106" y="4455630"/>
+            <a:ext cx="3915020" cy="1200329"/>
           </a:xfrm>
           <a:prstGeom prst="rect">
             <a:avLst/>
@@ -9317,6 +10554,36 @@
           </a:p>
         </p:txBody>
       </p:sp>
+      <p:pic>
+        <p:nvPicPr>
+          <p:cNvPr id="2" name="图片 1"/>
+          <p:cNvPicPr>
+            <a:picLocks noChangeAspect="1"/>
+          </p:cNvPicPr>
+          <p:nvPr/>
+        </p:nvPicPr>
+        <p:blipFill>
+          <a:blip r:embed="rId2">
+            <a:extLst>
+              <a:ext uri="{28A0092B-C50C-407E-A947-70E740481C1C}">
+                <a14:useLocalDpi xmlns:a14="http://schemas.microsoft.com/office/drawing/2010/main" val="0"/>
+              </a:ext>
+            </a:extLst>
+          </a:blip>
+          <a:stretch>
+            <a:fillRect/>
+          </a:stretch>
+        </p:blipFill>
+        <p:spPr>
+          <a:xfrm>
+            <a:off x="4644008" y="831296"/>
+            <a:ext cx="3816424" cy="5130433"/>
+          </a:xfrm>
+          <a:prstGeom prst="rect">
+            <a:avLst/>
+          </a:prstGeom>
+        </p:spPr>
+      </p:pic>
     </p:spTree>
     <p:extLst>
       <p:ext uri="{BB962C8B-B14F-4D97-AF65-F5344CB8AC3E}">
@@ -9349,7 +10616,7 @@
 </p:sld>
 </file>
 
-<file path=ppt/slides/slide12.xml><?xml version="1.0" encoding="utf-8"?>
+<file path=ppt/slides/slide14.xml><?xml version="1.0" encoding="utf-8"?>
 <p:sld xmlns:a="http://schemas.openxmlformats.org/drawingml/2006/main" xmlns:r="http://schemas.openxmlformats.org/officeDocument/2006/relationships" xmlns:p="http://schemas.openxmlformats.org/presentationml/2006/main">
   <p:cSld>
     <p:spTree>
@@ -9492,13 +10759,13 @@
       </p:sp>
       <p:sp>
         <p:nvSpPr>
-          <p:cNvPr id="8" name="文本框 7"/>
+          <p:cNvPr id="10" name="文本框 9"/>
           <p:cNvSpPr txBox="1"/>
           <p:nvPr/>
         </p:nvSpPr>
         <p:spPr>
           <a:xfrm>
-            <a:off x="539552" y="1146049"/>
+            <a:off x="539552" y="1672055"/>
             <a:ext cx="7416824" cy="461665"/>
           </a:xfrm>
           <a:prstGeom prst="rect">
@@ -9520,39 +10787,8 @@
                 <a:latin typeface="+mn-lt"/>
                 <a:cs typeface="Times New Roman" panose="02020603050405020304" pitchFamily="18" charset="0"/>
               </a:rPr>
-              <a:t>1. Structure</a:t>
-            </a:r>
-            <a:endParaRPr lang="zh-CN" altLang="en-US" sz="2400" kern="100" dirty="0">
-              <a:solidFill>
-                <a:srgbClr val="000000"/>
-              </a:solidFill>
-              <a:cs typeface="Times New Roman" panose="02020603050405020304" pitchFamily="18" charset="0"/>
-            </a:endParaRPr>
-          </a:p>
-        </p:txBody>
-      </p:sp>
-      <p:sp>
-        <p:nvSpPr>
-          <p:cNvPr id="10" name="文本框 9"/>
-          <p:cNvSpPr txBox="1"/>
-          <p:nvPr/>
-        </p:nvSpPr>
-        <p:spPr>
-          <a:xfrm>
-            <a:off x="539552" y="1672055"/>
-            <a:ext cx="7416824" cy="461665"/>
-          </a:xfrm>
-          <a:prstGeom prst="rect">
-            <a:avLst/>
-          </a:prstGeom>
-          <a:noFill/>
-        </p:spPr>
-        <p:txBody>
-          <a:bodyPr wrap="square" rtlCol="0">
-            <a:spAutoFit/>
-          </a:bodyPr>
-          <a:lstStyle/>
-          <a:p>
+              <a:t>1. </a:t>
+            </a:r>
             <a:r>
               <a:rPr lang="en-US" altLang="zh-CN" sz="2400" kern="100" dirty="0" smtClean="0">
                 <a:solidFill>
@@ -9561,7 +10797,7 @@
                 <a:latin typeface="+mn-lt"/>
                 <a:cs typeface="Times New Roman" panose="02020603050405020304" pitchFamily="18" charset="0"/>
               </a:rPr>
-              <a:t>2. Band , dos and </a:t>
+              <a:t>Band , dos and </a:t>
             </a:r>
             <a:r>
               <a:rPr lang="en-US" altLang="zh-CN" sz="2400" kern="100" dirty="0" smtClean="0">
@@ -9570,7 +10806,16 @@
                 </a:solidFill>
                 <a:cs typeface="Times New Roman" panose="02020603050405020304" pitchFamily="18" charset="0"/>
               </a:rPr>
-              <a:t>topological effects</a:t>
+              <a:t>topological </a:t>
+            </a:r>
+            <a:r>
+              <a:rPr lang="en-US" altLang="zh-CN" sz="2400" kern="100" dirty="0" smtClean="0">
+                <a:solidFill>
+                  <a:srgbClr val="000000"/>
+                </a:solidFill>
+                <a:cs typeface="Times New Roman" panose="02020603050405020304" pitchFamily="18" charset="0"/>
+              </a:rPr>
+              <a:t>properties</a:t>
             </a:r>
             <a:endParaRPr lang="zh-CN" altLang="en-US" sz="2400" kern="100" dirty="0">
               <a:solidFill>
@@ -9611,7 +10856,17 @@
                 <a:latin typeface="+mn-lt"/>
                 <a:cs typeface="Times New Roman" panose="02020603050405020304" pitchFamily="18" charset="0"/>
               </a:rPr>
-              <a:t>3. Phonon dispersion &amp; dos</a:t>
+              <a:t>2. </a:t>
+            </a:r>
+            <a:r>
+              <a:rPr lang="en-US" altLang="zh-CN" sz="2400" kern="100" dirty="0" smtClean="0">
+                <a:solidFill>
+                  <a:srgbClr val="000000"/>
+                </a:solidFill>
+                <a:latin typeface="+mn-lt"/>
+                <a:cs typeface="Times New Roman" panose="02020603050405020304" pitchFamily="18" charset="0"/>
+              </a:rPr>
+              <a:t>Phonon dispersion &amp; dos</a:t>
             </a:r>
             <a:endParaRPr lang="zh-CN" altLang="en-US" sz="2400" kern="100" dirty="0">
               <a:solidFill>
@@ -9630,7 +10885,7 @@
         </p:nvSpPr>
         <p:spPr>
           <a:xfrm>
-            <a:off x="539552" y="2724067"/>
+            <a:off x="539552" y="3159779"/>
             <a:ext cx="7416824" cy="461665"/>
           </a:xfrm>
           <a:prstGeom prst="rect">
@@ -9652,7 +10907,17 @@
                 <a:latin typeface="+mn-lt"/>
                 <a:cs typeface="Times New Roman" panose="02020603050405020304" pitchFamily="18" charset="0"/>
               </a:rPr>
-              <a:t>4. Thermal Conductivity</a:t>
+              <a:t>4. </a:t>
+            </a:r>
+            <a:r>
+              <a:rPr lang="en-US" altLang="zh-CN" sz="2400" kern="100" dirty="0" smtClean="0">
+                <a:solidFill>
+                  <a:srgbClr val="000000"/>
+                </a:solidFill>
+                <a:latin typeface="+mn-lt"/>
+                <a:cs typeface="Times New Roman" panose="02020603050405020304" pitchFamily="18" charset="0"/>
+              </a:rPr>
+              <a:t>Thermal Conductivity</a:t>
             </a:r>
             <a:endParaRPr lang="zh-CN" altLang="en-US" sz="2400" kern="100" dirty="0">
               <a:solidFill>
@@ -9671,7 +10936,7 @@
         </p:nvSpPr>
         <p:spPr>
           <a:xfrm>
-            <a:off x="539552" y="3250073"/>
+            <a:off x="539552" y="2678920"/>
             <a:ext cx="7416824" cy="461665"/>
           </a:xfrm>
           <a:prstGeom prst="rect">
@@ -9693,12 +10958,23 @@
                 <a:latin typeface="+mn-lt"/>
                 <a:cs typeface="Times New Roman" panose="02020603050405020304" pitchFamily="18" charset="0"/>
               </a:rPr>
-              <a:t>5. Participation ratio and local modes</a:t>
+              <a:t>3. </a:t>
+            </a:r>
+            <a:r>
+              <a:rPr lang="en-US" altLang="zh-CN" sz="2400" kern="100" dirty="0">
+                <a:solidFill>
+                  <a:srgbClr val="000000"/>
+                </a:solidFill>
+                <a:latin typeface="+mn-lt"/>
+                <a:cs typeface="Times New Roman" panose="02020603050405020304" pitchFamily="18" charset="0"/>
+              </a:rPr>
+              <a:t>Phonon Related Properties</a:t>
             </a:r>
             <a:endParaRPr lang="zh-CN" altLang="en-US" sz="2400" kern="100" dirty="0">
               <a:solidFill>
                 <a:srgbClr val="000000"/>
               </a:solidFill>
+              <a:latin typeface="+mn-lt"/>
               <a:cs typeface="Times New Roman" panose="02020603050405020304" pitchFamily="18" charset="0"/>
             </a:endParaRPr>
           </a:p>
@@ -9712,7 +10988,7 @@
         </p:nvSpPr>
         <p:spPr>
           <a:xfrm>
-            <a:off x="539552" y="4302087"/>
+            <a:off x="539552" y="3669894"/>
             <a:ext cx="7416824" cy="461665"/>
           </a:xfrm>
           <a:prstGeom prst="rect">
@@ -9726,6 +11002,16 @@
           </a:bodyPr>
           <a:lstStyle/>
           <a:p>
+            <a:r>
+              <a:rPr lang="en-US" altLang="zh-CN" sz="2400" kern="100" dirty="0">
+                <a:solidFill>
+                  <a:srgbClr val="000000"/>
+                </a:solidFill>
+                <a:latin typeface="+mn-lt"/>
+                <a:cs typeface="Times New Roman" panose="02020603050405020304" pitchFamily="18" charset="0"/>
+              </a:rPr>
+              <a:t>5</a:t>
+            </a:r>
             <a:r>
               <a:rPr lang="en-US" altLang="zh-CN" sz="2400" kern="100" dirty="0" smtClean="0">
                 <a:solidFill>
@@ -9734,17 +11020,7 @@
                 <a:latin typeface="+mn-lt"/>
                 <a:cs typeface="Times New Roman" panose="02020603050405020304" pitchFamily="18" charset="0"/>
               </a:rPr>
-              <a:t>7. Seebeck Coefficient and </a:t>
-            </a:r>
-            <a:r>
-              <a:rPr lang="en-US" altLang="zh-CN" sz="2400" kern="100" dirty="0" err="1" smtClean="0">
-                <a:solidFill>
-                  <a:srgbClr val="000000"/>
-                </a:solidFill>
-                <a:latin typeface="+mn-lt"/>
-                <a:cs typeface="Times New Roman" panose="02020603050405020304" pitchFamily="18" charset="0"/>
-              </a:rPr>
-              <a:t>powerfactor</a:t>
+              <a:t>. </a:t>
             </a:r>
             <a:r>
               <a:rPr lang="en-US" altLang="zh-CN" sz="2400" kern="100" dirty="0" smtClean="0">
@@ -9754,7 +11030,27 @@
                 <a:latin typeface="+mn-lt"/>
                 <a:cs typeface="Times New Roman" panose="02020603050405020304" pitchFamily="18" charset="0"/>
               </a:rPr>
-              <a:t> and ZT</a:t>
+              <a:t>Seebeck Coefficient and </a:t>
+            </a:r>
+            <a:r>
+              <a:rPr lang="en-US" altLang="zh-CN" sz="2400" kern="100" dirty="0" smtClean="0">
+                <a:solidFill>
+                  <a:srgbClr val="000000"/>
+                </a:solidFill>
+                <a:latin typeface="+mn-lt"/>
+                <a:cs typeface="Times New Roman" panose="02020603050405020304" pitchFamily="18" charset="0"/>
+              </a:rPr>
+              <a:t>power factor </a:t>
+            </a:r>
+            <a:r>
+              <a:rPr lang="en-US" altLang="zh-CN" sz="2400" kern="100" dirty="0" smtClean="0">
+                <a:solidFill>
+                  <a:srgbClr val="000000"/>
+                </a:solidFill>
+                <a:latin typeface="+mn-lt"/>
+                <a:cs typeface="Times New Roman" panose="02020603050405020304" pitchFamily="18" charset="0"/>
+              </a:rPr>
+              <a:t>and ZT</a:t>
             </a:r>
             <a:endParaRPr lang="zh-CN" altLang="en-US" sz="2400" kern="100" dirty="0">
               <a:solidFill>
@@ -9773,7 +11069,7 @@
         </p:nvSpPr>
         <p:spPr>
           <a:xfrm>
-            <a:off x="539552" y="3776079"/>
+            <a:off x="539552" y="4180009"/>
             <a:ext cx="8036729" cy="461665"/>
           </a:xfrm>
           <a:prstGeom prst="rect">
@@ -9795,7 +11091,17 @@
                 <a:latin typeface="+mn-lt"/>
                 <a:cs typeface="Times New Roman" panose="02020603050405020304" pitchFamily="18" charset="0"/>
               </a:rPr>
-              <a:t>6. e-p coupling and it’s effects on electric conductivity and TC </a:t>
+              <a:t>6. </a:t>
+            </a:r>
+            <a:r>
+              <a:rPr lang="en-US" altLang="zh-CN" sz="2400" kern="100" dirty="0" smtClean="0">
+                <a:solidFill>
+                  <a:srgbClr val="000000"/>
+                </a:solidFill>
+                <a:latin typeface="+mn-lt"/>
+                <a:cs typeface="Times New Roman" panose="02020603050405020304" pitchFamily="18" charset="0"/>
+              </a:rPr>
+              <a:t>e-p coupling and it’s effects on electric conductivity and TC </a:t>
             </a:r>
             <a:endParaRPr lang="zh-CN" altLang="en-US" sz="2400" kern="100" dirty="0">
               <a:solidFill>
@@ -9831,7 +11137,7 @@
 </p:sld>
 </file>
 
-<file path=ppt/slides/slide13.xml><?xml version="1.0" encoding="utf-8"?>
+<file path=ppt/slides/slide15.xml><?xml version="1.0" encoding="utf-8"?>
 <p:sld xmlns:a="http://schemas.openxmlformats.org/drawingml/2006/main" xmlns:r="http://schemas.openxmlformats.org/officeDocument/2006/relationships" xmlns:p="http://schemas.openxmlformats.org/presentationml/2006/main">
   <p:cSld>
     <p:spTree>
@@ -9945,7 +11251,7 @@
         <p:spPr>
           <a:xfrm>
             <a:off x="142844" y="116632"/>
-            <a:ext cx="2598788" cy="523220"/>
+            <a:ext cx="4059894" cy="523220"/>
           </a:xfrm>
           <a:prstGeom prst="rect">
             <a:avLst/>
@@ -9963,7 +11269,7 @@
                 <a:ea typeface="微软雅黑" pitchFamily="34" charset="-122"/>
                 <a:cs typeface="Times New Roman" pitchFamily="18" charset="0"/>
               </a:rPr>
-              <a:t>CONCLUSION</a:t>
+              <a:t>RESULTS &amp; ANALYSIS</a:t>
             </a:r>
             <a:endParaRPr lang="en-US" altLang="zh-CN" sz="2800" b="1" dirty="0">
               <a:ea typeface="微软雅黑" pitchFamily="34" charset="-122"/>
@@ -9974,92 +11280,80 @@
       </p:sp>
       <p:sp>
         <p:nvSpPr>
-          <p:cNvPr id="10" name="文本框 9"/>
-          <p:cNvSpPr txBox="1"/>
+          <p:cNvPr id="8" name="矩形 7"/>
+          <p:cNvSpPr/>
           <p:nvPr/>
         </p:nvSpPr>
         <p:spPr>
           <a:xfrm>
-            <a:off x="395536" y="1340768"/>
-            <a:ext cx="8352928" cy="1200329"/>
+            <a:off x="4214425" y="270520"/>
+            <a:ext cx="3993401" cy="369332"/>
           </a:xfrm>
           <a:prstGeom prst="rect">
             <a:avLst/>
           </a:prstGeom>
-          <a:noFill/>
         </p:spPr>
         <p:txBody>
-          <a:bodyPr wrap="square" rtlCol="0">
+          <a:bodyPr wrap="none">
             <a:spAutoFit/>
           </a:bodyPr>
           <a:lstStyle/>
           <a:p>
             <a:r>
-              <a:rPr lang="en-US" altLang="zh-CN" sz="2400" kern="100" dirty="0" smtClean="0">
+              <a:rPr lang="en-US" altLang="zh-CN" kern="100">
                 <a:solidFill>
                   <a:srgbClr val="000000"/>
                 </a:solidFill>
-                <a:latin typeface="+mn-lt"/>
                 <a:cs typeface="Times New Roman" panose="02020603050405020304" pitchFamily="18" charset="0"/>
               </a:rPr>
-              <a:t>1. From first principle we systematically investigate the phonon anharmonic thermal conductivity , Seebeck coefficient and electric conductivity with phonon-electron coupling considered</a:t>
-            </a:r>
-            <a:endParaRPr lang="zh-CN" altLang="en-US" sz="2400" kern="100" dirty="0">
+              <a:t>Band , dos and </a:t>
+            </a:r>
+            <a:r>
+              <a:rPr lang="en-US" altLang="zh-CN" kern="100">
+                <a:solidFill>
+                  <a:srgbClr val="000000"/>
+                </a:solidFill>
+                <a:cs typeface="Times New Roman" panose="02020603050405020304" pitchFamily="18" charset="0"/>
+              </a:rPr>
+              <a:t>topological properties</a:t>
+            </a:r>
+            <a:endParaRPr lang="zh-CN" altLang="en-US" kern="100" dirty="0">
               <a:solidFill>
                 <a:srgbClr val="000000"/>
               </a:solidFill>
-              <a:latin typeface="+mn-lt"/>
               <a:cs typeface="Times New Roman" panose="02020603050405020304" pitchFamily="18" charset="0"/>
             </a:endParaRPr>
           </a:p>
         </p:txBody>
       </p:sp>
-      <p:sp>
-        <p:nvSpPr>
-          <p:cNvPr id="11" name="文本框 10"/>
-          <p:cNvSpPr txBox="1"/>
+      <p:pic>
+        <p:nvPicPr>
+          <p:cNvPr id="9" name="图片 8"/>
+          <p:cNvPicPr>
+            <a:picLocks noChangeAspect="1"/>
+          </p:cNvPicPr>
           <p:nvPr/>
-        </p:nvSpPr>
+        </p:nvPicPr>
+        <p:blipFill>
+          <a:blip r:embed="rId2"/>
+          <a:stretch>
+            <a:fillRect/>
+          </a:stretch>
+        </p:blipFill>
         <p:spPr>
           <a:xfrm>
-            <a:off x="395536" y="2780928"/>
-            <a:ext cx="8352928" cy="830997"/>
+            <a:off x="1115616" y="1196752"/>
+            <a:ext cx="6915150" cy="4714875"/>
           </a:xfrm>
           <a:prstGeom prst="rect">
             <a:avLst/>
           </a:prstGeom>
-          <a:noFill/>
-        </p:spPr>
-        <p:txBody>
-          <a:bodyPr wrap="square" rtlCol="0">
-            <a:spAutoFit/>
-          </a:bodyPr>
-          <a:lstStyle/>
-          <a:p>
-            <a:r>
-              <a:rPr lang="en-US" altLang="zh-CN" sz="2400" kern="100" dirty="0" smtClean="0">
-                <a:solidFill>
-                  <a:srgbClr val="000000"/>
-                </a:solidFill>
-                <a:latin typeface="+mn-lt"/>
-                <a:cs typeface="Times New Roman" panose="02020603050405020304" pitchFamily="18" charset="0"/>
-              </a:rPr>
-              <a:t>2. We found the low thermal conductivity is caused by the strong anharmonic scattering. The ZT is 2.5 at 900K.</a:t>
-            </a:r>
-            <a:endParaRPr lang="zh-CN" altLang="en-US" sz="2400" kern="100" dirty="0">
-              <a:solidFill>
-                <a:srgbClr val="000000"/>
-              </a:solidFill>
-              <a:latin typeface="+mn-lt"/>
-              <a:cs typeface="Times New Roman" panose="02020603050405020304" pitchFamily="18" charset="0"/>
-            </a:endParaRPr>
-          </a:p>
-        </p:txBody>
-      </p:sp>
+        </p:spPr>
+      </p:pic>
     </p:spTree>
     <p:extLst>
       <p:ext uri="{BB962C8B-B14F-4D97-AF65-F5344CB8AC3E}">
-        <p14:creationId xmlns:p14="http://schemas.microsoft.com/office/powerpoint/2010/main" val="1454801111"/>
+        <p14:creationId xmlns:p14="http://schemas.microsoft.com/office/powerpoint/2010/main" val="17655380"/>
       </p:ext>
     </p:extLst>
   </p:cSld>
@@ -10078,17 +11372,10 @@
       </p:transition>
     </mc:Fallback>
   </mc:AlternateContent>
-  <p:timing>
-    <p:tnLst>
-      <p:par>
-        <p:cTn id="1" dur="indefinite" restart="never" nodeType="tmRoot"/>
-      </p:par>
-    </p:tnLst>
-  </p:timing>
 </p:sld>
 </file>
 
-<file path=ppt/slides/slide14.xml><?xml version="1.0" encoding="utf-8"?>
+<file path=ppt/slides/slide16.xml><?xml version="1.0" encoding="utf-8"?>
 <p:sld xmlns:a="http://schemas.openxmlformats.org/drawingml/2006/main" xmlns:r="http://schemas.openxmlformats.org/officeDocument/2006/relationships" xmlns:p="http://schemas.openxmlformats.org/presentationml/2006/main">
   <p:cSld>
     <p:spTree>
@@ -10105,16 +11392,104 @@
           <a:chExt cx="0" cy="0"/>
         </a:xfrm>
       </p:grpSpPr>
+      <p:grpSp>
+        <p:nvGrpSpPr>
+          <p:cNvPr id="5" name="组合 4"/>
+          <p:cNvGrpSpPr/>
+          <p:nvPr/>
+        </p:nvGrpSpPr>
+        <p:grpSpPr>
+          <a:xfrm>
+            <a:off x="0" y="785794"/>
+            <a:ext cx="4143372" cy="142876"/>
+            <a:chOff x="0" y="785794"/>
+            <a:chExt cx="4143372" cy="142876"/>
+          </a:xfrm>
+        </p:grpSpPr>
+        <p:cxnSp>
+          <p:nvCxnSpPr>
+            <p:cNvPr id="6" name="直接连接符 5"/>
+            <p:cNvCxnSpPr>
+              <a:endCxn id="7" idx="3"/>
+            </p:cNvCxnSpPr>
+            <p:nvPr/>
+          </p:nvCxnSpPr>
+          <p:spPr>
+            <a:xfrm rot="10800000">
+              <a:off x="642910" y="857232"/>
+              <a:ext cx="3500462" cy="1588"/>
+            </a:xfrm>
+            <a:prstGeom prst="line">
+              <a:avLst/>
+            </a:prstGeom>
+            <a:ln w="19050">
+              <a:solidFill>
+                <a:srgbClr val="7030A0"/>
+              </a:solidFill>
+            </a:ln>
+          </p:spPr>
+          <p:style>
+            <a:lnRef idx="1">
+              <a:schemeClr val="accent1"/>
+            </a:lnRef>
+            <a:fillRef idx="0">
+              <a:schemeClr val="accent1"/>
+            </a:fillRef>
+            <a:effectRef idx="0">
+              <a:schemeClr val="accent1"/>
+            </a:effectRef>
+            <a:fontRef idx="minor">
+              <a:schemeClr val="tx1"/>
+            </a:fontRef>
+          </p:style>
+        </p:cxnSp>
+        <p:sp>
+          <p:nvSpPr>
+            <p:cNvPr id="7" name="Rectangle 7"/>
+            <p:cNvSpPr>
+              <a:spLocks noChangeArrowheads="1"/>
+            </p:cNvSpPr>
+            <p:nvPr/>
+          </p:nvSpPr>
+          <p:spPr bwMode="auto">
+            <a:xfrm>
+              <a:off x="0" y="785794"/>
+              <a:ext cx="642910" cy="142876"/>
+            </a:xfrm>
+            <a:prstGeom prst="rect">
+              <a:avLst/>
+            </a:prstGeom>
+            <a:solidFill>
+              <a:srgbClr val="7030A0"/>
+            </a:solidFill>
+            <a:ln w="9525">
+              <a:solidFill>
+                <a:srgbClr val="7030A0"/>
+              </a:solidFill>
+              <a:miter lim="800000"/>
+              <a:headEnd/>
+              <a:tailEnd/>
+            </a:ln>
+          </p:spPr>
+          <p:txBody>
+            <a:bodyPr wrap="none" anchor="ctr"/>
+            <a:lstStyle/>
+            <a:p>
+              <a:endParaRPr lang="zh-CN" altLang="en-US"/>
+            </a:p>
+          </p:txBody>
+        </p:sp>
+      </p:grpSp>
       <p:sp>
         <p:nvSpPr>
-          <p:cNvPr id="5" name="文本框 4"/>
+          <p:cNvPr id="8" name="TextBox 3"/>
           <p:cNvSpPr txBox="1"/>
           <p:nvPr/>
         </p:nvSpPr>
         <p:spPr>
           <a:xfrm>
-            <a:off x="3797913" y="3712359"/>
-            <a:ext cx="1548172" cy="400110"/>
+            <a:off x="142844" y="116632"/>
+            <a:ext cx="4059894" cy="523220"/>
           </a:xfrm>
           <a:prstGeom prst="rect">
             <a:avLst/>
@@ -10122,78 +11497,67 @@
           <a:noFill/>
         </p:spPr>
         <p:txBody>
-          <a:bodyPr wrap="square" rtlCol="0">
+          <a:bodyPr wrap="none" rtlCol="0">
             <a:spAutoFit/>
           </a:bodyPr>
           <a:lstStyle/>
           <a:p>
             <a:r>
-              <a:rPr lang="en-US" altLang="zh-CN" sz="2000" dirty="0" smtClean="0">
-                <a:latin typeface="微软雅黑" panose="020B0503020204020204" pitchFamily="34" charset="-122"/>
-                <a:ea typeface="微软雅黑" panose="020B0503020204020204" pitchFamily="34" charset="-122"/>
+              <a:rPr lang="en-US" altLang="zh-CN" sz="2800" b="1" dirty="0" smtClean="0">
+                <a:ea typeface="微软雅黑" pitchFamily="34" charset="-122"/>
+                <a:cs typeface="Times New Roman" pitchFamily="18" charset="0"/>
               </a:rPr>
-              <a:t>Yang Zhou</a:t>
-            </a:r>
-            <a:endParaRPr lang="zh-CN" altLang="en-US" sz="2000" dirty="0">
-              <a:latin typeface="微软雅黑" panose="020B0503020204020204" pitchFamily="34" charset="-122"/>
-              <a:ea typeface="微软雅黑" panose="020B0503020204020204" pitchFamily="34" charset="-122"/>
+              <a:t>RESULTS &amp; ANALYSIS</a:t>
+            </a:r>
+            <a:endParaRPr lang="en-US" altLang="zh-CN" sz="2800" b="1" dirty="0">
+              <a:ea typeface="微软雅黑" pitchFamily="34" charset="-122"/>
+              <a:cs typeface="Times New Roman" pitchFamily="18" charset="0"/>
             </a:endParaRPr>
           </a:p>
         </p:txBody>
       </p:sp>
       <p:sp>
         <p:nvSpPr>
-          <p:cNvPr id="6" name="文本框 5"/>
-          <p:cNvSpPr txBox="1"/>
+          <p:cNvPr id="9" name="矩形 8"/>
+          <p:cNvSpPr/>
           <p:nvPr/>
         </p:nvSpPr>
         <p:spPr>
           <a:xfrm>
-            <a:off x="3275856" y="5373216"/>
-            <a:ext cx="2592287" cy="400110"/>
+            <a:off x="4644008" y="416462"/>
+            <a:ext cx="2749471" cy="369332"/>
           </a:xfrm>
           <a:prstGeom prst="rect">
             <a:avLst/>
           </a:prstGeom>
-          <a:noFill/>
         </p:spPr>
         <p:txBody>
-          <a:bodyPr wrap="square" rtlCol="0">
+          <a:bodyPr wrap="none">
             <a:spAutoFit/>
           </a:bodyPr>
           <a:lstStyle/>
           <a:p>
             <a:r>
-              <a:rPr lang="en-US" altLang="zh-CN" sz="2000" dirty="0">
-                <a:latin typeface="微软雅黑" panose="020B0503020204020204" pitchFamily="34" charset="-122"/>
-                <a:ea typeface="微软雅黑" panose="020B0503020204020204" pitchFamily="34" charset="-122"/>
+              <a:rPr lang="en-US" altLang="zh-CN" kern="100" dirty="0">
+                <a:solidFill>
+                  <a:srgbClr val="000000"/>
+                </a:solidFill>
+                <a:cs typeface="Times New Roman" panose="02020603050405020304" pitchFamily="18" charset="0"/>
               </a:rPr>
-              <a:t>@ </a:t>
-            </a:r>
-            <a:r>
-              <a:rPr lang="en-US" altLang="zh-CN" sz="2000" dirty="0" err="1" smtClean="0">
-                <a:latin typeface="微软雅黑" panose="020B0503020204020204" pitchFamily="34" charset="-122"/>
-                <a:ea typeface="微软雅黑" panose="020B0503020204020204" pitchFamily="34" charset="-122"/>
-              </a:rPr>
-              <a:t>Fudan</a:t>
-            </a:r>
-            <a:r>
-              <a:rPr lang="en-US" altLang="zh-CN" sz="2000" dirty="0" smtClean="0">
-                <a:latin typeface="微软雅黑" panose="020B0503020204020204" pitchFamily="34" charset="-122"/>
-                <a:ea typeface="微软雅黑" panose="020B0503020204020204" pitchFamily="34" charset="-122"/>
-              </a:rPr>
-              <a:t> University</a:t>
-            </a:r>
-            <a:endParaRPr lang="zh-CN" altLang="en-US" sz="2000" dirty="0">
-              <a:latin typeface="微软雅黑" panose="020B0503020204020204" pitchFamily="34" charset="-122"/>
-              <a:ea typeface="微软雅黑" panose="020B0503020204020204" pitchFamily="34" charset="-122"/>
+              <a:t>Phonon dispersion &amp; dos</a:t>
+            </a:r>
+            <a:endParaRPr lang="zh-CN" altLang="en-US" kern="100" dirty="0">
+              <a:solidFill>
+                <a:srgbClr val="000000"/>
+              </a:solidFill>
+              <a:cs typeface="Times New Roman" panose="02020603050405020304" pitchFamily="18" charset="0"/>
             </a:endParaRPr>
           </a:p>
         </p:txBody>
       </p:sp>
       <p:pic>
         <p:nvPicPr>
-          <p:cNvPr id="8" name="图片 7"/>
+          <p:cNvPr id="10" name="图片 9"/>
           <p:cNvPicPr>
             <a:picLocks noChangeAspect="1"/>
           </p:cNvPicPr>
@@ -10213,132 +11577,18 @@
         </p:blipFill>
         <p:spPr>
           <a:xfrm>
-            <a:off x="850308" y="152477"/>
-            <a:ext cx="3842983" cy="1015961"/>
+            <a:off x="1011024" y="1003173"/>
+            <a:ext cx="6264696" cy="4710600"/>
           </a:xfrm>
           <a:prstGeom prst="rect">
             <a:avLst/>
           </a:prstGeom>
         </p:spPr>
       </p:pic>
-      <p:pic>
-        <p:nvPicPr>
-          <p:cNvPr id="9" name="图片 8"/>
-          <p:cNvPicPr>
-            <a:picLocks noChangeAspect="1"/>
-          </p:cNvPicPr>
-          <p:nvPr/>
-        </p:nvPicPr>
-        <p:blipFill>
-          <a:blip r:embed="rId3">
-            <a:extLst>
-              <a:ext uri="{28A0092B-C50C-407E-A947-70E740481C1C}">
-                <a14:useLocalDpi xmlns:a14="http://schemas.microsoft.com/office/drawing/2010/main" val="0"/>
-              </a:ext>
-            </a:extLst>
-          </a:blip>
-          <a:stretch>
-            <a:fillRect/>
-          </a:stretch>
-        </p:blipFill>
-        <p:spPr>
-          <a:xfrm>
-            <a:off x="4723723" y="116632"/>
-            <a:ext cx="2944622" cy="1015961"/>
-          </a:xfrm>
-          <a:prstGeom prst="rect">
-            <a:avLst/>
-          </a:prstGeom>
-        </p:spPr>
-      </p:pic>
-      <p:sp>
-        <p:nvSpPr>
-          <p:cNvPr id="2" name="矩形 1"/>
-          <p:cNvSpPr/>
-          <p:nvPr/>
-        </p:nvSpPr>
-        <p:spPr>
-          <a:xfrm>
-            <a:off x="0" y="1772816"/>
-            <a:ext cx="9144000" cy="1470884"/>
-          </a:xfrm>
-          <a:prstGeom prst="rect">
-            <a:avLst/>
-          </a:prstGeom>
-          <a:solidFill>
-            <a:srgbClr val="512373"/>
-          </a:solidFill>
-          <a:ln>
-            <a:noFill/>
-          </a:ln>
-        </p:spPr>
-        <p:style>
-          <a:lnRef idx="2">
-            <a:schemeClr val="accent1">
-              <a:shade val="50000"/>
-            </a:schemeClr>
-          </a:lnRef>
-          <a:fillRef idx="1">
-            <a:schemeClr val="accent1"/>
-          </a:fillRef>
-          <a:effectRef idx="0">
-            <a:schemeClr val="accent1"/>
-          </a:effectRef>
-          <a:fontRef idx="minor">
-            <a:schemeClr val="lt1"/>
-          </a:fontRef>
-        </p:style>
-        <p:txBody>
-          <a:bodyPr rtlCol="0" anchor="ctr"/>
-          <a:lstStyle/>
-          <a:p>
-            <a:pPr algn="ctr"/>
-            <a:r>
-              <a:rPr lang="en-US" altLang="zh-CN" sz="3600" dirty="0">
-                <a:solidFill>
-                  <a:schemeClr val="bg1"/>
-                </a:solidFill>
-                <a:latin typeface="微软雅黑" panose="020B0503020204020204" pitchFamily="34" charset="-122"/>
-                <a:ea typeface="微软雅黑" panose="020B0503020204020204" pitchFamily="34" charset="-122"/>
-              </a:rPr>
-              <a:t>THANK FOR YOUR ATTENTION!</a:t>
-            </a:r>
-          </a:p>
-        </p:txBody>
-      </p:sp>
-      <p:sp>
-        <p:nvSpPr>
-          <p:cNvPr id="3" name="灯片编号占位符 2"/>
-          <p:cNvSpPr>
-            <a:spLocks noGrp="1"/>
-          </p:cNvSpPr>
-          <p:nvPr>
-            <p:ph type="sldNum" sz="quarter" idx="12"/>
-          </p:nvPr>
-        </p:nvSpPr>
-        <p:spPr/>
-        <p:txBody>
-          <a:bodyPr/>
-          <a:lstStyle/>
-          <a:p>
-            <a:pPr>
-              <a:defRPr/>
-            </a:pPr>
-            <a:fld id="{D2422954-7ADE-4775-92BF-88688A89BB4A}" type="slidenum">
-              <a:rPr lang="zh-CN" altLang="zh-CN" smtClean="0"/>
-              <a:pPr>
-                <a:defRPr/>
-              </a:pPr>
-              <a:t>14</a:t>
-            </a:fld>
-            <a:endParaRPr lang="zh-CN" altLang="zh-CN"/>
-          </a:p>
-        </p:txBody>
-      </p:sp>
     </p:spTree>
     <p:extLst>
       <p:ext uri="{BB962C8B-B14F-4D97-AF65-F5344CB8AC3E}">
-        <p14:creationId xmlns:p14="http://schemas.microsoft.com/office/powerpoint/2010/main" val="2133724444"/>
+        <p14:creationId xmlns:p14="http://schemas.microsoft.com/office/powerpoint/2010/main" val="1959840414"/>
       </p:ext>
     </p:extLst>
   </p:cSld>
@@ -10357,17 +11607,10 @@
       </p:transition>
     </mc:Fallback>
   </mc:AlternateContent>
-  <p:timing>
-    <p:tnLst>
-      <p:par>
-        <p:cTn id="1" dur="indefinite" restart="never" nodeType="tmRoot"/>
-      </p:par>
-    </p:tnLst>
-  </p:timing>
 </p:sld>
 </file>
 
-<file path=ppt/slides/slide2.xml><?xml version="1.0" encoding="utf-8"?>
+<file path=ppt/slides/slide17.xml><?xml version="1.0" encoding="utf-8"?>
 <p:sld xmlns:a="http://schemas.openxmlformats.org/drawingml/2006/main" xmlns:r="http://schemas.openxmlformats.org/officeDocument/2006/relationships" xmlns:p="http://schemas.openxmlformats.org/presentationml/2006/main">
   <p:cSld>
     <p:spTree>
@@ -10481,6 +11724,913 @@
         <p:spPr>
           <a:xfrm>
             <a:off x="142844" y="116632"/>
+            <a:ext cx="4059894" cy="523220"/>
+          </a:xfrm>
+          <a:prstGeom prst="rect">
+            <a:avLst/>
+          </a:prstGeom>
+          <a:noFill/>
+        </p:spPr>
+        <p:txBody>
+          <a:bodyPr wrap="none" rtlCol="0">
+            <a:spAutoFit/>
+          </a:bodyPr>
+          <a:lstStyle/>
+          <a:p>
+            <a:r>
+              <a:rPr lang="en-US" altLang="zh-CN" sz="2800" b="1" dirty="0" smtClean="0">
+                <a:ea typeface="微软雅黑" pitchFamily="34" charset="-122"/>
+                <a:cs typeface="Times New Roman" pitchFamily="18" charset="0"/>
+              </a:rPr>
+              <a:t>RESULTS &amp; ANALYSIS</a:t>
+            </a:r>
+            <a:endParaRPr lang="en-US" altLang="zh-CN" sz="2800" b="1" dirty="0">
+              <a:ea typeface="微软雅黑" pitchFamily="34" charset="-122"/>
+              <a:cs typeface="Times New Roman" pitchFamily="18" charset="0"/>
+            </a:endParaRPr>
+          </a:p>
+        </p:txBody>
+      </p:sp>
+      <p:sp>
+        <p:nvSpPr>
+          <p:cNvPr id="8" name="矩形 7"/>
+          <p:cNvSpPr/>
+          <p:nvPr/>
+        </p:nvSpPr>
+        <p:spPr>
+          <a:xfrm>
+            <a:off x="4572000" y="487899"/>
+            <a:ext cx="2954655" cy="369332"/>
+          </a:xfrm>
+          <a:prstGeom prst="rect">
+            <a:avLst/>
+          </a:prstGeom>
+        </p:spPr>
+        <p:txBody>
+          <a:bodyPr wrap="none">
+            <a:spAutoFit/>
+          </a:bodyPr>
+          <a:lstStyle/>
+          <a:p>
+            <a:r>
+              <a:rPr lang="en-US" altLang="zh-CN" kern="100" dirty="0">
+                <a:solidFill>
+                  <a:srgbClr val="000000"/>
+                </a:solidFill>
+                <a:cs typeface="Times New Roman" panose="02020603050405020304" pitchFamily="18" charset="0"/>
+              </a:rPr>
+              <a:t>Phonon </a:t>
+            </a:r>
+            <a:r>
+              <a:rPr lang="en-US" altLang="zh-CN" kern="100" dirty="0" smtClean="0">
+                <a:solidFill>
+                  <a:srgbClr val="000000"/>
+                </a:solidFill>
+                <a:cs typeface="Times New Roman" panose="02020603050405020304" pitchFamily="18" charset="0"/>
+              </a:rPr>
+              <a:t>Related Properties</a:t>
+            </a:r>
+            <a:endParaRPr lang="zh-CN" altLang="en-US" dirty="0"/>
+          </a:p>
+        </p:txBody>
+      </p:sp>
+      <p:pic>
+        <p:nvPicPr>
+          <p:cNvPr id="9" name="图片 8"/>
+          <p:cNvPicPr>
+            <a:picLocks noChangeAspect="1"/>
+          </p:cNvPicPr>
+          <p:nvPr/>
+        </p:nvPicPr>
+        <p:blipFill>
+          <a:blip r:embed="rId2">
+            <a:extLst>
+              <a:ext uri="{28A0092B-C50C-407E-A947-70E740481C1C}">
+                <a14:useLocalDpi xmlns:a14="http://schemas.microsoft.com/office/drawing/2010/main" val="0"/>
+              </a:ext>
+            </a:extLst>
+          </a:blip>
+          <a:stretch>
+            <a:fillRect/>
+          </a:stretch>
+        </p:blipFill>
+        <p:spPr>
+          <a:xfrm>
+            <a:off x="409041" y="928670"/>
+            <a:ext cx="3740106" cy="3001786"/>
+          </a:xfrm>
+          <a:prstGeom prst="rect">
+            <a:avLst/>
+          </a:prstGeom>
+        </p:spPr>
+      </p:pic>
+      <p:pic>
+        <p:nvPicPr>
+          <p:cNvPr id="10" name="图片 9"/>
+          <p:cNvPicPr>
+            <a:picLocks noChangeAspect="1"/>
+          </p:cNvPicPr>
+          <p:nvPr/>
+        </p:nvPicPr>
+        <p:blipFill>
+          <a:blip r:embed="rId3">
+            <a:extLst>
+              <a:ext uri="{28A0092B-C50C-407E-A947-70E740481C1C}">
+                <a14:useLocalDpi xmlns:a14="http://schemas.microsoft.com/office/drawing/2010/main" val="0"/>
+              </a:ext>
+            </a:extLst>
+          </a:blip>
+          <a:stretch>
+            <a:fillRect/>
+          </a:stretch>
+        </p:blipFill>
+        <p:spPr>
+          <a:xfrm>
+            <a:off x="4349942" y="928670"/>
+            <a:ext cx="3744416" cy="3065119"/>
+          </a:xfrm>
+          <a:prstGeom prst="rect">
+            <a:avLst/>
+          </a:prstGeom>
+        </p:spPr>
+      </p:pic>
+      <p:pic>
+        <p:nvPicPr>
+          <p:cNvPr id="11" name="图片 10"/>
+          <p:cNvPicPr>
+            <a:picLocks noChangeAspect="1"/>
+          </p:cNvPicPr>
+          <p:nvPr/>
+        </p:nvPicPr>
+        <p:blipFill>
+          <a:blip r:embed="rId4">
+            <a:extLst>
+              <a:ext uri="{28A0092B-C50C-407E-A947-70E740481C1C}">
+                <a14:useLocalDpi xmlns:a14="http://schemas.microsoft.com/office/drawing/2010/main" val="0"/>
+              </a:ext>
+            </a:extLst>
+          </a:blip>
+          <a:stretch>
+            <a:fillRect/>
+          </a:stretch>
+        </p:blipFill>
+        <p:spPr>
+          <a:xfrm>
+            <a:off x="436064" y="3789039"/>
+            <a:ext cx="3766673" cy="2961053"/>
+          </a:xfrm>
+          <a:prstGeom prst="rect">
+            <a:avLst/>
+          </a:prstGeom>
+        </p:spPr>
+      </p:pic>
+    </p:spTree>
+    <p:extLst>
+      <p:ext uri="{BB962C8B-B14F-4D97-AF65-F5344CB8AC3E}">
+        <p14:creationId xmlns:p14="http://schemas.microsoft.com/office/powerpoint/2010/main" val="2078567235"/>
+      </p:ext>
+    </p:extLst>
+  </p:cSld>
+  <p:clrMapOvr>
+    <a:masterClrMapping/>
+  </p:clrMapOvr>
+  <mc:AlternateContent xmlns:mc="http://schemas.openxmlformats.org/markup-compatibility/2006" xmlns:p14="http://schemas.microsoft.com/office/powerpoint/2010/main">
+    <mc:Choice Requires="p14">
+      <p:transition p14:dur="250">
+        <p:push/>
+      </p:transition>
+    </mc:Choice>
+    <mc:Fallback xmlns="">
+      <p:transition>
+        <p:push/>
+      </p:transition>
+    </mc:Fallback>
+  </mc:AlternateContent>
+</p:sld>
+</file>
+
+<file path=ppt/slides/slide18.xml><?xml version="1.0" encoding="utf-8"?>
+<p:sld xmlns:a="http://schemas.openxmlformats.org/drawingml/2006/main" xmlns:r="http://schemas.openxmlformats.org/officeDocument/2006/relationships" xmlns:p="http://schemas.openxmlformats.org/presentationml/2006/main">
+  <p:cSld>
+    <p:spTree>
+      <p:nvGrpSpPr>
+        <p:cNvPr id="1" name=""/>
+        <p:cNvGrpSpPr/>
+        <p:nvPr/>
+      </p:nvGrpSpPr>
+      <p:grpSpPr>
+        <a:xfrm>
+          <a:off x="0" y="0"/>
+          <a:ext cx="0" cy="0"/>
+          <a:chOff x="0" y="0"/>
+          <a:chExt cx="0" cy="0"/>
+        </a:xfrm>
+      </p:grpSpPr>
+      <p:grpSp>
+        <p:nvGrpSpPr>
+          <p:cNvPr id="4" name="组合 3"/>
+          <p:cNvGrpSpPr/>
+          <p:nvPr/>
+        </p:nvGrpSpPr>
+        <p:grpSpPr>
+          <a:xfrm>
+            <a:off x="0" y="785794"/>
+            <a:ext cx="4143372" cy="142876"/>
+            <a:chOff x="0" y="785794"/>
+            <a:chExt cx="4143372" cy="142876"/>
+          </a:xfrm>
+        </p:grpSpPr>
+        <p:cxnSp>
+          <p:nvCxnSpPr>
+            <p:cNvPr id="5" name="直接连接符 4"/>
+            <p:cNvCxnSpPr>
+              <a:endCxn id="6" idx="3"/>
+            </p:cNvCxnSpPr>
+            <p:nvPr/>
+          </p:nvCxnSpPr>
+          <p:spPr>
+            <a:xfrm rot="10800000">
+              <a:off x="642910" y="857232"/>
+              <a:ext cx="3500462" cy="1588"/>
+            </a:xfrm>
+            <a:prstGeom prst="line">
+              <a:avLst/>
+            </a:prstGeom>
+            <a:ln w="19050">
+              <a:solidFill>
+                <a:srgbClr val="7030A0"/>
+              </a:solidFill>
+            </a:ln>
+          </p:spPr>
+          <p:style>
+            <a:lnRef idx="1">
+              <a:schemeClr val="accent1"/>
+            </a:lnRef>
+            <a:fillRef idx="0">
+              <a:schemeClr val="accent1"/>
+            </a:fillRef>
+            <a:effectRef idx="0">
+              <a:schemeClr val="accent1"/>
+            </a:effectRef>
+            <a:fontRef idx="minor">
+              <a:schemeClr val="tx1"/>
+            </a:fontRef>
+          </p:style>
+        </p:cxnSp>
+        <p:sp>
+          <p:nvSpPr>
+            <p:cNvPr id="6" name="Rectangle 7"/>
+            <p:cNvSpPr>
+              <a:spLocks noChangeArrowheads="1"/>
+            </p:cNvSpPr>
+            <p:nvPr/>
+          </p:nvSpPr>
+          <p:spPr bwMode="auto">
+            <a:xfrm>
+              <a:off x="0" y="785794"/>
+              <a:ext cx="642910" cy="142876"/>
+            </a:xfrm>
+            <a:prstGeom prst="rect">
+              <a:avLst/>
+            </a:prstGeom>
+            <a:solidFill>
+              <a:srgbClr val="7030A0"/>
+            </a:solidFill>
+            <a:ln w="9525">
+              <a:solidFill>
+                <a:srgbClr val="7030A0"/>
+              </a:solidFill>
+              <a:miter lim="800000"/>
+              <a:headEnd/>
+              <a:tailEnd/>
+            </a:ln>
+          </p:spPr>
+          <p:txBody>
+            <a:bodyPr wrap="none" anchor="ctr"/>
+            <a:lstStyle/>
+            <a:p>
+              <a:endParaRPr lang="zh-CN" altLang="en-US"/>
+            </a:p>
+          </p:txBody>
+        </p:sp>
+      </p:grpSp>
+      <p:sp>
+        <p:nvSpPr>
+          <p:cNvPr id="7" name="TextBox 3"/>
+          <p:cNvSpPr txBox="1"/>
+          <p:nvPr/>
+        </p:nvSpPr>
+        <p:spPr>
+          <a:xfrm>
+            <a:off x="142844" y="116632"/>
+            <a:ext cx="4059894" cy="523220"/>
+          </a:xfrm>
+          <a:prstGeom prst="rect">
+            <a:avLst/>
+          </a:prstGeom>
+          <a:noFill/>
+        </p:spPr>
+        <p:txBody>
+          <a:bodyPr wrap="none" rtlCol="0">
+            <a:spAutoFit/>
+          </a:bodyPr>
+          <a:lstStyle/>
+          <a:p>
+            <a:r>
+              <a:rPr lang="en-US" altLang="zh-CN" sz="2800" b="1" dirty="0" smtClean="0">
+                <a:ea typeface="微软雅黑" pitchFamily="34" charset="-122"/>
+                <a:cs typeface="Times New Roman" pitchFamily="18" charset="0"/>
+              </a:rPr>
+              <a:t>RESULTS &amp; ANALYSIS</a:t>
+            </a:r>
+            <a:endParaRPr lang="en-US" altLang="zh-CN" sz="2800" b="1" dirty="0">
+              <a:ea typeface="微软雅黑" pitchFamily="34" charset="-122"/>
+              <a:cs typeface="Times New Roman" pitchFamily="18" charset="0"/>
+            </a:endParaRPr>
+          </a:p>
+        </p:txBody>
+      </p:sp>
+      <p:sp>
+        <p:nvSpPr>
+          <p:cNvPr id="8" name="矩形 7"/>
+          <p:cNvSpPr/>
+          <p:nvPr/>
+        </p:nvSpPr>
+        <p:spPr>
+          <a:xfrm>
+            <a:off x="4246383" y="416462"/>
+            <a:ext cx="2351926" cy="369332"/>
+          </a:xfrm>
+          <a:prstGeom prst="rect">
+            <a:avLst/>
+          </a:prstGeom>
+        </p:spPr>
+        <p:txBody>
+          <a:bodyPr wrap="none">
+            <a:spAutoFit/>
+          </a:bodyPr>
+          <a:lstStyle/>
+          <a:p>
+            <a:r>
+              <a:rPr lang="en-US" altLang="zh-CN" kern="100" dirty="0">
+                <a:solidFill>
+                  <a:srgbClr val="000000"/>
+                </a:solidFill>
+                <a:cs typeface="Times New Roman" panose="02020603050405020304" pitchFamily="18" charset="0"/>
+              </a:rPr>
+              <a:t>Thermal Conductivity</a:t>
+            </a:r>
+            <a:endParaRPr lang="zh-CN" altLang="en-US" kern="100" dirty="0">
+              <a:solidFill>
+                <a:srgbClr val="000000"/>
+              </a:solidFill>
+              <a:cs typeface="Times New Roman" panose="02020603050405020304" pitchFamily="18" charset="0"/>
+            </a:endParaRPr>
+          </a:p>
+        </p:txBody>
+      </p:sp>
+      <p:pic>
+        <p:nvPicPr>
+          <p:cNvPr id="9" name="图片 8"/>
+          <p:cNvPicPr>
+            <a:picLocks noChangeAspect="1"/>
+          </p:cNvPicPr>
+          <p:nvPr/>
+        </p:nvPicPr>
+        <p:blipFill>
+          <a:blip r:embed="rId2">
+            <a:extLst>
+              <a:ext uri="{28A0092B-C50C-407E-A947-70E740481C1C}">
+                <a14:useLocalDpi xmlns:a14="http://schemas.microsoft.com/office/drawing/2010/main" val="0"/>
+              </a:ext>
+            </a:extLst>
+          </a:blip>
+          <a:stretch>
+            <a:fillRect/>
+          </a:stretch>
+        </p:blipFill>
+        <p:spPr>
+          <a:xfrm>
+            <a:off x="106777" y="1274878"/>
+            <a:ext cx="4508101" cy="3450266"/>
+          </a:xfrm>
+          <a:prstGeom prst="rect">
+            <a:avLst/>
+          </a:prstGeom>
+        </p:spPr>
+      </p:pic>
+      <p:pic>
+        <p:nvPicPr>
+          <p:cNvPr id="13" name="图片 12"/>
+          <p:cNvPicPr>
+            <a:picLocks noChangeAspect="1"/>
+          </p:cNvPicPr>
+          <p:nvPr/>
+        </p:nvPicPr>
+        <p:blipFill>
+          <a:blip r:embed="rId3">
+            <a:extLst>
+              <a:ext uri="{28A0092B-C50C-407E-A947-70E740481C1C}">
+                <a14:useLocalDpi xmlns:a14="http://schemas.microsoft.com/office/drawing/2010/main" val="0"/>
+              </a:ext>
+            </a:extLst>
+          </a:blip>
+          <a:stretch>
+            <a:fillRect/>
+          </a:stretch>
+        </p:blipFill>
+        <p:spPr>
+          <a:xfrm>
+            <a:off x="4499992" y="1274878"/>
+            <a:ext cx="4507483" cy="3579095"/>
+          </a:xfrm>
+          <a:prstGeom prst="rect">
+            <a:avLst/>
+          </a:prstGeom>
+        </p:spPr>
+      </p:pic>
+    </p:spTree>
+    <p:extLst>
+      <p:ext uri="{BB962C8B-B14F-4D97-AF65-F5344CB8AC3E}">
+        <p14:creationId xmlns:p14="http://schemas.microsoft.com/office/powerpoint/2010/main" val="3279976864"/>
+      </p:ext>
+    </p:extLst>
+  </p:cSld>
+  <p:clrMapOvr>
+    <a:masterClrMapping/>
+  </p:clrMapOvr>
+  <mc:AlternateContent xmlns:mc="http://schemas.openxmlformats.org/markup-compatibility/2006" xmlns:p14="http://schemas.microsoft.com/office/powerpoint/2010/main">
+    <mc:Choice Requires="p14">
+      <p:transition p14:dur="250">
+        <p:push/>
+      </p:transition>
+    </mc:Choice>
+    <mc:Fallback xmlns="">
+      <p:transition>
+        <p:push/>
+      </p:transition>
+    </mc:Fallback>
+  </mc:AlternateContent>
+</p:sld>
+</file>
+
+<file path=ppt/slides/slide19.xml><?xml version="1.0" encoding="utf-8"?>
+<p:sld xmlns:a="http://schemas.openxmlformats.org/drawingml/2006/main" xmlns:r="http://schemas.openxmlformats.org/officeDocument/2006/relationships" xmlns:p="http://schemas.openxmlformats.org/presentationml/2006/main">
+  <p:cSld>
+    <p:spTree>
+      <p:nvGrpSpPr>
+        <p:cNvPr id="1" name=""/>
+        <p:cNvGrpSpPr/>
+        <p:nvPr/>
+      </p:nvGrpSpPr>
+      <p:grpSpPr>
+        <a:xfrm>
+          <a:off x="0" y="0"/>
+          <a:ext cx="0" cy="0"/>
+          <a:chOff x="0" y="0"/>
+          <a:chExt cx="0" cy="0"/>
+        </a:xfrm>
+      </p:grpSpPr>
+      <p:grpSp>
+        <p:nvGrpSpPr>
+          <p:cNvPr id="4" name="组合 3"/>
+          <p:cNvGrpSpPr/>
+          <p:nvPr/>
+        </p:nvGrpSpPr>
+        <p:grpSpPr>
+          <a:xfrm>
+            <a:off x="0" y="785794"/>
+            <a:ext cx="4143372" cy="142876"/>
+            <a:chOff x="0" y="785794"/>
+            <a:chExt cx="4143372" cy="142876"/>
+          </a:xfrm>
+        </p:grpSpPr>
+        <p:cxnSp>
+          <p:nvCxnSpPr>
+            <p:cNvPr id="5" name="直接连接符 4"/>
+            <p:cNvCxnSpPr>
+              <a:endCxn id="6" idx="3"/>
+            </p:cNvCxnSpPr>
+            <p:nvPr/>
+          </p:nvCxnSpPr>
+          <p:spPr>
+            <a:xfrm rot="10800000">
+              <a:off x="642910" y="857232"/>
+              <a:ext cx="3500462" cy="1588"/>
+            </a:xfrm>
+            <a:prstGeom prst="line">
+              <a:avLst/>
+            </a:prstGeom>
+            <a:ln w="19050">
+              <a:solidFill>
+                <a:srgbClr val="7030A0"/>
+              </a:solidFill>
+            </a:ln>
+          </p:spPr>
+          <p:style>
+            <a:lnRef idx="1">
+              <a:schemeClr val="accent1"/>
+            </a:lnRef>
+            <a:fillRef idx="0">
+              <a:schemeClr val="accent1"/>
+            </a:fillRef>
+            <a:effectRef idx="0">
+              <a:schemeClr val="accent1"/>
+            </a:effectRef>
+            <a:fontRef idx="minor">
+              <a:schemeClr val="tx1"/>
+            </a:fontRef>
+          </p:style>
+        </p:cxnSp>
+        <p:sp>
+          <p:nvSpPr>
+            <p:cNvPr id="6" name="Rectangle 7"/>
+            <p:cNvSpPr>
+              <a:spLocks noChangeArrowheads="1"/>
+            </p:cNvSpPr>
+            <p:nvPr/>
+          </p:nvSpPr>
+          <p:spPr bwMode="auto">
+            <a:xfrm>
+              <a:off x="0" y="785794"/>
+              <a:ext cx="642910" cy="142876"/>
+            </a:xfrm>
+            <a:prstGeom prst="rect">
+              <a:avLst/>
+            </a:prstGeom>
+            <a:solidFill>
+              <a:srgbClr val="7030A0"/>
+            </a:solidFill>
+            <a:ln w="9525">
+              <a:solidFill>
+                <a:srgbClr val="7030A0"/>
+              </a:solidFill>
+              <a:miter lim="800000"/>
+              <a:headEnd/>
+              <a:tailEnd/>
+            </a:ln>
+          </p:spPr>
+          <p:txBody>
+            <a:bodyPr wrap="none" anchor="ctr"/>
+            <a:lstStyle/>
+            <a:p>
+              <a:endParaRPr lang="zh-CN" altLang="en-US"/>
+            </a:p>
+          </p:txBody>
+        </p:sp>
+      </p:grpSp>
+      <p:sp>
+        <p:nvSpPr>
+          <p:cNvPr id="7" name="TextBox 3"/>
+          <p:cNvSpPr txBox="1"/>
+          <p:nvPr/>
+        </p:nvSpPr>
+        <p:spPr>
+          <a:xfrm>
+            <a:off x="142844" y="116632"/>
+            <a:ext cx="4059894" cy="523220"/>
+          </a:xfrm>
+          <a:prstGeom prst="rect">
+            <a:avLst/>
+          </a:prstGeom>
+          <a:noFill/>
+        </p:spPr>
+        <p:txBody>
+          <a:bodyPr wrap="none" rtlCol="0">
+            <a:spAutoFit/>
+          </a:bodyPr>
+          <a:lstStyle/>
+          <a:p>
+            <a:r>
+              <a:rPr lang="en-US" altLang="zh-CN" sz="2800" b="1" dirty="0" smtClean="0">
+                <a:ea typeface="微软雅黑" pitchFamily="34" charset="-122"/>
+                <a:cs typeface="Times New Roman" pitchFamily="18" charset="0"/>
+              </a:rPr>
+              <a:t>RESULTS &amp; ANALYSIS</a:t>
+            </a:r>
+            <a:endParaRPr lang="en-US" altLang="zh-CN" sz="2800" b="1" dirty="0">
+              <a:ea typeface="微软雅黑" pitchFamily="34" charset="-122"/>
+              <a:cs typeface="Times New Roman" pitchFamily="18" charset="0"/>
+            </a:endParaRPr>
+          </a:p>
+        </p:txBody>
+      </p:sp>
+      <p:sp>
+        <p:nvSpPr>
+          <p:cNvPr id="8" name="矩形 7"/>
+          <p:cNvSpPr/>
+          <p:nvPr/>
+        </p:nvSpPr>
+        <p:spPr>
+          <a:xfrm>
+            <a:off x="4499992" y="316686"/>
+            <a:ext cx="3236940" cy="646331"/>
+          </a:xfrm>
+          <a:prstGeom prst="rect">
+            <a:avLst/>
+          </a:prstGeom>
+        </p:spPr>
+        <p:txBody>
+          <a:bodyPr wrap="square">
+            <a:spAutoFit/>
+          </a:bodyPr>
+          <a:lstStyle/>
+          <a:p>
+            <a:r>
+              <a:rPr lang="en-US" altLang="zh-CN" kern="100" dirty="0">
+                <a:solidFill>
+                  <a:srgbClr val="000000"/>
+                </a:solidFill>
+                <a:cs typeface="Times New Roman" panose="02020603050405020304" pitchFamily="18" charset="0"/>
+              </a:rPr>
+              <a:t>Seebeck Coefficient </a:t>
+            </a:r>
+            <a:r>
+              <a:rPr lang="en-US" altLang="zh-CN" kern="100" dirty="0" smtClean="0">
+                <a:solidFill>
+                  <a:srgbClr val="000000"/>
+                </a:solidFill>
+                <a:cs typeface="Times New Roman" panose="02020603050405020304" pitchFamily="18" charset="0"/>
+              </a:rPr>
+              <a:t>, power </a:t>
+            </a:r>
+            <a:r>
+              <a:rPr lang="en-US" altLang="zh-CN" kern="100" dirty="0">
+                <a:solidFill>
+                  <a:srgbClr val="000000"/>
+                </a:solidFill>
+                <a:cs typeface="Times New Roman" panose="02020603050405020304" pitchFamily="18" charset="0"/>
+              </a:rPr>
+              <a:t>factor and ZT</a:t>
+            </a:r>
+            <a:endParaRPr lang="zh-CN" altLang="en-US" kern="100" dirty="0">
+              <a:solidFill>
+                <a:srgbClr val="000000"/>
+              </a:solidFill>
+              <a:cs typeface="Times New Roman" panose="02020603050405020304" pitchFamily="18" charset="0"/>
+            </a:endParaRPr>
+          </a:p>
+        </p:txBody>
+      </p:sp>
+      <p:pic>
+        <p:nvPicPr>
+          <p:cNvPr id="9" name="图片 8"/>
+          <p:cNvPicPr>
+            <a:picLocks noChangeAspect="1"/>
+          </p:cNvPicPr>
+          <p:nvPr/>
+        </p:nvPicPr>
+        <p:blipFill>
+          <a:blip r:embed="rId2">
+            <a:extLst>
+              <a:ext uri="{28A0092B-C50C-407E-A947-70E740481C1C}">
+                <a14:useLocalDpi xmlns:a14="http://schemas.microsoft.com/office/drawing/2010/main" val="0"/>
+              </a:ext>
+            </a:extLst>
+          </a:blip>
+          <a:stretch>
+            <a:fillRect/>
+          </a:stretch>
+        </p:blipFill>
+        <p:spPr>
+          <a:xfrm>
+            <a:off x="354814" y="836712"/>
+            <a:ext cx="4001162" cy="3048765"/>
+          </a:xfrm>
+          <a:prstGeom prst="rect">
+            <a:avLst/>
+          </a:prstGeom>
+        </p:spPr>
+      </p:pic>
+      <p:pic>
+        <p:nvPicPr>
+          <p:cNvPr id="11" name="图片 10"/>
+          <p:cNvPicPr>
+            <a:picLocks noChangeAspect="1"/>
+          </p:cNvPicPr>
+          <p:nvPr/>
+        </p:nvPicPr>
+        <p:blipFill>
+          <a:blip r:embed="rId3">
+            <a:extLst>
+              <a:ext uri="{28A0092B-C50C-407E-A947-70E740481C1C}">
+                <a14:useLocalDpi xmlns:a14="http://schemas.microsoft.com/office/drawing/2010/main" val="0"/>
+              </a:ext>
+            </a:extLst>
+          </a:blip>
+          <a:stretch>
+            <a:fillRect/>
+          </a:stretch>
+        </p:blipFill>
+        <p:spPr>
+          <a:xfrm>
+            <a:off x="4498187" y="841243"/>
+            <a:ext cx="3924033" cy="3163821"/>
+          </a:xfrm>
+          <a:prstGeom prst="rect">
+            <a:avLst/>
+          </a:prstGeom>
+        </p:spPr>
+      </p:pic>
+      <p:pic>
+        <p:nvPicPr>
+          <p:cNvPr id="12" name="图片 11"/>
+          <p:cNvPicPr>
+            <a:picLocks noChangeAspect="1"/>
+          </p:cNvPicPr>
+          <p:nvPr/>
+        </p:nvPicPr>
+        <p:blipFill>
+          <a:blip r:embed="rId4">
+            <a:extLst>
+              <a:ext uri="{28A0092B-C50C-407E-A947-70E740481C1C}">
+                <a14:useLocalDpi xmlns:a14="http://schemas.microsoft.com/office/drawing/2010/main" val="0"/>
+              </a:ext>
+            </a:extLst>
+          </a:blip>
+          <a:stretch>
+            <a:fillRect/>
+          </a:stretch>
+        </p:blipFill>
+        <p:spPr>
+          <a:xfrm>
+            <a:off x="472314" y="3677162"/>
+            <a:ext cx="3883662" cy="3117946"/>
+          </a:xfrm>
+          <a:prstGeom prst="rect">
+            <a:avLst/>
+          </a:prstGeom>
+        </p:spPr>
+      </p:pic>
+      <p:pic>
+        <p:nvPicPr>
+          <p:cNvPr id="13" name="图片 12"/>
+          <p:cNvPicPr>
+            <a:picLocks noChangeAspect="1"/>
+          </p:cNvPicPr>
+          <p:nvPr/>
+        </p:nvPicPr>
+        <p:blipFill>
+          <a:blip r:embed="rId5">
+            <a:extLst>
+              <a:ext uri="{28A0092B-C50C-407E-A947-70E740481C1C}">
+                <a14:useLocalDpi xmlns:a14="http://schemas.microsoft.com/office/drawing/2010/main" val="0"/>
+              </a:ext>
+            </a:extLst>
+          </a:blip>
+          <a:stretch>
+            <a:fillRect/>
+          </a:stretch>
+        </p:blipFill>
+        <p:spPr>
+          <a:xfrm>
+            <a:off x="4640197" y="3727901"/>
+            <a:ext cx="3782023" cy="3134151"/>
+          </a:xfrm>
+          <a:prstGeom prst="rect">
+            <a:avLst/>
+          </a:prstGeom>
+        </p:spPr>
+      </p:pic>
+    </p:spTree>
+    <p:extLst>
+      <p:ext uri="{BB962C8B-B14F-4D97-AF65-F5344CB8AC3E}">
+        <p14:creationId xmlns:p14="http://schemas.microsoft.com/office/powerpoint/2010/main" val="4264269834"/>
+      </p:ext>
+    </p:extLst>
+  </p:cSld>
+  <p:clrMapOvr>
+    <a:masterClrMapping/>
+  </p:clrMapOvr>
+  <mc:AlternateContent xmlns:mc="http://schemas.openxmlformats.org/markup-compatibility/2006" xmlns:p14="http://schemas.microsoft.com/office/powerpoint/2010/main">
+    <mc:Choice Requires="p14">
+      <p:transition p14:dur="250">
+        <p:push/>
+      </p:transition>
+    </mc:Choice>
+    <mc:Fallback xmlns="">
+      <p:transition>
+        <p:push/>
+      </p:transition>
+    </mc:Fallback>
+  </mc:AlternateContent>
+</p:sld>
+</file>
+
+<file path=ppt/slides/slide2.xml><?xml version="1.0" encoding="utf-8"?>
+<p:sld xmlns:a="http://schemas.openxmlformats.org/drawingml/2006/main" xmlns:r="http://schemas.openxmlformats.org/officeDocument/2006/relationships" xmlns:p="http://schemas.openxmlformats.org/presentationml/2006/main">
+  <p:cSld>
+    <p:spTree>
+      <p:nvGrpSpPr>
+        <p:cNvPr id="1" name=""/>
+        <p:cNvGrpSpPr/>
+        <p:nvPr/>
+      </p:nvGrpSpPr>
+      <p:grpSpPr>
+        <a:xfrm>
+          <a:off x="0" y="0"/>
+          <a:ext cx="0" cy="0"/>
+          <a:chOff x="0" y="0"/>
+          <a:chExt cx="0" cy="0"/>
+        </a:xfrm>
+      </p:grpSpPr>
+      <p:grpSp>
+        <p:nvGrpSpPr>
+          <p:cNvPr id="4" name="组合 3"/>
+          <p:cNvGrpSpPr/>
+          <p:nvPr/>
+        </p:nvGrpSpPr>
+        <p:grpSpPr>
+          <a:xfrm>
+            <a:off x="0" y="785794"/>
+            <a:ext cx="4143372" cy="142876"/>
+            <a:chOff x="0" y="785794"/>
+            <a:chExt cx="4143372" cy="142876"/>
+          </a:xfrm>
+        </p:grpSpPr>
+        <p:cxnSp>
+          <p:nvCxnSpPr>
+            <p:cNvPr id="5" name="直接连接符 4"/>
+            <p:cNvCxnSpPr>
+              <a:endCxn id="6" idx="3"/>
+            </p:cNvCxnSpPr>
+            <p:nvPr/>
+          </p:nvCxnSpPr>
+          <p:spPr>
+            <a:xfrm rot="10800000">
+              <a:off x="642910" y="857232"/>
+              <a:ext cx="3500462" cy="1588"/>
+            </a:xfrm>
+            <a:prstGeom prst="line">
+              <a:avLst/>
+            </a:prstGeom>
+            <a:ln w="19050">
+              <a:solidFill>
+                <a:srgbClr val="7030A0"/>
+              </a:solidFill>
+            </a:ln>
+          </p:spPr>
+          <p:style>
+            <a:lnRef idx="1">
+              <a:schemeClr val="accent1"/>
+            </a:lnRef>
+            <a:fillRef idx="0">
+              <a:schemeClr val="accent1"/>
+            </a:fillRef>
+            <a:effectRef idx="0">
+              <a:schemeClr val="accent1"/>
+            </a:effectRef>
+            <a:fontRef idx="minor">
+              <a:schemeClr val="tx1"/>
+            </a:fontRef>
+          </p:style>
+        </p:cxnSp>
+        <p:sp>
+          <p:nvSpPr>
+            <p:cNvPr id="6" name="Rectangle 7"/>
+            <p:cNvSpPr>
+              <a:spLocks noChangeArrowheads="1"/>
+            </p:cNvSpPr>
+            <p:nvPr/>
+          </p:nvSpPr>
+          <p:spPr bwMode="auto">
+            <a:xfrm>
+              <a:off x="0" y="785794"/>
+              <a:ext cx="642910" cy="142876"/>
+            </a:xfrm>
+            <a:prstGeom prst="rect">
+              <a:avLst/>
+            </a:prstGeom>
+            <a:solidFill>
+              <a:srgbClr val="7030A0"/>
+            </a:solidFill>
+            <a:ln w="9525">
+              <a:solidFill>
+                <a:srgbClr val="7030A0"/>
+              </a:solidFill>
+              <a:miter lim="800000"/>
+              <a:headEnd/>
+              <a:tailEnd/>
+            </a:ln>
+          </p:spPr>
+          <p:txBody>
+            <a:bodyPr wrap="none" anchor="ctr"/>
+            <a:lstStyle/>
+            <a:p>
+              <a:endParaRPr lang="zh-CN" altLang="en-US"/>
+            </a:p>
+          </p:txBody>
+        </p:sp>
+      </p:grpSp>
+      <p:sp>
+        <p:nvSpPr>
+          <p:cNvPr id="7" name="TextBox 3"/>
+          <p:cNvSpPr txBox="1"/>
+          <p:nvPr/>
+        </p:nvSpPr>
+        <p:spPr>
+          <a:xfrm>
+            <a:off x="142844" y="116632"/>
             <a:ext cx="2938625" cy="523220"/>
           </a:xfrm>
           <a:prstGeom prst="rect">
@@ -10538,17 +12688,7 @@
                 <a:latin typeface="+mn-lt"/>
                 <a:cs typeface="Times New Roman" panose="02020603050405020304" pitchFamily="18" charset="0"/>
               </a:rPr>
-              <a:t>1. </a:t>
-            </a:r>
-            <a:r>
-              <a:rPr lang="en-US" altLang="zh-CN" sz="2400" kern="100" dirty="0" smtClean="0">
-                <a:solidFill>
-                  <a:srgbClr val="000000"/>
-                </a:solidFill>
-                <a:latin typeface="+mn-lt"/>
-                <a:cs typeface="Times New Roman" panose="02020603050405020304" pitchFamily="18" charset="0"/>
-              </a:rPr>
-              <a:t>Thermoelectricity</a:t>
+              <a:t>1. Thermoelectricity</a:t>
             </a:r>
             <a:endParaRPr lang="zh-CN" altLang="en-US" sz="2400" kern="100" dirty="0">
               <a:solidFill>
@@ -10883,7 +13023,7 @@
 </p:sld>
 </file>
 
-<file path=ppt/slides/slide3.xml><?xml version="1.0" encoding="utf-8"?>
+<file path=ppt/slides/slide20.xml><?xml version="1.0" encoding="utf-8"?>
 <p:sld xmlns:a="http://schemas.openxmlformats.org/drawingml/2006/main" xmlns:r="http://schemas.openxmlformats.org/officeDocument/2006/relationships" xmlns:p="http://schemas.openxmlformats.org/presentationml/2006/main">
   <p:cSld>
     <p:spTree>
@@ -10900,30 +13040,6 @@
           <a:chExt cx="0" cy="0"/>
         </a:xfrm>
       </p:grpSpPr>
-      <p:pic>
-        <p:nvPicPr>
-          <p:cNvPr id="25" name="图片 24"/>
-          <p:cNvPicPr>
-            <a:picLocks noChangeAspect="1"/>
-          </p:cNvPicPr>
-          <p:nvPr/>
-        </p:nvPicPr>
-        <p:blipFill>
-          <a:blip r:embed="rId2"/>
-          <a:stretch>
-            <a:fillRect/>
-          </a:stretch>
-        </p:blipFill>
-        <p:spPr>
-          <a:xfrm>
-            <a:off x="4831457" y="2420888"/>
-            <a:ext cx="1304901" cy="1127069"/>
-          </a:xfrm>
-          <a:prstGeom prst="rect">
-            <a:avLst/>
-          </a:prstGeom>
-        </p:spPr>
-      </p:pic>
       <p:grpSp>
         <p:nvGrpSpPr>
           <p:cNvPr id="4" name="组合 3"/>
@@ -11021,6 +13137,831 @@
         <p:spPr>
           <a:xfrm>
             <a:off x="142844" y="116632"/>
+            <a:ext cx="4059894" cy="523220"/>
+          </a:xfrm>
+          <a:prstGeom prst="rect">
+            <a:avLst/>
+          </a:prstGeom>
+          <a:noFill/>
+        </p:spPr>
+        <p:txBody>
+          <a:bodyPr wrap="none" rtlCol="0">
+            <a:spAutoFit/>
+          </a:bodyPr>
+          <a:lstStyle/>
+          <a:p>
+            <a:r>
+              <a:rPr lang="en-US" altLang="zh-CN" sz="2800" b="1" dirty="0" smtClean="0">
+                <a:ea typeface="微软雅黑" pitchFamily="34" charset="-122"/>
+                <a:cs typeface="Times New Roman" pitchFamily="18" charset="0"/>
+              </a:rPr>
+              <a:t>RESULTS &amp; ANALYSIS</a:t>
+            </a:r>
+            <a:endParaRPr lang="en-US" altLang="zh-CN" sz="2800" b="1" dirty="0">
+              <a:ea typeface="微软雅黑" pitchFamily="34" charset="-122"/>
+              <a:cs typeface="Times New Roman" pitchFamily="18" charset="0"/>
+            </a:endParaRPr>
+          </a:p>
+        </p:txBody>
+      </p:sp>
+      <p:pic>
+        <p:nvPicPr>
+          <p:cNvPr id="8" name="图片 7"/>
+          <p:cNvPicPr>
+            <a:picLocks noChangeAspect="1"/>
+          </p:cNvPicPr>
+          <p:nvPr/>
+        </p:nvPicPr>
+        <p:blipFill>
+          <a:blip r:embed="rId2">
+            <a:extLst>
+              <a:ext uri="{28A0092B-C50C-407E-A947-70E740481C1C}">
+                <a14:useLocalDpi xmlns:a14="http://schemas.microsoft.com/office/drawing/2010/main" val="0"/>
+              </a:ext>
+            </a:extLst>
+          </a:blip>
+          <a:stretch>
+            <a:fillRect/>
+          </a:stretch>
+        </p:blipFill>
+        <p:spPr>
+          <a:xfrm>
+            <a:off x="395536" y="1000107"/>
+            <a:ext cx="4320480" cy="3467590"/>
+          </a:xfrm>
+          <a:prstGeom prst="rect">
+            <a:avLst/>
+          </a:prstGeom>
+        </p:spPr>
+      </p:pic>
+      <p:pic>
+        <p:nvPicPr>
+          <p:cNvPr id="9" name="图片 8"/>
+          <p:cNvPicPr>
+            <a:picLocks noChangeAspect="1"/>
+          </p:cNvPicPr>
+          <p:nvPr/>
+        </p:nvPicPr>
+        <p:blipFill>
+          <a:blip r:embed="rId3">
+            <a:extLst>
+              <a:ext uri="{28A0092B-C50C-407E-A947-70E740481C1C}">
+                <a14:useLocalDpi xmlns:a14="http://schemas.microsoft.com/office/drawing/2010/main" val="0"/>
+              </a:ext>
+            </a:extLst>
+          </a:blip>
+          <a:stretch>
+            <a:fillRect/>
+          </a:stretch>
+        </p:blipFill>
+        <p:spPr>
+          <a:xfrm>
+            <a:off x="4669393" y="1196752"/>
+            <a:ext cx="4177833" cy="3300784"/>
+          </a:xfrm>
+          <a:prstGeom prst="rect">
+            <a:avLst/>
+          </a:prstGeom>
+        </p:spPr>
+      </p:pic>
+      <p:sp>
+        <p:nvSpPr>
+          <p:cNvPr id="10" name="矩形 9"/>
+          <p:cNvSpPr/>
+          <p:nvPr/>
+        </p:nvSpPr>
+        <p:spPr>
+          <a:xfrm>
+            <a:off x="4355976" y="205064"/>
+            <a:ext cx="4572000" cy="646331"/>
+          </a:xfrm>
+          <a:prstGeom prst="rect">
+            <a:avLst/>
+          </a:prstGeom>
+        </p:spPr>
+        <p:txBody>
+          <a:bodyPr>
+            <a:spAutoFit/>
+          </a:bodyPr>
+          <a:lstStyle/>
+          <a:p>
+            <a:r>
+              <a:rPr lang="en-US" altLang="zh-CN" kern="100" dirty="0">
+                <a:solidFill>
+                  <a:srgbClr val="000000"/>
+                </a:solidFill>
+                <a:cs typeface="Times New Roman" panose="02020603050405020304" pitchFamily="18" charset="0"/>
+              </a:rPr>
+              <a:t>e-p coupling and it’s effects on electric conductivity and TC </a:t>
+            </a:r>
+            <a:endParaRPr lang="zh-CN" altLang="en-US" kern="100" dirty="0">
+              <a:solidFill>
+                <a:srgbClr val="000000"/>
+              </a:solidFill>
+              <a:cs typeface="Times New Roman" panose="02020603050405020304" pitchFamily="18" charset="0"/>
+            </a:endParaRPr>
+          </a:p>
+        </p:txBody>
+      </p:sp>
+    </p:spTree>
+    <p:extLst>
+      <p:ext uri="{BB962C8B-B14F-4D97-AF65-F5344CB8AC3E}">
+        <p14:creationId xmlns:p14="http://schemas.microsoft.com/office/powerpoint/2010/main" val="2882063430"/>
+      </p:ext>
+    </p:extLst>
+  </p:cSld>
+  <p:clrMapOvr>
+    <a:masterClrMapping/>
+  </p:clrMapOvr>
+  <mc:AlternateContent xmlns:mc="http://schemas.openxmlformats.org/markup-compatibility/2006" xmlns:p14="http://schemas.microsoft.com/office/powerpoint/2010/main">
+    <mc:Choice Requires="p14">
+      <p:transition p14:dur="250">
+        <p:push/>
+      </p:transition>
+    </mc:Choice>
+    <mc:Fallback xmlns="">
+      <p:transition>
+        <p:push/>
+      </p:transition>
+    </mc:Fallback>
+  </mc:AlternateContent>
+</p:sld>
+</file>
+
+<file path=ppt/slides/slide21.xml><?xml version="1.0" encoding="utf-8"?>
+<p:sld xmlns:a="http://schemas.openxmlformats.org/drawingml/2006/main" xmlns:r="http://schemas.openxmlformats.org/officeDocument/2006/relationships" xmlns:p="http://schemas.openxmlformats.org/presentationml/2006/main">
+  <p:cSld>
+    <p:spTree>
+      <p:nvGrpSpPr>
+        <p:cNvPr id="1" name=""/>
+        <p:cNvGrpSpPr/>
+        <p:nvPr/>
+      </p:nvGrpSpPr>
+      <p:grpSpPr>
+        <a:xfrm>
+          <a:off x="0" y="0"/>
+          <a:ext cx="0" cy="0"/>
+          <a:chOff x="0" y="0"/>
+          <a:chExt cx="0" cy="0"/>
+        </a:xfrm>
+      </p:grpSpPr>
+      <p:grpSp>
+        <p:nvGrpSpPr>
+          <p:cNvPr id="4" name="组合 3"/>
+          <p:cNvGrpSpPr/>
+          <p:nvPr/>
+        </p:nvGrpSpPr>
+        <p:grpSpPr>
+          <a:xfrm>
+            <a:off x="0" y="785794"/>
+            <a:ext cx="4143372" cy="142876"/>
+            <a:chOff x="0" y="785794"/>
+            <a:chExt cx="4143372" cy="142876"/>
+          </a:xfrm>
+        </p:grpSpPr>
+        <p:cxnSp>
+          <p:nvCxnSpPr>
+            <p:cNvPr id="5" name="直接连接符 4"/>
+            <p:cNvCxnSpPr>
+              <a:endCxn id="6" idx="3"/>
+            </p:cNvCxnSpPr>
+            <p:nvPr/>
+          </p:nvCxnSpPr>
+          <p:spPr>
+            <a:xfrm rot="10800000">
+              <a:off x="642910" y="857232"/>
+              <a:ext cx="3500462" cy="1588"/>
+            </a:xfrm>
+            <a:prstGeom prst="line">
+              <a:avLst/>
+            </a:prstGeom>
+            <a:ln w="19050">
+              <a:solidFill>
+                <a:srgbClr val="7030A0"/>
+              </a:solidFill>
+            </a:ln>
+          </p:spPr>
+          <p:style>
+            <a:lnRef idx="1">
+              <a:schemeClr val="accent1"/>
+            </a:lnRef>
+            <a:fillRef idx="0">
+              <a:schemeClr val="accent1"/>
+            </a:fillRef>
+            <a:effectRef idx="0">
+              <a:schemeClr val="accent1"/>
+            </a:effectRef>
+            <a:fontRef idx="minor">
+              <a:schemeClr val="tx1"/>
+            </a:fontRef>
+          </p:style>
+        </p:cxnSp>
+        <p:sp>
+          <p:nvSpPr>
+            <p:cNvPr id="6" name="Rectangle 7"/>
+            <p:cNvSpPr>
+              <a:spLocks noChangeArrowheads="1"/>
+            </p:cNvSpPr>
+            <p:nvPr/>
+          </p:nvSpPr>
+          <p:spPr bwMode="auto">
+            <a:xfrm>
+              <a:off x="0" y="785794"/>
+              <a:ext cx="642910" cy="142876"/>
+            </a:xfrm>
+            <a:prstGeom prst="rect">
+              <a:avLst/>
+            </a:prstGeom>
+            <a:solidFill>
+              <a:srgbClr val="7030A0"/>
+            </a:solidFill>
+            <a:ln w="9525">
+              <a:solidFill>
+                <a:srgbClr val="7030A0"/>
+              </a:solidFill>
+              <a:miter lim="800000"/>
+              <a:headEnd/>
+              <a:tailEnd/>
+            </a:ln>
+          </p:spPr>
+          <p:txBody>
+            <a:bodyPr wrap="none" anchor="ctr"/>
+            <a:lstStyle/>
+            <a:p>
+              <a:endParaRPr lang="zh-CN" altLang="en-US"/>
+            </a:p>
+          </p:txBody>
+        </p:sp>
+      </p:grpSp>
+      <p:sp>
+        <p:nvSpPr>
+          <p:cNvPr id="7" name="TextBox 3"/>
+          <p:cNvSpPr txBox="1"/>
+          <p:nvPr/>
+        </p:nvSpPr>
+        <p:spPr>
+          <a:xfrm>
+            <a:off x="142844" y="116632"/>
+            <a:ext cx="2598788" cy="523220"/>
+          </a:xfrm>
+          <a:prstGeom prst="rect">
+            <a:avLst/>
+          </a:prstGeom>
+          <a:noFill/>
+        </p:spPr>
+        <p:txBody>
+          <a:bodyPr wrap="none" rtlCol="0">
+            <a:spAutoFit/>
+          </a:bodyPr>
+          <a:lstStyle/>
+          <a:p>
+            <a:r>
+              <a:rPr lang="en-US" altLang="zh-CN" sz="2800" b="1" dirty="0" smtClean="0">
+                <a:ea typeface="微软雅黑" pitchFamily="34" charset="-122"/>
+                <a:cs typeface="Times New Roman" pitchFamily="18" charset="0"/>
+              </a:rPr>
+              <a:t>CONCLUSION</a:t>
+            </a:r>
+            <a:endParaRPr lang="en-US" altLang="zh-CN" sz="2800" b="1" dirty="0">
+              <a:ea typeface="微软雅黑" pitchFamily="34" charset="-122"/>
+              <a:cs typeface="Times New Roman" pitchFamily="18" charset="0"/>
+            </a:endParaRPr>
+          </a:p>
+        </p:txBody>
+      </p:sp>
+      <p:sp>
+        <p:nvSpPr>
+          <p:cNvPr id="10" name="文本框 9"/>
+          <p:cNvSpPr txBox="1"/>
+          <p:nvPr/>
+        </p:nvSpPr>
+        <p:spPr>
+          <a:xfrm>
+            <a:off x="395536" y="1340768"/>
+            <a:ext cx="8352928" cy="1200329"/>
+          </a:xfrm>
+          <a:prstGeom prst="rect">
+            <a:avLst/>
+          </a:prstGeom>
+          <a:noFill/>
+        </p:spPr>
+        <p:txBody>
+          <a:bodyPr wrap="square" rtlCol="0">
+            <a:spAutoFit/>
+          </a:bodyPr>
+          <a:lstStyle/>
+          <a:p>
+            <a:r>
+              <a:rPr lang="en-US" altLang="zh-CN" sz="2400" kern="100" dirty="0" smtClean="0">
+                <a:solidFill>
+                  <a:srgbClr val="000000"/>
+                </a:solidFill>
+                <a:latin typeface="+mn-lt"/>
+                <a:cs typeface="Times New Roman" panose="02020603050405020304" pitchFamily="18" charset="0"/>
+              </a:rPr>
+              <a:t>1. From first principle we systematically investigate the phonon anharmonic thermal conductivity , Seebeck coefficient and electric conductivity with phonon-electron coupling considered</a:t>
+            </a:r>
+            <a:endParaRPr lang="zh-CN" altLang="en-US" sz="2400" kern="100" dirty="0">
+              <a:solidFill>
+                <a:srgbClr val="000000"/>
+              </a:solidFill>
+              <a:latin typeface="+mn-lt"/>
+              <a:cs typeface="Times New Roman" panose="02020603050405020304" pitchFamily="18" charset="0"/>
+            </a:endParaRPr>
+          </a:p>
+        </p:txBody>
+      </p:sp>
+      <p:sp>
+        <p:nvSpPr>
+          <p:cNvPr id="11" name="文本框 10"/>
+          <p:cNvSpPr txBox="1"/>
+          <p:nvPr/>
+        </p:nvSpPr>
+        <p:spPr>
+          <a:xfrm>
+            <a:off x="395536" y="2780928"/>
+            <a:ext cx="8352928" cy="830997"/>
+          </a:xfrm>
+          <a:prstGeom prst="rect">
+            <a:avLst/>
+          </a:prstGeom>
+          <a:noFill/>
+        </p:spPr>
+        <p:txBody>
+          <a:bodyPr wrap="square" rtlCol="0">
+            <a:spAutoFit/>
+          </a:bodyPr>
+          <a:lstStyle/>
+          <a:p>
+            <a:r>
+              <a:rPr lang="en-US" altLang="zh-CN" sz="2400" kern="100" dirty="0" smtClean="0">
+                <a:solidFill>
+                  <a:srgbClr val="000000"/>
+                </a:solidFill>
+                <a:latin typeface="+mn-lt"/>
+                <a:cs typeface="Times New Roman" panose="02020603050405020304" pitchFamily="18" charset="0"/>
+              </a:rPr>
+              <a:t>2. We found the low thermal conductivity is caused by the strong anharmonic scattering. </a:t>
+            </a:r>
+            <a:endParaRPr lang="zh-CN" altLang="en-US" sz="2400" kern="100" dirty="0">
+              <a:solidFill>
+                <a:srgbClr val="000000"/>
+              </a:solidFill>
+              <a:latin typeface="+mn-lt"/>
+              <a:cs typeface="Times New Roman" panose="02020603050405020304" pitchFamily="18" charset="0"/>
+            </a:endParaRPr>
+          </a:p>
+        </p:txBody>
+      </p:sp>
+    </p:spTree>
+    <p:extLst>
+      <p:ext uri="{BB962C8B-B14F-4D97-AF65-F5344CB8AC3E}">
+        <p14:creationId xmlns:p14="http://schemas.microsoft.com/office/powerpoint/2010/main" val="1454801111"/>
+      </p:ext>
+    </p:extLst>
+  </p:cSld>
+  <p:clrMapOvr>
+    <a:masterClrMapping/>
+  </p:clrMapOvr>
+  <mc:AlternateContent xmlns:mc="http://schemas.openxmlformats.org/markup-compatibility/2006" xmlns:p14="http://schemas.microsoft.com/office/powerpoint/2010/main">
+    <mc:Choice Requires="p14">
+      <p:transition p14:dur="250">
+        <p:push/>
+      </p:transition>
+    </mc:Choice>
+    <mc:Fallback xmlns="">
+      <p:transition>
+        <p:push/>
+      </p:transition>
+    </mc:Fallback>
+  </mc:AlternateContent>
+  <p:timing>
+    <p:tnLst>
+      <p:par>
+        <p:cTn id="1" dur="indefinite" restart="never" nodeType="tmRoot"/>
+      </p:par>
+    </p:tnLst>
+  </p:timing>
+</p:sld>
+</file>
+
+<file path=ppt/slides/slide22.xml><?xml version="1.0" encoding="utf-8"?>
+<p:sld xmlns:a="http://schemas.openxmlformats.org/drawingml/2006/main" xmlns:r="http://schemas.openxmlformats.org/officeDocument/2006/relationships" xmlns:p="http://schemas.openxmlformats.org/presentationml/2006/main">
+  <p:cSld>
+    <p:spTree>
+      <p:nvGrpSpPr>
+        <p:cNvPr id="1" name=""/>
+        <p:cNvGrpSpPr/>
+        <p:nvPr/>
+      </p:nvGrpSpPr>
+      <p:grpSpPr>
+        <a:xfrm>
+          <a:off x="0" y="0"/>
+          <a:ext cx="0" cy="0"/>
+          <a:chOff x="0" y="0"/>
+          <a:chExt cx="0" cy="0"/>
+        </a:xfrm>
+      </p:grpSpPr>
+      <p:sp>
+        <p:nvSpPr>
+          <p:cNvPr id="5" name="文本框 4"/>
+          <p:cNvSpPr txBox="1"/>
+          <p:nvPr/>
+        </p:nvSpPr>
+        <p:spPr>
+          <a:xfrm>
+            <a:off x="3797913" y="3712359"/>
+            <a:ext cx="1548172" cy="400110"/>
+          </a:xfrm>
+          <a:prstGeom prst="rect">
+            <a:avLst/>
+          </a:prstGeom>
+          <a:noFill/>
+        </p:spPr>
+        <p:txBody>
+          <a:bodyPr wrap="square" rtlCol="0">
+            <a:spAutoFit/>
+          </a:bodyPr>
+          <a:lstStyle/>
+          <a:p>
+            <a:r>
+              <a:rPr lang="en-US" altLang="zh-CN" sz="2000" dirty="0" smtClean="0">
+                <a:latin typeface="微软雅黑" panose="020B0503020204020204" pitchFamily="34" charset="-122"/>
+                <a:ea typeface="微软雅黑" panose="020B0503020204020204" pitchFamily="34" charset="-122"/>
+              </a:rPr>
+              <a:t>Yang Zhou</a:t>
+            </a:r>
+            <a:endParaRPr lang="zh-CN" altLang="en-US" sz="2000" dirty="0">
+              <a:latin typeface="微软雅黑" panose="020B0503020204020204" pitchFamily="34" charset="-122"/>
+              <a:ea typeface="微软雅黑" panose="020B0503020204020204" pitchFamily="34" charset="-122"/>
+            </a:endParaRPr>
+          </a:p>
+        </p:txBody>
+      </p:sp>
+      <p:sp>
+        <p:nvSpPr>
+          <p:cNvPr id="6" name="文本框 5"/>
+          <p:cNvSpPr txBox="1"/>
+          <p:nvPr/>
+        </p:nvSpPr>
+        <p:spPr>
+          <a:xfrm>
+            <a:off x="3275856" y="5373216"/>
+            <a:ext cx="2592287" cy="400110"/>
+          </a:xfrm>
+          <a:prstGeom prst="rect">
+            <a:avLst/>
+          </a:prstGeom>
+          <a:noFill/>
+        </p:spPr>
+        <p:txBody>
+          <a:bodyPr wrap="square" rtlCol="0">
+            <a:spAutoFit/>
+          </a:bodyPr>
+          <a:lstStyle/>
+          <a:p>
+            <a:r>
+              <a:rPr lang="en-US" altLang="zh-CN" sz="2000" dirty="0">
+                <a:latin typeface="微软雅黑" panose="020B0503020204020204" pitchFamily="34" charset="-122"/>
+                <a:ea typeface="微软雅黑" panose="020B0503020204020204" pitchFamily="34" charset="-122"/>
+              </a:rPr>
+              <a:t>@ </a:t>
+            </a:r>
+            <a:r>
+              <a:rPr lang="en-US" altLang="zh-CN" sz="2000" dirty="0" err="1" smtClean="0">
+                <a:latin typeface="微软雅黑" panose="020B0503020204020204" pitchFamily="34" charset="-122"/>
+                <a:ea typeface="微软雅黑" panose="020B0503020204020204" pitchFamily="34" charset="-122"/>
+              </a:rPr>
+              <a:t>Fudan</a:t>
+            </a:r>
+            <a:r>
+              <a:rPr lang="en-US" altLang="zh-CN" sz="2000" dirty="0" smtClean="0">
+                <a:latin typeface="微软雅黑" panose="020B0503020204020204" pitchFamily="34" charset="-122"/>
+                <a:ea typeface="微软雅黑" panose="020B0503020204020204" pitchFamily="34" charset="-122"/>
+              </a:rPr>
+              <a:t> University</a:t>
+            </a:r>
+            <a:endParaRPr lang="zh-CN" altLang="en-US" sz="2000" dirty="0">
+              <a:latin typeface="微软雅黑" panose="020B0503020204020204" pitchFamily="34" charset="-122"/>
+              <a:ea typeface="微软雅黑" panose="020B0503020204020204" pitchFamily="34" charset="-122"/>
+            </a:endParaRPr>
+          </a:p>
+        </p:txBody>
+      </p:sp>
+      <p:pic>
+        <p:nvPicPr>
+          <p:cNvPr id="8" name="图片 7"/>
+          <p:cNvPicPr>
+            <a:picLocks noChangeAspect="1"/>
+          </p:cNvPicPr>
+          <p:nvPr/>
+        </p:nvPicPr>
+        <p:blipFill>
+          <a:blip r:embed="rId2">
+            <a:extLst>
+              <a:ext uri="{28A0092B-C50C-407E-A947-70E740481C1C}">
+                <a14:useLocalDpi xmlns:a14="http://schemas.microsoft.com/office/drawing/2010/main" val="0"/>
+              </a:ext>
+            </a:extLst>
+          </a:blip>
+          <a:stretch>
+            <a:fillRect/>
+          </a:stretch>
+        </p:blipFill>
+        <p:spPr>
+          <a:xfrm>
+            <a:off x="850308" y="152477"/>
+            <a:ext cx="3842983" cy="1015961"/>
+          </a:xfrm>
+          <a:prstGeom prst="rect">
+            <a:avLst/>
+          </a:prstGeom>
+        </p:spPr>
+      </p:pic>
+      <p:pic>
+        <p:nvPicPr>
+          <p:cNvPr id="9" name="图片 8"/>
+          <p:cNvPicPr>
+            <a:picLocks noChangeAspect="1"/>
+          </p:cNvPicPr>
+          <p:nvPr/>
+        </p:nvPicPr>
+        <p:blipFill>
+          <a:blip r:embed="rId3">
+            <a:extLst>
+              <a:ext uri="{28A0092B-C50C-407E-A947-70E740481C1C}">
+                <a14:useLocalDpi xmlns:a14="http://schemas.microsoft.com/office/drawing/2010/main" val="0"/>
+              </a:ext>
+            </a:extLst>
+          </a:blip>
+          <a:stretch>
+            <a:fillRect/>
+          </a:stretch>
+        </p:blipFill>
+        <p:spPr>
+          <a:xfrm>
+            <a:off x="4723723" y="116632"/>
+            <a:ext cx="2944622" cy="1015961"/>
+          </a:xfrm>
+          <a:prstGeom prst="rect">
+            <a:avLst/>
+          </a:prstGeom>
+        </p:spPr>
+      </p:pic>
+      <p:sp>
+        <p:nvSpPr>
+          <p:cNvPr id="2" name="矩形 1"/>
+          <p:cNvSpPr/>
+          <p:nvPr/>
+        </p:nvSpPr>
+        <p:spPr>
+          <a:xfrm>
+            <a:off x="0" y="1772816"/>
+            <a:ext cx="9144000" cy="1470884"/>
+          </a:xfrm>
+          <a:prstGeom prst="rect">
+            <a:avLst/>
+          </a:prstGeom>
+          <a:solidFill>
+            <a:srgbClr val="512373"/>
+          </a:solidFill>
+          <a:ln>
+            <a:noFill/>
+          </a:ln>
+        </p:spPr>
+        <p:style>
+          <a:lnRef idx="2">
+            <a:schemeClr val="accent1">
+              <a:shade val="50000"/>
+            </a:schemeClr>
+          </a:lnRef>
+          <a:fillRef idx="1">
+            <a:schemeClr val="accent1"/>
+          </a:fillRef>
+          <a:effectRef idx="0">
+            <a:schemeClr val="accent1"/>
+          </a:effectRef>
+          <a:fontRef idx="minor">
+            <a:schemeClr val="lt1"/>
+          </a:fontRef>
+        </p:style>
+        <p:txBody>
+          <a:bodyPr rtlCol="0" anchor="ctr"/>
+          <a:lstStyle/>
+          <a:p>
+            <a:pPr algn="ctr"/>
+            <a:r>
+              <a:rPr lang="en-US" altLang="zh-CN" sz="3600" dirty="0">
+                <a:solidFill>
+                  <a:schemeClr val="bg1"/>
+                </a:solidFill>
+                <a:latin typeface="微软雅黑" panose="020B0503020204020204" pitchFamily="34" charset="-122"/>
+                <a:ea typeface="微软雅黑" panose="020B0503020204020204" pitchFamily="34" charset="-122"/>
+              </a:rPr>
+              <a:t>THANK FOR YOUR ATTENTION!</a:t>
+            </a:r>
+          </a:p>
+        </p:txBody>
+      </p:sp>
+      <p:sp>
+        <p:nvSpPr>
+          <p:cNvPr id="3" name="灯片编号占位符 2"/>
+          <p:cNvSpPr>
+            <a:spLocks noGrp="1"/>
+          </p:cNvSpPr>
+          <p:nvPr>
+            <p:ph type="sldNum" sz="quarter" idx="12"/>
+          </p:nvPr>
+        </p:nvSpPr>
+        <p:spPr/>
+        <p:txBody>
+          <a:bodyPr/>
+          <a:lstStyle/>
+          <a:p>
+            <a:pPr>
+              <a:defRPr/>
+            </a:pPr>
+            <a:fld id="{D2422954-7ADE-4775-92BF-88688A89BB4A}" type="slidenum">
+              <a:rPr lang="zh-CN" altLang="zh-CN" smtClean="0"/>
+              <a:pPr>
+                <a:defRPr/>
+              </a:pPr>
+              <a:t>22</a:t>
+            </a:fld>
+            <a:endParaRPr lang="zh-CN" altLang="zh-CN"/>
+          </a:p>
+        </p:txBody>
+      </p:sp>
+    </p:spTree>
+    <p:extLst>
+      <p:ext uri="{BB962C8B-B14F-4D97-AF65-F5344CB8AC3E}">
+        <p14:creationId xmlns:p14="http://schemas.microsoft.com/office/powerpoint/2010/main" val="2133724444"/>
+      </p:ext>
+    </p:extLst>
+  </p:cSld>
+  <p:clrMapOvr>
+    <a:masterClrMapping/>
+  </p:clrMapOvr>
+  <mc:AlternateContent xmlns:mc="http://schemas.openxmlformats.org/markup-compatibility/2006" xmlns:p14="http://schemas.microsoft.com/office/powerpoint/2010/main">
+    <mc:Choice Requires="p14">
+      <p:transition p14:dur="250">
+        <p:push/>
+      </p:transition>
+    </mc:Choice>
+    <mc:Fallback xmlns="">
+      <p:transition>
+        <p:push/>
+      </p:transition>
+    </mc:Fallback>
+  </mc:AlternateContent>
+  <p:timing>
+    <p:tnLst>
+      <p:par>
+        <p:cTn id="1" dur="indefinite" restart="never" nodeType="tmRoot"/>
+      </p:par>
+    </p:tnLst>
+  </p:timing>
+</p:sld>
+</file>
+
+<file path=ppt/slides/slide3.xml><?xml version="1.0" encoding="utf-8"?>
+<p:sld xmlns:a="http://schemas.openxmlformats.org/drawingml/2006/main" xmlns:r="http://schemas.openxmlformats.org/officeDocument/2006/relationships" xmlns:p="http://schemas.openxmlformats.org/presentationml/2006/main">
+  <p:cSld>
+    <p:spTree>
+      <p:nvGrpSpPr>
+        <p:cNvPr id="1" name=""/>
+        <p:cNvGrpSpPr/>
+        <p:nvPr/>
+      </p:nvGrpSpPr>
+      <p:grpSpPr>
+        <a:xfrm>
+          <a:off x="0" y="0"/>
+          <a:ext cx="0" cy="0"/>
+          <a:chOff x="0" y="0"/>
+          <a:chExt cx="0" cy="0"/>
+        </a:xfrm>
+      </p:grpSpPr>
+      <p:pic>
+        <p:nvPicPr>
+          <p:cNvPr id="25" name="图片 24"/>
+          <p:cNvPicPr>
+            <a:picLocks noChangeAspect="1"/>
+          </p:cNvPicPr>
+          <p:nvPr/>
+        </p:nvPicPr>
+        <p:blipFill>
+          <a:blip r:embed="rId2"/>
+          <a:stretch>
+            <a:fillRect/>
+          </a:stretch>
+        </p:blipFill>
+        <p:spPr>
+          <a:xfrm>
+            <a:off x="4831457" y="2420888"/>
+            <a:ext cx="1304901" cy="1127069"/>
+          </a:xfrm>
+          <a:prstGeom prst="rect">
+            <a:avLst/>
+          </a:prstGeom>
+        </p:spPr>
+      </p:pic>
+      <p:grpSp>
+        <p:nvGrpSpPr>
+          <p:cNvPr id="4" name="组合 3"/>
+          <p:cNvGrpSpPr/>
+          <p:nvPr/>
+        </p:nvGrpSpPr>
+        <p:grpSpPr>
+          <a:xfrm>
+            <a:off x="0" y="785794"/>
+            <a:ext cx="4143372" cy="142876"/>
+            <a:chOff x="0" y="785794"/>
+            <a:chExt cx="4143372" cy="142876"/>
+          </a:xfrm>
+        </p:grpSpPr>
+        <p:cxnSp>
+          <p:nvCxnSpPr>
+            <p:cNvPr id="5" name="直接连接符 4"/>
+            <p:cNvCxnSpPr>
+              <a:endCxn id="6" idx="3"/>
+            </p:cNvCxnSpPr>
+            <p:nvPr/>
+          </p:nvCxnSpPr>
+          <p:spPr>
+            <a:xfrm rot="10800000">
+              <a:off x="642910" y="857232"/>
+              <a:ext cx="3500462" cy="1588"/>
+            </a:xfrm>
+            <a:prstGeom prst="line">
+              <a:avLst/>
+            </a:prstGeom>
+            <a:ln w="19050">
+              <a:solidFill>
+                <a:srgbClr val="7030A0"/>
+              </a:solidFill>
+            </a:ln>
+          </p:spPr>
+          <p:style>
+            <a:lnRef idx="1">
+              <a:schemeClr val="accent1"/>
+            </a:lnRef>
+            <a:fillRef idx="0">
+              <a:schemeClr val="accent1"/>
+            </a:fillRef>
+            <a:effectRef idx="0">
+              <a:schemeClr val="accent1"/>
+            </a:effectRef>
+            <a:fontRef idx="minor">
+              <a:schemeClr val="tx1"/>
+            </a:fontRef>
+          </p:style>
+        </p:cxnSp>
+        <p:sp>
+          <p:nvSpPr>
+            <p:cNvPr id="6" name="Rectangle 7"/>
+            <p:cNvSpPr>
+              <a:spLocks noChangeArrowheads="1"/>
+            </p:cNvSpPr>
+            <p:nvPr/>
+          </p:nvSpPr>
+          <p:spPr bwMode="auto">
+            <a:xfrm>
+              <a:off x="0" y="785794"/>
+              <a:ext cx="642910" cy="142876"/>
+            </a:xfrm>
+            <a:prstGeom prst="rect">
+              <a:avLst/>
+            </a:prstGeom>
+            <a:solidFill>
+              <a:srgbClr val="7030A0"/>
+            </a:solidFill>
+            <a:ln w="9525">
+              <a:solidFill>
+                <a:srgbClr val="7030A0"/>
+              </a:solidFill>
+              <a:miter lim="800000"/>
+              <a:headEnd/>
+              <a:tailEnd/>
+            </a:ln>
+          </p:spPr>
+          <p:txBody>
+            <a:bodyPr wrap="none" anchor="ctr"/>
+            <a:lstStyle/>
+            <a:p>
+              <a:endParaRPr lang="zh-CN" altLang="en-US"/>
+            </a:p>
+          </p:txBody>
+        </p:sp>
+      </p:grpSp>
+      <p:sp>
+        <p:nvSpPr>
+          <p:cNvPr id="7" name="TextBox 3"/>
+          <p:cNvSpPr txBox="1"/>
+          <p:nvPr/>
+        </p:nvSpPr>
+        <p:spPr>
+          <a:xfrm>
+            <a:off x="142844" y="116632"/>
             <a:ext cx="2938625" cy="523220"/>
           </a:xfrm>
           <a:prstGeom prst="rect">
@@ -11120,17 +14061,7 @@
                 <a:latin typeface="+mn-lt"/>
                 <a:cs typeface="Times New Roman" panose="02020603050405020304" pitchFamily="18" charset="0"/>
               </a:rPr>
-              <a:t> </a:t>
-            </a:r>
-            <a:r>
-              <a:rPr lang="en-US" altLang="zh-CN" sz="2400" kern="100" dirty="0" smtClean="0">
-                <a:solidFill>
-                  <a:srgbClr val="000000"/>
-                </a:solidFill>
-                <a:latin typeface="+mn-lt"/>
-                <a:cs typeface="Times New Roman" panose="02020603050405020304" pitchFamily="18" charset="0"/>
-              </a:rPr>
-              <a:t>What is thermoelectricity</a:t>
+              <a:t> What is thermoelectricity</a:t>
             </a:r>
             <a:endParaRPr lang="zh-CN" altLang="en-US" sz="2400" kern="100" dirty="0">
               <a:solidFill>
@@ -14208,8 +17139,8 @@
           </a:p>
         </p:txBody>
       </p:sp>
-      <mc:AlternateContent xmlns:mc="http://schemas.openxmlformats.org/markup-compatibility/2006">
-        <mc:Choice xmlns:a14="http://schemas.microsoft.com/office/drawing/2010/main" Requires="a14">
+      <mc:AlternateContent xmlns:mc="http://schemas.openxmlformats.org/markup-compatibility/2006" xmlns:a14="http://schemas.microsoft.com/office/drawing/2010/main">
+        <mc:Choice Requires="a14">
           <p:sp>
             <p:nvSpPr>
               <p:cNvPr id="24" name="文本框 23"/>
@@ -14393,7 +17324,7 @@
             </p:txBody>
           </p:sp>
         </mc:Choice>
-        <mc:Fallback>
+        <mc:Fallback xmlns="">
           <p:sp>
             <p:nvSpPr>
               <p:cNvPr id="24" name="文本框 23"/>
@@ -16929,8 +19860,8 @@
           </p:txBody>
         </p:sp>
       </p:grpSp>
-      <mc:AlternateContent xmlns:mc="http://schemas.openxmlformats.org/markup-compatibility/2006">
-        <mc:Choice xmlns:a14="http://schemas.microsoft.com/office/drawing/2010/main" Requires="a14">
+      <mc:AlternateContent xmlns:mc="http://schemas.openxmlformats.org/markup-compatibility/2006" xmlns:a14="http://schemas.microsoft.com/office/drawing/2010/main">
+        <mc:Choice Requires="a14">
           <p:sp>
             <p:nvSpPr>
               <p:cNvPr id="8" name="文本框 7"/>
@@ -16953,6 +19884,7 @@
               </a:bodyPr>
               <a:lstStyle/>
               <a:p>
+                <a:pPr/>
                 <a14:m>
                   <m:oMathPara xmlns:m="http://schemas.openxmlformats.org/officeDocument/2006/math">
                     <m:oMathParaPr>
@@ -17367,7 +20299,7 @@
             </p:txBody>
           </p:sp>
         </mc:Choice>
-        <mc:Fallback>
+        <mc:Fallback xmlns="">
           <p:sp>
             <p:nvSpPr>
               <p:cNvPr id="8" name="文本框 7"/>
@@ -17406,8 +20338,8 @@
           </p:sp>
         </mc:Fallback>
       </mc:AlternateContent>
-      <mc:AlternateContent xmlns:mc="http://schemas.openxmlformats.org/markup-compatibility/2006">
-        <mc:Choice xmlns:a14="http://schemas.microsoft.com/office/drawing/2010/main" Requires="a14">
+      <mc:AlternateContent xmlns:mc="http://schemas.openxmlformats.org/markup-compatibility/2006" xmlns:a14="http://schemas.microsoft.com/office/drawing/2010/main">
+        <mc:Choice Requires="a14">
           <p:sp>
             <p:nvSpPr>
               <p:cNvPr id="9" name="矩形 8"/>
@@ -17429,6 +20361,7 @@
               </a:bodyPr>
               <a:lstStyle/>
               <a:p>
+                <a:pPr/>
                 <a14:m>
                   <m:oMathPara xmlns:m="http://schemas.openxmlformats.org/officeDocument/2006/math">
                     <m:oMathParaPr>
@@ -17541,7 +20474,7 @@
             </p:txBody>
           </p:sp>
         </mc:Choice>
-        <mc:Fallback>
+        <mc:Fallback xmlns="">
           <p:sp>
             <p:nvSpPr>
               <p:cNvPr id="9" name="矩形 8"/>
@@ -17580,8 +20513,8 @@
           </p:sp>
         </mc:Fallback>
       </mc:AlternateContent>
-      <mc:AlternateContent xmlns:mc="http://schemas.openxmlformats.org/markup-compatibility/2006">
-        <mc:Choice xmlns:a14="http://schemas.microsoft.com/office/drawing/2010/main" Requires="a14">
+      <mc:AlternateContent xmlns:mc="http://schemas.openxmlformats.org/markup-compatibility/2006" xmlns:a14="http://schemas.microsoft.com/office/drawing/2010/main">
+        <mc:Choice Requires="a14">
           <p:sp>
             <p:nvSpPr>
               <p:cNvPr id="10" name="矩形 9"/>
@@ -17603,6 +20536,7 @@
               </a:bodyPr>
               <a:lstStyle/>
               <a:p>
+                <a:pPr/>
                 <a14:m>
                   <m:oMathPara xmlns:m="http://schemas.openxmlformats.org/officeDocument/2006/math">
                     <m:oMathParaPr>
@@ -17785,7 +20719,7 @@
             </p:txBody>
           </p:sp>
         </mc:Choice>
-        <mc:Fallback>
+        <mc:Fallback xmlns="">
           <p:sp>
             <p:nvSpPr>
               <p:cNvPr id="10" name="矩形 9"/>
